--- a/Презентация.pptx
+++ b/Презентация.pptx
@@ -8,15 +8,17 @@
     <p:sldId id="256" r:id="rId2"/>
     <p:sldId id="257" r:id="rId3"/>
     <p:sldId id="260" r:id="rId4"/>
-    <p:sldId id="272" r:id="rId5"/>
-    <p:sldId id="268" r:id="rId6"/>
-    <p:sldId id="266" r:id="rId7"/>
-    <p:sldId id="267" r:id="rId8"/>
-    <p:sldId id="269" r:id="rId9"/>
-    <p:sldId id="271" r:id="rId10"/>
-    <p:sldId id="270" r:id="rId11"/>
-    <p:sldId id="273" r:id="rId12"/>
-    <p:sldId id="265" r:id="rId13"/>
+    <p:sldId id="274" r:id="rId5"/>
+    <p:sldId id="272" r:id="rId6"/>
+    <p:sldId id="268" r:id="rId7"/>
+    <p:sldId id="266" r:id="rId8"/>
+    <p:sldId id="267" r:id="rId9"/>
+    <p:sldId id="275" r:id="rId10"/>
+    <p:sldId id="269" r:id="rId11"/>
+    <p:sldId id="271" r:id="rId12"/>
+    <p:sldId id="270" r:id="rId13"/>
+    <p:sldId id="273" r:id="rId14"/>
+    <p:sldId id="265" r:id="rId15"/>
   </p:sldIdLst>
   <p:sldSz cx="12192000" cy="6858000"/>
   <p:notesSz cx="6858000" cy="9144000"/>
@@ -115,6 +117,11 @@
       </a:defRPr>
     </a:lvl9pPr>
   </p:defaultTextStyle>
+  <p:extLst>
+    <p:ext uri="{EFAFB233-063F-42B5-8137-9DF3F51BA10A}">
+      <p15:sldGuideLst xmlns:p15="http://schemas.microsoft.com/office/powerpoint/2012/main"/>
+    </p:ext>
+  </p:extLst>
 </p:presentation>
 </file>
 
@@ -831,6 +838,753 @@
   <dgm:styleLbl name="fgShp">
     <dgm:fillClrLst meth="repeat">
       <a:schemeClr val="accent1">
+        <a:tint val="60000"/>
+      </a:schemeClr>
+    </dgm:fillClrLst>
+    <dgm:linClrLst meth="repeat">
+      <a:schemeClr val="lt1"/>
+    </dgm:linClrLst>
+    <dgm:effectClrLst/>
+    <dgm:txLinClrLst/>
+    <dgm:txFillClrLst meth="repeat">
+      <a:schemeClr val="dk1"/>
+    </dgm:txFillClrLst>
+    <dgm:txEffectClrLst/>
+  </dgm:styleLbl>
+  <dgm:styleLbl name="revTx">
+    <dgm:fillClrLst meth="repeat">
+      <a:schemeClr val="lt1">
+        <a:alpha val="0"/>
+      </a:schemeClr>
+    </dgm:fillClrLst>
+    <dgm:linClrLst meth="repeat">
+      <a:schemeClr val="dk1">
+        <a:alpha val="0"/>
+      </a:schemeClr>
+    </dgm:linClrLst>
+    <dgm:effectClrLst/>
+    <dgm:txLinClrLst/>
+    <dgm:txFillClrLst meth="repeat">
+      <a:schemeClr val="tx1"/>
+    </dgm:txFillClrLst>
+    <dgm:txEffectClrLst/>
+  </dgm:styleLbl>
+</dgm:colorsDef>
+</file>
+
+<file path=ppt/diagrams/colors2.xml><?xml version="1.0" encoding="utf-8"?>
+<dgm:colorsDef xmlns:dgm="http://schemas.openxmlformats.org/drawingml/2006/diagram" xmlns:a="http://schemas.openxmlformats.org/drawingml/2006/main" uniqueId="urn:microsoft.com/office/officeart/2005/8/colors/accent2_2">
+  <dgm:title val=""/>
+  <dgm:desc val=""/>
+  <dgm:catLst>
+    <dgm:cat type="accent2" pri="11200"/>
+  </dgm:catLst>
+  <dgm:styleLbl name="node0">
+    <dgm:fillClrLst meth="repeat">
+      <a:schemeClr val="accent2"/>
+    </dgm:fillClrLst>
+    <dgm:linClrLst meth="repeat">
+      <a:schemeClr val="lt1"/>
+    </dgm:linClrLst>
+    <dgm:effectClrLst/>
+    <dgm:txLinClrLst/>
+    <dgm:txFillClrLst/>
+    <dgm:txEffectClrLst/>
+  </dgm:styleLbl>
+  <dgm:styleLbl name="node1">
+    <dgm:fillClrLst meth="repeat">
+      <a:schemeClr val="accent2"/>
+    </dgm:fillClrLst>
+    <dgm:linClrLst meth="repeat">
+      <a:schemeClr val="lt1"/>
+    </dgm:linClrLst>
+    <dgm:effectClrLst/>
+    <dgm:txLinClrLst/>
+    <dgm:txFillClrLst/>
+    <dgm:txEffectClrLst/>
+  </dgm:styleLbl>
+  <dgm:styleLbl name="alignNode1">
+    <dgm:fillClrLst meth="repeat">
+      <a:schemeClr val="accent2"/>
+    </dgm:fillClrLst>
+    <dgm:linClrLst meth="repeat">
+      <a:schemeClr val="accent2"/>
+    </dgm:linClrLst>
+    <dgm:effectClrLst/>
+    <dgm:txLinClrLst/>
+    <dgm:txFillClrLst/>
+    <dgm:txEffectClrLst/>
+  </dgm:styleLbl>
+  <dgm:styleLbl name="lnNode1">
+    <dgm:fillClrLst meth="repeat">
+      <a:schemeClr val="accent2"/>
+    </dgm:fillClrLst>
+    <dgm:linClrLst meth="repeat">
+      <a:schemeClr val="lt1"/>
+    </dgm:linClrLst>
+    <dgm:effectClrLst/>
+    <dgm:txLinClrLst/>
+    <dgm:txFillClrLst/>
+    <dgm:txEffectClrLst/>
+  </dgm:styleLbl>
+  <dgm:styleLbl name="vennNode1">
+    <dgm:fillClrLst meth="repeat">
+      <a:schemeClr val="accent2">
+        <a:alpha val="50000"/>
+      </a:schemeClr>
+    </dgm:fillClrLst>
+    <dgm:linClrLst meth="repeat">
+      <a:schemeClr val="lt1"/>
+    </dgm:linClrLst>
+    <dgm:effectClrLst/>
+    <dgm:txLinClrLst/>
+    <dgm:txFillClrLst/>
+    <dgm:txEffectClrLst/>
+  </dgm:styleLbl>
+  <dgm:styleLbl name="node2">
+    <dgm:fillClrLst meth="repeat">
+      <a:schemeClr val="accent2"/>
+    </dgm:fillClrLst>
+    <dgm:linClrLst meth="repeat">
+      <a:schemeClr val="lt1"/>
+    </dgm:linClrLst>
+    <dgm:effectClrLst/>
+    <dgm:txLinClrLst/>
+    <dgm:txFillClrLst/>
+    <dgm:txEffectClrLst/>
+  </dgm:styleLbl>
+  <dgm:styleLbl name="node3">
+    <dgm:fillClrLst meth="repeat">
+      <a:schemeClr val="accent2"/>
+    </dgm:fillClrLst>
+    <dgm:linClrLst meth="repeat">
+      <a:schemeClr val="lt1"/>
+    </dgm:linClrLst>
+    <dgm:effectClrLst/>
+    <dgm:txLinClrLst/>
+    <dgm:txFillClrLst/>
+    <dgm:txEffectClrLst/>
+  </dgm:styleLbl>
+  <dgm:styleLbl name="node4">
+    <dgm:fillClrLst meth="repeat">
+      <a:schemeClr val="accent2"/>
+    </dgm:fillClrLst>
+    <dgm:linClrLst meth="repeat">
+      <a:schemeClr val="lt1"/>
+    </dgm:linClrLst>
+    <dgm:effectClrLst/>
+    <dgm:txLinClrLst/>
+    <dgm:txFillClrLst/>
+    <dgm:txEffectClrLst/>
+  </dgm:styleLbl>
+  <dgm:styleLbl name="fgImgPlace1">
+    <dgm:fillClrLst meth="repeat">
+      <a:schemeClr val="accent2">
+        <a:tint val="50000"/>
+      </a:schemeClr>
+    </dgm:fillClrLst>
+    <dgm:linClrLst meth="repeat">
+      <a:schemeClr val="lt1"/>
+    </dgm:linClrLst>
+    <dgm:effectClrLst/>
+    <dgm:txLinClrLst/>
+    <dgm:txFillClrLst meth="repeat">
+      <a:schemeClr val="lt1"/>
+    </dgm:txFillClrLst>
+    <dgm:txEffectClrLst/>
+  </dgm:styleLbl>
+  <dgm:styleLbl name="alignImgPlace1">
+    <dgm:fillClrLst meth="repeat">
+      <a:schemeClr val="accent2">
+        <a:tint val="50000"/>
+      </a:schemeClr>
+    </dgm:fillClrLst>
+    <dgm:linClrLst meth="repeat">
+      <a:schemeClr val="lt1"/>
+    </dgm:linClrLst>
+    <dgm:effectClrLst/>
+    <dgm:txLinClrLst/>
+    <dgm:txFillClrLst meth="repeat">
+      <a:schemeClr val="lt1"/>
+    </dgm:txFillClrLst>
+    <dgm:txEffectClrLst/>
+  </dgm:styleLbl>
+  <dgm:styleLbl name="bgImgPlace1">
+    <dgm:fillClrLst meth="repeat">
+      <a:schemeClr val="accent2">
+        <a:tint val="50000"/>
+      </a:schemeClr>
+    </dgm:fillClrLst>
+    <dgm:linClrLst meth="repeat">
+      <a:schemeClr val="lt1"/>
+    </dgm:linClrLst>
+    <dgm:effectClrLst/>
+    <dgm:txLinClrLst/>
+    <dgm:txFillClrLst meth="repeat">
+      <a:schemeClr val="lt1"/>
+    </dgm:txFillClrLst>
+    <dgm:txEffectClrLst/>
+  </dgm:styleLbl>
+  <dgm:styleLbl name="sibTrans2D1">
+    <dgm:fillClrLst meth="repeat">
+      <a:schemeClr val="accent2">
+        <a:tint val="60000"/>
+      </a:schemeClr>
+    </dgm:fillClrLst>
+    <dgm:linClrLst meth="repeat">
+      <a:schemeClr val="accent2">
+        <a:tint val="60000"/>
+      </a:schemeClr>
+    </dgm:linClrLst>
+    <dgm:effectClrLst/>
+    <dgm:txLinClrLst/>
+    <dgm:txFillClrLst/>
+    <dgm:txEffectClrLst/>
+  </dgm:styleLbl>
+  <dgm:styleLbl name="fgSibTrans2D1">
+    <dgm:fillClrLst meth="repeat">
+      <a:schemeClr val="accent2">
+        <a:tint val="60000"/>
+      </a:schemeClr>
+    </dgm:fillClrLst>
+    <dgm:linClrLst meth="repeat">
+      <a:schemeClr val="accent2">
+        <a:tint val="60000"/>
+      </a:schemeClr>
+    </dgm:linClrLst>
+    <dgm:effectClrLst/>
+    <dgm:txLinClrLst/>
+    <dgm:txFillClrLst/>
+    <dgm:txEffectClrLst/>
+  </dgm:styleLbl>
+  <dgm:styleLbl name="bgSibTrans2D1">
+    <dgm:fillClrLst meth="repeat">
+      <a:schemeClr val="accent2">
+        <a:tint val="60000"/>
+      </a:schemeClr>
+    </dgm:fillClrLst>
+    <dgm:linClrLst meth="repeat">
+      <a:schemeClr val="accent2">
+        <a:tint val="60000"/>
+      </a:schemeClr>
+    </dgm:linClrLst>
+    <dgm:effectClrLst/>
+    <dgm:txLinClrLst/>
+    <dgm:txFillClrLst/>
+    <dgm:txEffectClrLst/>
+  </dgm:styleLbl>
+  <dgm:styleLbl name="sibTrans1D1">
+    <dgm:fillClrLst meth="repeat">
+      <a:schemeClr val="accent2"/>
+    </dgm:fillClrLst>
+    <dgm:linClrLst meth="repeat">
+      <a:schemeClr val="accent2"/>
+    </dgm:linClrLst>
+    <dgm:effectClrLst/>
+    <dgm:txLinClrLst/>
+    <dgm:txFillClrLst meth="repeat">
+      <a:schemeClr val="tx1"/>
+    </dgm:txFillClrLst>
+    <dgm:txEffectClrLst/>
+  </dgm:styleLbl>
+  <dgm:styleLbl name="callout">
+    <dgm:fillClrLst meth="repeat">
+      <a:schemeClr val="accent2"/>
+    </dgm:fillClrLst>
+    <dgm:linClrLst meth="repeat">
+      <a:schemeClr val="accent2">
+        <a:tint val="50000"/>
+      </a:schemeClr>
+    </dgm:linClrLst>
+    <dgm:effectClrLst/>
+    <dgm:txLinClrLst/>
+    <dgm:txFillClrLst meth="repeat">
+      <a:schemeClr val="tx1"/>
+    </dgm:txFillClrLst>
+    <dgm:txEffectClrLst/>
+  </dgm:styleLbl>
+  <dgm:styleLbl name="asst0">
+    <dgm:fillClrLst meth="repeat">
+      <a:schemeClr val="accent2"/>
+    </dgm:fillClrLst>
+    <dgm:linClrLst meth="repeat">
+      <a:schemeClr val="lt1"/>
+    </dgm:linClrLst>
+    <dgm:effectClrLst/>
+    <dgm:txLinClrLst/>
+    <dgm:txFillClrLst/>
+    <dgm:txEffectClrLst/>
+  </dgm:styleLbl>
+  <dgm:styleLbl name="asst1">
+    <dgm:fillClrLst meth="repeat">
+      <a:schemeClr val="accent2"/>
+    </dgm:fillClrLst>
+    <dgm:linClrLst meth="repeat">
+      <a:schemeClr val="lt1"/>
+    </dgm:linClrLst>
+    <dgm:effectClrLst/>
+    <dgm:txLinClrLst/>
+    <dgm:txFillClrLst/>
+    <dgm:txEffectClrLst/>
+  </dgm:styleLbl>
+  <dgm:styleLbl name="asst2">
+    <dgm:fillClrLst meth="repeat">
+      <a:schemeClr val="accent2"/>
+    </dgm:fillClrLst>
+    <dgm:linClrLst meth="repeat">
+      <a:schemeClr val="lt1"/>
+    </dgm:linClrLst>
+    <dgm:effectClrLst/>
+    <dgm:txLinClrLst/>
+    <dgm:txFillClrLst/>
+    <dgm:txEffectClrLst/>
+  </dgm:styleLbl>
+  <dgm:styleLbl name="asst3">
+    <dgm:fillClrLst meth="repeat">
+      <a:schemeClr val="accent2"/>
+    </dgm:fillClrLst>
+    <dgm:linClrLst meth="repeat">
+      <a:schemeClr val="lt1"/>
+    </dgm:linClrLst>
+    <dgm:effectClrLst/>
+    <dgm:txLinClrLst/>
+    <dgm:txFillClrLst/>
+    <dgm:txEffectClrLst/>
+  </dgm:styleLbl>
+  <dgm:styleLbl name="asst4">
+    <dgm:fillClrLst meth="repeat">
+      <a:schemeClr val="accent2"/>
+    </dgm:fillClrLst>
+    <dgm:linClrLst meth="repeat">
+      <a:schemeClr val="lt1"/>
+    </dgm:linClrLst>
+    <dgm:effectClrLst/>
+    <dgm:txLinClrLst/>
+    <dgm:txFillClrLst/>
+    <dgm:txEffectClrLst/>
+  </dgm:styleLbl>
+  <dgm:styleLbl name="parChTrans2D1">
+    <dgm:fillClrLst meth="repeat">
+      <a:schemeClr val="accent2">
+        <a:tint val="60000"/>
+      </a:schemeClr>
+    </dgm:fillClrLst>
+    <dgm:linClrLst meth="repeat">
+      <a:schemeClr val="accent2">
+        <a:tint val="60000"/>
+      </a:schemeClr>
+    </dgm:linClrLst>
+    <dgm:effectClrLst/>
+    <dgm:txLinClrLst/>
+    <dgm:txFillClrLst meth="repeat">
+      <a:schemeClr val="lt1"/>
+    </dgm:txFillClrLst>
+    <dgm:txEffectClrLst/>
+  </dgm:styleLbl>
+  <dgm:styleLbl name="parChTrans2D2">
+    <dgm:fillClrLst meth="repeat">
+      <a:schemeClr val="accent2"/>
+    </dgm:fillClrLst>
+    <dgm:linClrLst meth="repeat">
+      <a:schemeClr val="accent2"/>
+    </dgm:linClrLst>
+    <dgm:effectClrLst/>
+    <dgm:txLinClrLst/>
+    <dgm:txFillClrLst meth="repeat">
+      <a:schemeClr val="lt1"/>
+    </dgm:txFillClrLst>
+    <dgm:txEffectClrLst/>
+  </dgm:styleLbl>
+  <dgm:styleLbl name="parChTrans2D3">
+    <dgm:fillClrLst meth="repeat">
+      <a:schemeClr val="accent2"/>
+    </dgm:fillClrLst>
+    <dgm:linClrLst meth="repeat">
+      <a:schemeClr val="accent2"/>
+    </dgm:linClrLst>
+    <dgm:effectClrLst/>
+    <dgm:txLinClrLst/>
+    <dgm:txFillClrLst meth="repeat">
+      <a:schemeClr val="lt1"/>
+    </dgm:txFillClrLst>
+    <dgm:txEffectClrLst/>
+  </dgm:styleLbl>
+  <dgm:styleLbl name="parChTrans2D4">
+    <dgm:fillClrLst meth="repeat">
+      <a:schemeClr val="accent2"/>
+    </dgm:fillClrLst>
+    <dgm:linClrLst meth="repeat">
+      <a:schemeClr val="accent2"/>
+    </dgm:linClrLst>
+    <dgm:effectClrLst/>
+    <dgm:txLinClrLst/>
+    <dgm:txFillClrLst meth="repeat">
+      <a:schemeClr val="lt1"/>
+    </dgm:txFillClrLst>
+    <dgm:txEffectClrLst/>
+  </dgm:styleLbl>
+  <dgm:styleLbl name="parChTrans1D1">
+    <dgm:fillClrLst meth="repeat">
+      <a:schemeClr val="accent2"/>
+    </dgm:fillClrLst>
+    <dgm:linClrLst meth="repeat">
+      <a:schemeClr val="accent2">
+        <a:shade val="60000"/>
+      </a:schemeClr>
+    </dgm:linClrLst>
+    <dgm:effectClrLst/>
+    <dgm:txLinClrLst/>
+    <dgm:txFillClrLst meth="repeat">
+      <a:schemeClr val="tx1"/>
+    </dgm:txFillClrLst>
+    <dgm:txEffectClrLst/>
+  </dgm:styleLbl>
+  <dgm:styleLbl name="parChTrans1D2">
+    <dgm:fillClrLst meth="repeat">
+      <a:schemeClr val="accent2"/>
+    </dgm:fillClrLst>
+    <dgm:linClrLst meth="repeat">
+      <a:schemeClr val="accent2">
+        <a:shade val="60000"/>
+      </a:schemeClr>
+    </dgm:linClrLst>
+    <dgm:effectClrLst/>
+    <dgm:txLinClrLst/>
+    <dgm:txFillClrLst meth="repeat">
+      <a:schemeClr val="tx1"/>
+    </dgm:txFillClrLst>
+    <dgm:txEffectClrLst/>
+  </dgm:styleLbl>
+  <dgm:styleLbl name="parChTrans1D3">
+    <dgm:fillClrLst meth="repeat">
+      <a:schemeClr val="accent2"/>
+    </dgm:fillClrLst>
+    <dgm:linClrLst meth="repeat">
+      <a:schemeClr val="accent2">
+        <a:shade val="80000"/>
+      </a:schemeClr>
+    </dgm:linClrLst>
+    <dgm:effectClrLst/>
+    <dgm:txLinClrLst/>
+    <dgm:txFillClrLst meth="repeat">
+      <a:schemeClr val="tx1"/>
+    </dgm:txFillClrLst>
+    <dgm:txEffectClrLst/>
+  </dgm:styleLbl>
+  <dgm:styleLbl name="parChTrans1D4">
+    <dgm:fillClrLst meth="repeat">
+      <a:schemeClr val="accent2"/>
+    </dgm:fillClrLst>
+    <dgm:linClrLst meth="repeat">
+      <a:schemeClr val="accent2">
+        <a:shade val="80000"/>
+      </a:schemeClr>
+    </dgm:linClrLst>
+    <dgm:effectClrLst/>
+    <dgm:txLinClrLst/>
+    <dgm:txFillClrLst meth="repeat">
+      <a:schemeClr val="tx1"/>
+    </dgm:txFillClrLst>
+    <dgm:txEffectClrLst/>
+  </dgm:styleLbl>
+  <dgm:styleLbl name="fgAcc1">
+    <dgm:fillClrLst meth="repeat">
+      <a:schemeClr val="lt1">
+        <a:alpha val="90000"/>
+      </a:schemeClr>
+    </dgm:fillClrLst>
+    <dgm:linClrLst meth="repeat">
+      <a:schemeClr val="accent2"/>
+    </dgm:linClrLst>
+    <dgm:effectClrLst/>
+    <dgm:txLinClrLst/>
+    <dgm:txFillClrLst meth="repeat">
+      <a:schemeClr val="dk1"/>
+    </dgm:txFillClrLst>
+    <dgm:txEffectClrLst/>
+  </dgm:styleLbl>
+  <dgm:styleLbl name="conFgAcc1">
+    <dgm:fillClrLst meth="repeat">
+      <a:schemeClr val="lt1">
+        <a:alpha val="90000"/>
+      </a:schemeClr>
+    </dgm:fillClrLst>
+    <dgm:linClrLst meth="repeat">
+      <a:schemeClr val="accent2"/>
+    </dgm:linClrLst>
+    <dgm:effectClrLst/>
+    <dgm:txLinClrLst/>
+    <dgm:txFillClrLst meth="repeat">
+      <a:schemeClr val="dk1"/>
+    </dgm:txFillClrLst>
+    <dgm:txEffectClrLst/>
+  </dgm:styleLbl>
+  <dgm:styleLbl name="alignAcc1">
+    <dgm:fillClrLst meth="repeat">
+      <a:schemeClr val="lt1">
+        <a:alpha val="90000"/>
+      </a:schemeClr>
+    </dgm:fillClrLst>
+    <dgm:linClrLst meth="repeat">
+      <a:schemeClr val="accent2"/>
+    </dgm:linClrLst>
+    <dgm:effectClrLst/>
+    <dgm:txLinClrLst/>
+    <dgm:txFillClrLst meth="repeat">
+      <a:schemeClr val="dk1"/>
+    </dgm:txFillClrLst>
+    <dgm:txEffectClrLst/>
+  </dgm:styleLbl>
+  <dgm:styleLbl name="trAlignAcc1">
+    <dgm:fillClrLst meth="repeat">
+      <a:schemeClr val="lt1">
+        <a:alpha val="40000"/>
+      </a:schemeClr>
+    </dgm:fillClrLst>
+    <dgm:linClrLst meth="repeat">
+      <a:schemeClr val="accent2"/>
+    </dgm:linClrLst>
+    <dgm:effectClrLst/>
+    <dgm:txLinClrLst/>
+    <dgm:txFillClrLst meth="repeat">
+      <a:schemeClr val="dk1"/>
+    </dgm:txFillClrLst>
+    <dgm:txEffectClrLst/>
+  </dgm:styleLbl>
+  <dgm:styleLbl name="bgAcc1">
+    <dgm:fillClrLst meth="repeat">
+      <a:schemeClr val="lt1">
+        <a:alpha val="90000"/>
+      </a:schemeClr>
+    </dgm:fillClrLst>
+    <dgm:linClrLst meth="repeat">
+      <a:schemeClr val="accent2"/>
+    </dgm:linClrLst>
+    <dgm:effectClrLst/>
+    <dgm:txLinClrLst/>
+    <dgm:txFillClrLst meth="repeat">
+      <a:schemeClr val="dk1"/>
+    </dgm:txFillClrLst>
+    <dgm:txEffectClrLst/>
+  </dgm:styleLbl>
+  <dgm:styleLbl name="solidFgAcc1">
+    <dgm:fillClrLst meth="repeat">
+      <a:schemeClr val="lt1"/>
+    </dgm:fillClrLst>
+    <dgm:linClrLst meth="repeat">
+      <a:schemeClr val="accent2"/>
+    </dgm:linClrLst>
+    <dgm:effectClrLst/>
+    <dgm:txLinClrLst/>
+    <dgm:txFillClrLst meth="repeat">
+      <a:schemeClr val="dk1"/>
+    </dgm:txFillClrLst>
+    <dgm:txEffectClrLst/>
+  </dgm:styleLbl>
+  <dgm:styleLbl name="solidAlignAcc1">
+    <dgm:fillClrLst meth="repeat">
+      <a:schemeClr val="lt1"/>
+    </dgm:fillClrLst>
+    <dgm:linClrLst meth="repeat">
+      <a:schemeClr val="accent2"/>
+    </dgm:linClrLst>
+    <dgm:effectClrLst/>
+    <dgm:txLinClrLst/>
+    <dgm:txFillClrLst meth="repeat">
+      <a:schemeClr val="dk1"/>
+    </dgm:txFillClrLst>
+    <dgm:txEffectClrLst/>
+  </dgm:styleLbl>
+  <dgm:styleLbl name="solidBgAcc1">
+    <dgm:fillClrLst meth="repeat">
+      <a:schemeClr val="lt1"/>
+    </dgm:fillClrLst>
+    <dgm:linClrLst meth="repeat">
+      <a:schemeClr val="accent2"/>
+    </dgm:linClrLst>
+    <dgm:effectClrLst/>
+    <dgm:txLinClrLst/>
+    <dgm:txFillClrLst meth="repeat">
+      <a:schemeClr val="dk1"/>
+    </dgm:txFillClrLst>
+    <dgm:txEffectClrLst/>
+  </dgm:styleLbl>
+  <dgm:styleLbl name="fgAccFollowNode1">
+    <dgm:fillClrLst meth="repeat">
+      <a:schemeClr val="accent2">
+        <a:alpha val="90000"/>
+        <a:tint val="40000"/>
+      </a:schemeClr>
+    </dgm:fillClrLst>
+    <dgm:linClrLst meth="repeat">
+      <a:schemeClr val="accent2">
+        <a:alpha val="90000"/>
+        <a:tint val="40000"/>
+      </a:schemeClr>
+    </dgm:linClrLst>
+    <dgm:effectClrLst/>
+    <dgm:txLinClrLst/>
+    <dgm:txFillClrLst meth="repeat">
+      <a:schemeClr val="dk1"/>
+    </dgm:txFillClrLst>
+    <dgm:txEffectClrLst/>
+  </dgm:styleLbl>
+  <dgm:styleLbl name="alignAccFollowNode1">
+    <dgm:fillClrLst meth="repeat">
+      <a:schemeClr val="accent2">
+        <a:alpha val="90000"/>
+        <a:tint val="40000"/>
+      </a:schemeClr>
+    </dgm:fillClrLst>
+    <dgm:linClrLst meth="repeat">
+      <a:schemeClr val="accent2">
+        <a:alpha val="90000"/>
+        <a:tint val="40000"/>
+      </a:schemeClr>
+    </dgm:linClrLst>
+    <dgm:effectClrLst/>
+    <dgm:txLinClrLst/>
+    <dgm:txFillClrLst meth="repeat">
+      <a:schemeClr val="dk1"/>
+    </dgm:txFillClrLst>
+    <dgm:txEffectClrLst/>
+  </dgm:styleLbl>
+  <dgm:styleLbl name="bgAccFollowNode1">
+    <dgm:fillClrLst meth="repeat">
+      <a:schemeClr val="accent2">
+        <a:alpha val="90000"/>
+        <a:tint val="40000"/>
+      </a:schemeClr>
+    </dgm:fillClrLst>
+    <dgm:linClrLst meth="repeat">
+      <a:schemeClr val="accent2">
+        <a:alpha val="90000"/>
+        <a:tint val="40000"/>
+      </a:schemeClr>
+    </dgm:linClrLst>
+    <dgm:effectClrLst/>
+    <dgm:txLinClrLst/>
+    <dgm:txFillClrLst meth="repeat">
+      <a:schemeClr val="dk1"/>
+    </dgm:txFillClrLst>
+    <dgm:txEffectClrLst/>
+  </dgm:styleLbl>
+  <dgm:styleLbl name="fgAcc0">
+    <dgm:fillClrLst meth="repeat">
+      <a:schemeClr val="lt1">
+        <a:alpha val="90000"/>
+      </a:schemeClr>
+    </dgm:fillClrLst>
+    <dgm:linClrLst meth="repeat">
+      <a:schemeClr val="accent2"/>
+    </dgm:linClrLst>
+    <dgm:effectClrLst/>
+    <dgm:txLinClrLst/>
+    <dgm:txFillClrLst meth="repeat">
+      <a:schemeClr val="dk1"/>
+    </dgm:txFillClrLst>
+    <dgm:txEffectClrLst/>
+  </dgm:styleLbl>
+  <dgm:styleLbl name="fgAcc2">
+    <dgm:fillClrLst meth="repeat">
+      <a:schemeClr val="lt1">
+        <a:alpha val="90000"/>
+      </a:schemeClr>
+    </dgm:fillClrLst>
+    <dgm:linClrLst meth="repeat">
+      <a:schemeClr val="accent2"/>
+    </dgm:linClrLst>
+    <dgm:effectClrLst/>
+    <dgm:txLinClrLst/>
+    <dgm:txFillClrLst meth="repeat">
+      <a:schemeClr val="dk1"/>
+    </dgm:txFillClrLst>
+    <dgm:txEffectClrLst/>
+  </dgm:styleLbl>
+  <dgm:styleLbl name="fgAcc3">
+    <dgm:fillClrLst meth="repeat">
+      <a:schemeClr val="lt1">
+        <a:alpha val="90000"/>
+      </a:schemeClr>
+    </dgm:fillClrLst>
+    <dgm:linClrLst meth="repeat">
+      <a:schemeClr val="accent2"/>
+    </dgm:linClrLst>
+    <dgm:effectClrLst/>
+    <dgm:txLinClrLst/>
+    <dgm:txFillClrLst meth="repeat">
+      <a:schemeClr val="dk1"/>
+    </dgm:txFillClrLst>
+    <dgm:txEffectClrLst/>
+  </dgm:styleLbl>
+  <dgm:styleLbl name="fgAcc4">
+    <dgm:fillClrLst meth="repeat">
+      <a:schemeClr val="lt1">
+        <a:alpha val="90000"/>
+      </a:schemeClr>
+    </dgm:fillClrLst>
+    <dgm:linClrLst meth="repeat">
+      <a:schemeClr val="accent2"/>
+    </dgm:linClrLst>
+    <dgm:effectClrLst/>
+    <dgm:txLinClrLst/>
+    <dgm:txFillClrLst meth="repeat">
+      <a:schemeClr val="dk1"/>
+    </dgm:txFillClrLst>
+    <dgm:txEffectClrLst/>
+  </dgm:styleLbl>
+  <dgm:styleLbl name="bgShp">
+    <dgm:fillClrLst meth="repeat">
+      <a:schemeClr val="accent2">
+        <a:tint val="40000"/>
+      </a:schemeClr>
+    </dgm:fillClrLst>
+    <dgm:linClrLst meth="repeat">
+      <a:schemeClr val="accent2"/>
+    </dgm:linClrLst>
+    <dgm:effectClrLst/>
+    <dgm:txLinClrLst/>
+    <dgm:txFillClrLst meth="repeat">
+      <a:schemeClr val="dk1"/>
+    </dgm:txFillClrLst>
+    <dgm:txEffectClrLst/>
+  </dgm:styleLbl>
+  <dgm:styleLbl name="dkBgShp">
+    <dgm:fillClrLst meth="repeat">
+      <a:schemeClr val="accent2">
+        <a:shade val="80000"/>
+      </a:schemeClr>
+    </dgm:fillClrLst>
+    <dgm:linClrLst meth="repeat">
+      <a:schemeClr val="accent2"/>
+    </dgm:linClrLst>
+    <dgm:effectClrLst/>
+    <dgm:txLinClrLst/>
+    <dgm:txFillClrLst meth="repeat">
+      <a:schemeClr val="lt1"/>
+    </dgm:txFillClrLst>
+    <dgm:txEffectClrLst/>
+  </dgm:styleLbl>
+  <dgm:styleLbl name="trBgShp">
+    <dgm:fillClrLst meth="repeat">
+      <a:schemeClr val="accent2">
+        <a:tint val="50000"/>
+        <a:alpha val="40000"/>
+      </a:schemeClr>
+    </dgm:fillClrLst>
+    <dgm:linClrLst meth="repeat">
+      <a:schemeClr val="accent2"/>
+    </dgm:linClrLst>
+    <dgm:effectClrLst/>
+    <dgm:txLinClrLst/>
+    <dgm:txFillClrLst meth="repeat">
+      <a:schemeClr val="lt1"/>
+    </dgm:txFillClrLst>
+    <dgm:txEffectClrLst/>
+  </dgm:styleLbl>
+  <dgm:styleLbl name="fgShp">
+    <dgm:fillClrLst meth="repeat">
+      <a:schemeClr val="accent2">
         <a:tint val="60000"/>
       </a:schemeClr>
     </dgm:fillClrLst>
@@ -1128,6 +1882,539 @@
     <dgm:cxn modelId="{F8DDBAF8-761D-4C9E-98E6-21671A10DB72}" type="presParOf" srcId="{CF38D75F-338B-4FD6-9EA8-8F7830A7155B}" destId="{D2830531-4D7D-49AC-A629-1410CC82417B}" srcOrd="7" destOrd="0" presId="urn:microsoft.com/office/officeart/2008/layout/LinedList"/>
     <dgm:cxn modelId="{EAB7DF16-3F0F-46EC-BEC6-99343D2CB6BC}" type="presParOf" srcId="{D2830531-4D7D-49AC-A629-1410CC82417B}" destId="{7F2B7482-49DB-43B9-887D-9049E237DFEB}" srcOrd="0" destOrd="0" presId="urn:microsoft.com/office/officeart/2008/layout/LinedList"/>
     <dgm:cxn modelId="{7BE6E20B-4DD1-442B-82A0-4BD4FA0F7844}" type="presParOf" srcId="{D2830531-4D7D-49AC-A629-1410CC82417B}" destId="{4DAC7F92-225E-4541-837D-547A7F255C7F}" srcOrd="1" destOrd="0" presId="urn:microsoft.com/office/officeart/2008/layout/LinedList"/>
+  </dgm:cxnLst>
+  <dgm:bg/>
+  <dgm:whole/>
+  <dgm:extLst>
+    <a:ext uri="http://schemas.microsoft.com/office/drawing/2008/diagram">
+      <dsp:dataModelExt xmlns:dsp="http://schemas.microsoft.com/office/drawing/2008/diagram" relId="rId6" minVer="http://schemas.openxmlformats.org/drawingml/2006/diagram"/>
+    </a:ext>
+  </dgm:extLst>
+</dgm:dataModel>
+</file>
+
+<file path=ppt/diagrams/data2.xml><?xml version="1.0" encoding="utf-8"?>
+<dgm:dataModel xmlns:dgm="http://schemas.openxmlformats.org/drawingml/2006/diagram" xmlns:a="http://schemas.openxmlformats.org/drawingml/2006/main">
+  <dgm:ptLst>
+    <dgm:pt modelId="{FD84A362-2BEF-4327-8AE4-2C3CC1C6275A}" type="doc">
+      <dgm:prSet loTypeId="urn:microsoft.com/office/officeart/2005/8/layout/orgChart1" loCatId="hierarchy" qsTypeId="urn:microsoft.com/office/officeart/2005/8/quickstyle/simple2" qsCatId="simple" csTypeId="urn:microsoft.com/office/officeart/2005/8/colors/accent2_2" csCatId="accent2" phldr="1"/>
+      <dgm:spPr/>
+      <dgm:t>
+        <a:bodyPr/>
+        <a:lstStyle/>
+        <a:p>
+          <a:endParaRPr lang="ru-RU"/>
+        </a:p>
+      </dgm:t>
+    </dgm:pt>
+    <dgm:pt modelId="{DC8D5ED6-0CB2-4334-80F6-A410BF60DC7C}">
+      <dgm:prSet phldrT="[Текст]"/>
+      <dgm:spPr/>
+      <dgm:t>
+        <a:bodyPr/>
+        <a:lstStyle/>
+        <a:p>
+          <a:r>
+            <a:rPr lang="ru-RU" dirty="0"/>
+            <a:t>Авторизация</a:t>
+          </a:r>
+        </a:p>
+      </dgm:t>
+    </dgm:pt>
+    <dgm:pt modelId="{18E1A584-2317-4847-91D2-03E2B3D289BA}" type="parTrans" cxnId="{4968B78D-0A6D-47DB-8A8A-97FC692ED57A}">
+      <dgm:prSet/>
+      <dgm:spPr/>
+      <dgm:t>
+        <a:bodyPr/>
+        <a:lstStyle/>
+        <a:p>
+          <a:endParaRPr lang="ru-RU"/>
+        </a:p>
+      </dgm:t>
+    </dgm:pt>
+    <dgm:pt modelId="{E780B7F9-B763-4448-83E1-1EF07AFA9567}" type="sibTrans" cxnId="{4968B78D-0A6D-47DB-8A8A-97FC692ED57A}">
+      <dgm:prSet/>
+      <dgm:spPr/>
+      <dgm:t>
+        <a:bodyPr/>
+        <a:lstStyle/>
+        <a:p>
+          <a:endParaRPr lang="ru-RU"/>
+        </a:p>
+      </dgm:t>
+    </dgm:pt>
+    <dgm:pt modelId="{4817F48F-E076-49EB-9081-061820D33AB3}" type="asst">
+      <dgm:prSet phldrT="[Текст]"/>
+      <dgm:spPr/>
+      <dgm:t>
+        <a:bodyPr/>
+        <a:lstStyle/>
+        <a:p>
+          <a:r>
+            <a:rPr lang="ru-RU" dirty="0"/>
+            <a:t>Редактировать профиль</a:t>
+          </a:r>
+        </a:p>
+      </dgm:t>
+    </dgm:pt>
+    <dgm:pt modelId="{A481A744-1033-47BF-80C7-48745ADEF21C}" type="parTrans" cxnId="{31806B18-8A84-4FC9-A46E-052FE05581B5}">
+      <dgm:prSet/>
+      <dgm:spPr/>
+      <dgm:t>
+        <a:bodyPr/>
+        <a:lstStyle/>
+        <a:p>
+          <a:endParaRPr lang="ru-RU"/>
+        </a:p>
+      </dgm:t>
+    </dgm:pt>
+    <dgm:pt modelId="{9881B4E2-E9EB-45FF-BF30-C4CEB46B2587}" type="sibTrans" cxnId="{31806B18-8A84-4FC9-A46E-052FE05581B5}">
+      <dgm:prSet/>
+      <dgm:spPr/>
+      <dgm:t>
+        <a:bodyPr/>
+        <a:lstStyle/>
+        <a:p>
+          <a:endParaRPr lang="ru-RU"/>
+        </a:p>
+      </dgm:t>
+    </dgm:pt>
+    <dgm:pt modelId="{8CC92DD1-7A0D-49B7-B7F5-8F6F9587E4F1}">
+      <dgm:prSet phldrT="[Текст]"/>
+      <dgm:spPr/>
+      <dgm:t>
+        <a:bodyPr/>
+        <a:lstStyle/>
+        <a:p>
+          <a:r>
+            <a:rPr lang="ru-RU" dirty="0"/>
+            <a:t>Сделать заказ</a:t>
+          </a:r>
+        </a:p>
+      </dgm:t>
+    </dgm:pt>
+    <dgm:pt modelId="{8D84278A-7D7D-4ECE-977F-B12A97B863AB}" type="parTrans" cxnId="{ABB44A41-BED1-46E4-9176-C3D5B061E76A}">
+      <dgm:prSet/>
+      <dgm:spPr/>
+      <dgm:t>
+        <a:bodyPr/>
+        <a:lstStyle/>
+        <a:p>
+          <a:endParaRPr lang="ru-RU"/>
+        </a:p>
+      </dgm:t>
+    </dgm:pt>
+    <dgm:pt modelId="{8719F26B-7537-47BC-9EE0-0F56067A6EBF}" type="sibTrans" cxnId="{ABB44A41-BED1-46E4-9176-C3D5B061E76A}">
+      <dgm:prSet/>
+      <dgm:spPr/>
+      <dgm:t>
+        <a:bodyPr/>
+        <a:lstStyle/>
+        <a:p>
+          <a:endParaRPr lang="ru-RU"/>
+        </a:p>
+      </dgm:t>
+    </dgm:pt>
+    <dgm:pt modelId="{478341A8-6BEA-4E78-BF8C-5C3853D3E759}">
+      <dgm:prSet phldrT="[Текст]"/>
+      <dgm:spPr/>
+      <dgm:t>
+        <a:bodyPr/>
+        <a:lstStyle/>
+        <a:p>
+          <a:r>
+            <a:rPr lang="ru-RU" dirty="0"/>
+            <a:t>Посмотреть курьеров</a:t>
+          </a:r>
+        </a:p>
+      </dgm:t>
+    </dgm:pt>
+    <dgm:pt modelId="{CA04AA52-9B76-4488-B607-D760AE7124C0}" type="parTrans" cxnId="{BB8A369E-670A-46A9-8BDD-FD45ACC4E8D4}">
+      <dgm:prSet/>
+      <dgm:spPr/>
+      <dgm:t>
+        <a:bodyPr/>
+        <a:lstStyle/>
+        <a:p>
+          <a:endParaRPr lang="ru-RU"/>
+        </a:p>
+      </dgm:t>
+    </dgm:pt>
+    <dgm:pt modelId="{1E0C2E2D-8C4C-4847-B715-0361C497B2F3}" type="sibTrans" cxnId="{BB8A369E-670A-46A9-8BDD-FD45ACC4E8D4}">
+      <dgm:prSet/>
+      <dgm:spPr/>
+      <dgm:t>
+        <a:bodyPr/>
+        <a:lstStyle/>
+        <a:p>
+          <a:endParaRPr lang="ru-RU"/>
+        </a:p>
+      </dgm:t>
+    </dgm:pt>
+    <dgm:pt modelId="{59BAFE63-984C-48B3-B113-AF6495F96291}">
+      <dgm:prSet phldrT="[Текст]"/>
+      <dgm:spPr/>
+      <dgm:t>
+        <a:bodyPr/>
+        <a:lstStyle/>
+        <a:p>
+          <a:r>
+            <a:rPr lang="ru-RU" dirty="0"/>
+            <a:t>Посмотреть заказы</a:t>
+          </a:r>
+        </a:p>
+      </dgm:t>
+    </dgm:pt>
+    <dgm:pt modelId="{F485444A-7548-4FD4-AA0F-ABDE5C598F0B}" type="parTrans" cxnId="{324A0264-4A27-4D4B-B914-05A2810025C3}">
+      <dgm:prSet/>
+      <dgm:spPr/>
+      <dgm:t>
+        <a:bodyPr/>
+        <a:lstStyle/>
+        <a:p>
+          <a:endParaRPr lang="ru-RU"/>
+        </a:p>
+      </dgm:t>
+    </dgm:pt>
+    <dgm:pt modelId="{CB70311D-6EA2-48BA-A774-5BEF49FE62AE}" type="sibTrans" cxnId="{324A0264-4A27-4D4B-B914-05A2810025C3}">
+      <dgm:prSet/>
+      <dgm:spPr/>
+      <dgm:t>
+        <a:bodyPr/>
+        <a:lstStyle/>
+        <a:p>
+          <a:endParaRPr lang="ru-RU"/>
+        </a:p>
+      </dgm:t>
+    </dgm:pt>
+    <dgm:pt modelId="{6DDBE781-D9F6-437A-B119-A56754C45101}">
+      <dgm:prSet/>
+      <dgm:spPr/>
+      <dgm:t>
+        <a:bodyPr/>
+        <a:lstStyle/>
+        <a:p>
+          <a:r>
+            <a:rPr lang="ru-RU" dirty="0"/>
+            <a:t>Принять заказ</a:t>
+          </a:r>
+        </a:p>
+      </dgm:t>
+    </dgm:pt>
+    <dgm:pt modelId="{F43F9BBA-3263-408E-9DC6-D0E0C8C1B4A2}" type="parTrans" cxnId="{57209338-084F-4DCC-9C54-8CC9DDF586EF}">
+      <dgm:prSet/>
+      <dgm:spPr/>
+      <dgm:t>
+        <a:bodyPr/>
+        <a:lstStyle/>
+        <a:p>
+          <a:endParaRPr lang="ru-RU"/>
+        </a:p>
+      </dgm:t>
+    </dgm:pt>
+    <dgm:pt modelId="{0DEE3BED-4BD1-4B54-833E-57019D7DED80}" type="sibTrans" cxnId="{57209338-084F-4DCC-9C54-8CC9DDF586EF}">
+      <dgm:prSet/>
+      <dgm:spPr/>
+      <dgm:t>
+        <a:bodyPr/>
+        <a:lstStyle/>
+        <a:p>
+          <a:endParaRPr lang="ru-RU"/>
+        </a:p>
+      </dgm:t>
+    </dgm:pt>
+    <dgm:pt modelId="{C05722BE-EBDE-4289-8DFC-72BCD7B98CAF}" type="pres">
+      <dgm:prSet presAssocID="{FD84A362-2BEF-4327-8AE4-2C3CC1C6275A}" presName="hierChild1" presStyleCnt="0">
+        <dgm:presLayoutVars>
+          <dgm:orgChart val="1"/>
+          <dgm:chPref val="1"/>
+          <dgm:dir/>
+          <dgm:animOne val="branch"/>
+          <dgm:animLvl val="lvl"/>
+          <dgm:resizeHandles/>
+        </dgm:presLayoutVars>
+      </dgm:prSet>
+      <dgm:spPr/>
+    </dgm:pt>
+    <dgm:pt modelId="{1D2D5C09-417A-42D2-B77F-DD89049FDC71}" type="pres">
+      <dgm:prSet presAssocID="{DC8D5ED6-0CB2-4334-80F6-A410BF60DC7C}" presName="hierRoot1" presStyleCnt="0">
+        <dgm:presLayoutVars>
+          <dgm:hierBranch val="init"/>
+        </dgm:presLayoutVars>
+      </dgm:prSet>
+      <dgm:spPr/>
+    </dgm:pt>
+    <dgm:pt modelId="{D5C40489-7514-4B51-B2FA-879787BB71CF}" type="pres">
+      <dgm:prSet presAssocID="{DC8D5ED6-0CB2-4334-80F6-A410BF60DC7C}" presName="rootComposite1" presStyleCnt="0"/>
+      <dgm:spPr/>
+    </dgm:pt>
+    <dgm:pt modelId="{2385EE16-06BE-480B-AA48-AD1A53B0F472}" type="pres">
+      <dgm:prSet presAssocID="{DC8D5ED6-0CB2-4334-80F6-A410BF60DC7C}" presName="rootText1" presStyleLbl="node0" presStyleIdx="0" presStyleCnt="1">
+        <dgm:presLayoutVars>
+          <dgm:chPref val="3"/>
+        </dgm:presLayoutVars>
+      </dgm:prSet>
+      <dgm:spPr/>
+    </dgm:pt>
+    <dgm:pt modelId="{153E283B-E35C-4F4C-B24B-ABA1208594FF}" type="pres">
+      <dgm:prSet presAssocID="{DC8D5ED6-0CB2-4334-80F6-A410BF60DC7C}" presName="rootConnector1" presStyleLbl="node1" presStyleIdx="0" presStyleCnt="0"/>
+      <dgm:spPr/>
+    </dgm:pt>
+    <dgm:pt modelId="{98883C32-90B6-4F4C-80C9-8F7759DE1E6A}" type="pres">
+      <dgm:prSet presAssocID="{DC8D5ED6-0CB2-4334-80F6-A410BF60DC7C}" presName="hierChild2" presStyleCnt="0"/>
+      <dgm:spPr/>
+    </dgm:pt>
+    <dgm:pt modelId="{FA7408FC-ED8D-4F08-99A2-B2AD23ABE4BD}" type="pres">
+      <dgm:prSet presAssocID="{CA04AA52-9B76-4488-B607-D760AE7124C0}" presName="Name37" presStyleLbl="parChTrans1D2" presStyleIdx="0" presStyleCnt="3"/>
+      <dgm:spPr/>
+    </dgm:pt>
+    <dgm:pt modelId="{21521232-0318-480B-BAC4-50733467C4EC}" type="pres">
+      <dgm:prSet presAssocID="{478341A8-6BEA-4E78-BF8C-5C3853D3E759}" presName="hierRoot2" presStyleCnt="0">
+        <dgm:presLayoutVars>
+          <dgm:hierBranch val="init"/>
+        </dgm:presLayoutVars>
+      </dgm:prSet>
+      <dgm:spPr/>
+    </dgm:pt>
+    <dgm:pt modelId="{81C4929F-880F-497D-875A-1BADC61E68EF}" type="pres">
+      <dgm:prSet presAssocID="{478341A8-6BEA-4E78-BF8C-5C3853D3E759}" presName="rootComposite" presStyleCnt="0"/>
+      <dgm:spPr/>
+    </dgm:pt>
+    <dgm:pt modelId="{262B9312-AC7A-49E6-AB8C-0F6C0B5D9FCD}" type="pres">
+      <dgm:prSet presAssocID="{478341A8-6BEA-4E78-BF8C-5C3853D3E759}" presName="rootText" presStyleLbl="node2" presStyleIdx="0" presStyleCnt="2">
+        <dgm:presLayoutVars>
+          <dgm:chPref val="3"/>
+        </dgm:presLayoutVars>
+      </dgm:prSet>
+      <dgm:spPr/>
+    </dgm:pt>
+    <dgm:pt modelId="{D739788C-8F8C-4166-8248-168E36485851}" type="pres">
+      <dgm:prSet presAssocID="{478341A8-6BEA-4E78-BF8C-5C3853D3E759}" presName="rootConnector" presStyleLbl="node2" presStyleIdx="0" presStyleCnt="2"/>
+      <dgm:spPr/>
+    </dgm:pt>
+    <dgm:pt modelId="{81A1F3B3-AA01-4F75-92C1-24C1E96CB376}" type="pres">
+      <dgm:prSet presAssocID="{478341A8-6BEA-4E78-BF8C-5C3853D3E759}" presName="hierChild4" presStyleCnt="0"/>
+      <dgm:spPr/>
+    </dgm:pt>
+    <dgm:pt modelId="{49FB6CB8-9F82-484A-9A0E-FC9AE46AA042}" type="pres">
+      <dgm:prSet presAssocID="{8D84278A-7D7D-4ECE-977F-B12A97B863AB}" presName="Name37" presStyleLbl="parChTrans1D3" presStyleIdx="0" presStyleCnt="2"/>
+      <dgm:spPr/>
+    </dgm:pt>
+    <dgm:pt modelId="{874ABA13-BFCD-4455-8839-D12A39754549}" type="pres">
+      <dgm:prSet presAssocID="{8CC92DD1-7A0D-49B7-B7F5-8F6F9587E4F1}" presName="hierRoot2" presStyleCnt="0">
+        <dgm:presLayoutVars>
+          <dgm:hierBranch val="init"/>
+        </dgm:presLayoutVars>
+      </dgm:prSet>
+      <dgm:spPr/>
+    </dgm:pt>
+    <dgm:pt modelId="{DE7E94BE-30AA-440A-96C8-0E16429366D2}" type="pres">
+      <dgm:prSet presAssocID="{8CC92DD1-7A0D-49B7-B7F5-8F6F9587E4F1}" presName="rootComposite" presStyleCnt="0"/>
+      <dgm:spPr/>
+    </dgm:pt>
+    <dgm:pt modelId="{A621022C-A469-4557-AC97-6470E5E757EE}" type="pres">
+      <dgm:prSet presAssocID="{8CC92DD1-7A0D-49B7-B7F5-8F6F9587E4F1}" presName="rootText" presStyleLbl="node3" presStyleIdx="0" presStyleCnt="2">
+        <dgm:presLayoutVars>
+          <dgm:chPref val="3"/>
+        </dgm:presLayoutVars>
+      </dgm:prSet>
+      <dgm:spPr/>
+    </dgm:pt>
+    <dgm:pt modelId="{C8A8DC3E-5C09-4E74-9D12-1221E2B23E26}" type="pres">
+      <dgm:prSet presAssocID="{8CC92DD1-7A0D-49B7-B7F5-8F6F9587E4F1}" presName="rootConnector" presStyleLbl="node3" presStyleIdx="0" presStyleCnt="2"/>
+      <dgm:spPr/>
+    </dgm:pt>
+    <dgm:pt modelId="{5A363883-107F-40AA-836A-4CBA09225D2C}" type="pres">
+      <dgm:prSet presAssocID="{8CC92DD1-7A0D-49B7-B7F5-8F6F9587E4F1}" presName="hierChild4" presStyleCnt="0"/>
+      <dgm:spPr/>
+    </dgm:pt>
+    <dgm:pt modelId="{A043C4B9-2A4E-429D-973D-4CD58AD201C0}" type="pres">
+      <dgm:prSet presAssocID="{8CC92DD1-7A0D-49B7-B7F5-8F6F9587E4F1}" presName="hierChild5" presStyleCnt="0"/>
+      <dgm:spPr/>
+    </dgm:pt>
+    <dgm:pt modelId="{8EDD7FFE-10DB-4E9A-A40E-EF374F9BB123}" type="pres">
+      <dgm:prSet presAssocID="{478341A8-6BEA-4E78-BF8C-5C3853D3E759}" presName="hierChild5" presStyleCnt="0"/>
+      <dgm:spPr/>
+    </dgm:pt>
+    <dgm:pt modelId="{5BFD7272-A9E1-4B49-AD89-7A00A719F539}" type="pres">
+      <dgm:prSet presAssocID="{F485444A-7548-4FD4-AA0F-ABDE5C598F0B}" presName="Name37" presStyleLbl="parChTrans1D2" presStyleIdx="1" presStyleCnt="3"/>
+      <dgm:spPr/>
+    </dgm:pt>
+    <dgm:pt modelId="{351102EA-A810-44D5-A6BF-93D50824BD6B}" type="pres">
+      <dgm:prSet presAssocID="{59BAFE63-984C-48B3-B113-AF6495F96291}" presName="hierRoot2" presStyleCnt="0">
+        <dgm:presLayoutVars>
+          <dgm:hierBranch val="init"/>
+        </dgm:presLayoutVars>
+      </dgm:prSet>
+      <dgm:spPr/>
+    </dgm:pt>
+    <dgm:pt modelId="{116D559E-BFA8-4D9A-9BEF-2B6A894910BB}" type="pres">
+      <dgm:prSet presAssocID="{59BAFE63-984C-48B3-B113-AF6495F96291}" presName="rootComposite" presStyleCnt="0"/>
+      <dgm:spPr/>
+    </dgm:pt>
+    <dgm:pt modelId="{D83078CD-CBF2-48B5-BA48-71A6A55E3661}" type="pres">
+      <dgm:prSet presAssocID="{59BAFE63-984C-48B3-B113-AF6495F96291}" presName="rootText" presStyleLbl="node2" presStyleIdx="1" presStyleCnt="2">
+        <dgm:presLayoutVars>
+          <dgm:chPref val="3"/>
+        </dgm:presLayoutVars>
+      </dgm:prSet>
+      <dgm:spPr/>
+    </dgm:pt>
+    <dgm:pt modelId="{01D77CE3-17E5-42C6-80EF-E0EA344254B1}" type="pres">
+      <dgm:prSet presAssocID="{59BAFE63-984C-48B3-B113-AF6495F96291}" presName="rootConnector" presStyleLbl="node2" presStyleIdx="1" presStyleCnt="2"/>
+      <dgm:spPr/>
+    </dgm:pt>
+    <dgm:pt modelId="{CBA0700B-62DC-41D4-B79E-D78D4FE5B6A3}" type="pres">
+      <dgm:prSet presAssocID="{59BAFE63-984C-48B3-B113-AF6495F96291}" presName="hierChild4" presStyleCnt="0"/>
+      <dgm:spPr/>
+    </dgm:pt>
+    <dgm:pt modelId="{F3B3B643-B6FB-449F-B63E-1ABBA1795FE3}" type="pres">
+      <dgm:prSet presAssocID="{F43F9BBA-3263-408E-9DC6-D0E0C8C1B4A2}" presName="Name37" presStyleLbl="parChTrans1D3" presStyleIdx="1" presStyleCnt="2"/>
+      <dgm:spPr/>
+    </dgm:pt>
+    <dgm:pt modelId="{2B33E9DE-DBDF-4F3B-9524-B05141D5851D}" type="pres">
+      <dgm:prSet presAssocID="{6DDBE781-D9F6-437A-B119-A56754C45101}" presName="hierRoot2" presStyleCnt="0">
+        <dgm:presLayoutVars>
+          <dgm:hierBranch val="init"/>
+        </dgm:presLayoutVars>
+      </dgm:prSet>
+      <dgm:spPr/>
+    </dgm:pt>
+    <dgm:pt modelId="{A6C2275E-764D-4E64-AB16-0FA4222E9C91}" type="pres">
+      <dgm:prSet presAssocID="{6DDBE781-D9F6-437A-B119-A56754C45101}" presName="rootComposite" presStyleCnt="0"/>
+      <dgm:spPr/>
+    </dgm:pt>
+    <dgm:pt modelId="{882AAFCF-E4BC-4998-9781-527AC641839B}" type="pres">
+      <dgm:prSet presAssocID="{6DDBE781-D9F6-437A-B119-A56754C45101}" presName="rootText" presStyleLbl="node3" presStyleIdx="1" presStyleCnt="2">
+        <dgm:presLayoutVars>
+          <dgm:chPref val="3"/>
+        </dgm:presLayoutVars>
+      </dgm:prSet>
+      <dgm:spPr/>
+    </dgm:pt>
+    <dgm:pt modelId="{F2A17986-3F4E-4EC7-9406-9D26BD6DB4C3}" type="pres">
+      <dgm:prSet presAssocID="{6DDBE781-D9F6-437A-B119-A56754C45101}" presName="rootConnector" presStyleLbl="node3" presStyleIdx="1" presStyleCnt="2"/>
+      <dgm:spPr/>
+    </dgm:pt>
+    <dgm:pt modelId="{6D3EE132-3576-4A37-93B3-7141A84C966F}" type="pres">
+      <dgm:prSet presAssocID="{6DDBE781-D9F6-437A-B119-A56754C45101}" presName="hierChild4" presStyleCnt="0"/>
+      <dgm:spPr/>
+    </dgm:pt>
+    <dgm:pt modelId="{DA06A6F1-D38D-4452-AA72-B2E52B13F959}" type="pres">
+      <dgm:prSet presAssocID="{6DDBE781-D9F6-437A-B119-A56754C45101}" presName="hierChild5" presStyleCnt="0"/>
+      <dgm:spPr/>
+    </dgm:pt>
+    <dgm:pt modelId="{77730C8A-A726-4E3D-A3E7-46E8F873F763}" type="pres">
+      <dgm:prSet presAssocID="{59BAFE63-984C-48B3-B113-AF6495F96291}" presName="hierChild5" presStyleCnt="0"/>
+      <dgm:spPr/>
+    </dgm:pt>
+    <dgm:pt modelId="{69888EF2-B79C-4F94-B203-012E7B13196C}" type="pres">
+      <dgm:prSet presAssocID="{DC8D5ED6-0CB2-4334-80F6-A410BF60DC7C}" presName="hierChild3" presStyleCnt="0"/>
+      <dgm:spPr/>
+    </dgm:pt>
+    <dgm:pt modelId="{6AB652ED-D00E-48F5-B746-64337BD47867}" type="pres">
+      <dgm:prSet presAssocID="{A481A744-1033-47BF-80C7-48745ADEF21C}" presName="Name111" presStyleLbl="parChTrans1D2" presStyleIdx="2" presStyleCnt="3"/>
+      <dgm:spPr/>
+    </dgm:pt>
+    <dgm:pt modelId="{4A39EB33-EE39-4692-A740-EE733283EA34}" type="pres">
+      <dgm:prSet presAssocID="{4817F48F-E076-49EB-9081-061820D33AB3}" presName="hierRoot3" presStyleCnt="0">
+        <dgm:presLayoutVars>
+          <dgm:hierBranch val="init"/>
+        </dgm:presLayoutVars>
+      </dgm:prSet>
+      <dgm:spPr/>
+    </dgm:pt>
+    <dgm:pt modelId="{24EC4394-89EF-494D-BF05-BC48F66FCAE9}" type="pres">
+      <dgm:prSet presAssocID="{4817F48F-E076-49EB-9081-061820D33AB3}" presName="rootComposite3" presStyleCnt="0"/>
+      <dgm:spPr/>
+    </dgm:pt>
+    <dgm:pt modelId="{E6BC83B1-A738-4205-AB1E-F9DDC917E51A}" type="pres">
+      <dgm:prSet presAssocID="{4817F48F-E076-49EB-9081-061820D33AB3}" presName="rootText3" presStyleLbl="asst1" presStyleIdx="0" presStyleCnt="1">
+        <dgm:presLayoutVars>
+          <dgm:chPref val="3"/>
+        </dgm:presLayoutVars>
+      </dgm:prSet>
+      <dgm:spPr/>
+    </dgm:pt>
+    <dgm:pt modelId="{DF04D3EE-EF93-4FAA-8E0D-CF121B072E04}" type="pres">
+      <dgm:prSet presAssocID="{4817F48F-E076-49EB-9081-061820D33AB3}" presName="rootConnector3" presStyleLbl="asst1" presStyleIdx="0" presStyleCnt="1"/>
+      <dgm:spPr/>
+    </dgm:pt>
+    <dgm:pt modelId="{95717DF9-B29C-4049-B85D-EEE7D3E9C223}" type="pres">
+      <dgm:prSet presAssocID="{4817F48F-E076-49EB-9081-061820D33AB3}" presName="hierChild6" presStyleCnt="0"/>
+      <dgm:spPr/>
+    </dgm:pt>
+    <dgm:pt modelId="{AC7624DC-50D3-472A-82D9-3BDC94697CE1}" type="pres">
+      <dgm:prSet presAssocID="{4817F48F-E076-49EB-9081-061820D33AB3}" presName="hierChild7" presStyleCnt="0"/>
+      <dgm:spPr/>
+    </dgm:pt>
+  </dgm:ptLst>
+  <dgm:cxnLst>
+    <dgm:cxn modelId="{C3AFDD0A-C694-417A-99CB-2345ACDC02B8}" type="presOf" srcId="{4817F48F-E076-49EB-9081-061820D33AB3}" destId="{DF04D3EE-EF93-4FAA-8E0D-CF121B072E04}" srcOrd="1" destOrd="0" presId="urn:microsoft.com/office/officeart/2005/8/layout/orgChart1"/>
+    <dgm:cxn modelId="{31806B18-8A84-4FC9-A46E-052FE05581B5}" srcId="{DC8D5ED6-0CB2-4334-80F6-A410BF60DC7C}" destId="{4817F48F-E076-49EB-9081-061820D33AB3}" srcOrd="0" destOrd="0" parTransId="{A481A744-1033-47BF-80C7-48745ADEF21C}" sibTransId="{9881B4E2-E9EB-45FF-BF30-C4CEB46B2587}"/>
+    <dgm:cxn modelId="{395E9219-24A5-446D-B896-460DC766BFC0}" type="presOf" srcId="{4817F48F-E076-49EB-9081-061820D33AB3}" destId="{E6BC83B1-A738-4205-AB1E-F9DDC917E51A}" srcOrd="0" destOrd="0" presId="urn:microsoft.com/office/officeart/2005/8/layout/orgChart1"/>
+    <dgm:cxn modelId="{5E5B2638-2FBC-4C25-9B4A-4B13FD48F43F}" type="presOf" srcId="{F43F9BBA-3263-408E-9DC6-D0E0C8C1B4A2}" destId="{F3B3B643-B6FB-449F-B63E-1ABBA1795FE3}" srcOrd="0" destOrd="0" presId="urn:microsoft.com/office/officeart/2005/8/layout/orgChart1"/>
+    <dgm:cxn modelId="{57209338-084F-4DCC-9C54-8CC9DDF586EF}" srcId="{59BAFE63-984C-48B3-B113-AF6495F96291}" destId="{6DDBE781-D9F6-437A-B119-A56754C45101}" srcOrd="0" destOrd="0" parTransId="{F43F9BBA-3263-408E-9DC6-D0E0C8C1B4A2}" sibTransId="{0DEE3BED-4BD1-4B54-833E-57019D7DED80}"/>
+    <dgm:cxn modelId="{ABB44A41-BED1-46E4-9176-C3D5B061E76A}" srcId="{478341A8-6BEA-4E78-BF8C-5C3853D3E759}" destId="{8CC92DD1-7A0D-49B7-B7F5-8F6F9587E4F1}" srcOrd="0" destOrd="0" parTransId="{8D84278A-7D7D-4ECE-977F-B12A97B863AB}" sibTransId="{8719F26B-7537-47BC-9EE0-0F56067A6EBF}"/>
+    <dgm:cxn modelId="{324A0264-4A27-4D4B-B914-05A2810025C3}" srcId="{DC8D5ED6-0CB2-4334-80F6-A410BF60DC7C}" destId="{59BAFE63-984C-48B3-B113-AF6495F96291}" srcOrd="2" destOrd="0" parTransId="{F485444A-7548-4FD4-AA0F-ABDE5C598F0B}" sibTransId="{CB70311D-6EA2-48BA-A774-5BEF49FE62AE}"/>
+    <dgm:cxn modelId="{DB9F1A67-5EBF-4984-A84F-C70767F327FD}" type="presOf" srcId="{59BAFE63-984C-48B3-B113-AF6495F96291}" destId="{01D77CE3-17E5-42C6-80EF-E0EA344254B1}" srcOrd="1" destOrd="0" presId="urn:microsoft.com/office/officeart/2005/8/layout/orgChart1"/>
+    <dgm:cxn modelId="{BC72666E-24C6-4960-B693-B4695C38B7D1}" type="presOf" srcId="{6DDBE781-D9F6-437A-B119-A56754C45101}" destId="{882AAFCF-E4BC-4998-9781-527AC641839B}" srcOrd="0" destOrd="0" presId="urn:microsoft.com/office/officeart/2005/8/layout/orgChart1"/>
+    <dgm:cxn modelId="{4F61AC54-A907-4F95-B8E9-1EA95107E786}" type="presOf" srcId="{478341A8-6BEA-4E78-BF8C-5C3853D3E759}" destId="{262B9312-AC7A-49E6-AB8C-0F6C0B5D9FCD}" srcOrd="0" destOrd="0" presId="urn:microsoft.com/office/officeart/2005/8/layout/orgChart1"/>
+    <dgm:cxn modelId="{B7110477-0019-43AA-868B-3F8222CC1270}" type="presOf" srcId="{8CC92DD1-7A0D-49B7-B7F5-8F6F9587E4F1}" destId="{A621022C-A469-4557-AC97-6470E5E757EE}" srcOrd="0" destOrd="0" presId="urn:microsoft.com/office/officeart/2005/8/layout/orgChart1"/>
+    <dgm:cxn modelId="{41307D89-6074-4BA2-8DC5-44F34F79EFDB}" type="presOf" srcId="{478341A8-6BEA-4E78-BF8C-5C3853D3E759}" destId="{D739788C-8F8C-4166-8248-168E36485851}" srcOrd="1" destOrd="0" presId="urn:microsoft.com/office/officeart/2005/8/layout/orgChart1"/>
+    <dgm:cxn modelId="{139BD88B-15E2-4F95-816A-E7E3E8A376FF}" type="presOf" srcId="{8D84278A-7D7D-4ECE-977F-B12A97B863AB}" destId="{49FB6CB8-9F82-484A-9A0E-FC9AE46AA042}" srcOrd="0" destOrd="0" presId="urn:microsoft.com/office/officeart/2005/8/layout/orgChart1"/>
+    <dgm:cxn modelId="{4968B78D-0A6D-47DB-8A8A-97FC692ED57A}" srcId="{FD84A362-2BEF-4327-8AE4-2C3CC1C6275A}" destId="{DC8D5ED6-0CB2-4334-80F6-A410BF60DC7C}" srcOrd="0" destOrd="0" parTransId="{18E1A584-2317-4847-91D2-03E2B3D289BA}" sibTransId="{E780B7F9-B763-4448-83E1-1EF07AFA9567}"/>
+    <dgm:cxn modelId="{1B930595-6442-4F6D-895C-8FD27394EA55}" type="presOf" srcId="{8CC92DD1-7A0D-49B7-B7F5-8F6F9587E4F1}" destId="{C8A8DC3E-5C09-4E74-9D12-1221E2B23E26}" srcOrd="1" destOrd="0" presId="urn:microsoft.com/office/officeart/2005/8/layout/orgChart1"/>
+    <dgm:cxn modelId="{C183CC9D-326E-4DFB-A009-96F558C625A4}" type="presOf" srcId="{F485444A-7548-4FD4-AA0F-ABDE5C598F0B}" destId="{5BFD7272-A9E1-4B49-AD89-7A00A719F539}" srcOrd="0" destOrd="0" presId="urn:microsoft.com/office/officeart/2005/8/layout/orgChart1"/>
+    <dgm:cxn modelId="{BB8A369E-670A-46A9-8BDD-FD45ACC4E8D4}" srcId="{DC8D5ED6-0CB2-4334-80F6-A410BF60DC7C}" destId="{478341A8-6BEA-4E78-BF8C-5C3853D3E759}" srcOrd="1" destOrd="0" parTransId="{CA04AA52-9B76-4488-B607-D760AE7124C0}" sibTransId="{1E0C2E2D-8C4C-4847-B715-0361C497B2F3}"/>
+    <dgm:cxn modelId="{D3C8F3BD-7132-4E25-BA2B-D90604764065}" type="presOf" srcId="{FD84A362-2BEF-4327-8AE4-2C3CC1C6275A}" destId="{C05722BE-EBDE-4289-8DFC-72BCD7B98CAF}" srcOrd="0" destOrd="0" presId="urn:microsoft.com/office/officeart/2005/8/layout/orgChart1"/>
+    <dgm:cxn modelId="{FC9468C2-E9BE-4721-B82D-9D4F0405048E}" type="presOf" srcId="{DC8D5ED6-0CB2-4334-80F6-A410BF60DC7C}" destId="{153E283B-E35C-4F4C-B24B-ABA1208594FF}" srcOrd="1" destOrd="0" presId="urn:microsoft.com/office/officeart/2005/8/layout/orgChart1"/>
+    <dgm:cxn modelId="{E80141CF-F2D5-4577-AA51-2DC943AC58D3}" type="presOf" srcId="{59BAFE63-984C-48B3-B113-AF6495F96291}" destId="{D83078CD-CBF2-48B5-BA48-71A6A55E3661}" srcOrd="0" destOrd="0" presId="urn:microsoft.com/office/officeart/2005/8/layout/orgChart1"/>
+    <dgm:cxn modelId="{4F60E8D7-20B4-458F-900D-03C1408FC33C}" type="presOf" srcId="{DC8D5ED6-0CB2-4334-80F6-A410BF60DC7C}" destId="{2385EE16-06BE-480B-AA48-AD1A53B0F472}" srcOrd="0" destOrd="0" presId="urn:microsoft.com/office/officeart/2005/8/layout/orgChart1"/>
+    <dgm:cxn modelId="{728BD8DA-021D-4D85-9EF1-53BC290C362B}" type="presOf" srcId="{CA04AA52-9B76-4488-B607-D760AE7124C0}" destId="{FA7408FC-ED8D-4F08-99A2-B2AD23ABE4BD}" srcOrd="0" destOrd="0" presId="urn:microsoft.com/office/officeart/2005/8/layout/orgChart1"/>
+    <dgm:cxn modelId="{98EF0FE1-E2CE-46E3-AA64-9A428BFD0786}" type="presOf" srcId="{A481A744-1033-47BF-80C7-48745ADEF21C}" destId="{6AB652ED-D00E-48F5-B746-64337BD47867}" srcOrd="0" destOrd="0" presId="urn:microsoft.com/office/officeart/2005/8/layout/orgChart1"/>
+    <dgm:cxn modelId="{45A1B9EC-4D9B-4068-975E-8B1D5A7AED30}" type="presOf" srcId="{6DDBE781-D9F6-437A-B119-A56754C45101}" destId="{F2A17986-3F4E-4EC7-9406-9D26BD6DB4C3}" srcOrd="1" destOrd="0" presId="urn:microsoft.com/office/officeart/2005/8/layout/orgChart1"/>
+    <dgm:cxn modelId="{2DF96748-4334-457C-B7F3-33005AA2F752}" type="presParOf" srcId="{C05722BE-EBDE-4289-8DFC-72BCD7B98CAF}" destId="{1D2D5C09-417A-42D2-B77F-DD89049FDC71}" srcOrd="0" destOrd="0" presId="urn:microsoft.com/office/officeart/2005/8/layout/orgChart1"/>
+    <dgm:cxn modelId="{BB36C3CD-2C22-47AE-A17C-63D8642A94D6}" type="presParOf" srcId="{1D2D5C09-417A-42D2-B77F-DD89049FDC71}" destId="{D5C40489-7514-4B51-B2FA-879787BB71CF}" srcOrd="0" destOrd="0" presId="urn:microsoft.com/office/officeart/2005/8/layout/orgChart1"/>
+    <dgm:cxn modelId="{476FA839-6D16-4951-A951-CEC17FADE604}" type="presParOf" srcId="{D5C40489-7514-4B51-B2FA-879787BB71CF}" destId="{2385EE16-06BE-480B-AA48-AD1A53B0F472}" srcOrd="0" destOrd="0" presId="urn:microsoft.com/office/officeart/2005/8/layout/orgChart1"/>
+    <dgm:cxn modelId="{9A4CA8F3-6676-4637-AE97-BCC6633273EC}" type="presParOf" srcId="{D5C40489-7514-4B51-B2FA-879787BB71CF}" destId="{153E283B-E35C-4F4C-B24B-ABA1208594FF}" srcOrd="1" destOrd="0" presId="urn:microsoft.com/office/officeart/2005/8/layout/orgChart1"/>
+    <dgm:cxn modelId="{82075F66-0DE6-4A33-91FC-EA45240DD90B}" type="presParOf" srcId="{1D2D5C09-417A-42D2-B77F-DD89049FDC71}" destId="{98883C32-90B6-4F4C-80C9-8F7759DE1E6A}" srcOrd="1" destOrd="0" presId="urn:microsoft.com/office/officeart/2005/8/layout/orgChart1"/>
+    <dgm:cxn modelId="{2E85CCA2-2E8F-4DA2-B7D7-7495F004A6C7}" type="presParOf" srcId="{98883C32-90B6-4F4C-80C9-8F7759DE1E6A}" destId="{FA7408FC-ED8D-4F08-99A2-B2AD23ABE4BD}" srcOrd="0" destOrd="0" presId="urn:microsoft.com/office/officeart/2005/8/layout/orgChart1"/>
+    <dgm:cxn modelId="{F831A6C1-C763-49D1-82F0-962AFA0E5883}" type="presParOf" srcId="{98883C32-90B6-4F4C-80C9-8F7759DE1E6A}" destId="{21521232-0318-480B-BAC4-50733467C4EC}" srcOrd="1" destOrd="0" presId="urn:microsoft.com/office/officeart/2005/8/layout/orgChart1"/>
+    <dgm:cxn modelId="{0FC5CCF9-650E-4E17-9BAA-17313749FCC4}" type="presParOf" srcId="{21521232-0318-480B-BAC4-50733467C4EC}" destId="{81C4929F-880F-497D-875A-1BADC61E68EF}" srcOrd="0" destOrd="0" presId="urn:microsoft.com/office/officeart/2005/8/layout/orgChart1"/>
+    <dgm:cxn modelId="{452EAD21-97E2-49FE-ACA8-4B90078EE6EB}" type="presParOf" srcId="{81C4929F-880F-497D-875A-1BADC61E68EF}" destId="{262B9312-AC7A-49E6-AB8C-0F6C0B5D9FCD}" srcOrd="0" destOrd="0" presId="urn:microsoft.com/office/officeart/2005/8/layout/orgChart1"/>
+    <dgm:cxn modelId="{7A3061F9-536D-42E1-B9A1-7FB0E09E771F}" type="presParOf" srcId="{81C4929F-880F-497D-875A-1BADC61E68EF}" destId="{D739788C-8F8C-4166-8248-168E36485851}" srcOrd="1" destOrd="0" presId="urn:microsoft.com/office/officeart/2005/8/layout/orgChart1"/>
+    <dgm:cxn modelId="{92F64E77-201C-4915-967E-F17C5DCC87B7}" type="presParOf" srcId="{21521232-0318-480B-BAC4-50733467C4EC}" destId="{81A1F3B3-AA01-4F75-92C1-24C1E96CB376}" srcOrd="1" destOrd="0" presId="urn:microsoft.com/office/officeart/2005/8/layout/orgChart1"/>
+    <dgm:cxn modelId="{923A4CCE-F01F-489B-B752-E95C208F7135}" type="presParOf" srcId="{81A1F3B3-AA01-4F75-92C1-24C1E96CB376}" destId="{49FB6CB8-9F82-484A-9A0E-FC9AE46AA042}" srcOrd="0" destOrd="0" presId="urn:microsoft.com/office/officeart/2005/8/layout/orgChart1"/>
+    <dgm:cxn modelId="{AA619557-451D-4C4E-AD11-4C640C2593A6}" type="presParOf" srcId="{81A1F3B3-AA01-4F75-92C1-24C1E96CB376}" destId="{874ABA13-BFCD-4455-8839-D12A39754549}" srcOrd="1" destOrd="0" presId="urn:microsoft.com/office/officeart/2005/8/layout/orgChart1"/>
+    <dgm:cxn modelId="{D36C2137-36B6-40FD-8FBE-23BC4F256BA7}" type="presParOf" srcId="{874ABA13-BFCD-4455-8839-D12A39754549}" destId="{DE7E94BE-30AA-440A-96C8-0E16429366D2}" srcOrd="0" destOrd="0" presId="urn:microsoft.com/office/officeart/2005/8/layout/orgChart1"/>
+    <dgm:cxn modelId="{2B5EC1E5-E107-4307-AFD9-DC13ED442C61}" type="presParOf" srcId="{DE7E94BE-30AA-440A-96C8-0E16429366D2}" destId="{A621022C-A469-4557-AC97-6470E5E757EE}" srcOrd="0" destOrd="0" presId="urn:microsoft.com/office/officeart/2005/8/layout/orgChart1"/>
+    <dgm:cxn modelId="{22794E6B-9A94-4ADB-AEF5-7078AAC8CF65}" type="presParOf" srcId="{DE7E94BE-30AA-440A-96C8-0E16429366D2}" destId="{C8A8DC3E-5C09-4E74-9D12-1221E2B23E26}" srcOrd="1" destOrd="0" presId="urn:microsoft.com/office/officeart/2005/8/layout/orgChart1"/>
+    <dgm:cxn modelId="{6FFF027A-DDE6-46EA-BE5A-8736BD7CB9EC}" type="presParOf" srcId="{874ABA13-BFCD-4455-8839-D12A39754549}" destId="{5A363883-107F-40AA-836A-4CBA09225D2C}" srcOrd="1" destOrd="0" presId="urn:microsoft.com/office/officeart/2005/8/layout/orgChart1"/>
+    <dgm:cxn modelId="{A1E1EFE5-FD76-4FDC-AE76-4F91E6B1A2E9}" type="presParOf" srcId="{874ABA13-BFCD-4455-8839-D12A39754549}" destId="{A043C4B9-2A4E-429D-973D-4CD58AD201C0}" srcOrd="2" destOrd="0" presId="urn:microsoft.com/office/officeart/2005/8/layout/orgChart1"/>
+    <dgm:cxn modelId="{8D074247-34FA-4EB5-8F4E-40542706AE67}" type="presParOf" srcId="{21521232-0318-480B-BAC4-50733467C4EC}" destId="{8EDD7FFE-10DB-4E9A-A40E-EF374F9BB123}" srcOrd="2" destOrd="0" presId="urn:microsoft.com/office/officeart/2005/8/layout/orgChart1"/>
+    <dgm:cxn modelId="{9CAEA9B3-9FBA-400F-94BD-74B8C0701BB9}" type="presParOf" srcId="{98883C32-90B6-4F4C-80C9-8F7759DE1E6A}" destId="{5BFD7272-A9E1-4B49-AD89-7A00A719F539}" srcOrd="2" destOrd="0" presId="urn:microsoft.com/office/officeart/2005/8/layout/orgChart1"/>
+    <dgm:cxn modelId="{71026E3A-9EC7-49C4-AD2E-6BDCDBA488D0}" type="presParOf" srcId="{98883C32-90B6-4F4C-80C9-8F7759DE1E6A}" destId="{351102EA-A810-44D5-A6BF-93D50824BD6B}" srcOrd="3" destOrd="0" presId="urn:microsoft.com/office/officeart/2005/8/layout/orgChart1"/>
+    <dgm:cxn modelId="{2EE02852-4107-43F8-957A-F04AA3F2D01F}" type="presParOf" srcId="{351102EA-A810-44D5-A6BF-93D50824BD6B}" destId="{116D559E-BFA8-4D9A-9BEF-2B6A894910BB}" srcOrd="0" destOrd="0" presId="urn:microsoft.com/office/officeart/2005/8/layout/orgChart1"/>
+    <dgm:cxn modelId="{1281F1CA-3E7B-4BB0-993C-DD2C4DE169A1}" type="presParOf" srcId="{116D559E-BFA8-4D9A-9BEF-2B6A894910BB}" destId="{D83078CD-CBF2-48B5-BA48-71A6A55E3661}" srcOrd="0" destOrd="0" presId="urn:microsoft.com/office/officeart/2005/8/layout/orgChart1"/>
+    <dgm:cxn modelId="{1D3DFD17-6D3D-452E-9D84-C04BE1E597DC}" type="presParOf" srcId="{116D559E-BFA8-4D9A-9BEF-2B6A894910BB}" destId="{01D77CE3-17E5-42C6-80EF-E0EA344254B1}" srcOrd="1" destOrd="0" presId="urn:microsoft.com/office/officeart/2005/8/layout/orgChart1"/>
+    <dgm:cxn modelId="{43AC5360-127E-4554-A441-9E8F214684E0}" type="presParOf" srcId="{351102EA-A810-44D5-A6BF-93D50824BD6B}" destId="{CBA0700B-62DC-41D4-B79E-D78D4FE5B6A3}" srcOrd="1" destOrd="0" presId="urn:microsoft.com/office/officeart/2005/8/layout/orgChart1"/>
+    <dgm:cxn modelId="{5FBA5F0F-2BF9-4740-9C0C-83A9C7193C13}" type="presParOf" srcId="{CBA0700B-62DC-41D4-B79E-D78D4FE5B6A3}" destId="{F3B3B643-B6FB-449F-B63E-1ABBA1795FE3}" srcOrd="0" destOrd="0" presId="urn:microsoft.com/office/officeart/2005/8/layout/orgChart1"/>
+    <dgm:cxn modelId="{2DBBD046-5F4D-484E-988A-CC07B3663028}" type="presParOf" srcId="{CBA0700B-62DC-41D4-B79E-D78D4FE5B6A3}" destId="{2B33E9DE-DBDF-4F3B-9524-B05141D5851D}" srcOrd="1" destOrd="0" presId="urn:microsoft.com/office/officeart/2005/8/layout/orgChart1"/>
+    <dgm:cxn modelId="{5476FD15-410A-46CC-B5A2-2FA02DF57D89}" type="presParOf" srcId="{2B33E9DE-DBDF-4F3B-9524-B05141D5851D}" destId="{A6C2275E-764D-4E64-AB16-0FA4222E9C91}" srcOrd="0" destOrd="0" presId="urn:microsoft.com/office/officeart/2005/8/layout/orgChart1"/>
+    <dgm:cxn modelId="{C44AF526-E0C2-49E2-8DD5-B243880BCC41}" type="presParOf" srcId="{A6C2275E-764D-4E64-AB16-0FA4222E9C91}" destId="{882AAFCF-E4BC-4998-9781-527AC641839B}" srcOrd="0" destOrd="0" presId="urn:microsoft.com/office/officeart/2005/8/layout/orgChart1"/>
+    <dgm:cxn modelId="{1C4EE36A-86EE-437A-A329-FF96ABDF29B5}" type="presParOf" srcId="{A6C2275E-764D-4E64-AB16-0FA4222E9C91}" destId="{F2A17986-3F4E-4EC7-9406-9D26BD6DB4C3}" srcOrd="1" destOrd="0" presId="urn:microsoft.com/office/officeart/2005/8/layout/orgChart1"/>
+    <dgm:cxn modelId="{7463F5AF-888B-43D4-ACEC-D8AE4AEA3B59}" type="presParOf" srcId="{2B33E9DE-DBDF-4F3B-9524-B05141D5851D}" destId="{6D3EE132-3576-4A37-93B3-7141A84C966F}" srcOrd="1" destOrd="0" presId="urn:microsoft.com/office/officeart/2005/8/layout/orgChart1"/>
+    <dgm:cxn modelId="{2427A95B-F5AF-4C1B-BF0A-1B1A81920ED4}" type="presParOf" srcId="{2B33E9DE-DBDF-4F3B-9524-B05141D5851D}" destId="{DA06A6F1-D38D-4452-AA72-B2E52B13F959}" srcOrd="2" destOrd="0" presId="urn:microsoft.com/office/officeart/2005/8/layout/orgChart1"/>
+    <dgm:cxn modelId="{0C2319EE-0778-4442-94F3-DEA675493E36}" type="presParOf" srcId="{351102EA-A810-44D5-A6BF-93D50824BD6B}" destId="{77730C8A-A726-4E3D-A3E7-46E8F873F763}" srcOrd="2" destOrd="0" presId="urn:microsoft.com/office/officeart/2005/8/layout/orgChart1"/>
+    <dgm:cxn modelId="{55733BCB-44C1-4333-B7B0-2C88B69BEB3B}" type="presParOf" srcId="{1D2D5C09-417A-42D2-B77F-DD89049FDC71}" destId="{69888EF2-B79C-4F94-B203-012E7B13196C}" srcOrd="2" destOrd="0" presId="urn:microsoft.com/office/officeart/2005/8/layout/orgChart1"/>
+    <dgm:cxn modelId="{B476D644-8051-4D9B-A9D9-7D5BCBB4D4A2}" type="presParOf" srcId="{69888EF2-B79C-4F94-B203-012E7B13196C}" destId="{6AB652ED-D00E-48F5-B746-64337BD47867}" srcOrd="0" destOrd="0" presId="urn:microsoft.com/office/officeart/2005/8/layout/orgChart1"/>
+    <dgm:cxn modelId="{17096FDF-5A0A-49A7-BE4F-93A5B7758957}" type="presParOf" srcId="{69888EF2-B79C-4F94-B203-012E7B13196C}" destId="{4A39EB33-EE39-4692-A740-EE733283EA34}" srcOrd="1" destOrd="0" presId="urn:microsoft.com/office/officeart/2005/8/layout/orgChart1"/>
+    <dgm:cxn modelId="{34962AC1-ABCC-4147-99F1-34A018366AB0}" type="presParOf" srcId="{4A39EB33-EE39-4692-A740-EE733283EA34}" destId="{24EC4394-89EF-494D-BF05-BC48F66FCAE9}" srcOrd="0" destOrd="0" presId="urn:microsoft.com/office/officeart/2005/8/layout/orgChart1"/>
+    <dgm:cxn modelId="{06380F49-D28B-49B6-B5CB-E8499997DB27}" type="presParOf" srcId="{24EC4394-89EF-494D-BF05-BC48F66FCAE9}" destId="{E6BC83B1-A738-4205-AB1E-F9DDC917E51A}" srcOrd="0" destOrd="0" presId="urn:microsoft.com/office/officeart/2005/8/layout/orgChart1"/>
+    <dgm:cxn modelId="{1F048D6A-5FF5-4C0A-9484-6DC37FED9DE5}" type="presParOf" srcId="{24EC4394-89EF-494D-BF05-BC48F66FCAE9}" destId="{DF04D3EE-EF93-4FAA-8E0D-CF121B072E04}" srcOrd="1" destOrd="0" presId="urn:microsoft.com/office/officeart/2005/8/layout/orgChart1"/>
+    <dgm:cxn modelId="{F46D49EA-DCF9-4A9F-998D-7ECABCD1AFFB}" type="presParOf" srcId="{4A39EB33-EE39-4692-A740-EE733283EA34}" destId="{95717DF9-B29C-4049-B85D-EEE7D3E9C223}" srcOrd="1" destOrd="0" presId="urn:microsoft.com/office/officeart/2005/8/layout/orgChart1"/>
+    <dgm:cxn modelId="{B2E191B8-512A-436F-BEA4-E7B533DD8B5D}" type="presParOf" srcId="{4A39EB33-EE39-4692-A740-EE733283EA34}" destId="{AC7624DC-50D3-472A-82D9-3BDC94697CE1}" srcOrd="2" destOrd="0" presId="urn:microsoft.com/office/officeart/2005/8/layout/orgChart1"/>
   </dgm:cxnLst>
   <dgm:bg/>
   <dgm:whole/>
@@ -1589,6 +2876,787 @@
       <dsp:txXfrm>
         <a:off x="0" y="3510437"/>
         <a:ext cx="4971824" cy="1170145"/>
+      </dsp:txXfrm>
+    </dsp:sp>
+  </dsp:spTree>
+</dsp:drawing>
+</file>
+
+<file path=ppt/diagrams/drawing2.xml><?xml version="1.0" encoding="utf-8"?>
+<dsp:drawing xmlns:dgm="http://schemas.openxmlformats.org/drawingml/2006/diagram" xmlns:dsp="http://schemas.microsoft.com/office/drawing/2008/diagram" xmlns:a="http://schemas.openxmlformats.org/drawingml/2006/main">
+  <dsp:spTree>
+    <dsp:nvGrpSpPr>
+      <dsp:cNvPr id="0" name=""/>
+      <dsp:cNvGrpSpPr/>
+    </dsp:nvGrpSpPr>
+    <dsp:grpSpPr/>
+    <dsp:sp modelId="{6AB652ED-D00E-48F5-B746-64337BD47867}">
+      <dsp:nvSpPr>
+        <dsp:cNvPr id="0" name=""/>
+        <dsp:cNvSpPr/>
+      </dsp:nvSpPr>
+      <dsp:spPr>
+        <a:xfrm>
+          <a:off x="4877681" y="828726"/>
+          <a:ext cx="173532" cy="760237"/>
+        </a:xfrm>
+        <a:custGeom>
+          <a:avLst/>
+          <a:gdLst/>
+          <a:ahLst/>
+          <a:cxnLst/>
+          <a:rect l="0" t="0" r="0" b="0"/>
+          <a:pathLst>
+            <a:path>
+              <a:moveTo>
+                <a:pt x="173532" y="0"/>
+              </a:moveTo>
+              <a:lnTo>
+                <a:pt x="173532" y="760237"/>
+              </a:lnTo>
+              <a:lnTo>
+                <a:pt x="0" y="760237"/>
+              </a:lnTo>
+            </a:path>
+          </a:pathLst>
+        </a:custGeom>
+        <a:noFill/>
+        <a:ln w="12700" cap="flat" cmpd="sng" algn="ctr">
+          <a:solidFill>
+            <a:schemeClr val="accent2">
+              <a:shade val="60000"/>
+              <a:hueOff val="0"/>
+              <a:satOff val="0"/>
+              <a:lumOff val="0"/>
+              <a:alphaOff val="0"/>
+            </a:schemeClr>
+          </a:solidFill>
+          <a:prstDash val="solid"/>
+          <a:miter lim="800000"/>
+        </a:ln>
+        <a:effectLst/>
+      </dsp:spPr>
+      <dsp:style>
+        <a:lnRef idx="2">
+          <a:scrgbClr r="0" g="0" b="0"/>
+        </a:lnRef>
+        <a:fillRef idx="0">
+          <a:scrgbClr r="0" g="0" b="0"/>
+        </a:fillRef>
+        <a:effectRef idx="0">
+          <a:scrgbClr r="0" g="0" b="0"/>
+        </a:effectRef>
+        <a:fontRef idx="minor"/>
+      </dsp:style>
+    </dsp:sp>
+    <dsp:sp modelId="{F3B3B643-B6FB-449F-B63E-1ABBA1795FE3}">
+      <dsp:nvSpPr>
+        <dsp:cNvPr id="0" name=""/>
+        <dsp:cNvSpPr/>
+      </dsp:nvSpPr>
+      <dsp:spPr>
+        <a:xfrm>
+          <a:off x="5390015" y="3175546"/>
+          <a:ext cx="247903" cy="760237"/>
+        </a:xfrm>
+        <a:custGeom>
+          <a:avLst/>
+          <a:gdLst/>
+          <a:ahLst/>
+          <a:cxnLst/>
+          <a:rect l="0" t="0" r="0" b="0"/>
+          <a:pathLst>
+            <a:path>
+              <a:moveTo>
+                <a:pt x="0" y="0"/>
+              </a:moveTo>
+              <a:lnTo>
+                <a:pt x="0" y="760237"/>
+              </a:lnTo>
+              <a:lnTo>
+                <a:pt x="247903" y="760237"/>
+              </a:lnTo>
+            </a:path>
+          </a:pathLst>
+        </a:custGeom>
+        <a:noFill/>
+        <a:ln w="12700" cap="flat" cmpd="sng" algn="ctr">
+          <a:solidFill>
+            <a:schemeClr val="accent2">
+              <a:shade val="80000"/>
+              <a:hueOff val="0"/>
+              <a:satOff val="0"/>
+              <a:lumOff val="0"/>
+              <a:alphaOff val="0"/>
+            </a:schemeClr>
+          </a:solidFill>
+          <a:prstDash val="solid"/>
+          <a:miter lim="800000"/>
+        </a:ln>
+        <a:effectLst/>
+      </dsp:spPr>
+      <dsp:style>
+        <a:lnRef idx="2">
+          <a:scrgbClr r="0" g="0" b="0"/>
+        </a:lnRef>
+        <a:fillRef idx="0">
+          <a:scrgbClr r="0" g="0" b="0"/>
+        </a:fillRef>
+        <a:effectRef idx="0">
+          <a:scrgbClr r="0" g="0" b="0"/>
+        </a:effectRef>
+        <a:fontRef idx="minor"/>
+      </dsp:style>
+    </dsp:sp>
+    <dsp:sp modelId="{5BFD7272-A9E1-4B49-AD89-7A00A719F539}">
+      <dsp:nvSpPr>
+        <dsp:cNvPr id="0" name=""/>
+        <dsp:cNvSpPr/>
+      </dsp:nvSpPr>
+      <dsp:spPr>
+        <a:xfrm>
+          <a:off x="5051213" y="828726"/>
+          <a:ext cx="999877" cy="1520474"/>
+        </a:xfrm>
+        <a:custGeom>
+          <a:avLst/>
+          <a:gdLst/>
+          <a:ahLst/>
+          <a:cxnLst/>
+          <a:rect l="0" t="0" r="0" b="0"/>
+          <a:pathLst>
+            <a:path>
+              <a:moveTo>
+                <a:pt x="0" y="0"/>
+              </a:moveTo>
+              <a:lnTo>
+                <a:pt x="0" y="1346942"/>
+              </a:lnTo>
+              <a:lnTo>
+                <a:pt x="999877" y="1346942"/>
+              </a:lnTo>
+              <a:lnTo>
+                <a:pt x="999877" y="1520474"/>
+              </a:lnTo>
+            </a:path>
+          </a:pathLst>
+        </a:custGeom>
+        <a:noFill/>
+        <a:ln w="12700" cap="flat" cmpd="sng" algn="ctr">
+          <a:solidFill>
+            <a:schemeClr val="accent2">
+              <a:shade val="60000"/>
+              <a:hueOff val="0"/>
+              <a:satOff val="0"/>
+              <a:lumOff val="0"/>
+              <a:alphaOff val="0"/>
+            </a:schemeClr>
+          </a:solidFill>
+          <a:prstDash val="solid"/>
+          <a:miter lim="800000"/>
+        </a:ln>
+        <a:effectLst/>
+      </dsp:spPr>
+      <dsp:style>
+        <a:lnRef idx="2">
+          <a:scrgbClr r="0" g="0" b="0"/>
+        </a:lnRef>
+        <a:fillRef idx="0">
+          <a:scrgbClr r="0" g="0" b="0"/>
+        </a:fillRef>
+        <a:effectRef idx="0">
+          <a:scrgbClr r="0" g="0" b="0"/>
+        </a:effectRef>
+        <a:fontRef idx="minor"/>
+      </dsp:style>
+    </dsp:sp>
+    <dsp:sp modelId="{49FB6CB8-9F82-484A-9A0E-FC9AE46AA042}">
+      <dsp:nvSpPr>
+        <dsp:cNvPr id="0" name=""/>
+        <dsp:cNvSpPr/>
+      </dsp:nvSpPr>
+      <dsp:spPr>
+        <a:xfrm>
+          <a:off x="3390260" y="3175546"/>
+          <a:ext cx="247903" cy="760237"/>
+        </a:xfrm>
+        <a:custGeom>
+          <a:avLst/>
+          <a:gdLst/>
+          <a:ahLst/>
+          <a:cxnLst/>
+          <a:rect l="0" t="0" r="0" b="0"/>
+          <a:pathLst>
+            <a:path>
+              <a:moveTo>
+                <a:pt x="0" y="0"/>
+              </a:moveTo>
+              <a:lnTo>
+                <a:pt x="0" y="760237"/>
+              </a:lnTo>
+              <a:lnTo>
+                <a:pt x="247903" y="760237"/>
+              </a:lnTo>
+            </a:path>
+          </a:pathLst>
+        </a:custGeom>
+        <a:noFill/>
+        <a:ln w="12700" cap="flat" cmpd="sng" algn="ctr">
+          <a:solidFill>
+            <a:schemeClr val="accent2">
+              <a:shade val="80000"/>
+              <a:hueOff val="0"/>
+              <a:satOff val="0"/>
+              <a:lumOff val="0"/>
+              <a:alphaOff val="0"/>
+            </a:schemeClr>
+          </a:solidFill>
+          <a:prstDash val="solid"/>
+          <a:miter lim="800000"/>
+        </a:ln>
+        <a:effectLst/>
+      </dsp:spPr>
+      <dsp:style>
+        <a:lnRef idx="2">
+          <a:scrgbClr r="0" g="0" b="0"/>
+        </a:lnRef>
+        <a:fillRef idx="0">
+          <a:scrgbClr r="0" g="0" b="0"/>
+        </a:fillRef>
+        <a:effectRef idx="0">
+          <a:scrgbClr r="0" g="0" b="0"/>
+        </a:effectRef>
+        <a:fontRef idx="minor"/>
+      </dsp:style>
+    </dsp:sp>
+    <dsp:sp modelId="{FA7408FC-ED8D-4F08-99A2-B2AD23ABE4BD}">
+      <dsp:nvSpPr>
+        <dsp:cNvPr id="0" name=""/>
+        <dsp:cNvSpPr/>
+      </dsp:nvSpPr>
+      <dsp:spPr>
+        <a:xfrm>
+          <a:off x="4051336" y="828726"/>
+          <a:ext cx="999877" cy="1520474"/>
+        </a:xfrm>
+        <a:custGeom>
+          <a:avLst/>
+          <a:gdLst/>
+          <a:ahLst/>
+          <a:cxnLst/>
+          <a:rect l="0" t="0" r="0" b="0"/>
+          <a:pathLst>
+            <a:path>
+              <a:moveTo>
+                <a:pt x="999877" y="0"/>
+              </a:moveTo>
+              <a:lnTo>
+                <a:pt x="999877" y="1346942"/>
+              </a:lnTo>
+              <a:lnTo>
+                <a:pt x="0" y="1346942"/>
+              </a:lnTo>
+              <a:lnTo>
+                <a:pt x="0" y="1520474"/>
+              </a:lnTo>
+            </a:path>
+          </a:pathLst>
+        </a:custGeom>
+        <a:noFill/>
+        <a:ln w="12700" cap="flat" cmpd="sng" algn="ctr">
+          <a:solidFill>
+            <a:schemeClr val="accent2">
+              <a:shade val="60000"/>
+              <a:hueOff val="0"/>
+              <a:satOff val="0"/>
+              <a:lumOff val="0"/>
+              <a:alphaOff val="0"/>
+            </a:schemeClr>
+          </a:solidFill>
+          <a:prstDash val="solid"/>
+          <a:miter lim="800000"/>
+        </a:ln>
+        <a:effectLst/>
+      </dsp:spPr>
+      <dsp:style>
+        <a:lnRef idx="2">
+          <a:scrgbClr r="0" g="0" b="0"/>
+        </a:lnRef>
+        <a:fillRef idx="0">
+          <a:scrgbClr r="0" g="0" b="0"/>
+        </a:fillRef>
+        <a:effectRef idx="0">
+          <a:scrgbClr r="0" g="0" b="0"/>
+        </a:effectRef>
+        <a:fontRef idx="minor"/>
+      </dsp:style>
+    </dsp:sp>
+    <dsp:sp modelId="{2385EE16-06BE-480B-AA48-AD1A53B0F472}">
+      <dsp:nvSpPr>
+        <dsp:cNvPr id="0" name=""/>
+        <dsp:cNvSpPr/>
+      </dsp:nvSpPr>
+      <dsp:spPr>
+        <a:xfrm>
+          <a:off x="4224868" y="2381"/>
+          <a:ext cx="1652689" cy="826344"/>
+        </a:xfrm>
+        <a:prstGeom prst="rect">
+          <a:avLst/>
+        </a:prstGeom>
+        <a:solidFill>
+          <a:schemeClr val="accent2">
+            <a:hueOff val="0"/>
+            <a:satOff val="0"/>
+            <a:lumOff val="0"/>
+            <a:alphaOff val="0"/>
+          </a:schemeClr>
+        </a:solidFill>
+        <a:ln w="19050" cap="flat" cmpd="sng" algn="ctr">
+          <a:solidFill>
+            <a:schemeClr val="lt1">
+              <a:hueOff val="0"/>
+              <a:satOff val="0"/>
+              <a:lumOff val="0"/>
+              <a:alphaOff val="0"/>
+            </a:schemeClr>
+          </a:solidFill>
+          <a:prstDash val="solid"/>
+          <a:miter lim="800000"/>
+        </a:ln>
+        <a:effectLst/>
+      </dsp:spPr>
+      <dsp:style>
+        <a:lnRef idx="3">
+          <a:scrgbClr r="0" g="0" b="0"/>
+        </a:lnRef>
+        <a:fillRef idx="1">
+          <a:scrgbClr r="0" g="0" b="0"/>
+        </a:fillRef>
+        <a:effectRef idx="1">
+          <a:scrgbClr r="0" g="0" b="0"/>
+        </a:effectRef>
+        <a:fontRef idx="minor">
+          <a:schemeClr val="lt1"/>
+        </a:fontRef>
+      </dsp:style>
+      <dsp:txBody>
+        <a:bodyPr spcFirstLastPara="0" vert="horz" wrap="square" lIns="12700" tIns="12700" rIns="12700" bIns="12700" numCol="1" spcCol="1270" anchor="ctr" anchorCtr="0">
+          <a:noAutofit/>
+        </a:bodyPr>
+        <a:lstStyle/>
+        <a:p>
+          <a:pPr marL="0" lvl="0" indent="0" algn="ctr" defTabSz="889000">
+            <a:lnSpc>
+              <a:spcPct val="90000"/>
+            </a:lnSpc>
+            <a:spcBef>
+              <a:spcPct val="0"/>
+            </a:spcBef>
+            <a:spcAft>
+              <a:spcPct val="35000"/>
+            </a:spcAft>
+            <a:buNone/>
+          </a:pPr>
+          <a:r>
+            <a:rPr lang="ru-RU" sz="2000" kern="1200" dirty="0"/>
+            <a:t>Авторизация</a:t>
+          </a:r>
+        </a:p>
+      </dsp:txBody>
+      <dsp:txXfrm>
+        <a:off x="4224868" y="2381"/>
+        <a:ext cx="1652689" cy="826344"/>
+      </dsp:txXfrm>
+    </dsp:sp>
+    <dsp:sp modelId="{262B9312-AC7A-49E6-AB8C-0F6C0B5D9FCD}">
+      <dsp:nvSpPr>
+        <dsp:cNvPr id="0" name=""/>
+        <dsp:cNvSpPr/>
+      </dsp:nvSpPr>
+      <dsp:spPr>
+        <a:xfrm>
+          <a:off x="3224991" y="2349201"/>
+          <a:ext cx="1652689" cy="826344"/>
+        </a:xfrm>
+        <a:prstGeom prst="rect">
+          <a:avLst/>
+        </a:prstGeom>
+        <a:solidFill>
+          <a:schemeClr val="accent2">
+            <a:hueOff val="0"/>
+            <a:satOff val="0"/>
+            <a:lumOff val="0"/>
+            <a:alphaOff val="0"/>
+          </a:schemeClr>
+        </a:solidFill>
+        <a:ln w="19050" cap="flat" cmpd="sng" algn="ctr">
+          <a:solidFill>
+            <a:schemeClr val="lt1">
+              <a:hueOff val="0"/>
+              <a:satOff val="0"/>
+              <a:lumOff val="0"/>
+              <a:alphaOff val="0"/>
+            </a:schemeClr>
+          </a:solidFill>
+          <a:prstDash val="solid"/>
+          <a:miter lim="800000"/>
+        </a:ln>
+        <a:effectLst/>
+      </dsp:spPr>
+      <dsp:style>
+        <a:lnRef idx="3">
+          <a:scrgbClr r="0" g="0" b="0"/>
+        </a:lnRef>
+        <a:fillRef idx="1">
+          <a:scrgbClr r="0" g="0" b="0"/>
+        </a:fillRef>
+        <a:effectRef idx="1">
+          <a:scrgbClr r="0" g="0" b="0"/>
+        </a:effectRef>
+        <a:fontRef idx="minor">
+          <a:schemeClr val="lt1"/>
+        </a:fontRef>
+      </dsp:style>
+      <dsp:txBody>
+        <a:bodyPr spcFirstLastPara="0" vert="horz" wrap="square" lIns="12700" tIns="12700" rIns="12700" bIns="12700" numCol="1" spcCol="1270" anchor="ctr" anchorCtr="0">
+          <a:noAutofit/>
+        </a:bodyPr>
+        <a:lstStyle/>
+        <a:p>
+          <a:pPr marL="0" lvl="0" indent="0" algn="ctr" defTabSz="889000">
+            <a:lnSpc>
+              <a:spcPct val="90000"/>
+            </a:lnSpc>
+            <a:spcBef>
+              <a:spcPct val="0"/>
+            </a:spcBef>
+            <a:spcAft>
+              <a:spcPct val="35000"/>
+            </a:spcAft>
+            <a:buNone/>
+          </a:pPr>
+          <a:r>
+            <a:rPr lang="ru-RU" sz="2000" kern="1200" dirty="0"/>
+            <a:t>Посмотреть курьеров</a:t>
+          </a:r>
+        </a:p>
+      </dsp:txBody>
+      <dsp:txXfrm>
+        <a:off x="3224991" y="2349201"/>
+        <a:ext cx="1652689" cy="826344"/>
+      </dsp:txXfrm>
+    </dsp:sp>
+    <dsp:sp modelId="{A621022C-A469-4557-AC97-6470E5E757EE}">
+      <dsp:nvSpPr>
+        <dsp:cNvPr id="0" name=""/>
+        <dsp:cNvSpPr/>
+      </dsp:nvSpPr>
+      <dsp:spPr>
+        <a:xfrm>
+          <a:off x="3638163" y="3522611"/>
+          <a:ext cx="1652689" cy="826344"/>
+        </a:xfrm>
+        <a:prstGeom prst="rect">
+          <a:avLst/>
+        </a:prstGeom>
+        <a:solidFill>
+          <a:schemeClr val="accent2">
+            <a:hueOff val="0"/>
+            <a:satOff val="0"/>
+            <a:lumOff val="0"/>
+            <a:alphaOff val="0"/>
+          </a:schemeClr>
+        </a:solidFill>
+        <a:ln w="19050" cap="flat" cmpd="sng" algn="ctr">
+          <a:solidFill>
+            <a:schemeClr val="lt1">
+              <a:hueOff val="0"/>
+              <a:satOff val="0"/>
+              <a:lumOff val="0"/>
+              <a:alphaOff val="0"/>
+            </a:schemeClr>
+          </a:solidFill>
+          <a:prstDash val="solid"/>
+          <a:miter lim="800000"/>
+        </a:ln>
+        <a:effectLst/>
+      </dsp:spPr>
+      <dsp:style>
+        <a:lnRef idx="3">
+          <a:scrgbClr r="0" g="0" b="0"/>
+        </a:lnRef>
+        <a:fillRef idx="1">
+          <a:scrgbClr r="0" g="0" b="0"/>
+        </a:fillRef>
+        <a:effectRef idx="1">
+          <a:scrgbClr r="0" g="0" b="0"/>
+        </a:effectRef>
+        <a:fontRef idx="minor">
+          <a:schemeClr val="lt1"/>
+        </a:fontRef>
+      </dsp:style>
+      <dsp:txBody>
+        <a:bodyPr spcFirstLastPara="0" vert="horz" wrap="square" lIns="12700" tIns="12700" rIns="12700" bIns="12700" numCol="1" spcCol="1270" anchor="ctr" anchorCtr="0">
+          <a:noAutofit/>
+        </a:bodyPr>
+        <a:lstStyle/>
+        <a:p>
+          <a:pPr marL="0" lvl="0" indent="0" algn="ctr" defTabSz="889000">
+            <a:lnSpc>
+              <a:spcPct val="90000"/>
+            </a:lnSpc>
+            <a:spcBef>
+              <a:spcPct val="0"/>
+            </a:spcBef>
+            <a:spcAft>
+              <a:spcPct val="35000"/>
+            </a:spcAft>
+            <a:buNone/>
+          </a:pPr>
+          <a:r>
+            <a:rPr lang="ru-RU" sz="2000" kern="1200" dirty="0"/>
+            <a:t>Сделать заказ</a:t>
+          </a:r>
+        </a:p>
+      </dsp:txBody>
+      <dsp:txXfrm>
+        <a:off x="3638163" y="3522611"/>
+        <a:ext cx="1652689" cy="826344"/>
+      </dsp:txXfrm>
+    </dsp:sp>
+    <dsp:sp modelId="{D83078CD-CBF2-48B5-BA48-71A6A55E3661}">
+      <dsp:nvSpPr>
+        <dsp:cNvPr id="0" name=""/>
+        <dsp:cNvSpPr/>
+      </dsp:nvSpPr>
+      <dsp:spPr>
+        <a:xfrm>
+          <a:off x="5224746" y="2349201"/>
+          <a:ext cx="1652689" cy="826344"/>
+        </a:xfrm>
+        <a:prstGeom prst="rect">
+          <a:avLst/>
+        </a:prstGeom>
+        <a:solidFill>
+          <a:schemeClr val="accent2">
+            <a:hueOff val="0"/>
+            <a:satOff val="0"/>
+            <a:lumOff val="0"/>
+            <a:alphaOff val="0"/>
+          </a:schemeClr>
+        </a:solidFill>
+        <a:ln w="19050" cap="flat" cmpd="sng" algn="ctr">
+          <a:solidFill>
+            <a:schemeClr val="lt1">
+              <a:hueOff val="0"/>
+              <a:satOff val="0"/>
+              <a:lumOff val="0"/>
+              <a:alphaOff val="0"/>
+            </a:schemeClr>
+          </a:solidFill>
+          <a:prstDash val="solid"/>
+          <a:miter lim="800000"/>
+        </a:ln>
+        <a:effectLst/>
+      </dsp:spPr>
+      <dsp:style>
+        <a:lnRef idx="3">
+          <a:scrgbClr r="0" g="0" b="0"/>
+        </a:lnRef>
+        <a:fillRef idx="1">
+          <a:scrgbClr r="0" g="0" b="0"/>
+        </a:fillRef>
+        <a:effectRef idx="1">
+          <a:scrgbClr r="0" g="0" b="0"/>
+        </a:effectRef>
+        <a:fontRef idx="minor">
+          <a:schemeClr val="lt1"/>
+        </a:fontRef>
+      </dsp:style>
+      <dsp:txBody>
+        <a:bodyPr spcFirstLastPara="0" vert="horz" wrap="square" lIns="12700" tIns="12700" rIns="12700" bIns="12700" numCol="1" spcCol="1270" anchor="ctr" anchorCtr="0">
+          <a:noAutofit/>
+        </a:bodyPr>
+        <a:lstStyle/>
+        <a:p>
+          <a:pPr marL="0" lvl="0" indent="0" algn="ctr" defTabSz="889000">
+            <a:lnSpc>
+              <a:spcPct val="90000"/>
+            </a:lnSpc>
+            <a:spcBef>
+              <a:spcPct val="0"/>
+            </a:spcBef>
+            <a:spcAft>
+              <a:spcPct val="35000"/>
+            </a:spcAft>
+            <a:buNone/>
+          </a:pPr>
+          <a:r>
+            <a:rPr lang="ru-RU" sz="2000" kern="1200" dirty="0"/>
+            <a:t>Посмотреть заказы</a:t>
+          </a:r>
+        </a:p>
+      </dsp:txBody>
+      <dsp:txXfrm>
+        <a:off x="5224746" y="2349201"/>
+        <a:ext cx="1652689" cy="826344"/>
+      </dsp:txXfrm>
+    </dsp:sp>
+    <dsp:sp modelId="{882AAFCF-E4BC-4998-9781-527AC641839B}">
+      <dsp:nvSpPr>
+        <dsp:cNvPr id="0" name=""/>
+        <dsp:cNvSpPr/>
+      </dsp:nvSpPr>
+      <dsp:spPr>
+        <a:xfrm>
+          <a:off x="5637918" y="3522611"/>
+          <a:ext cx="1652689" cy="826344"/>
+        </a:xfrm>
+        <a:prstGeom prst="rect">
+          <a:avLst/>
+        </a:prstGeom>
+        <a:solidFill>
+          <a:schemeClr val="accent2">
+            <a:hueOff val="0"/>
+            <a:satOff val="0"/>
+            <a:lumOff val="0"/>
+            <a:alphaOff val="0"/>
+          </a:schemeClr>
+        </a:solidFill>
+        <a:ln w="19050" cap="flat" cmpd="sng" algn="ctr">
+          <a:solidFill>
+            <a:schemeClr val="lt1">
+              <a:hueOff val="0"/>
+              <a:satOff val="0"/>
+              <a:lumOff val="0"/>
+              <a:alphaOff val="0"/>
+            </a:schemeClr>
+          </a:solidFill>
+          <a:prstDash val="solid"/>
+          <a:miter lim="800000"/>
+        </a:ln>
+        <a:effectLst/>
+      </dsp:spPr>
+      <dsp:style>
+        <a:lnRef idx="3">
+          <a:scrgbClr r="0" g="0" b="0"/>
+        </a:lnRef>
+        <a:fillRef idx="1">
+          <a:scrgbClr r="0" g="0" b="0"/>
+        </a:fillRef>
+        <a:effectRef idx="1">
+          <a:scrgbClr r="0" g="0" b="0"/>
+        </a:effectRef>
+        <a:fontRef idx="minor">
+          <a:schemeClr val="lt1"/>
+        </a:fontRef>
+      </dsp:style>
+      <dsp:txBody>
+        <a:bodyPr spcFirstLastPara="0" vert="horz" wrap="square" lIns="12700" tIns="12700" rIns="12700" bIns="12700" numCol="1" spcCol="1270" anchor="ctr" anchorCtr="0">
+          <a:noAutofit/>
+        </a:bodyPr>
+        <a:lstStyle/>
+        <a:p>
+          <a:pPr marL="0" lvl="0" indent="0" algn="ctr" defTabSz="889000">
+            <a:lnSpc>
+              <a:spcPct val="90000"/>
+            </a:lnSpc>
+            <a:spcBef>
+              <a:spcPct val="0"/>
+            </a:spcBef>
+            <a:spcAft>
+              <a:spcPct val="35000"/>
+            </a:spcAft>
+            <a:buNone/>
+          </a:pPr>
+          <a:r>
+            <a:rPr lang="ru-RU" sz="2000" kern="1200" dirty="0"/>
+            <a:t>Принять заказ</a:t>
+          </a:r>
+        </a:p>
+      </dsp:txBody>
+      <dsp:txXfrm>
+        <a:off x="5637918" y="3522611"/>
+        <a:ext cx="1652689" cy="826344"/>
+      </dsp:txXfrm>
+    </dsp:sp>
+    <dsp:sp modelId="{E6BC83B1-A738-4205-AB1E-F9DDC917E51A}">
+      <dsp:nvSpPr>
+        <dsp:cNvPr id="0" name=""/>
+        <dsp:cNvSpPr/>
+      </dsp:nvSpPr>
+      <dsp:spPr>
+        <a:xfrm>
+          <a:off x="3224991" y="1175791"/>
+          <a:ext cx="1652689" cy="826344"/>
+        </a:xfrm>
+        <a:prstGeom prst="rect">
+          <a:avLst/>
+        </a:prstGeom>
+        <a:solidFill>
+          <a:schemeClr val="accent2">
+            <a:hueOff val="0"/>
+            <a:satOff val="0"/>
+            <a:lumOff val="0"/>
+            <a:alphaOff val="0"/>
+          </a:schemeClr>
+        </a:solidFill>
+        <a:ln w="19050" cap="flat" cmpd="sng" algn="ctr">
+          <a:solidFill>
+            <a:schemeClr val="lt1">
+              <a:hueOff val="0"/>
+              <a:satOff val="0"/>
+              <a:lumOff val="0"/>
+              <a:alphaOff val="0"/>
+            </a:schemeClr>
+          </a:solidFill>
+          <a:prstDash val="solid"/>
+          <a:miter lim="800000"/>
+        </a:ln>
+        <a:effectLst/>
+      </dsp:spPr>
+      <dsp:style>
+        <a:lnRef idx="3">
+          <a:scrgbClr r="0" g="0" b="0"/>
+        </a:lnRef>
+        <a:fillRef idx="1">
+          <a:scrgbClr r="0" g="0" b="0"/>
+        </a:fillRef>
+        <a:effectRef idx="1">
+          <a:scrgbClr r="0" g="0" b="0"/>
+        </a:effectRef>
+        <a:fontRef idx="minor">
+          <a:schemeClr val="lt1"/>
+        </a:fontRef>
+      </dsp:style>
+      <dsp:txBody>
+        <a:bodyPr spcFirstLastPara="0" vert="horz" wrap="square" lIns="12700" tIns="12700" rIns="12700" bIns="12700" numCol="1" spcCol="1270" anchor="ctr" anchorCtr="0">
+          <a:noAutofit/>
+        </a:bodyPr>
+        <a:lstStyle/>
+        <a:p>
+          <a:pPr marL="0" lvl="0" indent="0" algn="ctr" defTabSz="889000">
+            <a:lnSpc>
+              <a:spcPct val="90000"/>
+            </a:lnSpc>
+            <a:spcBef>
+              <a:spcPct val="0"/>
+            </a:spcBef>
+            <a:spcAft>
+              <a:spcPct val="35000"/>
+            </a:spcAft>
+            <a:buNone/>
+          </a:pPr>
+          <a:r>
+            <a:rPr lang="ru-RU" sz="2000" kern="1200" dirty="0"/>
+            <a:t>Редактировать профиль</a:t>
+          </a:r>
+        </a:p>
+      </dsp:txBody>
+      <dsp:txXfrm>
+        <a:off x="3224991" y="1175791"/>
+        <a:ext cx="1652689" cy="826344"/>
       </dsp:txXfrm>
     </dsp:sp>
   </dsp:spTree>
@@ -2061,6 +4129,1152 @@
 </dgm:layoutDef>
 </file>
 
+<file path=ppt/diagrams/layout2.xml><?xml version="1.0" encoding="utf-8"?>
+<dgm:layoutDef xmlns:dgm="http://schemas.openxmlformats.org/drawingml/2006/diagram" xmlns:a="http://schemas.openxmlformats.org/drawingml/2006/main" uniqueId="urn:microsoft.com/office/officeart/2005/8/layout/orgChart1">
+  <dgm:title val=""/>
+  <dgm:desc val=""/>
+  <dgm:catLst>
+    <dgm:cat type="hierarchy" pri="1000"/>
+    <dgm:cat type="convert" pri="6000"/>
+  </dgm:catLst>
+  <dgm:sampData>
+    <dgm:dataModel>
+      <dgm:ptLst>
+        <dgm:pt modelId="0" type="doc"/>
+        <dgm:pt modelId="1">
+          <dgm:prSet phldr="1"/>
+        </dgm:pt>
+        <dgm:pt modelId="2" type="asst">
+          <dgm:prSet phldr="1"/>
+        </dgm:pt>
+        <dgm:pt modelId="3">
+          <dgm:prSet phldr="1"/>
+        </dgm:pt>
+        <dgm:pt modelId="4">
+          <dgm:prSet phldr="1"/>
+        </dgm:pt>
+        <dgm:pt modelId="5">
+          <dgm:prSet phldr="1"/>
+        </dgm:pt>
+      </dgm:ptLst>
+      <dgm:cxnLst>
+        <dgm:cxn modelId="5" srcId="0" destId="1" srcOrd="0" destOrd="0"/>
+        <dgm:cxn modelId="6" srcId="1" destId="2" srcOrd="0" destOrd="0"/>
+        <dgm:cxn modelId="7" srcId="1" destId="3" srcOrd="1" destOrd="0"/>
+        <dgm:cxn modelId="8" srcId="1" destId="4" srcOrd="2" destOrd="0"/>
+        <dgm:cxn modelId="9" srcId="1" destId="5" srcOrd="3" destOrd="0"/>
+      </dgm:cxnLst>
+      <dgm:bg/>
+      <dgm:whole/>
+    </dgm:dataModel>
+  </dgm:sampData>
+  <dgm:styleData>
+    <dgm:dataModel>
+      <dgm:ptLst>
+        <dgm:pt modelId="0" type="doc"/>
+        <dgm:pt modelId="1"/>
+        <dgm:pt modelId="12"/>
+        <dgm:pt modelId="13"/>
+      </dgm:ptLst>
+      <dgm:cxnLst>
+        <dgm:cxn modelId="2" srcId="0" destId="1" srcOrd="0" destOrd="0"/>
+        <dgm:cxn modelId="16" srcId="1" destId="12" srcOrd="1" destOrd="0"/>
+        <dgm:cxn modelId="17" srcId="1" destId="13" srcOrd="2" destOrd="0"/>
+      </dgm:cxnLst>
+      <dgm:bg/>
+      <dgm:whole/>
+    </dgm:dataModel>
+  </dgm:styleData>
+  <dgm:clrData>
+    <dgm:dataModel>
+      <dgm:ptLst>
+        <dgm:pt modelId="0" type="doc"/>
+        <dgm:pt modelId="1"/>
+        <dgm:pt modelId="11" type="asst"/>
+        <dgm:pt modelId="12"/>
+        <dgm:pt modelId="13"/>
+        <dgm:pt modelId="14"/>
+      </dgm:ptLst>
+      <dgm:cxnLst>
+        <dgm:cxn modelId="2" srcId="0" destId="1" srcOrd="0" destOrd="0"/>
+        <dgm:cxn modelId="15" srcId="1" destId="11" srcOrd="0" destOrd="0"/>
+        <dgm:cxn modelId="16" srcId="1" destId="12" srcOrd="1" destOrd="0"/>
+        <dgm:cxn modelId="17" srcId="1" destId="13" srcOrd="2" destOrd="0"/>
+        <dgm:cxn modelId="18" srcId="1" destId="14" srcOrd="2" destOrd="0"/>
+      </dgm:cxnLst>
+      <dgm:bg/>
+      <dgm:whole/>
+    </dgm:dataModel>
+  </dgm:clrData>
+  <dgm:layoutNode name="hierChild1">
+    <dgm:varLst>
+      <dgm:orgChart val="1"/>
+      <dgm:chPref val="1"/>
+      <dgm:dir/>
+      <dgm:animOne val="branch"/>
+      <dgm:animLvl val="lvl"/>
+      <dgm:resizeHandles/>
+    </dgm:varLst>
+    <dgm:choose name="Name0">
+      <dgm:if name="Name1" func="var" arg="dir" op="equ" val="norm">
+        <dgm:alg type="hierChild">
+          <dgm:param type="linDir" val="fromL"/>
+        </dgm:alg>
+      </dgm:if>
+      <dgm:else name="Name2">
+        <dgm:alg type="hierChild">
+          <dgm:param type="linDir" val="fromR"/>
+        </dgm:alg>
+      </dgm:else>
+    </dgm:choose>
+    <dgm:shape xmlns:r="http://schemas.openxmlformats.org/officeDocument/2006/relationships" r:blip="">
+      <dgm:adjLst/>
+    </dgm:shape>
+    <dgm:presOf/>
+    <dgm:constrLst>
+      <dgm:constr type="w" for="des" forName="rootComposite1" refType="w" fact="10"/>
+      <dgm:constr type="h" for="des" forName="rootComposite1" refType="w" refFor="des" refForName="rootComposite1" fact="0.5"/>
+      <dgm:constr type="w" for="des" forName="rootComposite" refType="w" fact="10"/>
+      <dgm:constr type="h" for="des" forName="rootComposite" refType="w" refFor="des" refForName="rootComposite1" fact="0.5"/>
+      <dgm:constr type="w" for="des" forName="rootComposite3" refType="w" fact="10"/>
+      <dgm:constr type="h" for="des" forName="rootComposite3" refType="w" refFor="des" refForName="rootComposite1" fact="0.5"/>
+      <dgm:constr type="primFontSz" for="des" ptType="node" op="equ"/>
+      <dgm:constr type="sp" for="des" op="equ"/>
+      <dgm:constr type="sp" for="des" forName="hierRoot1" refType="w" refFor="des" refForName="rootComposite1" fact="0.21"/>
+      <dgm:constr type="sp" for="des" forName="hierRoot2" refType="sp" refFor="des" refForName="hierRoot1"/>
+      <dgm:constr type="sp" for="des" forName="hierRoot3" refType="sp" refFor="des" refForName="hierRoot1"/>
+      <dgm:constr type="sibSp" refType="w" refFor="des" refForName="rootComposite1" fact="0.21"/>
+      <dgm:constr type="sibSp" for="des" forName="hierChild2" refType="sibSp"/>
+      <dgm:constr type="sibSp" for="des" forName="hierChild3" refType="sibSp"/>
+      <dgm:constr type="sibSp" for="des" forName="hierChild4" refType="sibSp"/>
+      <dgm:constr type="sibSp" for="des" forName="hierChild5" refType="sibSp"/>
+      <dgm:constr type="sibSp" for="des" forName="hierChild6" refType="sibSp"/>
+      <dgm:constr type="sibSp" for="des" forName="hierChild7" refType="sibSp"/>
+      <dgm:constr type="secSibSp" refType="w" refFor="des" refForName="rootComposite1" fact="0.21"/>
+      <dgm:constr type="secSibSp" for="des" forName="hierChild2" refType="secSibSp"/>
+      <dgm:constr type="secSibSp" for="des" forName="hierChild3" refType="secSibSp"/>
+      <dgm:constr type="secSibSp" for="des" forName="hierChild4" refType="secSibSp"/>
+      <dgm:constr type="secSibSp" for="des" forName="hierChild5" refType="secSibSp"/>
+      <dgm:constr type="secSibSp" for="des" forName="hierChild6" refType="secSibSp"/>
+      <dgm:constr type="secSibSp" for="des" forName="hierChild7" refType="secSibSp"/>
+    </dgm:constrLst>
+    <dgm:ruleLst/>
+    <dgm:forEach name="Name3" axis="ch">
+      <dgm:forEach name="Name4" axis="self" ptType="node">
+        <dgm:layoutNode name="hierRoot1">
+          <dgm:varLst>
+            <dgm:hierBranch val="init"/>
+          </dgm:varLst>
+          <dgm:choose name="Name5">
+            <dgm:if name="Name6" func="var" arg="hierBranch" op="equ" val="l">
+              <dgm:choose name="Name7">
+                <dgm:if name="Name8" axis="ch" ptType="asst" func="cnt" op="gte" val="1">
+                  <dgm:alg type="hierRoot">
+                    <dgm:param type="hierAlign" val="tR"/>
+                  </dgm:alg>
+                  <dgm:constrLst>
+                    <dgm:constr type="alignOff" val="0.65"/>
+                  </dgm:constrLst>
+                </dgm:if>
+                <dgm:else name="Name9">
+                  <dgm:alg type="hierRoot">
+                    <dgm:param type="hierAlign" val="tR"/>
+                  </dgm:alg>
+                  <dgm:constrLst>
+                    <dgm:constr type="alignOff" val="0.25"/>
+                  </dgm:constrLst>
+                </dgm:else>
+              </dgm:choose>
+            </dgm:if>
+            <dgm:if name="Name10" func="var" arg="hierBranch" op="equ" val="r">
+              <dgm:choose name="Name11">
+                <dgm:if name="Name12" axis="ch" ptType="asst" func="cnt" op="gte" val="1">
+                  <dgm:alg type="hierRoot">
+                    <dgm:param type="hierAlign" val="tL"/>
+                  </dgm:alg>
+                  <dgm:constrLst>
+                    <dgm:constr type="alignOff" val="0.65"/>
+                  </dgm:constrLst>
+                </dgm:if>
+                <dgm:else name="Name13">
+                  <dgm:alg type="hierRoot">
+                    <dgm:param type="hierAlign" val="tL"/>
+                  </dgm:alg>
+                  <dgm:constrLst>
+                    <dgm:constr type="alignOff" val="0.25"/>
+                  </dgm:constrLst>
+                </dgm:else>
+              </dgm:choose>
+            </dgm:if>
+            <dgm:if name="Name14" func="var" arg="hierBranch" op="equ" val="hang">
+              <dgm:alg type="hierRoot"/>
+              <dgm:constrLst>
+                <dgm:constr type="alignOff" val="0.65"/>
+              </dgm:constrLst>
+            </dgm:if>
+            <dgm:else name="Name15">
+              <dgm:alg type="hierRoot"/>
+              <dgm:constrLst>
+                <dgm:constr type="alignOff"/>
+                <dgm:constr type="bendDist" for="des" ptType="parTrans" refType="sp" fact="0.5"/>
+              </dgm:constrLst>
+            </dgm:else>
+          </dgm:choose>
+          <dgm:shape xmlns:r="http://schemas.openxmlformats.org/officeDocument/2006/relationships" r:blip="">
+            <dgm:adjLst/>
+          </dgm:shape>
+          <dgm:presOf/>
+          <dgm:ruleLst/>
+          <dgm:layoutNode name="rootComposite1">
+            <dgm:alg type="composite"/>
+            <dgm:shape xmlns:r="http://schemas.openxmlformats.org/officeDocument/2006/relationships" r:blip="">
+              <dgm:adjLst/>
+            </dgm:shape>
+            <dgm:presOf axis="self" ptType="node" cnt="1"/>
+            <dgm:choose name="Name16">
+              <dgm:if name="Name17" func="var" arg="hierBranch" op="equ" val="init">
+                <dgm:constrLst>
+                  <dgm:constr type="l" for="ch" forName="rootText1"/>
+                  <dgm:constr type="t" for="ch" forName="rootText1"/>
+                  <dgm:constr type="w" for="ch" forName="rootText1" refType="w"/>
+                  <dgm:constr type="h" for="ch" forName="rootText1" refType="h"/>
+                  <dgm:constr type="l" for="ch" forName="rootConnector1"/>
+                  <dgm:constr type="t" for="ch" forName="rootConnector1"/>
+                  <dgm:constr type="w" for="ch" forName="rootConnector1" refType="w" refFor="ch" refForName="rootText1" fact="0.2"/>
+                  <dgm:constr type="h" for="ch" forName="rootConnector1" refType="h" refFor="ch" refForName="rootText1"/>
+                </dgm:constrLst>
+              </dgm:if>
+              <dgm:if name="Name18" func="var" arg="hierBranch" op="equ" val="l">
+                <dgm:constrLst>
+                  <dgm:constr type="l" for="ch" forName="rootText1"/>
+                  <dgm:constr type="t" for="ch" forName="rootText1"/>
+                  <dgm:constr type="w" for="ch" forName="rootText1" refType="w"/>
+                  <dgm:constr type="h" for="ch" forName="rootText1" refType="h"/>
+                  <dgm:constr type="r" for="ch" forName="rootConnector1" refType="w"/>
+                  <dgm:constr type="t" for="ch" forName="rootConnector1"/>
+                  <dgm:constr type="w" for="ch" forName="rootConnector1" refType="w" refFor="ch" refForName="rootText1" fact="0.2"/>
+                  <dgm:constr type="h" for="ch" forName="rootConnector1" refType="h" refFor="ch" refForName="rootText1"/>
+                </dgm:constrLst>
+              </dgm:if>
+              <dgm:if name="Name19" func="var" arg="hierBranch" op="equ" val="r">
+                <dgm:constrLst>
+                  <dgm:constr type="l" for="ch" forName="rootText1"/>
+                  <dgm:constr type="t" for="ch" forName="rootText1"/>
+                  <dgm:constr type="w" for="ch" forName="rootText1" refType="w"/>
+                  <dgm:constr type="h" for="ch" forName="rootText1" refType="h"/>
+                  <dgm:constr type="l" for="ch" forName="rootConnector1"/>
+                  <dgm:constr type="t" for="ch" forName="rootConnector1"/>
+                  <dgm:constr type="w" for="ch" forName="rootConnector1" refType="w" refFor="ch" refForName="rootText1" fact="0.2"/>
+                  <dgm:constr type="h" for="ch" forName="rootConnector1" refType="h" refFor="ch" refForName="rootText1"/>
+                </dgm:constrLst>
+              </dgm:if>
+              <dgm:else name="Name20">
+                <dgm:constrLst>
+                  <dgm:constr type="l" for="ch" forName="rootText1"/>
+                  <dgm:constr type="t" for="ch" forName="rootText1"/>
+                  <dgm:constr type="w" for="ch" forName="rootText1" refType="w"/>
+                  <dgm:constr type="h" for="ch" forName="rootText1" refType="h"/>
+                  <dgm:constr type="r" for="ch" forName="rootConnector1" refType="w"/>
+                  <dgm:constr type="t" for="ch" forName="rootConnector1"/>
+                  <dgm:constr type="w" for="ch" forName="rootConnector1" refType="w" refFor="ch" refForName="rootText1" fact="0.2"/>
+                  <dgm:constr type="h" for="ch" forName="rootConnector1" refType="h" refFor="ch" refForName="rootText1"/>
+                </dgm:constrLst>
+              </dgm:else>
+            </dgm:choose>
+            <dgm:ruleLst/>
+            <dgm:layoutNode name="rootText1" styleLbl="node0">
+              <dgm:varLst>
+                <dgm:chPref val="3"/>
+              </dgm:varLst>
+              <dgm:alg type="tx"/>
+              <dgm:shape xmlns:r="http://schemas.openxmlformats.org/officeDocument/2006/relationships" type="rect" r:blip="">
+                <dgm:adjLst/>
+              </dgm:shape>
+              <dgm:presOf axis="self" ptType="node" cnt="1"/>
+              <dgm:constrLst>
+                <dgm:constr type="primFontSz" val="65"/>
+                <dgm:constr type="lMarg" refType="primFontSz" fact="0.05"/>
+                <dgm:constr type="rMarg" refType="primFontSz" fact="0.05"/>
+                <dgm:constr type="tMarg" refType="primFontSz" fact="0.05"/>
+                <dgm:constr type="bMarg" refType="primFontSz" fact="0.05"/>
+              </dgm:constrLst>
+              <dgm:ruleLst>
+                <dgm:rule type="primFontSz" val="5" fact="NaN" max="NaN"/>
+              </dgm:ruleLst>
+            </dgm:layoutNode>
+            <dgm:layoutNode name="rootConnector1" moveWith="rootText1">
+              <dgm:alg type="sp"/>
+              <dgm:shape xmlns:r="http://schemas.openxmlformats.org/officeDocument/2006/relationships" type="rect" r:blip="" hideGeom="1">
+                <dgm:adjLst/>
+              </dgm:shape>
+              <dgm:presOf axis="self" ptType="node" cnt="1"/>
+              <dgm:constrLst/>
+              <dgm:ruleLst/>
+            </dgm:layoutNode>
+          </dgm:layoutNode>
+          <dgm:layoutNode name="hierChild2">
+            <dgm:choose name="Name21">
+              <dgm:if name="Name22" func="var" arg="hierBranch" op="equ" val="l">
+                <dgm:alg type="hierChild">
+                  <dgm:param type="chAlign" val="r"/>
+                  <dgm:param type="linDir" val="fromT"/>
+                </dgm:alg>
+              </dgm:if>
+              <dgm:if name="Name23" func="var" arg="hierBranch" op="equ" val="r">
+                <dgm:alg type="hierChild">
+                  <dgm:param type="chAlign" val="l"/>
+                  <dgm:param type="linDir" val="fromT"/>
+                </dgm:alg>
+              </dgm:if>
+              <dgm:if name="Name24" func="var" arg="hierBranch" op="equ" val="hang">
+                <dgm:choose name="Name25">
+                  <dgm:if name="Name26" func="var" arg="dir" op="equ" val="norm">
+                    <dgm:alg type="hierChild">
+                      <dgm:param type="chAlign" val="l"/>
+                      <dgm:param type="linDir" val="fromL"/>
+                      <dgm:param type="secChAlign" val="t"/>
+                      <dgm:param type="secLinDir" val="fromT"/>
+                    </dgm:alg>
+                  </dgm:if>
+                  <dgm:else name="Name27">
+                    <dgm:alg type="hierChild">
+                      <dgm:param type="chAlign" val="l"/>
+                      <dgm:param type="linDir" val="fromR"/>
+                      <dgm:param type="secChAlign" val="t"/>
+                      <dgm:param type="secLinDir" val="fromT"/>
+                    </dgm:alg>
+                  </dgm:else>
+                </dgm:choose>
+              </dgm:if>
+              <dgm:else name="Name28">
+                <dgm:choose name="Name29">
+                  <dgm:if name="Name30" func="var" arg="dir" op="equ" val="norm">
+                    <dgm:alg type="hierChild"/>
+                  </dgm:if>
+                  <dgm:else name="Name31">
+                    <dgm:alg type="hierChild">
+                      <dgm:param type="linDir" val="fromR"/>
+                    </dgm:alg>
+                  </dgm:else>
+                </dgm:choose>
+              </dgm:else>
+            </dgm:choose>
+            <dgm:shape xmlns:r="http://schemas.openxmlformats.org/officeDocument/2006/relationships" r:blip="">
+              <dgm:adjLst/>
+            </dgm:shape>
+            <dgm:presOf/>
+            <dgm:constrLst/>
+            <dgm:ruleLst/>
+            <dgm:forEach name="rep2a" axis="ch" ptType="nonAsst">
+              <dgm:forEach name="Name32" axis="precedSib" ptType="parTrans" st="-1" cnt="1">
+                <dgm:choose name="Name33">
+                  <dgm:if name="Name34" func="var" arg="hierBranch" op="equ" val="std">
+                    <dgm:layoutNode name="Name35">
+                      <dgm:alg type="conn">
+                        <dgm:param type="connRout" val="bend"/>
+                        <dgm:param type="dim" val="1D"/>
+                        <dgm:param type="endSty" val="noArr"/>
+                        <dgm:param type="begPts" val="bCtr"/>
+                        <dgm:param type="endPts" val="tCtr"/>
+                        <dgm:param type="bendPt" val="end"/>
+                      </dgm:alg>
+                      <dgm:shape xmlns:r="http://schemas.openxmlformats.org/officeDocument/2006/relationships" type="conn" r:blip="" zOrderOff="-99999">
+                        <dgm:adjLst/>
+                      </dgm:shape>
+                      <dgm:presOf axis="self"/>
+                      <dgm:constrLst>
+                        <dgm:constr type="begPad"/>
+                        <dgm:constr type="endPad"/>
+                      </dgm:constrLst>
+                      <dgm:ruleLst/>
+                    </dgm:layoutNode>
+                  </dgm:if>
+                  <dgm:if name="Name36" func="var" arg="hierBranch" op="equ" val="init">
+                    <dgm:layoutNode name="Name37">
+                      <dgm:choose name="Name38">
+                        <dgm:if name="Name39" axis="self" func="depth" op="lte" val="2">
+                          <dgm:alg type="conn">
+                            <dgm:param type="connRout" val="bend"/>
+                            <dgm:param type="dim" val="1D"/>
+                            <dgm:param type="endSty" val="noArr"/>
+                            <dgm:param type="begPts" val="bCtr"/>
+                            <dgm:param type="endPts" val="tCtr"/>
+                            <dgm:param type="bendPt" val="end"/>
+                          </dgm:alg>
+                        </dgm:if>
+                        <dgm:else name="Name40">
+                          <dgm:choose name="Name41">
+                            <dgm:if name="Name42" axis="par des" func="maxDepth" op="lte" val="1">
+                              <dgm:choose name="Name43">
+                                <dgm:if name="Name44" axis="par ch" ptType="node asst" func="cnt" op="gte" val="1">
+                                  <dgm:alg type="conn">
+                                    <dgm:param type="connRout" val="bend"/>
+                                    <dgm:param type="dim" val="1D"/>
+                                    <dgm:param type="endSty" val="noArr"/>
+                                    <dgm:param type="begPts" val="bCtr"/>
+                                    <dgm:param type="endPts" val="midL midR"/>
+                                  </dgm:alg>
+                                </dgm:if>
+                                <dgm:else name="Name45">
+                                  <dgm:alg type="conn">
+                                    <dgm:param type="connRout" val="bend"/>
+                                    <dgm:param type="dim" val="1D"/>
+                                    <dgm:param type="endSty" val="noArr"/>
+                                    <dgm:param type="begPts" val="bCtr"/>
+                                    <dgm:param type="endPts" val="midL midR"/>
+                                    <dgm:param type="srcNode" val="rootConnector"/>
+                                  </dgm:alg>
+                                </dgm:else>
+                              </dgm:choose>
+                            </dgm:if>
+                            <dgm:else name="Name46">
+                              <dgm:alg type="conn">
+                                <dgm:param type="connRout" val="bend"/>
+                                <dgm:param type="dim" val="1D"/>
+                                <dgm:param type="endSty" val="noArr"/>
+                                <dgm:param type="begPts" val="bCtr"/>
+                                <dgm:param type="endPts" val="tCtr"/>
+                                <dgm:param type="bendPt" val="end"/>
+                              </dgm:alg>
+                            </dgm:else>
+                          </dgm:choose>
+                        </dgm:else>
+                      </dgm:choose>
+                      <dgm:shape xmlns:r="http://schemas.openxmlformats.org/officeDocument/2006/relationships" type="conn" r:blip="" zOrderOff="-99999">
+                        <dgm:adjLst/>
+                      </dgm:shape>
+                      <dgm:presOf axis="self"/>
+                      <dgm:constrLst>
+                        <dgm:constr type="begPad"/>
+                        <dgm:constr type="endPad"/>
+                      </dgm:constrLst>
+                      <dgm:ruleLst/>
+                    </dgm:layoutNode>
+                  </dgm:if>
+                  <dgm:if name="Name47" func="var" arg="hierBranch" op="equ" val="hang">
+                    <dgm:layoutNode name="Name48">
+                      <dgm:alg type="conn">
+                        <dgm:param type="connRout" val="bend"/>
+                        <dgm:param type="dim" val="1D"/>
+                        <dgm:param type="endSty" val="noArr"/>
+                        <dgm:param type="begPts" val="bCtr"/>
+                        <dgm:param type="endPts" val="midL midR"/>
+                      </dgm:alg>
+                      <dgm:shape xmlns:r="http://schemas.openxmlformats.org/officeDocument/2006/relationships" type="conn" r:blip="" zOrderOff="-99999">
+                        <dgm:adjLst/>
+                      </dgm:shape>
+                      <dgm:presOf axis="self"/>
+                      <dgm:constrLst>
+                        <dgm:constr type="begPad"/>
+                        <dgm:constr type="endPad"/>
+                      </dgm:constrLst>
+                      <dgm:ruleLst/>
+                    </dgm:layoutNode>
+                  </dgm:if>
+                  <dgm:else name="Name49">
+                    <dgm:layoutNode name="Name50">
+                      <dgm:choose name="Name51">
+                        <dgm:if name="Name52" axis="self" func="depth" op="lte" val="2">
+                          <dgm:choose name="Name53">
+                            <dgm:if name="Name54" axis="par ch" ptType="node asst" func="cnt" op="gte" val="1">
+                              <dgm:alg type="conn">
+                                <dgm:param type="connRout" val="bend"/>
+                                <dgm:param type="dim" val="1D"/>
+                                <dgm:param type="endSty" val="noArr"/>
+                                <dgm:param type="begPts" val="bCtr"/>
+                                <dgm:param type="endPts" val="midL midR"/>
+                              </dgm:alg>
+                            </dgm:if>
+                            <dgm:else name="Name55">
+                              <dgm:alg type="conn">
+                                <dgm:param type="connRout" val="bend"/>
+                                <dgm:param type="dim" val="1D"/>
+                                <dgm:param type="endSty" val="noArr"/>
+                                <dgm:param type="begPts" val="bCtr"/>
+                                <dgm:param type="endPts" val="midL midR"/>
+                                <dgm:param type="srcNode" val="rootConnector1"/>
+                              </dgm:alg>
+                            </dgm:else>
+                          </dgm:choose>
+                        </dgm:if>
+                        <dgm:else name="Name56">
+                          <dgm:choose name="Name57">
+                            <dgm:if name="Name58" axis="par ch" ptType="node asst" func="cnt" op="gte" val="1">
+                              <dgm:alg type="conn">
+                                <dgm:param type="connRout" val="bend"/>
+                                <dgm:param type="dim" val="1D"/>
+                                <dgm:param type="endSty" val="noArr"/>
+                                <dgm:param type="begPts" val="bCtr"/>
+                                <dgm:param type="endPts" val="midL midR"/>
+                              </dgm:alg>
+                            </dgm:if>
+                            <dgm:else name="Name59">
+                              <dgm:alg type="conn">
+                                <dgm:param type="connRout" val="bend"/>
+                                <dgm:param type="dim" val="1D"/>
+                                <dgm:param type="endSty" val="noArr"/>
+                                <dgm:param type="begPts" val="bCtr"/>
+                                <dgm:param type="endPts" val="midL midR"/>
+                                <dgm:param type="srcNode" val="rootConnector"/>
+                              </dgm:alg>
+                            </dgm:else>
+                          </dgm:choose>
+                        </dgm:else>
+                      </dgm:choose>
+                      <dgm:shape xmlns:r="http://schemas.openxmlformats.org/officeDocument/2006/relationships" type="conn" r:blip="" zOrderOff="-99999">
+                        <dgm:adjLst/>
+                      </dgm:shape>
+                      <dgm:presOf axis="self"/>
+                      <dgm:constrLst>
+                        <dgm:constr type="begPad"/>
+                        <dgm:constr type="endPad"/>
+                      </dgm:constrLst>
+                      <dgm:ruleLst/>
+                    </dgm:layoutNode>
+                  </dgm:else>
+                </dgm:choose>
+              </dgm:forEach>
+              <dgm:layoutNode name="hierRoot2">
+                <dgm:varLst>
+                  <dgm:hierBranch val="init"/>
+                </dgm:varLst>
+                <dgm:choose name="Name60">
+                  <dgm:if name="Name61" func="var" arg="hierBranch" op="equ" val="l">
+                    <dgm:choose name="Name62">
+                      <dgm:if name="Name63" axis="ch" ptType="asst" func="cnt" op="gte" val="1">
+                        <dgm:alg type="hierRoot">
+                          <dgm:param type="hierAlign" val="tR"/>
+                        </dgm:alg>
+                        <dgm:shape xmlns:r="http://schemas.openxmlformats.org/officeDocument/2006/relationships" r:blip="">
+                          <dgm:adjLst/>
+                        </dgm:shape>
+                        <dgm:presOf/>
+                        <dgm:constrLst>
+                          <dgm:constr type="alignOff" val="0.65"/>
+                        </dgm:constrLst>
+                      </dgm:if>
+                      <dgm:else name="Name64">
+                        <dgm:alg type="hierRoot">
+                          <dgm:param type="hierAlign" val="tR"/>
+                        </dgm:alg>
+                        <dgm:shape xmlns:r="http://schemas.openxmlformats.org/officeDocument/2006/relationships" r:blip="">
+                          <dgm:adjLst/>
+                        </dgm:shape>
+                        <dgm:presOf/>
+                        <dgm:constrLst>
+                          <dgm:constr type="alignOff" val="0.25"/>
+                        </dgm:constrLst>
+                      </dgm:else>
+                    </dgm:choose>
+                  </dgm:if>
+                  <dgm:if name="Name65" func="var" arg="hierBranch" op="equ" val="r">
+                    <dgm:choose name="Name66">
+                      <dgm:if name="Name67" axis="ch" ptType="asst" func="cnt" op="gte" val="1">
+                        <dgm:alg type="hierRoot">
+                          <dgm:param type="hierAlign" val="tL"/>
+                        </dgm:alg>
+                        <dgm:shape xmlns:r="http://schemas.openxmlformats.org/officeDocument/2006/relationships" r:blip="">
+                          <dgm:adjLst/>
+                        </dgm:shape>
+                        <dgm:presOf/>
+                        <dgm:constrLst>
+                          <dgm:constr type="alignOff" val="0.65"/>
+                        </dgm:constrLst>
+                      </dgm:if>
+                      <dgm:else name="Name68">
+                        <dgm:alg type="hierRoot">
+                          <dgm:param type="hierAlign" val="tL"/>
+                        </dgm:alg>
+                        <dgm:shape xmlns:r="http://schemas.openxmlformats.org/officeDocument/2006/relationships" r:blip="">
+                          <dgm:adjLst/>
+                        </dgm:shape>
+                        <dgm:presOf/>
+                        <dgm:constrLst>
+                          <dgm:constr type="alignOff" val="0.25"/>
+                        </dgm:constrLst>
+                      </dgm:else>
+                    </dgm:choose>
+                  </dgm:if>
+                  <dgm:if name="Name69" func="var" arg="hierBranch" op="equ" val="std">
+                    <dgm:alg type="hierRoot"/>
+                    <dgm:shape xmlns:r="http://schemas.openxmlformats.org/officeDocument/2006/relationships" r:blip="">
+                      <dgm:adjLst/>
+                    </dgm:shape>
+                    <dgm:presOf/>
+                    <dgm:constrLst>
+                      <dgm:constr type="alignOff"/>
+                      <dgm:constr type="bendDist" for="des" ptType="parTrans" refType="sp" fact="0.5"/>
+                    </dgm:constrLst>
+                  </dgm:if>
+                  <dgm:if name="Name70" func="var" arg="hierBranch" op="equ" val="init">
+                    <dgm:choose name="Name71">
+                      <dgm:if name="Name72" axis="des" func="maxDepth" op="lte" val="1">
+                        <dgm:choose name="Name73">
+                          <dgm:if name="Name74" axis="ch" ptType="asst" func="cnt" op="gte" val="1">
+                            <dgm:alg type="hierRoot">
+                              <dgm:param type="hierAlign" val="tL"/>
+                            </dgm:alg>
+                            <dgm:shape xmlns:r="http://schemas.openxmlformats.org/officeDocument/2006/relationships" r:blip="">
+                              <dgm:adjLst/>
+                            </dgm:shape>
+                            <dgm:presOf/>
+                            <dgm:constrLst>
+                              <dgm:constr type="alignOff" val="0.65"/>
+                            </dgm:constrLst>
+                          </dgm:if>
+                          <dgm:else name="Name75">
+                            <dgm:alg type="hierRoot">
+                              <dgm:param type="hierAlign" val="tL"/>
+                            </dgm:alg>
+                            <dgm:shape xmlns:r="http://schemas.openxmlformats.org/officeDocument/2006/relationships" r:blip="">
+                              <dgm:adjLst/>
+                            </dgm:shape>
+                            <dgm:presOf/>
+                            <dgm:constrLst>
+                              <dgm:constr type="alignOff" val="0.25"/>
+                            </dgm:constrLst>
+                          </dgm:else>
+                        </dgm:choose>
+                      </dgm:if>
+                      <dgm:else name="Name76">
+                        <dgm:alg type="hierRoot"/>
+                        <dgm:shape xmlns:r="http://schemas.openxmlformats.org/officeDocument/2006/relationships" r:blip="">
+                          <dgm:adjLst/>
+                        </dgm:shape>
+                        <dgm:presOf/>
+                        <dgm:constrLst>
+                          <dgm:constr type="alignOff"/>
+                          <dgm:constr type="bendDist" for="des" ptType="parTrans" refType="sp" fact="0.5"/>
+                        </dgm:constrLst>
+                      </dgm:else>
+                    </dgm:choose>
+                  </dgm:if>
+                  <dgm:else name="Name77">
+                    <dgm:alg type="hierRoot"/>
+                    <dgm:shape xmlns:r="http://schemas.openxmlformats.org/officeDocument/2006/relationships" r:blip="">
+                      <dgm:adjLst/>
+                    </dgm:shape>
+                    <dgm:presOf/>
+                    <dgm:constrLst>
+                      <dgm:constr type="alignOff" val="0.65"/>
+                    </dgm:constrLst>
+                  </dgm:else>
+                </dgm:choose>
+                <dgm:ruleLst/>
+                <dgm:layoutNode name="rootComposite">
+                  <dgm:alg type="composite"/>
+                  <dgm:shape xmlns:r="http://schemas.openxmlformats.org/officeDocument/2006/relationships" r:blip="">
+                    <dgm:adjLst/>
+                  </dgm:shape>
+                  <dgm:presOf axis="self" ptType="node" cnt="1"/>
+                  <dgm:choose name="Name78">
+                    <dgm:if name="Name79" func="var" arg="hierBranch" op="equ" val="init">
+                      <dgm:constrLst>
+                        <dgm:constr type="l" for="ch" forName="rootText"/>
+                        <dgm:constr type="t" for="ch" forName="rootText"/>
+                        <dgm:constr type="w" for="ch" forName="rootText" refType="w"/>
+                        <dgm:constr type="h" for="ch" forName="rootText" refType="h"/>
+                        <dgm:constr type="l" for="ch" forName="rootConnector"/>
+                        <dgm:constr type="t" for="ch" forName="rootConnector"/>
+                        <dgm:constr type="w" for="ch" forName="rootConnector" refType="w" refFor="ch" refForName="rootText" fact="0.2"/>
+                        <dgm:constr type="h" for="ch" forName="rootConnector" refType="h" refFor="ch" refForName="rootText"/>
+                      </dgm:constrLst>
+                    </dgm:if>
+                    <dgm:if name="Name80" func="var" arg="hierBranch" op="equ" val="l">
+                      <dgm:constrLst>
+                        <dgm:constr type="l" for="ch" forName="rootText"/>
+                        <dgm:constr type="t" for="ch" forName="rootText"/>
+                        <dgm:constr type="w" for="ch" forName="rootText" refType="w"/>
+                        <dgm:constr type="h" for="ch" forName="rootText" refType="h"/>
+                        <dgm:constr type="r" for="ch" forName="rootConnector" refType="w"/>
+                        <dgm:constr type="t" for="ch" forName="rootConnector"/>
+                        <dgm:constr type="w" for="ch" forName="rootConnector" refType="w" refFor="ch" refForName="rootText" fact="0.2"/>
+                        <dgm:constr type="h" for="ch" forName="rootConnector" refType="h" refFor="ch" refForName="rootText"/>
+                      </dgm:constrLst>
+                    </dgm:if>
+                    <dgm:if name="Name81" func="var" arg="hierBranch" op="equ" val="r">
+                      <dgm:constrLst>
+                        <dgm:constr type="l" for="ch" forName="rootText"/>
+                        <dgm:constr type="t" for="ch" forName="rootText"/>
+                        <dgm:constr type="w" for="ch" forName="rootText" refType="w"/>
+                        <dgm:constr type="h" for="ch" forName="rootText" refType="h"/>
+                        <dgm:constr type="l" for="ch" forName="rootConnector"/>
+                        <dgm:constr type="t" for="ch" forName="rootConnector"/>
+                        <dgm:constr type="w" for="ch" forName="rootConnector" refType="w" refFor="ch" refForName="rootText" fact="0.2"/>
+                        <dgm:constr type="h" for="ch" forName="rootConnector" refType="h" refFor="ch" refForName="rootText"/>
+                      </dgm:constrLst>
+                    </dgm:if>
+                    <dgm:else name="Name82">
+                      <dgm:constrLst>
+                        <dgm:constr type="l" for="ch" forName="rootText"/>
+                        <dgm:constr type="t" for="ch" forName="rootText"/>
+                        <dgm:constr type="w" for="ch" forName="rootText" refType="w"/>
+                        <dgm:constr type="h" for="ch" forName="rootText" refType="h"/>
+                        <dgm:constr type="r" for="ch" forName="rootConnector" refType="w"/>
+                        <dgm:constr type="t" for="ch" forName="rootConnector"/>
+                        <dgm:constr type="w" for="ch" forName="rootConnector" refType="w" refFor="ch" refForName="rootText" fact="0.2"/>
+                        <dgm:constr type="h" for="ch" forName="rootConnector" refType="h" refFor="ch" refForName="rootText"/>
+                      </dgm:constrLst>
+                    </dgm:else>
+                  </dgm:choose>
+                  <dgm:ruleLst/>
+                  <dgm:layoutNode name="rootText">
+                    <dgm:varLst>
+                      <dgm:chPref val="3"/>
+                    </dgm:varLst>
+                    <dgm:alg type="tx"/>
+                    <dgm:shape xmlns:r="http://schemas.openxmlformats.org/officeDocument/2006/relationships" type="rect" r:blip="">
+                      <dgm:adjLst/>
+                    </dgm:shape>
+                    <dgm:presOf axis="self" ptType="node" cnt="1"/>
+                    <dgm:constrLst>
+                      <dgm:constr type="primFontSz" val="65"/>
+                      <dgm:constr type="lMarg" refType="primFontSz" fact="0.05"/>
+                      <dgm:constr type="rMarg" refType="primFontSz" fact="0.05"/>
+                      <dgm:constr type="tMarg" refType="primFontSz" fact="0.05"/>
+                      <dgm:constr type="bMarg" refType="primFontSz" fact="0.05"/>
+                    </dgm:constrLst>
+                    <dgm:ruleLst>
+                      <dgm:rule type="primFontSz" val="5" fact="NaN" max="NaN"/>
+                    </dgm:ruleLst>
+                  </dgm:layoutNode>
+                  <dgm:layoutNode name="rootConnector" moveWith="rootText">
+                    <dgm:alg type="sp"/>
+                    <dgm:shape xmlns:r="http://schemas.openxmlformats.org/officeDocument/2006/relationships" type="rect" r:blip="" hideGeom="1">
+                      <dgm:adjLst/>
+                    </dgm:shape>
+                    <dgm:presOf axis="self" ptType="node" cnt="1"/>
+                    <dgm:constrLst/>
+                    <dgm:ruleLst/>
+                  </dgm:layoutNode>
+                </dgm:layoutNode>
+                <dgm:layoutNode name="hierChild4">
+                  <dgm:choose name="Name83">
+                    <dgm:if name="Name84" func="var" arg="hierBranch" op="equ" val="l">
+                      <dgm:alg type="hierChild">
+                        <dgm:param type="chAlign" val="r"/>
+                        <dgm:param type="linDir" val="fromT"/>
+                      </dgm:alg>
+                    </dgm:if>
+                    <dgm:if name="Name85" func="var" arg="hierBranch" op="equ" val="r">
+                      <dgm:alg type="hierChild">
+                        <dgm:param type="chAlign" val="l"/>
+                        <dgm:param type="linDir" val="fromT"/>
+                      </dgm:alg>
+                    </dgm:if>
+                    <dgm:if name="Name86" func="var" arg="hierBranch" op="equ" val="hang">
+                      <dgm:choose name="Name87">
+                        <dgm:if name="Name88" func="var" arg="dir" op="equ" val="norm">
+                          <dgm:alg type="hierChild">
+                            <dgm:param type="chAlign" val="l"/>
+                            <dgm:param type="linDir" val="fromL"/>
+                            <dgm:param type="secChAlign" val="t"/>
+                            <dgm:param type="secLinDir" val="fromT"/>
+                          </dgm:alg>
+                        </dgm:if>
+                        <dgm:else name="Name89">
+                          <dgm:alg type="hierChild">
+                            <dgm:param type="chAlign" val="l"/>
+                            <dgm:param type="linDir" val="fromR"/>
+                            <dgm:param type="secChAlign" val="t"/>
+                            <dgm:param type="secLinDir" val="fromT"/>
+                          </dgm:alg>
+                        </dgm:else>
+                      </dgm:choose>
+                    </dgm:if>
+                    <dgm:if name="Name90" func="var" arg="hierBranch" op="equ" val="std">
+                      <dgm:choose name="Name91">
+                        <dgm:if name="Name92" func="var" arg="dir" op="equ" val="norm">
+                          <dgm:alg type="hierChild"/>
+                        </dgm:if>
+                        <dgm:else name="Name93">
+                          <dgm:alg type="hierChild">
+                            <dgm:param type="linDir" val="fromR"/>
+                          </dgm:alg>
+                        </dgm:else>
+                      </dgm:choose>
+                    </dgm:if>
+                    <dgm:if name="Name94" func="var" arg="hierBranch" op="equ" val="init">
+                      <dgm:choose name="Name95">
+                        <dgm:if name="Name96" axis="des" func="maxDepth" op="lte" val="1">
+                          <dgm:alg type="hierChild">
+                            <dgm:param type="chAlign" val="l"/>
+                            <dgm:param type="linDir" val="fromT"/>
+                          </dgm:alg>
+                        </dgm:if>
+                        <dgm:else name="Name97">
+                          <dgm:choose name="Name98">
+                            <dgm:if name="Name99" func="var" arg="dir" op="equ" val="norm">
+                              <dgm:alg type="hierChild"/>
+                            </dgm:if>
+                            <dgm:else name="Name100">
+                              <dgm:alg type="hierChild">
+                                <dgm:param type="linDir" val="fromR"/>
+                              </dgm:alg>
+                            </dgm:else>
+                          </dgm:choose>
+                        </dgm:else>
+                      </dgm:choose>
+                    </dgm:if>
+                    <dgm:else name="Name101"/>
+                  </dgm:choose>
+                  <dgm:shape xmlns:r="http://schemas.openxmlformats.org/officeDocument/2006/relationships" r:blip="">
+                    <dgm:adjLst/>
+                  </dgm:shape>
+                  <dgm:presOf/>
+                  <dgm:constrLst/>
+                  <dgm:ruleLst/>
+                  <dgm:forEach name="Name102" ref="rep2a"/>
+                </dgm:layoutNode>
+                <dgm:layoutNode name="hierChild5">
+                  <dgm:choose name="Name103">
+                    <dgm:if name="Name104" func="var" arg="dir" op="equ" val="norm">
+                      <dgm:alg type="hierChild">
+                        <dgm:param type="chAlign" val="l"/>
+                        <dgm:param type="linDir" val="fromL"/>
+                        <dgm:param type="secChAlign" val="t"/>
+                        <dgm:param type="secLinDir" val="fromT"/>
+                      </dgm:alg>
+                    </dgm:if>
+                    <dgm:else name="Name105">
+                      <dgm:alg type="hierChild">
+                        <dgm:param type="chAlign" val="l"/>
+                        <dgm:param type="linDir" val="fromR"/>
+                        <dgm:param type="secChAlign" val="t"/>
+                        <dgm:param type="secLinDir" val="fromT"/>
+                      </dgm:alg>
+                    </dgm:else>
+                  </dgm:choose>
+                  <dgm:shape xmlns:r="http://schemas.openxmlformats.org/officeDocument/2006/relationships" r:blip="">
+                    <dgm:adjLst/>
+                  </dgm:shape>
+                  <dgm:presOf/>
+                  <dgm:constrLst/>
+                  <dgm:ruleLst/>
+                  <dgm:forEach name="Name106" ref="rep2b"/>
+                </dgm:layoutNode>
+              </dgm:layoutNode>
+            </dgm:forEach>
+          </dgm:layoutNode>
+          <dgm:layoutNode name="hierChild3">
+            <dgm:choose name="Name107">
+              <dgm:if name="Name108" func="var" arg="dir" op="equ" val="norm">
+                <dgm:alg type="hierChild">
+                  <dgm:param type="chAlign" val="l"/>
+                  <dgm:param type="linDir" val="fromL"/>
+                  <dgm:param type="secChAlign" val="t"/>
+                  <dgm:param type="secLinDir" val="fromT"/>
+                </dgm:alg>
+              </dgm:if>
+              <dgm:else name="Name109">
+                <dgm:alg type="hierChild">
+                  <dgm:param type="chAlign" val="l"/>
+                  <dgm:param type="linDir" val="fromR"/>
+                  <dgm:param type="secChAlign" val="t"/>
+                  <dgm:param type="secLinDir" val="fromT"/>
+                </dgm:alg>
+              </dgm:else>
+            </dgm:choose>
+            <dgm:shape xmlns:r="http://schemas.openxmlformats.org/officeDocument/2006/relationships" r:blip="">
+              <dgm:adjLst/>
+            </dgm:shape>
+            <dgm:presOf/>
+            <dgm:constrLst/>
+            <dgm:ruleLst/>
+            <dgm:forEach name="rep2b" axis="ch" ptType="asst">
+              <dgm:forEach name="Name110" axis="precedSib" ptType="parTrans" st="-1" cnt="1">
+                <dgm:layoutNode name="Name111">
+                  <dgm:alg type="conn">
+                    <dgm:param type="connRout" val="bend"/>
+                    <dgm:param type="dim" val="1D"/>
+                    <dgm:param type="endSty" val="noArr"/>
+                    <dgm:param type="begPts" val="bCtr"/>
+                    <dgm:param type="endPts" val="midL midR"/>
+                  </dgm:alg>
+                  <dgm:shape xmlns:r="http://schemas.openxmlformats.org/officeDocument/2006/relationships" type="conn" r:blip="" zOrderOff="-99999">
+                    <dgm:adjLst/>
+                  </dgm:shape>
+                  <dgm:presOf axis="self"/>
+                  <dgm:constrLst>
+                    <dgm:constr type="begPad"/>
+                    <dgm:constr type="endPad"/>
+                  </dgm:constrLst>
+                  <dgm:ruleLst/>
+                </dgm:layoutNode>
+              </dgm:forEach>
+              <dgm:layoutNode name="hierRoot3">
+                <dgm:varLst>
+                  <dgm:hierBranch val="init"/>
+                </dgm:varLst>
+                <dgm:choose name="Name112">
+                  <dgm:if name="Name113" func="var" arg="hierBranch" op="equ" val="l">
+                    <dgm:alg type="hierRoot">
+                      <dgm:param type="hierAlign" val="tR"/>
+                    </dgm:alg>
+                    <dgm:shape xmlns:r="http://schemas.openxmlformats.org/officeDocument/2006/relationships" r:blip="">
+                      <dgm:adjLst/>
+                    </dgm:shape>
+                    <dgm:presOf/>
+                    <dgm:constrLst>
+                      <dgm:constr type="alignOff" val="0.65"/>
+                    </dgm:constrLst>
+                  </dgm:if>
+                  <dgm:if name="Name114" func="var" arg="hierBranch" op="equ" val="r">
+                    <dgm:alg type="hierRoot">
+                      <dgm:param type="hierAlign" val="tL"/>
+                    </dgm:alg>
+                    <dgm:shape xmlns:r="http://schemas.openxmlformats.org/officeDocument/2006/relationships" r:blip="">
+                      <dgm:adjLst/>
+                    </dgm:shape>
+                    <dgm:presOf/>
+                    <dgm:constrLst>
+                      <dgm:constr type="alignOff" val="0.65"/>
+                    </dgm:constrLst>
+                  </dgm:if>
+                  <dgm:if name="Name115" func="var" arg="hierBranch" op="equ" val="hang">
+                    <dgm:alg type="hierRoot"/>
+                    <dgm:shape xmlns:r="http://schemas.openxmlformats.org/officeDocument/2006/relationships" r:blip="">
+                      <dgm:adjLst/>
+                    </dgm:shape>
+                    <dgm:presOf/>
+                    <dgm:constrLst>
+                      <dgm:constr type="alignOff" val="0.65"/>
+                    </dgm:constrLst>
+                  </dgm:if>
+                  <dgm:if name="Name116" func="var" arg="hierBranch" op="equ" val="std">
+                    <dgm:alg type="hierRoot"/>
+                    <dgm:shape xmlns:r="http://schemas.openxmlformats.org/officeDocument/2006/relationships" r:blip="">
+                      <dgm:adjLst/>
+                    </dgm:shape>
+                    <dgm:presOf/>
+                    <dgm:constrLst>
+                      <dgm:constr type="alignOff"/>
+                      <dgm:constr type="bendDist" for="des" ptType="parTrans" refType="sp" fact="0.5"/>
+                    </dgm:constrLst>
+                  </dgm:if>
+                  <dgm:if name="Name117" func="var" arg="hierBranch" op="equ" val="init">
+                    <dgm:choose name="Name118">
+                      <dgm:if name="Name119" axis="des" func="maxDepth" op="lte" val="1">
+                        <dgm:alg type="hierRoot">
+                          <dgm:param type="hierAlign" val="tL"/>
+                        </dgm:alg>
+                        <dgm:shape xmlns:r="http://schemas.openxmlformats.org/officeDocument/2006/relationships" r:blip="">
+                          <dgm:adjLst/>
+                        </dgm:shape>
+                        <dgm:presOf/>
+                        <dgm:constrLst>
+                          <dgm:constr type="alignOff" val="0.65"/>
+                        </dgm:constrLst>
+                      </dgm:if>
+                      <dgm:else name="Name120">
+                        <dgm:alg type="hierRoot"/>
+                        <dgm:shape xmlns:r="http://schemas.openxmlformats.org/officeDocument/2006/relationships" r:blip="">
+                          <dgm:adjLst/>
+                        </dgm:shape>
+                        <dgm:presOf/>
+                        <dgm:constrLst>
+                          <dgm:constr type="alignOff"/>
+                          <dgm:constr type="bendDist" for="des" ptType="parTrans" refType="sp" fact="0.5"/>
+                        </dgm:constrLst>
+                      </dgm:else>
+                    </dgm:choose>
+                  </dgm:if>
+                  <dgm:else name="Name121"/>
+                </dgm:choose>
+                <dgm:ruleLst/>
+                <dgm:layoutNode name="rootComposite3">
+                  <dgm:alg type="composite"/>
+                  <dgm:shape xmlns:r="http://schemas.openxmlformats.org/officeDocument/2006/relationships" r:blip="">
+                    <dgm:adjLst/>
+                  </dgm:shape>
+                  <dgm:presOf axis="self" ptType="node" cnt="1"/>
+                  <dgm:choose name="Name122">
+                    <dgm:if name="Name123" func="var" arg="hierBranch" op="equ" val="init">
+                      <dgm:constrLst>
+                        <dgm:constr type="l" for="ch" forName="rootText3"/>
+                        <dgm:constr type="t" for="ch" forName="rootText3"/>
+                        <dgm:constr type="w" for="ch" forName="rootText3" refType="w"/>
+                        <dgm:constr type="h" for="ch" forName="rootText3" refType="h"/>
+                        <dgm:constr type="l" for="ch" forName="rootConnector3"/>
+                        <dgm:constr type="t" for="ch" forName="rootConnector3"/>
+                        <dgm:constr type="w" for="ch" forName="rootConnector3" refType="w" refFor="ch" refForName="rootText3" fact="0.2"/>
+                        <dgm:constr type="h" for="ch" forName="rootConnector3" refType="h" refFor="ch" refForName="rootText3"/>
+                      </dgm:constrLst>
+                    </dgm:if>
+                    <dgm:if name="Name124" func="var" arg="hierBranch" op="equ" val="l">
+                      <dgm:constrLst>
+                        <dgm:constr type="l" for="ch" forName="rootText3"/>
+                        <dgm:constr type="t" for="ch" forName="rootText3"/>
+                        <dgm:constr type="w" for="ch" forName="rootText3" refType="w"/>
+                        <dgm:constr type="h" for="ch" forName="rootText3" refType="h"/>
+                        <dgm:constr type="r" for="ch" forName="rootConnector3" refType="w"/>
+                        <dgm:constr type="t" for="ch" forName="rootConnector3"/>
+                        <dgm:constr type="w" for="ch" forName="rootConnector3" refType="w" refFor="ch" refForName="rootText3" fact="0.2"/>
+                        <dgm:constr type="h" for="ch" forName="rootConnector3" refType="h" refFor="ch" refForName="rootText3"/>
+                      </dgm:constrLst>
+                    </dgm:if>
+                    <dgm:if name="Name125" func="var" arg="hierBranch" op="equ" val="r">
+                      <dgm:constrLst>
+                        <dgm:constr type="l" for="ch" forName="rootText3"/>
+                        <dgm:constr type="t" for="ch" forName="rootText3"/>
+                        <dgm:constr type="w" for="ch" forName="rootText3" refType="w"/>
+                        <dgm:constr type="h" for="ch" forName="rootText3" refType="h"/>
+                        <dgm:constr type="l" for="ch" forName="rootConnector3"/>
+                        <dgm:constr type="t" for="ch" forName="rootConnector3"/>
+                        <dgm:constr type="w" for="ch" forName="rootConnector3" refType="w" refFor="ch" refForName="rootText3" fact="0.2"/>
+                        <dgm:constr type="h" for="ch" forName="rootConnector3" refType="h" refFor="ch" refForName="rootText3"/>
+                      </dgm:constrLst>
+                    </dgm:if>
+                    <dgm:else name="Name126">
+                      <dgm:constrLst>
+                        <dgm:constr type="l" for="ch" forName="rootText3"/>
+                        <dgm:constr type="t" for="ch" forName="rootText3"/>
+                        <dgm:constr type="w" for="ch" forName="rootText3" refType="w"/>
+                        <dgm:constr type="h" for="ch" forName="rootText3" refType="h"/>
+                        <dgm:constr type="r" for="ch" forName="rootConnector3" refType="w"/>
+                        <dgm:constr type="t" for="ch" forName="rootConnector3"/>
+                        <dgm:constr type="w" for="ch" forName="rootConnector3" refType="w" refFor="ch" refForName="rootText3" fact="0.2"/>
+                        <dgm:constr type="h" for="ch" forName="rootConnector3" refType="h" refFor="ch" refForName="rootText3"/>
+                      </dgm:constrLst>
+                    </dgm:else>
+                  </dgm:choose>
+                  <dgm:ruleLst/>
+                  <dgm:layoutNode name="rootText3">
+                    <dgm:varLst>
+                      <dgm:chPref val="3"/>
+                    </dgm:varLst>
+                    <dgm:alg type="tx"/>
+                    <dgm:shape xmlns:r="http://schemas.openxmlformats.org/officeDocument/2006/relationships" type="rect" r:blip="">
+                      <dgm:adjLst/>
+                    </dgm:shape>
+                    <dgm:presOf axis="self" ptType="node" cnt="1"/>
+                    <dgm:constrLst>
+                      <dgm:constr type="primFontSz" val="65"/>
+                      <dgm:constr type="lMarg" refType="primFontSz" fact="0.05"/>
+                      <dgm:constr type="rMarg" refType="primFontSz" fact="0.05"/>
+                      <dgm:constr type="tMarg" refType="primFontSz" fact="0.05"/>
+                      <dgm:constr type="bMarg" refType="primFontSz" fact="0.05"/>
+                    </dgm:constrLst>
+                    <dgm:ruleLst>
+                      <dgm:rule type="primFontSz" val="5" fact="NaN" max="NaN"/>
+                    </dgm:ruleLst>
+                  </dgm:layoutNode>
+                  <dgm:layoutNode name="rootConnector3" moveWith="rootText1">
+                    <dgm:alg type="sp"/>
+                    <dgm:shape xmlns:r="http://schemas.openxmlformats.org/officeDocument/2006/relationships" type="rect" r:blip="" hideGeom="1">
+                      <dgm:adjLst/>
+                    </dgm:shape>
+                    <dgm:presOf axis="self" ptType="node" cnt="1"/>
+                    <dgm:constrLst/>
+                    <dgm:ruleLst/>
+                  </dgm:layoutNode>
+                </dgm:layoutNode>
+                <dgm:layoutNode name="hierChild6">
+                  <dgm:choose name="Name127">
+                    <dgm:if name="Name128" func="var" arg="hierBranch" op="equ" val="l">
+                      <dgm:alg type="hierChild">
+                        <dgm:param type="chAlign" val="r"/>
+                        <dgm:param type="linDir" val="fromT"/>
+                      </dgm:alg>
+                    </dgm:if>
+                    <dgm:if name="Name129" func="var" arg="hierBranch" op="equ" val="r">
+                      <dgm:alg type="hierChild">
+                        <dgm:param type="chAlign" val="l"/>
+                        <dgm:param type="linDir" val="fromT"/>
+                      </dgm:alg>
+                    </dgm:if>
+                    <dgm:if name="Name130" func="var" arg="hierBranch" op="equ" val="hang">
+                      <dgm:choose name="Name131">
+                        <dgm:if name="Name132" func="var" arg="dir" op="equ" val="norm">
+                          <dgm:alg type="hierChild">
+                            <dgm:param type="chAlign" val="l"/>
+                            <dgm:param type="linDir" val="fromL"/>
+                            <dgm:param type="secChAlign" val="t"/>
+                            <dgm:param type="secLinDir" val="fromT"/>
+                          </dgm:alg>
+                        </dgm:if>
+                        <dgm:else name="Name133">
+                          <dgm:alg type="hierChild">
+                            <dgm:param type="chAlign" val="l"/>
+                            <dgm:param type="linDir" val="fromR"/>
+                            <dgm:param type="secChAlign" val="t"/>
+                            <dgm:param type="secLinDir" val="fromT"/>
+                          </dgm:alg>
+                        </dgm:else>
+                      </dgm:choose>
+                    </dgm:if>
+                    <dgm:if name="Name134" func="var" arg="hierBranch" op="equ" val="std">
+                      <dgm:choose name="Name135">
+                        <dgm:if name="Name136" func="var" arg="dir" op="equ" val="norm">
+                          <dgm:alg type="hierChild"/>
+                        </dgm:if>
+                        <dgm:else name="Name137">
+                          <dgm:alg type="hierChild">
+                            <dgm:param type="linDir" val="fromR"/>
+                          </dgm:alg>
+                        </dgm:else>
+                      </dgm:choose>
+                    </dgm:if>
+                    <dgm:if name="Name138" func="var" arg="hierBranch" op="equ" val="init">
+                      <dgm:choose name="Name139">
+                        <dgm:if name="Name140" axis="des" func="maxDepth" op="lte" val="1">
+                          <dgm:alg type="hierChild">
+                            <dgm:param type="chAlign" val="l"/>
+                            <dgm:param type="linDir" val="fromT"/>
+                          </dgm:alg>
+                        </dgm:if>
+                        <dgm:else name="Name141">
+                          <dgm:alg type="hierChild"/>
+                        </dgm:else>
+                      </dgm:choose>
+                    </dgm:if>
+                    <dgm:else name="Name142"/>
+                  </dgm:choose>
+                  <dgm:shape xmlns:r="http://schemas.openxmlformats.org/officeDocument/2006/relationships" r:blip="">
+                    <dgm:adjLst/>
+                  </dgm:shape>
+                  <dgm:presOf/>
+                  <dgm:constrLst/>
+                  <dgm:ruleLst/>
+                  <dgm:forEach name="Name143" ref="rep2a"/>
+                </dgm:layoutNode>
+                <dgm:layoutNode name="hierChild7">
+                  <dgm:choose name="Name144">
+                    <dgm:if name="Name145" func="var" arg="dir" op="equ" val="norm">
+                      <dgm:alg type="hierChild">
+                        <dgm:param type="chAlign" val="l"/>
+                        <dgm:param type="linDir" val="fromL"/>
+                        <dgm:param type="secChAlign" val="t"/>
+                        <dgm:param type="secLinDir" val="fromT"/>
+                      </dgm:alg>
+                    </dgm:if>
+                    <dgm:else name="Name146">
+                      <dgm:alg type="hierChild">
+                        <dgm:param type="chAlign" val="l"/>
+                        <dgm:param type="linDir" val="fromR"/>
+                        <dgm:param type="secChAlign" val="t"/>
+                        <dgm:param type="secLinDir" val="fromT"/>
+                      </dgm:alg>
+                    </dgm:else>
+                  </dgm:choose>
+                  <dgm:shape xmlns:r="http://schemas.openxmlformats.org/officeDocument/2006/relationships" r:blip="">
+                    <dgm:adjLst/>
+                  </dgm:shape>
+                  <dgm:presOf/>
+                  <dgm:constrLst/>
+                  <dgm:ruleLst/>
+                  <dgm:forEach name="Name147" ref="rep2b"/>
+                </dgm:layoutNode>
+              </dgm:layoutNode>
+            </dgm:forEach>
+          </dgm:layoutNode>
+        </dgm:layoutNode>
+      </dgm:forEach>
+    </dgm:forEach>
+  </dgm:layoutNode>
+</dgm:layoutDef>
+</file>
+
 <file path=ppt/diagrams/quickStyle1.xml><?xml version="1.0" encoding="utf-8"?>
 <dgm:styleDef xmlns:dgm="http://schemas.openxmlformats.org/drawingml/2006/diagram" xmlns:a="http://schemas.openxmlformats.org/drawingml/2006/main" uniqueId="urn:microsoft.com/office/officeart/2005/8/quickstyle/simple1">
   <dgm:title val=""/>
@@ -3067,6 +6281,1040 @@
         <a:scrgbClr r="0" g="0" b="0"/>
       </a:fillRef>
       <a:effectRef idx="0">
+        <a:scrgbClr r="0" g="0" b="0"/>
+      </a:effectRef>
+      <a:fontRef idx="minor"/>
+    </dgm:style>
+  </dgm:styleLbl>
+  <dgm:styleLbl name="revTx">
+    <dgm:scene3d>
+      <a:camera prst="orthographicFront"/>
+      <a:lightRig rig="threePt" dir="t"/>
+    </dgm:scene3d>
+    <dgm:sp3d/>
+    <dgm:txPr/>
+    <dgm:style>
+      <a:lnRef idx="0">
+        <a:scrgbClr r="0" g="0" b="0"/>
+      </a:lnRef>
+      <a:fillRef idx="0">
+        <a:scrgbClr r="0" g="0" b="0"/>
+      </a:fillRef>
+      <a:effectRef idx="0">
+        <a:scrgbClr r="0" g="0" b="0"/>
+      </a:effectRef>
+      <a:fontRef idx="minor"/>
+    </dgm:style>
+  </dgm:styleLbl>
+</dgm:styleDef>
+</file>
+
+<file path=ppt/diagrams/quickStyle2.xml><?xml version="1.0" encoding="utf-8"?>
+<dgm:styleDef xmlns:dgm="http://schemas.openxmlformats.org/drawingml/2006/diagram" xmlns:a="http://schemas.openxmlformats.org/drawingml/2006/main" uniqueId="urn:microsoft.com/office/officeart/2005/8/quickstyle/simple2">
+  <dgm:title val=""/>
+  <dgm:desc val=""/>
+  <dgm:catLst>
+    <dgm:cat type="simple" pri="10200"/>
+  </dgm:catLst>
+  <dgm:scene3d>
+    <a:camera prst="orthographicFront"/>
+    <a:lightRig rig="threePt" dir="t"/>
+  </dgm:scene3d>
+  <dgm:styleLbl name="node0">
+    <dgm:scene3d>
+      <a:camera prst="orthographicFront"/>
+      <a:lightRig rig="threePt" dir="t"/>
+    </dgm:scene3d>
+    <dgm:sp3d/>
+    <dgm:txPr/>
+    <dgm:style>
+      <a:lnRef idx="3">
+        <a:scrgbClr r="0" g="0" b="0"/>
+      </a:lnRef>
+      <a:fillRef idx="1">
+        <a:scrgbClr r="0" g="0" b="0"/>
+      </a:fillRef>
+      <a:effectRef idx="1">
+        <a:scrgbClr r="0" g="0" b="0"/>
+      </a:effectRef>
+      <a:fontRef idx="minor">
+        <a:schemeClr val="lt1"/>
+      </a:fontRef>
+    </dgm:style>
+  </dgm:styleLbl>
+  <dgm:styleLbl name="lnNode1">
+    <dgm:scene3d>
+      <a:camera prst="orthographicFront"/>
+      <a:lightRig rig="threePt" dir="t"/>
+    </dgm:scene3d>
+    <dgm:sp3d/>
+    <dgm:txPr/>
+    <dgm:style>
+      <a:lnRef idx="3">
+        <a:scrgbClr r="0" g="0" b="0"/>
+      </a:lnRef>
+      <a:fillRef idx="1">
+        <a:scrgbClr r="0" g="0" b="0"/>
+      </a:fillRef>
+      <a:effectRef idx="1">
+        <a:scrgbClr r="0" g="0" b="0"/>
+      </a:effectRef>
+      <a:fontRef idx="minor">
+        <a:schemeClr val="lt1"/>
+      </a:fontRef>
+    </dgm:style>
+  </dgm:styleLbl>
+  <dgm:styleLbl name="vennNode1">
+    <dgm:scene3d>
+      <a:camera prst="orthographicFront"/>
+      <a:lightRig rig="threePt" dir="t"/>
+    </dgm:scene3d>
+    <dgm:sp3d/>
+    <dgm:txPr/>
+    <dgm:style>
+      <a:lnRef idx="3">
+        <a:scrgbClr r="0" g="0" b="0"/>
+      </a:lnRef>
+      <a:fillRef idx="1">
+        <a:scrgbClr r="0" g="0" b="0"/>
+      </a:fillRef>
+      <a:effectRef idx="0">
+        <a:scrgbClr r="0" g="0" b="0"/>
+      </a:effectRef>
+      <a:fontRef idx="minor">
+        <a:schemeClr val="tx1"/>
+      </a:fontRef>
+    </dgm:style>
+  </dgm:styleLbl>
+  <dgm:styleLbl name="alignNode1">
+    <dgm:scene3d>
+      <a:camera prst="orthographicFront"/>
+      <a:lightRig rig="threePt" dir="t"/>
+    </dgm:scene3d>
+    <dgm:sp3d/>
+    <dgm:txPr/>
+    <dgm:style>
+      <a:lnRef idx="2">
+        <a:scrgbClr r="0" g="0" b="0"/>
+      </a:lnRef>
+      <a:fillRef idx="1">
+        <a:scrgbClr r="0" g="0" b="0"/>
+      </a:fillRef>
+      <a:effectRef idx="1">
+        <a:scrgbClr r="0" g="0" b="0"/>
+      </a:effectRef>
+      <a:fontRef idx="minor">
+        <a:schemeClr val="lt1"/>
+      </a:fontRef>
+    </dgm:style>
+  </dgm:styleLbl>
+  <dgm:styleLbl name="node1">
+    <dgm:scene3d>
+      <a:camera prst="orthographicFront"/>
+      <a:lightRig rig="threePt" dir="t"/>
+    </dgm:scene3d>
+    <dgm:sp3d/>
+    <dgm:txPr/>
+    <dgm:style>
+      <a:lnRef idx="3">
+        <a:scrgbClr r="0" g="0" b="0"/>
+      </a:lnRef>
+      <a:fillRef idx="1">
+        <a:scrgbClr r="0" g="0" b="0"/>
+      </a:fillRef>
+      <a:effectRef idx="1">
+        <a:scrgbClr r="0" g="0" b="0"/>
+      </a:effectRef>
+      <a:fontRef idx="minor">
+        <a:schemeClr val="lt1"/>
+      </a:fontRef>
+    </dgm:style>
+  </dgm:styleLbl>
+  <dgm:styleLbl name="node2">
+    <dgm:scene3d>
+      <a:camera prst="orthographicFront"/>
+      <a:lightRig rig="threePt" dir="t"/>
+    </dgm:scene3d>
+    <dgm:sp3d/>
+    <dgm:txPr/>
+    <dgm:style>
+      <a:lnRef idx="3">
+        <a:scrgbClr r="0" g="0" b="0"/>
+      </a:lnRef>
+      <a:fillRef idx="1">
+        <a:scrgbClr r="0" g="0" b="0"/>
+      </a:fillRef>
+      <a:effectRef idx="1">
+        <a:scrgbClr r="0" g="0" b="0"/>
+      </a:effectRef>
+      <a:fontRef idx="minor">
+        <a:schemeClr val="lt1"/>
+      </a:fontRef>
+    </dgm:style>
+  </dgm:styleLbl>
+  <dgm:styleLbl name="node3">
+    <dgm:scene3d>
+      <a:camera prst="orthographicFront"/>
+      <a:lightRig rig="threePt" dir="t"/>
+    </dgm:scene3d>
+    <dgm:sp3d/>
+    <dgm:txPr/>
+    <dgm:style>
+      <a:lnRef idx="3">
+        <a:scrgbClr r="0" g="0" b="0"/>
+      </a:lnRef>
+      <a:fillRef idx="1">
+        <a:scrgbClr r="0" g="0" b="0"/>
+      </a:fillRef>
+      <a:effectRef idx="1">
+        <a:scrgbClr r="0" g="0" b="0"/>
+      </a:effectRef>
+      <a:fontRef idx="minor">
+        <a:schemeClr val="lt1"/>
+      </a:fontRef>
+    </dgm:style>
+  </dgm:styleLbl>
+  <dgm:styleLbl name="node4">
+    <dgm:scene3d>
+      <a:camera prst="orthographicFront"/>
+      <a:lightRig rig="threePt" dir="t"/>
+    </dgm:scene3d>
+    <dgm:sp3d/>
+    <dgm:txPr/>
+    <dgm:style>
+      <a:lnRef idx="3">
+        <a:scrgbClr r="0" g="0" b="0"/>
+      </a:lnRef>
+      <a:fillRef idx="1">
+        <a:scrgbClr r="0" g="0" b="0"/>
+      </a:fillRef>
+      <a:effectRef idx="1">
+        <a:scrgbClr r="0" g="0" b="0"/>
+      </a:effectRef>
+      <a:fontRef idx="minor">
+        <a:schemeClr val="lt1"/>
+      </a:fontRef>
+    </dgm:style>
+  </dgm:styleLbl>
+  <dgm:styleLbl name="fgImgPlace1">
+    <dgm:scene3d>
+      <a:camera prst="orthographicFront"/>
+      <a:lightRig rig="threePt" dir="t"/>
+    </dgm:scene3d>
+    <dgm:sp3d/>
+    <dgm:txPr/>
+    <dgm:style>
+      <a:lnRef idx="3">
+        <a:scrgbClr r="0" g="0" b="0"/>
+      </a:lnRef>
+      <a:fillRef idx="1">
+        <a:scrgbClr r="0" g="0" b="0"/>
+      </a:fillRef>
+      <a:effectRef idx="1">
+        <a:scrgbClr r="0" g="0" b="0"/>
+      </a:effectRef>
+      <a:fontRef idx="minor"/>
+    </dgm:style>
+  </dgm:styleLbl>
+  <dgm:styleLbl name="alignImgPlace1">
+    <dgm:scene3d>
+      <a:camera prst="orthographicFront"/>
+      <a:lightRig rig="threePt" dir="t"/>
+    </dgm:scene3d>
+    <dgm:sp3d/>
+    <dgm:txPr/>
+    <dgm:style>
+      <a:lnRef idx="3">
+        <a:scrgbClr r="0" g="0" b="0"/>
+      </a:lnRef>
+      <a:fillRef idx="1">
+        <a:scrgbClr r="0" g="0" b="0"/>
+      </a:fillRef>
+      <a:effectRef idx="1">
+        <a:scrgbClr r="0" g="0" b="0"/>
+      </a:effectRef>
+      <a:fontRef idx="minor"/>
+    </dgm:style>
+  </dgm:styleLbl>
+  <dgm:styleLbl name="bgImgPlace1">
+    <dgm:scene3d>
+      <a:camera prst="orthographicFront"/>
+      <a:lightRig rig="threePt" dir="t"/>
+    </dgm:scene3d>
+    <dgm:sp3d/>
+    <dgm:txPr/>
+    <dgm:style>
+      <a:lnRef idx="3">
+        <a:scrgbClr r="0" g="0" b="0"/>
+      </a:lnRef>
+      <a:fillRef idx="1">
+        <a:scrgbClr r="0" g="0" b="0"/>
+      </a:fillRef>
+      <a:effectRef idx="1">
+        <a:scrgbClr r="0" g="0" b="0"/>
+      </a:effectRef>
+      <a:fontRef idx="minor"/>
+    </dgm:style>
+  </dgm:styleLbl>
+  <dgm:styleLbl name="sibTrans2D1">
+    <dgm:scene3d>
+      <a:camera prst="orthographicFront"/>
+      <a:lightRig rig="threePt" dir="t"/>
+    </dgm:scene3d>
+    <dgm:sp3d/>
+    <dgm:txPr/>
+    <dgm:style>
+      <a:lnRef idx="0">
+        <a:scrgbClr r="0" g="0" b="0"/>
+      </a:lnRef>
+      <a:fillRef idx="1">
+        <a:scrgbClr r="0" g="0" b="0"/>
+      </a:fillRef>
+      <a:effectRef idx="1">
+        <a:scrgbClr r="0" g="0" b="0"/>
+      </a:effectRef>
+      <a:fontRef idx="minor">
+        <a:schemeClr val="lt1"/>
+      </a:fontRef>
+    </dgm:style>
+  </dgm:styleLbl>
+  <dgm:styleLbl name="fgSibTrans2D1">
+    <dgm:scene3d>
+      <a:camera prst="orthographicFront"/>
+      <a:lightRig rig="threePt" dir="t"/>
+    </dgm:scene3d>
+    <dgm:sp3d/>
+    <dgm:txPr/>
+    <dgm:style>
+      <a:lnRef idx="0">
+        <a:scrgbClr r="0" g="0" b="0"/>
+      </a:lnRef>
+      <a:fillRef idx="1">
+        <a:scrgbClr r="0" g="0" b="0"/>
+      </a:fillRef>
+      <a:effectRef idx="1">
+        <a:scrgbClr r="0" g="0" b="0"/>
+      </a:effectRef>
+      <a:fontRef idx="minor">
+        <a:schemeClr val="lt1"/>
+      </a:fontRef>
+    </dgm:style>
+  </dgm:styleLbl>
+  <dgm:styleLbl name="bgSibTrans2D1">
+    <dgm:scene3d>
+      <a:camera prst="orthographicFront"/>
+      <a:lightRig rig="threePt" dir="t"/>
+    </dgm:scene3d>
+    <dgm:sp3d/>
+    <dgm:txPr/>
+    <dgm:style>
+      <a:lnRef idx="0">
+        <a:scrgbClr r="0" g="0" b="0"/>
+      </a:lnRef>
+      <a:fillRef idx="1">
+        <a:scrgbClr r="0" g="0" b="0"/>
+      </a:fillRef>
+      <a:effectRef idx="1">
+        <a:scrgbClr r="0" g="0" b="0"/>
+      </a:effectRef>
+      <a:fontRef idx="minor">
+        <a:schemeClr val="lt1"/>
+      </a:fontRef>
+    </dgm:style>
+  </dgm:styleLbl>
+  <dgm:styleLbl name="sibTrans1D1">
+    <dgm:scene3d>
+      <a:camera prst="orthographicFront"/>
+      <a:lightRig rig="threePt" dir="t"/>
+    </dgm:scene3d>
+    <dgm:sp3d/>
+    <dgm:txPr/>
+    <dgm:style>
+      <a:lnRef idx="1">
+        <a:scrgbClr r="0" g="0" b="0"/>
+      </a:lnRef>
+      <a:fillRef idx="0">
+        <a:scrgbClr r="0" g="0" b="0"/>
+      </a:fillRef>
+      <a:effectRef idx="0">
+        <a:scrgbClr r="0" g="0" b="0"/>
+      </a:effectRef>
+      <a:fontRef idx="minor"/>
+    </dgm:style>
+  </dgm:styleLbl>
+  <dgm:styleLbl name="callout">
+    <dgm:scene3d>
+      <a:camera prst="orthographicFront"/>
+      <a:lightRig rig="threePt" dir="t"/>
+    </dgm:scene3d>
+    <dgm:sp3d/>
+    <dgm:txPr/>
+    <dgm:style>
+      <a:lnRef idx="2">
+        <a:scrgbClr r="0" g="0" b="0"/>
+      </a:lnRef>
+      <a:fillRef idx="1">
+        <a:scrgbClr r="0" g="0" b="0"/>
+      </a:fillRef>
+      <a:effectRef idx="1">
+        <a:scrgbClr r="0" g="0" b="0"/>
+      </a:effectRef>
+      <a:fontRef idx="minor"/>
+    </dgm:style>
+  </dgm:styleLbl>
+  <dgm:styleLbl name="asst0">
+    <dgm:scene3d>
+      <a:camera prst="orthographicFront"/>
+      <a:lightRig rig="threePt" dir="t"/>
+    </dgm:scene3d>
+    <dgm:sp3d/>
+    <dgm:txPr/>
+    <dgm:style>
+      <a:lnRef idx="3">
+        <a:scrgbClr r="0" g="0" b="0"/>
+      </a:lnRef>
+      <a:fillRef idx="1">
+        <a:scrgbClr r="0" g="0" b="0"/>
+      </a:fillRef>
+      <a:effectRef idx="1">
+        <a:scrgbClr r="0" g="0" b="0"/>
+      </a:effectRef>
+      <a:fontRef idx="minor">
+        <a:schemeClr val="lt1"/>
+      </a:fontRef>
+    </dgm:style>
+  </dgm:styleLbl>
+  <dgm:styleLbl name="asst1">
+    <dgm:scene3d>
+      <a:camera prst="orthographicFront"/>
+      <a:lightRig rig="threePt" dir="t"/>
+    </dgm:scene3d>
+    <dgm:sp3d/>
+    <dgm:txPr/>
+    <dgm:style>
+      <a:lnRef idx="3">
+        <a:scrgbClr r="0" g="0" b="0"/>
+      </a:lnRef>
+      <a:fillRef idx="1">
+        <a:scrgbClr r="0" g="0" b="0"/>
+      </a:fillRef>
+      <a:effectRef idx="1">
+        <a:scrgbClr r="0" g="0" b="0"/>
+      </a:effectRef>
+      <a:fontRef idx="minor">
+        <a:schemeClr val="lt1"/>
+      </a:fontRef>
+    </dgm:style>
+  </dgm:styleLbl>
+  <dgm:styleLbl name="asst2">
+    <dgm:scene3d>
+      <a:camera prst="orthographicFront"/>
+      <a:lightRig rig="threePt" dir="t"/>
+    </dgm:scene3d>
+    <dgm:sp3d/>
+    <dgm:txPr/>
+    <dgm:style>
+      <a:lnRef idx="3">
+        <a:scrgbClr r="0" g="0" b="0"/>
+      </a:lnRef>
+      <a:fillRef idx="1">
+        <a:scrgbClr r="0" g="0" b="0"/>
+      </a:fillRef>
+      <a:effectRef idx="1">
+        <a:scrgbClr r="0" g="0" b="0"/>
+      </a:effectRef>
+      <a:fontRef idx="minor">
+        <a:schemeClr val="lt1"/>
+      </a:fontRef>
+    </dgm:style>
+  </dgm:styleLbl>
+  <dgm:styleLbl name="asst3">
+    <dgm:scene3d>
+      <a:camera prst="orthographicFront"/>
+      <a:lightRig rig="threePt" dir="t"/>
+    </dgm:scene3d>
+    <dgm:sp3d/>
+    <dgm:txPr/>
+    <dgm:style>
+      <a:lnRef idx="3">
+        <a:scrgbClr r="0" g="0" b="0"/>
+      </a:lnRef>
+      <a:fillRef idx="1">
+        <a:scrgbClr r="0" g="0" b="0"/>
+      </a:fillRef>
+      <a:effectRef idx="1">
+        <a:scrgbClr r="0" g="0" b="0"/>
+      </a:effectRef>
+      <a:fontRef idx="minor">
+        <a:schemeClr val="lt1"/>
+      </a:fontRef>
+    </dgm:style>
+  </dgm:styleLbl>
+  <dgm:styleLbl name="asst4">
+    <dgm:scene3d>
+      <a:camera prst="orthographicFront"/>
+      <a:lightRig rig="threePt" dir="t"/>
+    </dgm:scene3d>
+    <dgm:sp3d/>
+    <dgm:txPr/>
+    <dgm:style>
+      <a:lnRef idx="3">
+        <a:scrgbClr r="0" g="0" b="0"/>
+      </a:lnRef>
+      <a:fillRef idx="1">
+        <a:scrgbClr r="0" g="0" b="0"/>
+      </a:fillRef>
+      <a:effectRef idx="1">
+        <a:scrgbClr r="0" g="0" b="0"/>
+      </a:effectRef>
+      <a:fontRef idx="minor">
+        <a:schemeClr val="lt1"/>
+      </a:fontRef>
+    </dgm:style>
+  </dgm:styleLbl>
+  <dgm:styleLbl name="parChTrans2D1">
+    <dgm:scene3d>
+      <a:camera prst="orthographicFront"/>
+      <a:lightRig rig="threePt" dir="t"/>
+    </dgm:scene3d>
+    <dgm:sp3d/>
+    <dgm:txPr/>
+    <dgm:style>
+      <a:lnRef idx="3">
+        <a:scrgbClr r="0" g="0" b="0"/>
+      </a:lnRef>
+      <a:fillRef idx="1">
+        <a:scrgbClr r="0" g="0" b="0"/>
+      </a:fillRef>
+      <a:effectRef idx="1">
+        <a:scrgbClr r="0" g="0" b="0"/>
+      </a:effectRef>
+      <a:fontRef idx="minor">
+        <a:schemeClr val="lt1"/>
+      </a:fontRef>
+    </dgm:style>
+  </dgm:styleLbl>
+  <dgm:styleLbl name="parChTrans2D2">
+    <dgm:scene3d>
+      <a:camera prst="orthographicFront"/>
+      <a:lightRig rig="threePt" dir="t"/>
+    </dgm:scene3d>
+    <dgm:sp3d/>
+    <dgm:txPr/>
+    <dgm:style>
+      <a:lnRef idx="3">
+        <a:scrgbClr r="0" g="0" b="0"/>
+      </a:lnRef>
+      <a:fillRef idx="1">
+        <a:scrgbClr r="0" g="0" b="0"/>
+      </a:fillRef>
+      <a:effectRef idx="1">
+        <a:scrgbClr r="0" g="0" b="0"/>
+      </a:effectRef>
+      <a:fontRef idx="minor">
+        <a:schemeClr val="lt1"/>
+      </a:fontRef>
+    </dgm:style>
+  </dgm:styleLbl>
+  <dgm:styleLbl name="parChTrans2D3">
+    <dgm:scene3d>
+      <a:camera prst="orthographicFront"/>
+      <a:lightRig rig="threePt" dir="t"/>
+    </dgm:scene3d>
+    <dgm:sp3d/>
+    <dgm:txPr/>
+    <dgm:style>
+      <a:lnRef idx="3">
+        <a:scrgbClr r="0" g="0" b="0"/>
+      </a:lnRef>
+      <a:fillRef idx="1">
+        <a:scrgbClr r="0" g="0" b="0"/>
+      </a:fillRef>
+      <a:effectRef idx="1">
+        <a:scrgbClr r="0" g="0" b="0"/>
+      </a:effectRef>
+      <a:fontRef idx="minor">
+        <a:schemeClr val="lt1"/>
+      </a:fontRef>
+    </dgm:style>
+  </dgm:styleLbl>
+  <dgm:styleLbl name="parChTrans2D4">
+    <dgm:scene3d>
+      <a:camera prst="orthographicFront"/>
+      <a:lightRig rig="threePt" dir="t"/>
+    </dgm:scene3d>
+    <dgm:sp3d/>
+    <dgm:txPr/>
+    <dgm:style>
+      <a:lnRef idx="3">
+        <a:scrgbClr r="0" g="0" b="0"/>
+      </a:lnRef>
+      <a:fillRef idx="1">
+        <a:scrgbClr r="0" g="0" b="0"/>
+      </a:fillRef>
+      <a:effectRef idx="1">
+        <a:scrgbClr r="0" g="0" b="0"/>
+      </a:effectRef>
+      <a:fontRef idx="minor">
+        <a:schemeClr val="lt1"/>
+      </a:fontRef>
+    </dgm:style>
+  </dgm:styleLbl>
+  <dgm:styleLbl name="parChTrans1D1">
+    <dgm:scene3d>
+      <a:camera prst="orthographicFront"/>
+      <a:lightRig rig="threePt" dir="t"/>
+    </dgm:scene3d>
+    <dgm:sp3d/>
+    <dgm:txPr/>
+    <dgm:style>
+      <a:lnRef idx="2">
+        <a:scrgbClr r="0" g="0" b="0"/>
+      </a:lnRef>
+      <a:fillRef idx="0">
+        <a:scrgbClr r="0" g="0" b="0"/>
+      </a:fillRef>
+      <a:effectRef idx="0">
+        <a:scrgbClr r="0" g="0" b="0"/>
+      </a:effectRef>
+      <a:fontRef idx="minor"/>
+    </dgm:style>
+  </dgm:styleLbl>
+  <dgm:styleLbl name="parChTrans1D2">
+    <dgm:scene3d>
+      <a:camera prst="orthographicFront"/>
+      <a:lightRig rig="threePt" dir="t"/>
+    </dgm:scene3d>
+    <dgm:sp3d/>
+    <dgm:txPr/>
+    <dgm:style>
+      <a:lnRef idx="2">
+        <a:scrgbClr r="0" g="0" b="0"/>
+      </a:lnRef>
+      <a:fillRef idx="0">
+        <a:scrgbClr r="0" g="0" b="0"/>
+      </a:fillRef>
+      <a:effectRef idx="0">
+        <a:scrgbClr r="0" g="0" b="0"/>
+      </a:effectRef>
+      <a:fontRef idx="minor"/>
+    </dgm:style>
+  </dgm:styleLbl>
+  <dgm:styleLbl name="parChTrans1D3">
+    <dgm:scene3d>
+      <a:camera prst="orthographicFront"/>
+      <a:lightRig rig="threePt" dir="t"/>
+    </dgm:scene3d>
+    <dgm:sp3d/>
+    <dgm:txPr/>
+    <dgm:style>
+      <a:lnRef idx="2">
+        <a:scrgbClr r="0" g="0" b="0"/>
+      </a:lnRef>
+      <a:fillRef idx="0">
+        <a:scrgbClr r="0" g="0" b="0"/>
+      </a:fillRef>
+      <a:effectRef idx="0">
+        <a:scrgbClr r="0" g="0" b="0"/>
+      </a:effectRef>
+      <a:fontRef idx="minor"/>
+    </dgm:style>
+  </dgm:styleLbl>
+  <dgm:styleLbl name="parChTrans1D4">
+    <dgm:scene3d>
+      <a:camera prst="orthographicFront"/>
+      <a:lightRig rig="threePt" dir="t"/>
+    </dgm:scene3d>
+    <dgm:sp3d/>
+    <dgm:txPr/>
+    <dgm:style>
+      <a:lnRef idx="2">
+        <a:scrgbClr r="0" g="0" b="0"/>
+      </a:lnRef>
+      <a:fillRef idx="0">
+        <a:scrgbClr r="0" g="0" b="0"/>
+      </a:fillRef>
+      <a:effectRef idx="0">
+        <a:scrgbClr r="0" g="0" b="0"/>
+      </a:effectRef>
+      <a:fontRef idx="minor"/>
+    </dgm:style>
+  </dgm:styleLbl>
+  <dgm:styleLbl name="fgAcc1">
+    <dgm:scene3d>
+      <a:camera prst="orthographicFront"/>
+      <a:lightRig rig="threePt" dir="t"/>
+    </dgm:scene3d>
+    <dgm:sp3d/>
+    <dgm:txPr/>
+    <dgm:style>
+      <a:lnRef idx="2">
+        <a:scrgbClr r="0" g="0" b="0"/>
+      </a:lnRef>
+      <a:fillRef idx="1">
+        <a:scrgbClr r="0" g="0" b="0"/>
+      </a:fillRef>
+      <a:effectRef idx="0">
+        <a:scrgbClr r="0" g="0" b="0"/>
+      </a:effectRef>
+      <a:fontRef idx="minor"/>
+    </dgm:style>
+  </dgm:styleLbl>
+  <dgm:styleLbl name="conFgAcc1">
+    <dgm:scene3d>
+      <a:camera prst="orthographicFront"/>
+      <a:lightRig rig="threePt" dir="t"/>
+    </dgm:scene3d>
+    <dgm:sp3d/>
+    <dgm:txPr/>
+    <dgm:style>
+      <a:lnRef idx="2">
+        <a:scrgbClr r="0" g="0" b="0"/>
+      </a:lnRef>
+      <a:fillRef idx="1">
+        <a:scrgbClr r="0" g="0" b="0"/>
+      </a:fillRef>
+      <a:effectRef idx="0">
+        <a:scrgbClr r="0" g="0" b="0"/>
+      </a:effectRef>
+      <a:fontRef idx="minor"/>
+    </dgm:style>
+  </dgm:styleLbl>
+  <dgm:styleLbl name="alignAcc1">
+    <dgm:scene3d>
+      <a:camera prst="orthographicFront"/>
+      <a:lightRig rig="threePt" dir="t"/>
+    </dgm:scene3d>
+    <dgm:sp3d/>
+    <dgm:txPr/>
+    <dgm:style>
+      <a:lnRef idx="2">
+        <a:scrgbClr r="0" g="0" b="0"/>
+      </a:lnRef>
+      <a:fillRef idx="1">
+        <a:scrgbClr r="0" g="0" b="0"/>
+      </a:fillRef>
+      <a:effectRef idx="0">
+        <a:scrgbClr r="0" g="0" b="0"/>
+      </a:effectRef>
+      <a:fontRef idx="minor"/>
+    </dgm:style>
+  </dgm:styleLbl>
+  <dgm:styleLbl name="trAlignAcc1">
+    <dgm:scene3d>
+      <a:camera prst="orthographicFront"/>
+      <a:lightRig rig="threePt" dir="t"/>
+    </dgm:scene3d>
+    <dgm:sp3d/>
+    <dgm:txPr/>
+    <dgm:style>
+      <a:lnRef idx="1">
+        <a:scrgbClr r="0" g="0" b="0"/>
+      </a:lnRef>
+      <a:fillRef idx="1">
+        <a:scrgbClr r="0" g="0" b="0"/>
+      </a:fillRef>
+      <a:effectRef idx="0">
+        <a:scrgbClr r="0" g="0" b="0"/>
+      </a:effectRef>
+      <a:fontRef idx="minor"/>
+    </dgm:style>
+  </dgm:styleLbl>
+  <dgm:styleLbl name="bgAcc1">
+    <dgm:scene3d>
+      <a:camera prst="orthographicFront"/>
+      <a:lightRig rig="threePt" dir="t"/>
+    </dgm:scene3d>
+    <dgm:sp3d/>
+    <dgm:txPr/>
+    <dgm:style>
+      <a:lnRef idx="2">
+        <a:scrgbClr r="0" g="0" b="0"/>
+      </a:lnRef>
+      <a:fillRef idx="1">
+        <a:scrgbClr r="0" g="0" b="0"/>
+      </a:fillRef>
+      <a:effectRef idx="0">
+        <a:scrgbClr r="0" g="0" b="0"/>
+      </a:effectRef>
+      <a:fontRef idx="minor"/>
+    </dgm:style>
+  </dgm:styleLbl>
+  <dgm:styleLbl name="solidFgAcc1">
+    <dgm:scene3d>
+      <a:camera prst="orthographicFront"/>
+      <a:lightRig rig="threePt" dir="t"/>
+    </dgm:scene3d>
+    <dgm:sp3d/>
+    <dgm:txPr/>
+    <dgm:style>
+      <a:lnRef idx="2">
+        <a:scrgbClr r="0" g="0" b="0"/>
+      </a:lnRef>
+      <a:fillRef idx="1">
+        <a:scrgbClr r="0" g="0" b="0"/>
+      </a:fillRef>
+      <a:effectRef idx="0">
+        <a:scrgbClr r="0" g="0" b="0"/>
+      </a:effectRef>
+      <a:fontRef idx="minor"/>
+    </dgm:style>
+  </dgm:styleLbl>
+  <dgm:styleLbl name="solidAlignAcc1">
+    <dgm:scene3d>
+      <a:camera prst="orthographicFront"/>
+      <a:lightRig rig="threePt" dir="t"/>
+    </dgm:scene3d>
+    <dgm:sp3d/>
+    <dgm:txPr/>
+    <dgm:style>
+      <a:lnRef idx="2">
+        <a:scrgbClr r="0" g="0" b="0"/>
+      </a:lnRef>
+      <a:fillRef idx="1">
+        <a:scrgbClr r="0" g="0" b="0"/>
+      </a:fillRef>
+      <a:effectRef idx="0">
+        <a:scrgbClr r="0" g="0" b="0"/>
+      </a:effectRef>
+      <a:fontRef idx="minor"/>
+    </dgm:style>
+  </dgm:styleLbl>
+  <dgm:styleLbl name="solidBgAcc1">
+    <dgm:scene3d>
+      <a:camera prst="orthographicFront"/>
+      <a:lightRig rig="threePt" dir="t"/>
+    </dgm:scene3d>
+    <dgm:sp3d/>
+    <dgm:txPr/>
+    <dgm:style>
+      <a:lnRef idx="2">
+        <a:scrgbClr r="0" g="0" b="0"/>
+      </a:lnRef>
+      <a:fillRef idx="1">
+        <a:scrgbClr r="0" g="0" b="0"/>
+      </a:fillRef>
+      <a:effectRef idx="0">
+        <a:scrgbClr r="0" g="0" b="0"/>
+      </a:effectRef>
+      <a:fontRef idx="minor"/>
+    </dgm:style>
+  </dgm:styleLbl>
+  <dgm:styleLbl name="fgAccFollowNode1">
+    <dgm:scene3d>
+      <a:camera prst="orthographicFront"/>
+      <a:lightRig rig="threePt" dir="t"/>
+    </dgm:scene3d>
+    <dgm:sp3d/>
+    <dgm:txPr/>
+    <dgm:style>
+      <a:lnRef idx="2">
+        <a:scrgbClr r="0" g="0" b="0"/>
+      </a:lnRef>
+      <a:fillRef idx="1">
+        <a:scrgbClr r="0" g="0" b="0"/>
+      </a:fillRef>
+      <a:effectRef idx="0">
+        <a:scrgbClr r="0" g="0" b="0"/>
+      </a:effectRef>
+      <a:fontRef idx="minor"/>
+    </dgm:style>
+  </dgm:styleLbl>
+  <dgm:styleLbl name="alignAccFollowNode1">
+    <dgm:scene3d>
+      <a:camera prst="orthographicFront"/>
+      <a:lightRig rig="threePt" dir="t"/>
+    </dgm:scene3d>
+    <dgm:sp3d/>
+    <dgm:txPr/>
+    <dgm:style>
+      <a:lnRef idx="2">
+        <a:scrgbClr r="0" g="0" b="0"/>
+      </a:lnRef>
+      <a:fillRef idx="1">
+        <a:scrgbClr r="0" g="0" b="0"/>
+      </a:fillRef>
+      <a:effectRef idx="0">
+        <a:scrgbClr r="0" g="0" b="0"/>
+      </a:effectRef>
+      <a:fontRef idx="minor"/>
+    </dgm:style>
+  </dgm:styleLbl>
+  <dgm:styleLbl name="bgAccFollowNode1">
+    <dgm:scene3d>
+      <a:camera prst="orthographicFront"/>
+      <a:lightRig rig="threePt" dir="t"/>
+    </dgm:scene3d>
+    <dgm:sp3d/>
+    <dgm:txPr/>
+    <dgm:style>
+      <a:lnRef idx="2">
+        <a:scrgbClr r="0" g="0" b="0"/>
+      </a:lnRef>
+      <a:fillRef idx="1">
+        <a:scrgbClr r="0" g="0" b="0"/>
+      </a:fillRef>
+      <a:effectRef idx="0">
+        <a:scrgbClr r="0" g="0" b="0"/>
+      </a:effectRef>
+      <a:fontRef idx="minor"/>
+    </dgm:style>
+  </dgm:styleLbl>
+  <dgm:styleLbl name="fgAcc0">
+    <dgm:scene3d>
+      <a:camera prst="orthographicFront"/>
+      <a:lightRig rig="threePt" dir="t"/>
+    </dgm:scene3d>
+    <dgm:sp3d/>
+    <dgm:txPr/>
+    <dgm:style>
+      <a:lnRef idx="2">
+        <a:scrgbClr r="0" g="0" b="0"/>
+      </a:lnRef>
+      <a:fillRef idx="1">
+        <a:scrgbClr r="0" g="0" b="0"/>
+      </a:fillRef>
+      <a:effectRef idx="0">
+        <a:scrgbClr r="0" g="0" b="0"/>
+      </a:effectRef>
+      <a:fontRef idx="minor"/>
+    </dgm:style>
+  </dgm:styleLbl>
+  <dgm:styleLbl name="fgAcc2">
+    <dgm:scene3d>
+      <a:camera prst="orthographicFront"/>
+      <a:lightRig rig="threePt" dir="t"/>
+    </dgm:scene3d>
+    <dgm:sp3d/>
+    <dgm:txPr/>
+    <dgm:style>
+      <a:lnRef idx="2">
+        <a:scrgbClr r="0" g="0" b="0"/>
+      </a:lnRef>
+      <a:fillRef idx="1">
+        <a:scrgbClr r="0" g="0" b="0"/>
+      </a:fillRef>
+      <a:effectRef idx="0">
+        <a:scrgbClr r="0" g="0" b="0"/>
+      </a:effectRef>
+      <a:fontRef idx="minor"/>
+    </dgm:style>
+  </dgm:styleLbl>
+  <dgm:styleLbl name="fgAcc3">
+    <dgm:scene3d>
+      <a:camera prst="orthographicFront"/>
+      <a:lightRig rig="threePt" dir="t"/>
+    </dgm:scene3d>
+    <dgm:sp3d/>
+    <dgm:txPr/>
+    <dgm:style>
+      <a:lnRef idx="2">
+        <a:scrgbClr r="0" g="0" b="0"/>
+      </a:lnRef>
+      <a:fillRef idx="1">
+        <a:scrgbClr r="0" g="0" b="0"/>
+      </a:fillRef>
+      <a:effectRef idx="0">
+        <a:scrgbClr r="0" g="0" b="0"/>
+      </a:effectRef>
+      <a:fontRef idx="minor"/>
+    </dgm:style>
+  </dgm:styleLbl>
+  <dgm:styleLbl name="fgAcc4">
+    <dgm:scene3d>
+      <a:camera prst="orthographicFront"/>
+      <a:lightRig rig="threePt" dir="t"/>
+    </dgm:scene3d>
+    <dgm:sp3d/>
+    <dgm:txPr/>
+    <dgm:style>
+      <a:lnRef idx="2">
+        <a:scrgbClr r="0" g="0" b="0"/>
+      </a:lnRef>
+      <a:fillRef idx="1">
+        <a:scrgbClr r="0" g="0" b="0"/>
+      </a:fillRef>
+      <a:effectRef idx="0">
+        <a:scrgbClr r="0" g="0" b="0"/>
+      </a:effectRef>
+      <a:fontRef idx="minor"/>
+    </dgm:style>
+  </dgm:styleLbl>
+  <dgm:styleLbl name="bgShp">
+    <dgm:scene3d>
+      <a:camera prst="orthographicFront"/>
+      <a:lightRig rig="threePt" dir="t"/>
+    </dgm:scene3d>
+    <dgm:sp3d/>
+    <dgm:txPr/>
+    <dgm:style>
+      <a:lnRef idx="0">
+        <a:scrgbClr r="0" g="0" b="0"/>
+      </a:lnRef>
+      <a:fillRef idx="1">
+        <a:scrgbClr r="0" g="0" b="0"/>
+      </a:fillRef>
+      <a:effectRef idx="0">
+        <a:scrgbClr r="0" g="0" b="0"/>
+      </a:effectRef>
+      <a:fontRef idx="minor"/>
+    </dgm:style>
+  </dgm:styleLbl>
+  <dgm:styleLbl name="dkBgShp">
+    <dgm:scene3d>
+      <a:camera prst="orthographicFront"/>
+      <a:lightRig rig="threePt" dir="t"/>
+    </dgm:scene3d>
+    <dgm:sp3d/>
+    <dgm:txPr/>
+    <dgm:style>
+      <a:lnRef idx="0">
+        <a:scrgbClr r="0" g="0" b="0"/>
+      </a:lnRef>
+      <a:fillRef idx="1">
+        <a:scrgbClr r="0" g="0" b="0"/>
+      </a:fillRef>
+      <a:effectRef idx="0">
+        <a:scrgbClr r="0" g="0" b="0"/>
+      </a:effectRef>
+      <a:fontRef idx="minor"/>
+    </dgm:style>
+  </dgm:styleLbl>
+  <dgm:styleLbl name="trBgShp">
+    <dgm:scene3d>
+      <a:camera prst="orthographicFront"/>
+      <a:lightRig rig="threePt" dir="t"/>
+    </dgm:scene3d>
+    <dgm:sp3d/>
+    <dgm:txPr/>
+    <dgm:style>
+      <a:lnRef idx="0">
+        <a:scrgbClr r="0" g="0" b="0"/>
+      </a:lnRef>
+      <a:fillRef idx="1">
+        <a:scrgbClr r="0" g="0" b="0"/>
+      </a:fillRef>
+      <a:effectRef idx="0">
+        <a:scrgbClr r="0" g="0" b="0"/>
+      </a:effectRef>
+      <a:fontRef idx="minor"/>
+    </dgm:style>
+  </dgm:styleLbl>
+  <dgm:styleLbl name="fgShp">
+    <dgm:scene3d>
+      <a:camera prst="orthographicFront"/>
+      <a:lightRig rig="threePt" dir="t"/>
+    </dgm:scene3d>
+    <dgm:sp3d/>
+    <dgm:txPr/>
+    <dgm:style>
+      <a:lnRef idx="3">
+        <a:scrgbClr r="0" g="0" b="0"/>
+      </a:lnRef>
+      <a:fillRef idx="1">
+        <a:scrgbClr r="0" g="0" b="0"/>
+      </a:fillRef>
+      <a:effectRef idx="1">
         <a:scrgbClr r="0" g="0" b="0"/>
       </a:effectRef>
       <a:fontRef idx="minor"/>
@@ -3226,7 +7474,7 @@
           <a:p>
             <a:fld id="{4F71FAD1-1BE9-44F1-8DFC-EF3B6F837893}" type="datetimeFigureOut">
               <a:rPr lang="ru-RU" smtClean="0"/>
-              <a:t>25.05.2023</a:t>
+              <a:t>31.05.2023</a:t>
             </a:fld>
             <a:endParaRPr lang="ru-RU"/>
           </a:p>
@@ -3396,7 +7644,7 @@
           <a:p>
             <a:fld id="{4F71FAD1-1BE9-44F1-8DFC-EF3B6F837893}" type="datetimeFigureOut">
               <a:rPr lang="ru-RU" smtClean="0"/>
-              <a:t>25.05.2023</a:t>
+              <a:t>31.05.2023</a:t>
             </a:fld>
             <a:endParaRPr lang="ru-RU"/>
           </a:p>
@@ -3576,7 +7824,7 @@
           <a:p>
             <a:fld id="{4F71FAD1-1BE9-44F1-8DFC-EF3B6F837893}" type="datetimeFigureOut">
               <a:rPr lang="ru-RU" smtClean="0"/>
-              <a:t>25.05.2023</a:t>
+              <a:t>31.05.2023</a:t>
             </a:fld>
             <a:endParaRPr lang="ru-RU"/>
           </a:p>
@@ -3746,7 +7994,7 @@
           <a:p>
             <a:fld id="{4F71FAD1-1BE9-44F1-8DFC-EF3B6F837893}" type="datetimeFigureOut">
               <a:rPr lang="ru-RU" smtClean="0"/>
-              <a:t>25.05.2023</a:t>
+              <a:t>31.05.2023</a:t>
             </a:fld>
             <a:endParaRPr lang="ru-RU"/>
           </a:p>
@@ -3992,7 +8240,7 @@
           <a:p>
             <a:fld id="{4F71FAD1-1BE9-44F1-8DFC-EF3B6F837893}" type="datetimeFigureOut">
               <a:rPr lang="ru-RU" smtClean="0"/>
-              <a:t>25.05.2023</a:t>
+              <a:t>31.05.2023</a:t>
             </a:fld>
             <a:endParaRPr lang="ru-RU"/>
           </a:p>
@@ -4224,7 +8472,7 @@
           <a:p>
             <a:fld id="{4F71FAD1-1BE9-44F1-8DFC-EF3B6F837893}" type="datetimeFigureOut">
               <a:rPr lang="ru-RU" smtClean="0"/>
-              <a:t>25.05.2023</a:t>
+              <a:t>31.05.2023</a:t>
             </a:fld>
             <a:endParaRPr lang="ru-RU"/>
           </a:p>
@@ -4591,7 +8839,7 @@
           <a:p>
             <a:fld id="{4F71FAD1-1BE9-44F1-8DFC-EF3B6F837893}" type="datetimeFigureOut">
               <a:rPr lang="ru-RU" smtClean="0"/>
-              <a:t>25.05.2023</a:t>
+              <a:t>31.05.2023</a:t>
             </a:fld>
             <a:endParaRPr lang="ru-RU"/>
           </a:p>
@@ -4709,7 +8957,7 @@
           <a:p>
             <a:fld id="{4F71FAD1-1BE9-44F1-8DFC-EF3B6F837893}" type="datetimeFigureOut">
               <a:rPr lang="ru-RU" smtClean="0"/>
-              <a:t>25.05.2023</a:t>
+              <a:t>31.05.2023</a:t>
             </a:fld>
             <a:endParaRPr lang="ru-RU"/>
           </a:p>
@@ -4804,7 +9052,7 @@
           <a:p>
             <a:fld id="{4F71FAD1-1BE9-44F1-8DFC-EF3B6F837893}" type="datetimeFigureOut">
               <a:rPr lang="ru-RU" smtClean="0"/>
-              <a:t>25.05.2023</a:t>
+              <a:t>31.05.2023</a:t>
             </a:fld>
             <a:endParaRPr lang="ru-RU"/>
           </a:p>
@@ -5081,7 +9329,7 @@
           <a:p>
             <a:fld id="{4F71FAD1-1BE9-44F1-8DFC-EF3B6F837893}" type="datetimeFigureOut">
               <a:rPr lang="ru-RU" smtClean="0"/>
-              <a:t>25.05.2023</a:t>
+              <a:t>31.05.2023</a:t>
             </a:fld>
             <a:endParaRPr lang="ru-RU"/>
           </a:p>
@@ -5338,7 +9586,7 @@
           <a:p>
             <a:fld id="{4F71FAD1-1BE9-44F1-8DFC-EF3B6F837893}" type="datetimeFigureOut">
               <a:rPr lang="ru-RU" smtClean="0"/>
-              <a:t>25.05.2023</a:t>
+              <a:t>31.05.2023</a:t>
             </a:fld>
             <a:endParaRPr lang="ru-RU"/>
           </a:p>
@@ -5551,7 +9799,7 @@
           <a:p>
             <a:fld id="{4F71FAD1-1BE9-44F1-8DFC-EF3B6F837893}" type="datetimeFigureOut">
               <a:rPr lang="ru-RU" smtClean="0"/>
-              <a:t>25.05.2023</a:t>
+              <a:t>31.05.2023</a:t>
             </a:fld>
             <a:endParaRPr lang="ru-RU"/>
           </a:p>
@@ -6461,6 +10709,1025 @@
       </p:grpSpPr>
       <p:sp useBgFill="1">
         <p:nvSpPr>
+          <p:cNvPr id="10" name="Rectangle 9">
+            <a:extLst>
+              <a:ext uri="{FF2B5EF4-FFF2-40B4-BE49-F238E27FC236}">
+                <a16:creationId xmlns:a16="http://schemas.microsoft.com/office/drawing/2014/main" id="{47942995-B07F-4636-9A06-C6A104B260A8}"/>
+              </a:ext>
+              <a:ext uri="{C183D7F6-B498-43B3-948B-1728B52AA6E4}">
+                <adec:decorative xmlns:adec="http://schemas.microsoft.com/office/drawing/2017/decorative" val="1"/>
+              </a:ext>
+            </a:extLst>
+          </p:cNvPr>
+          <p:cNvSpPr>
+            <a:spLocks noGrp="1" noRot="1" noChangeAspect="1" noMove="1" noResize="1" noEditPoints="1" noAdjustHandles="1" noChangeArrowheads="1" noChangeShapeType="1" noTextEdit="1"/>
+          </p:cNvSpPr>
+          <p:nvPr>
+            <p:extLst>
+              <p:ext uri="{386F3935-93C4-4BCD-93E2-E3B085C9AB24}">
+                <p16:designElem xmlns:p16="http://schemas.microsoft.com/office/powerpoint/2015/main" val="1"/>
+              </p:ext>
+            </p:extLst>
+          </p:nvPr>
+        </p:nvSpPr>
+        <p:spPr>
+          <a:xfrm>
+            <a:off x="0" y="0"/>
+            <a:ext cx="12191999" cy="6857365"/>
+          </a:xfrm>
+          <a:prstGeom prst="rect">
+            <a:avLst/>
+          </a:prstGeom>
+          <a:ln>
+            <a:noFill/>
+          </a:ln>
+        </p:spPr>
+        <p:style>
+          <a:lnRef idx="2">
+            <a:schemeClr val="accent1">
+              <a:shade val="50000"/>
+            </a:schemeClr>
+          </a:lnRef>
+          <a:fillRef idx="1">
+            <a:schemeClr val="accent1"/>
+          </a:fillRef>
+          <a:effectRef idx="0">
+            <a:schemeClr val="accent1"/>
+          </a:effectRef>
+          <a:fontRef idx="minor">
+            <a:schemeClr val="lt1"/>
+          </a:fontRef>
+        </p:style>
+        <p:txBody>
+          <a:bodyPr rtlCol="0" anchor="ctr"/>
+          <a:lstStyle/>
+          <a:p>
+            <a:pPr algn="ctr"/>
+            <a:endParaRPr lang="en-US"/>
+          </a:p>
+        </p:txBody>
+      </p:sp>
+      <p:sp>
+        <p:nvSpPr>
+          <p:cNvPr id="2" name="Заголовок 1">
+            <a:extLst>
+              <a:ext uri="{FF2B5EF4-FFF2-40B4-BE49-F238E27FC236}">
+                <a16:creationId xmlns:a16="http://schemas.microsoft.com/office/drawing/2014/main" id="{C6AE11DE-5A79-0993-481A-FBE39019C649}"/>
+              </a:ext>
+            </a:extLst>
+          </p:cNvPr>
+          <p:cNvSpPr>
+            <a:spLocks noGrp="1"/>
+          </p:cNvSpPr>
+          <p:nvPr>
+            <p:ph type="title"/>
+          </p:nvPr>
+        </p:nvSpPr>
+        <p:spPr>
+          <a:xfrm>
+            <a:off x="1142253" y="2647237"/>
+            <a:ext cx="4629571" cy="1790935"/>
+          </a:xfrm>
+        </p:spPr>
+        <p:txBody>
+          <a:bodyPr vert="horz" lIns="91440" tIns="45720" rIns="91440" bIns="45720" rtlCol="0" anchor="t">
+            <a:normAutofit/>
+          </a:bodyPr>
+          <a:lstStyle/>
+          <a:p>
+            <a:r>
+              <a:rPr lang="ru-RU" sz="3200" kern="1200" dirty="0">
+                <a:solidFill>
+                  <a:schemeClr val="tx1"/>
+                </a:solidFill>
+                <a:latin typeface="Century Gothic" panose="020B0502020202020204" pitchFamily="34" charset="0"/>
+              </a:rPr>
+              <a:t>Просматривать и р</a:t>
+            </a:r>
+            <a:r>
+              <a:rPr lang="en-US" sz="3200" kern="1200" dirty="0" err="1">
+                <a:solidFill>
+                  <a:schemeClr val="tx1"/>
+                </a:solidFill>
+                <a:latin typeface="Century Gothic" panose="020B0502020202020204" pitchFamily="34" charset="0"/>
+              </a:rPr>
+              <a:t>едактировать</a:t>
+            </a:r>
+            <a:r>
+              <a:rPr lang="en-US" sz="3200" kern="1200" dirty="0">
+                <a:solidFill>
+                  <a:schemeClr val="tx1"/>
+                </a:solidFill>
+                <a:latin typeface="Century Gothic" panose="020B0502020202020204" pitchFamily="34" charset="0"/>
+              </a:rPr>
+              <a:t> </a:t>
+            </a:r>
+            <a:r>
+              <a:rPr lang="en-US" sz="3200" kern="1200" dirty="0" err="1">
+                <a:solidFill>
+                  <a:schemeClr val="tx1"/>
+                </a:solidFill>
+                <a:latin typeface="Century Gothic" panose="020B0502020202020204" pitchFamily="34" charset="0"/>
+              </a:rPr>
+              <a:t>профиль</a:t>
+            </a:r>
+            <a:endParaRPr lang="en-US" sz="3200" kern="1200" dirty="0">
+              <a:solidFill>
+                <a:schemeClr val="tx1"/>
+              </a:solidFill>
+              <a:latin typeface="Century Gothic" panose="020B0502020202020204" pitchFamily="34" charset="0"/>
+            </a:endParaRPr>
+          </a:p>
+        </p:txBody>
+      </p:sp>
+      <p:grpSp>
+        <p:nvGrpSpPr>
+          <p:cNvPr id="12" name="Group 11">
+            <a:extLst>
+              <a:ext uri="{FF2B5EF4-FFF2-40B4-BE49-F238E27FC236}">
+                <a16:creationId xmlns:a16="http://schemas.microsoft.com/office/drawing/2014/main" id="{032D8612-31EB-44CF-A1D0-14FD4C705424}"/>
+              </a:ext>
+              <a:ext uri="{C183D7F6-B498-43B3-948B-1728B52AA6E4}">
+                <adec:decorative xmlns:adec="http://schemas.microsoft.com/office/drawing/2017/decorative" val="1"/>
+              </a:ext>
+            </a:extLst>
+          </p:cNvPr>
+          <p:cNvGrpSpPr>
+            <a:grpSpLocks noGrp="1" noUngrp="1" noRot="1" noChangeAspect="1" noMove="1" noResize="1"/>
+          </p:cNvGrpSpPr>
+          <p:nvPr>
+            <p:extLst>
+              <p:ext uri="{386F3935-93C4-4BCD-93E2-E3B085C9AB24}">
+                <p16:designElem xmlns:p16="http://schemas.microsoft.com/office/powerpoint/2015/main" val="1"/>
+              </p:ext>
+            </p:extLst>
+          </p:nvPr>
+        </p:nvGrpSpPr>
+        <p:grpSpPr>
+          <a:xfrm>
+            <a:off x="0" y="2984992"/>
+            <a:ext cx="731521" cy="673460"/>
+            <a:chOff x="3940602" y="308034"/>
+            <a:chExt cx="2116791" cy="3428999"/>
+          </a:xfrm>
+          <a:solidFill>
+            <a:schemeClr val="accent4"/>
+          </a:solidFill>
+        </p:grpSpPr>
+        <p:sp>
+          <p:nvSpPr>
+            <p:cNvPr id="13" name="Rectangle 12">
+              <a:extLst>
+                <a:ext uri="{FF2B5EF4-FFF2-40B4-BE49-F238E27FC236}">
+                  <a16:creationId xmlns:a16="http://schemas.microsoft.com/office/drawing/2014/main" id="{F19A4A0F-1B59-4DB0-9764-D10936E98770}"/>
+                </a:ext>
+                <a:ext uri="{C183D7F6-B498-43B3-948B-1728B52AA6E4}">
+                  <adec:decorative xmlns:adec="http://schemas.microsoft.com/office/drawing/2017/decorative" val="1"/>
+                </a:ext>
+              </a:extLst>
+            </p:cNvPr>
+            <p:cNvSpPr/>
+            <p:nvPr>
+              <p:extLst>
+                <p:ext uri="{386F3935-93C4-4BCD-93E2-E3B085C9AB24}">
+                  <p16:designElem xmlns:p16="http://schemas.microsoft.com/office/powerpoint/2015/main" val="1"/>
+                </p:ext>
+              </p:extLst>
+            </p:nvPr>
+          </p:nvSpPr>
+          <p:spPr>
+            <a:xfrm>
+              <a:off x="3940602" y="308034"/>
+              <a:ext cx="566743" cy="3428999"/>
+            </a:xfrm>
+            <a:prstGeom prst="rect">
+              <a:avLst/>
+            </a:prstGeom>
+            <a:grpFill/>
+            <a:ln>
+              <a:noFill/>
+            </a:ln>
+          </p:spPr>
+          <p:style>
+            <a:lnRef idx="2">
+              <a:schemeClr val="accent1">
+                <a:shade val="50000"/>
+              </a:schemeClr>
+            </a:lnRef>
+            <a:fillRef idx="1">
+              <a:schemeClr val="accent1"/>
+            </a:fillRef>
+            <a:effectRef idx="0">
+              <a:schemeClr val="accent1"/>
+            </a:effectRef>
+            <a:fontRef idx="minor">
+              <a:schemeClr val="lt1"/>
+            </a:fontRef>
+          </p:style>
+          <p:txBody>
+            <a:bodyPr rtlCol="0" anchor="ctr"/>
+            <a:lstStyle/>
+            <a:p>
+              <a:pPr algn="ctr"/>
+              <a:endParaRPr lang="en-US"/>
+            </a:p>
+          </p:txBody>
+        </p:sp>
+        <p:sp>
+          <p:nvSpPr>
+            <p:cNvPr id="14" name="Rectangle 13">
+              <a:extLst>
+                <a:ext uri="{FF2B5EF4-FFF2-40B4-BE49-F238E27FC236}">
+                  <a16:creationId xmlns:a16="http://schemas.microsoft.com/office/drawing/2014/main" id="{F399A70F-F8CD-4992-9EF5-6CF15472E73F}"/>
+                </a:ext>
+                <a:ext uri="{C183D7F6-B498-43B3-948B-1728B52AA6E4}">
+                  <adec:decorative xmlns:adec="http://schemas.microsoft.com/office/drawing/2017/decorative" val="1"/>
+                </a:ext>
+              </a:extLst>
+            </p:cNvPr>
+            <p:cNvSpPr/>
+            <p:nvPr>
+              <p:extLst>
+                <p:ext uri="{386F3935-93C4-4BCD-93E2-E3B085C9AB24}">
+                  <p16:designElem xmlns:p16="http://schemas.microsoft.com/office/powerpoint/2015/main" val="1"/>
+                </p:ext>
+              </p:extLst>
+            </p:nvPr>
+          </p:nvSpPr>
+          <p:spPr>
+            <a:xfrm>
+              <a:off x="4715626" y="308034"/>
+              <a:ext cx="566743" cy="3428999"/>
+            </a:xfrm>
+            <a:prstGeom prst="rect">
+              <a:avLst/>
+            </a:prstGeom>
+            <a:grpFill/>
+            <a:ln>
+              <a:noFill/>
+            </a:ln>
+          </p:spPr>
+          <p:style>
+            <a:lnRef idx="2">
+              <a:schemeClr val="accent1">
+                <a:shade val="50000"/>
+              </a:schemeClr>
+            </a:lnRef>
+            <a:fillRef idx="1">
+              <a:schemeClr val="accent1"/>
+            </a:fillRef>
+            <a:effectRef idx="0">
+              <a:schemeClr val="accent1"/>
+            </a:effectRef>
+            <a:fontRef idx="minor">
+              <a:schemeClr val="lt1"/>
+            </a:fontRef>
+          </p:style>
+          <p:txBody>
+            <a:bodyPr rtlCol="0" anchor="ctr"/>
+            <a:lstStyle/>
+            <a:p>
+              <a:pPr algn="ctr"/>
+              <a:endParaRPr lang="en-US"/>
+            </a:p>
+          </p:txBody>
+        </p:sp>
+        <p:sp>
+          <p:nvSpPr>
+            <p:cNvPr id="15" name="Rectangle 14">
+              <a:extLst>
+                <a:ext uri="{FF2B5EF4-FFF2-40B4-BE49-F238E27FC236}">
+                  <a16:creationId xmlns:a16="http://schemas.microsoft.com/office/drawing/2014/main" id="{48F4FEDC-6D80-458C-A665-075D9B9500FD}"/>
+                </a:ext>
+                <a:ext uri="{C183D7F6-B498-43B3-948B-1728B52AA6E4}">
+                  <adec:decorative xmlns:adec="http://schemas.microsoft.com/office/drawing/2017/decorative" val="1"/>
+                </a:ext>
+              </a:extLst>
+            </p:cNvPr>
+            <p:cNvSpPr/>
+            <p:nvPr>
+              <p:extLst>
+                <p:ext uri="{386F3935-93C4-4BCD-93E2-E3B085C9AB24}">
+                  <p16:designElem xmlns:p16="http://schemas.microsoft.com/office/powerpoint/2015/main" val="1"/>
+                </p:ext>
+              </p:extLst>
+            </p:nvPr>
+          </p:nvSpPr>
+          <p:spPr>
+            <a:xfrm>
+              <a:off x="5490650" y="308034"/>
+              <a:ext cx="566743" cy="3428999"/>
+            </a:xfrm>
+            <a:prstGeom prst="rect">
+              <a:avLst/>
+            </a:prstGeom>
+            <a:grpFill/>
+            <a:ln>
+              <a:noFill/>
+            </a:ln>
+          </p:spPr>
+          <p:style>
+            <a:lnRef idx="2">
+              <a:schemeClr val="accent1">
+                <a:shade val="50000"/>
+              </a:schemeClr>
+            </a:lnRef>
+            <a:fillRef idx="1">
+              <a:schemeClr val="accent1"/>
+            </a:fillRef>
+            <a:effectRef idx="0">
+              <a:schemeClr val="accent1"/>
+            </a:effectRef>
+            <a:fontRef idx="minor">
+              <a:schemeClr val="lt1"/>
+            </a:fontRef>
+          </p:style>
+          <p:txBody>
+            <a:bodyPr rtlCol="0" anchor="ctr"/>
+            <a:lstStyle/>
+            <a:p>
+              <a:pPr algn="ctr"/>
+              <a:endParaRPr lang="en-US"/>
+            </a:p>
+          </p:txBody>
+        </p:sp>
+      </p:grpSp>
+      <p:sp>
+        <p:nvSpPr>
+          <p:cNvPr id="17" name="Rectangle 16">
+            <a:extLst>
+              <a:ext uri="{FF2B5EF4-FFF2-40B4-BE49-F238E27FC236}">
+                <a16:creationId xmlns:a16="http://schemas.microsoft.com/office/drawing/2014/main" id="{B81933D1-5615-42C7-9C0B-4EB7105CCE2D}"/>
+              </a:ext>
+              <a:ext uri="{C183D7F6-B498-43B3-948B-1728B52AA6E4}">
+                <adec:decorative xmlns:adec="http://schemas.microsoft.com/office/drawing/2017/decorative" val="1"/>
+              </a:ext>
+            </a:extLst>
+          </p:cNvPr>
+          <p:cNvSpPr>
+            <a:spLocks noGrp="1" noRot="1" noChangeAspect="1" noMove="1" noResize="1" noEditPoints="1" noAdjustHandles="1" noChangeArrowheads="1" noChangeShapeType="1" noTextEdit="1"/>
+          </p:cNvSpPr>
+          <p:nvPr>
+            <p:extLst>
+              <p:ext uri="{386F3935-93C4-4BCD-93E2-E3B085C9AB24}">
+                <p16:designElem xmlns:p16="http://schemas.microsoft.com/office/powerpoint/2015/main" val="1"/>
+              </p:ext>
+            </p:extLst>
+          </p:nvPr>
+        </p:nvSpPr>
+        <p:spPr>
+          <a:xfrm flipH="1">
+            <a:off x="10697670" y="0"/>
+            <a:ext cx="1494330" cy="6858000"/>
+          </a:xfrm>
+          <a:prstGeom prst="rect">
+            <a:avLst/>
+          </a:prstGeom>
+          <a:solidFill>
+            <a:schemeClr val="accent4"/>
+          </a:solidFill>
+          <a:ln>
+            <a:noFill/>
+          </a:ln>
+        </p:spPr>
+        <p:style>
+          <a:lnRef idx="2">
+            <a:schemeClr val="accent1">
+              <a:shade val="50000"/>
+            </a:schemeClr>
+          </a:lnRef>
+          <a:fillRef idx="1">
+            <a:schemeClr val="accent1"/>
+          </a:fillRef>
+          <a:effectRef idx="0">
+            <a:schemeClr val="accent1"/>
+          </a:effectRef>
+          <a:fontRef idx="minor">
+            <a:schemeClr val="lt1"/>
+          </a:fontRef>
+        </p:style>
+        <p:txBody>
+          <a:bodyPr rtlCol="0" anchor="ctr"/>
+          <a:lstStyle/>
+          <a:p>
+            <a:pPr algn="ctr"/>
+            <a:endParaRPr lang="en-US"/>
+          </a:p>
+        </p:txBody>
+      </p:sp>
+      <p:sp>
+        <p:nvSpPr>
+          <p:cNvPr id="19" name="Rectangle 18">
+            <a:extLst>
+              <a:ext uri="{FF2B5EF4-FFF2-40B4-BE49-F238E27FC236}">
+                <a16:creationId xmlns:a16="http://schemas.microsoft.com/office/drawing/2014/main" id="{19C9EAEA-39D0-4B0E-A0EB-51E7B26740B1}"/>
+              </a:ext>
+              <a:ext uri="{C183D7F6-B498-43B3-948B-1728B52AA6E4}">
+                <adec:decorative xmlns:adec="http://schemas.microsoft.com/office/drawing/2017/decorative" val="1"/>
+              </a:ext>
+            </a:extLst>
+          </p:cNvPr>
+          <p:cNvSpPr>
+            <a:spLocks noGrp="1" noRot="1" noChangeAspect="1" noMove="1" noResize="1" noEditPoints="1" noAdjustHandles="1" noChangeArrowheads="1" noChangeShapeType="1" noTextEdit="1"/>
+          </p:cNvSpPr>
+          <p:nvPr>
+            <p:extLst>
+              <p:ext uri="{386F3935-93C4-4BCD-93E2-E3B085C9AB24}">
+                <p16:designElem xmlns:p16="http://schemas.microsoft.com/office/powerpoint/2015/main" val="1"/>
+              </p:ext>
+            </p:extLst>
+          </p:nvPr>
+        </p:nvSpPr>
+        <p:spPr>
+          <a:xfrm>
+            <a:off x="5685810" y="391886"/>
+            <a:ext cx="6009366" cy="6017078"/>
+          </a:xfrm>
+          <a:prstGeom prst="rect">
+            <a:avLst/>
+          </a:prstGeom>
+          <a:solidFill>
+            <a:schemeClr val="bg1"/>
+          </a:solidFill>
+          <a:ln>
+            <a:noFill/>
+          </a:ln>
+          <a:effectLst>
+            <a:outerShdw blurRad="139700" dist="127000" dir="5400000" algn="t" rotWithShape="0">
+              <a:prstClr val="black">
+                <a:alpha val="15000"/>
+              </a:prstClr>
+            </a:outerShdw>
+          </a:effectLst>
+        </p:spPr>
+        <p:style>
+          <a:lnRef idx="2">
+            <a:schemeClr val="accent1">
+              <a:shade val="50000"/>
+            </a:schemeClr>
+          </a:lnRef>
+          <a:fillRef idx="1">
+            <a:schemeClr val="accent1"/>
+          </a:fillRef>
+          <a:effectRef idx="0">
+            <a:schemeClr val="accent1"/>
+          </a:effectRef>
+          <a:fontRef idx="minor">
+            <a:schemeClr val="lt1"/>
+          </a:fontRef>
+        </p:style>
+        <p:txBody>
+          <a:bodyPr rtlCol="0" anchor="ctr"/>
+          <a:lstStyle/>
+          <a:p>
+            <a:pPr algn="ctr"/>
+            <a:endParaRPr lang="en-US"/>
+          </a:p>
+        </p:txBody>
+      </p:sp>
+      <p:pic>
+        <p:nvPicPr>
+          <p:cNvPr id="5" name="Объект 4" descr="Изображение выглядит как текст, снимок экрана, программное обеспечение, Операционная система&#10;&#10;Автоматически созданное описание">
+            <a:extLst>
+              <a:ext uri="{FF2B5EF4-FFF2-40B4-BE49-F238E27FC236}">
+                <a16:creationId xmlns:a16="http://schemas.microsoft.com/office/drawing/2014/main" id="{F81B3C1D-6354-69FD-CEE0-3BAD189B82EA}"/>
+              </a:ext>
+            </a:extLst>
+          </p:cNvPr>
+          <p:cNvPicPr>
+            <a:picLocks noGrp="1" noChangeAspect="1"/>
+          </p:cNvPicPr>
+          <p:nvPr>
+            <p:ph idx="1"/>
+          </p:nvPr>
+        </p:nvPicPr>
+        <p:blipFill rotWithShape="1">
+          <a:blip r:embed="rId2">
+            <a:extLst>
+              <a:ext uri="{28A0092B-C50C-407E-A947-70E740481C1C}">
+                <a14:useLocalDpi xmlns:a14="http://schemas.microsoft.com/office/drawing/2010/main" val="0"/>
+              </a:ext>
+            </a:extLst>
+          </a:blip>
+          <a:srcRect r="802"/>
+          <a:stretch/>
+        </p:blipFill>
+        <p:spPr>
+          <a:xfrm>
+            <a:off x="6149498" y="420461"/>
+            <a:ext cx="4193134" cy="6017078"/>
+          </a:xfrm>
+          <a:prstGeom prst="rect">
+            <a:avLst/>
+          </a:prstGeom>
+        </p:spPr>
+      </p:pic>
+    </p:spTree>
+    <p:extLst>
+      <p:ext uri="{BB962C8B-B14F-4D97-AF65-F5344CB8AC3E}">
+        <p14:creationId xmlns:p14="http://schemas.microsoft.com/office/powerpoint/2010/main" val="3284211202"/>
+      </p:ext>
+    </p:extLst>
+  </p:cSld>
+  <p:clrMapOvr>
+    <a:masterClrMapping/>
+  </p:clrMapOvr>
+</p:sld>
+</file>
+
+<file path=ppt/slides/slide11.xml><?xml version="1.0" encoding="utf-8"?>
+<p:sld xmlns:a="http://schemas.openxmlformats.org/drawingml/2006/main" xmlns:r="http://schemas.openxmlformats.org/officeDocument/2006/relationships" xmlns:p="http://schemas.openxmlformats.org/presentationml/2006/main">
+  <p:cSld>
+    <p:bg>
+      <p:bgPr>
+        <a:solidFill>
+          <a:schemeClr val="bg1"/>
+        </a:solidFill>
+        <a:effectLst/>
+      </p:bgPr>
+    </p:bg>
+    <p:spTree>
+      <p:nvGrpSpPr>
+        <p:cNvPr id="1" name=""/>
+        <p:cNvGrpSpPr/>
+        <p:nvPr/>
+      </p:nvGrpSpPr>
+      <p:grpSpPr>
+        <a:xfrm>
+          <a:off x="0" y="0"/>
+          <a:ext cx="0" cy="0"/>
+          <a:chOff x="0" y="0"/>
+          <a:chExt cx="0" cy="0"/>
+        </a:xfrm>
+      </p:grpSpPr>
+      <p:sp useBgFill="1">
+        <p:nvSpPr>
+          <p:cNvPr id="12" name="Rectangle 11">
+            <a:extLst>
+              <a:ext uri="{FF2B5EF4-FFF2-40B4-BE49-F238E27FC236}">
+                <a16:creationId xmlns:a16="http://schemas.microsoft.com/office/drawing/2014/main" id="{71EC1228-8B00-4D31-8616-AAB846D68CEF}"/>
+              </a:ext>
+              <a:ext uri="{C183D7F6-B498-43B3-948B-1728B52AA6E4}">
+                <adec:decorative xmlns:adec="http://schemas.microsoft.com/office/drawing/2017/decorative" val="1"/>
+              </a:ext>
+            </a:extLst>
+          </p:cNvPr>
+          <p:cNvSpPr>
+            <a:spLocks noGrp="1" noRot="1" noChangeAspect="1" noMove="1" noResize="1" noEditPoints="1" noAdjustHandles="1" noChangeArrowheads="1" noChangeShapeType="1" noTextEdit="1"/>
+          </p:cNvSpPr>
+          <p:nvPr>
+            <p:extLst>
+              <p:ext uri="{386F3935-93C4-4BCD-93E2-E3B085C9AB24}">
+                <p16:designElem xmlns:p16="http://schemas.microsoft.com/office/powerpoint/2015/main" val="1"/>
+              </p:ext>
+            </p:extLst>
+          </p:nvPr>
+        </p:nvSpPr>
+        <p:spPr>
+          <a:xfrm>
+            <a:off x="0" y="0"/>
+            <a:ext cx="12191999" cy="6857365"/>
+          </a:xfrm>
+          <a:prstGeom prst="rect">
+            <a:avLst/>
+          </a:prstGeom>
+          <a:ln>
+            <a:noFill/>
+          </a:ln>
+        </p:spPr>
+        <p:style>
+          <a:lnRef idx="2">
+            <a:schemeClr val="accent1">
+              <a:shade val="50000"/>
+            </a:schemeClr>
+          </a:lnRef>
+          <a:fillRef idx="1">
+            <a:schemeClr val="accent1"/>
+          </a:fillRef>
+          <a:effectRef idx="0">
+            <a:schemeClr val="accent1"/>
+          </a:effectRef>
+          <a:fontRef idx="minor">
+            <a:schemeClr val="lt1"/>
+          </a:fontRef>
+        </p:style>
+        <p:txBody>
+          <a:bodyPr rtlCol="0" anchor="ctr"/>
+          <a:lstStyle/>
+          <a:p>
+            <a:pPr algn="ctr"/>
+            <a:endParaRPr lang="en-US"/>
+          </a:p>
+        </p:txBody>
+      </p:sp>
+      <p:sp>
+        <p:nvSpPr>
+          <p:cNvPr id="2" name="Заголовок 1">
+            <a:extLst>
+              <a:ext uri="{FF2B5EF4-FFF2-40B4-BE49-F238E27FC236}">
+                <a16:creationId xmlns:a16="http://schemas.microsoft.com/office/drawing/2014/main" id="{D99F8791-EE9B-1C94-F7EB-4890D44D22F6}"/>
+              </a:ext>
+            </a:extLst>
+          </p:cNvPr>
+          <p:cNvSpPr>
+            <a:spLocks noGrp="1"/>
+          </p:cNvSpPr>
+          <p:nvPr>
+            <p:ph type="title"/>
+          </p:nvPr>
+        </p:nvSpPr>
+        <p:spPr>
+          <a:xfrm>
+            <a:off x="8384717" y="79211"/>
+            <a:ext cx="3505198" cy="2846070"/>
+          </a:xfrm>
+        </p:spPr>
+        <p:txBody>
+          <a:bodyPr vert="horz" lIns="91440" tIns="45720" rIns="91440" bIns="45720" rtlCol="0" anchor="ctr">
+            <a:normAutofit/>
+          </a:bodyPr>
+          <a:lstStyle/>
+          <a:p>
+            <a:r>
+              <a:rPr lang="en-US" sz="3200" kern="1200" dirty="0" err="1">
+                <a:solidFill>
+                  <a:schemeClr val="tx1"/>
+                </a:solidFill>
+                <a:latin typeface="Century Gothic" panose="020B0502020202020204" pitchFamily="34" charset="0"/>
+              </a:rPr>
+              <a:t>Просматривать</a:t>
+            </a:r>
+            <a:r>
+              <a:rPr lang="en-US" sz="3200" kern="1200" dirty="0">
+                <a:solidFill>
+                  <a:schemeClr val="tx1"/>
+                </a:solidFill>
+                <a:latin typeface="Century Gothic" panose="020B0502020202020204" pitchFamily="34" charset="0"/>
+              </a:rPr>
+              <a:t> </a:t>
+            </a:r>
+            <a:r>
+              <a:rPr lang="en-US" sz="3200" kern="1200" dirty="0" err="1">
+                <a:solidFill>
+                  <a:schemeClr val="tx1"/>
+                </a:solidFill>
+                <a:latin typeface="Century Gothic" panose="020B0502020202020204" pitchFamily="34" charset="0"/>
+              </a:rPr>
+              <a:t>список</a:t>
+            </a:r>
+            <a:r>
+              <a:rPr lang="en-US" sz="3200" kern="1200" dirty="0">
+                <a:solidFill>
+                  <a:schemeClr val="tx1"/>
+                </a:solidFill>
+                <a:latin typeface="Century Gothic" panose="020B0502020202020204" pitchFamily="34" charset="0"/>
+              </a:rPr>
+              <a:t> </a:t>
+            </a:r>
+            <a:r>
+              <a:rPr lang="en-US" sz="3200" kern="1200" dirty="0" err="1">
+                <a:solidFill>
+                  <a:schemeClr val="tx1"/>
+                </a:solidFill>
+                <a:latin typeface="Century Gothic" panose="020B0502020202020204" pitchFamily="34" charset="0"/>
+              </a:rPr>
+              <a:t>актуальных</a:t>
+            </a:r>
+            <a:r>
+              <a:rPr lang="en-US" sz="3200" kern="1200" dirty="0">
+                <a:solidFill>
+                  <a:schemeClr val="tx1"/>
+                </a:solidFill>
+                <a:latin typeface="Century Gothic" panose="020B0502020202020204" pitchFamily="34" charset="0"/>
+              </a:rPr>
+              <a:t> </a:t>
+            </a:r>
+            <a:r>
+              <a:rPr lang="en-US" sz="3200" kern="1200" dirty="0" err="1">
+                <a:solidFill>
+                  <a:schemeClr val="tx1"/>
+                </a:solidFill>
+                <a:latin typeface="Century Gothic" panose="020B0502020202020204" pitchFamily="34" charset="0"/>
+              </a:rPr>
+              <a:t>курьеров</a:t>
+            </a:r>
+            <a:endParaRPr lang="en-US" sz="3200" kern="1200" dirty="0">
+              <a:solidFill>
+                <a:schemeClr val="tx1"/>
+              </a:solidFill>
+              <a:latin typeface="Century Gothic" panose="020B0502020202020204" pitchFamily="34" charset="0"/>
+            </a:endParaRPr>
+          </a:p>
+        </p:txBody>
+      </p:sp>
+      <p:sp>
+        <p:nvSpPr>
+          <p:cNvPr id="14" name="Rectangle 13">
+            <a:extLst>
+              <a:ext uri="{FF2B5EF4-FFF2-40B4-BE49-F238E27FC236}">
+                <a16:creationId xmlns:a16="http://schemas.microsoft.com/office/drawing/2014/main" id="{99413ED5-9ED4-4772-BCE4-2BCAE6B12E35}"/>
+              </a:ext>
+              <a:ext uri="{C183D7F6-B498-43B3-948B-1728B52AA6E4}">
+                <adec:decorative xmlns:adec="http://schemas.microsoft.com/office/drawing/2017/decorative" val="1"/>
+              </a:ext>
+            </a:extLst>
+          </p:cNvPr>
+          <p:cNvSpPr>
+            <a:spLocks noGrp="1" noRot="1" noChangeAspect="1" noMove="1" noResize="1" noEditPoints="1" noAdjustHandles="1" noChangeArrowheads="1" noChangeShapeType="1" noTextEdit="1"/>
+          </p:cNvSpPr>
+          <p:nvPr>
+            <p:extLst>
+              <p:ext uri="{386F3935-93C4-4BCD-93E2-E3B085C9AB24}">
+                <p16:designElem xmlns:p16="http://schemas.microsoft.com/office/powerpoint/2015/main" val="1"/>
+              </p:ext>
+            </p:extLst>
+          </p:nvPr>
+        </p:nvSpPr>
+        <p:spPr>
+          <a:xfrm rot="16200000">
+            <a:off x="3433973" y="-827233"/>
+            <a:ext cx="1715478" cy="8583421"/>
+          </a:xfrm>
+          <a:prstGeom prst="rect">
+            <a:avLst/>
+          </a:prstGeom>
+          <a:solidFill>
+            <a:schemeClr val="accent4"/>
+          </a:solidFill>
+          <a:ln>
+            <a:noFill/>
+          </a:ln>
+        </p:spPr>
+        <p:style>
+          <a:lnRef idx="2">
+            <a:schemeClr val="accent1">
+              <a:shade val="50000"/>
+            </a:schemeClr>
+          </a:lnRef>
+          <a:fillRef idx="1">
+            <a:schemeClr val="accent1"/>
+          </a:fillRef>
+          <a:effectRef idx="0">
+            <a:schemeClr val="accent1"/>
+          </a:effectRef>
+          <a:fontRef idx="minor">
+            <a:schemeClr val="lt1"/>
+          </a:fontRef>
+        </p:style>
+        <p:txBody>
+          <a:bodyPr rtlCol="0" anchor="ctr"/>
+          <a:lstStyle/>
+          <a:p>
+            <a:pPr algn="ctr"/>
+            <a:endParaRPr lang="en-US" dirty="0"/>
+          </a:p>
+        </p:txBody>
+      </p:sp>
+      <p:sp>
+        <p:nvSpPr>
+          <p:cNvPr id="16" name="Rectangle 15">
+            <a:extLst>
+              <a:ext uri="{FF2B5EF4-FFF2-40B4-BE49-F238E27FC236}">
+                <a16:creationId xmlns:a16="http://schemas.microsoft.com/office/drawing/2014/main" id="{04357C93-F0CB-4A1C-8F77-4E9063789819}"/>
+              </a:ext>
+              <a:ext uri="{C183D7F6-B498-43B3-948B-1728B52AA6E4}">
+                <adec:decorative xmlns:adec="http://schemas.microsoft.com/office/drawing/2017/decorative" val="1"/>
+              </a:ext>
+            </a:extLst>
+          </p:cNvPr>
+          <p:cNvSpPr>
+            <a:spLocks noGrp="1" noRot="1" noChangeAspect="1" noMove="1" noResize="1" noEditPoints="1" noAdjustHandles="1" noChangeArrowheads="1" noChangeShapeType="1" noTextEdit="1"/>
+          </p:cNvSpPr>
+          <p:nvPr>
+            <p:extLst>
+              <p:ext uri="{386F3935-93C4-4BCD-93E2-E3B085C9AB24}">
+                <p16:designElem xmlns:p16="http://schemas.microsoft.com/office/powerpoint/2015/main" val="1"/>
+              </p:ext>
+            </p:extLst>
+          </p:nvPr>
+        </p:nvSpPr>
+        <p:spPr>
+          <a:xfrm>
+            <a:off x="302085" y="664308"/>
+            <a:ext cx="8082632" cy="5600340"/>
+          </a:xfrm>
+          <a:prstGeom prst="rect">
+            <a:avLst/>
+          </a:prstGeom>
+          <a:solidFill>
+            <a:schemeClr val="bg1"/>
+          </a:solidFill>
+          <a:ln>
+            <a:noFill/>
+          </a:ln>
+          <a:effectLst>
+            <a:outerShdw blurRad="139700" dist="127000" dir="5400000" algn="t" rotWithShape="0">
+              <a:prstClr val="black">
+                <a:alpha val="15000"/>
+              </a:prstClr>
+            </a:outerShdw>
+          </a:effectLst>
+        </p:spPr>
+        <p:style>
+          <a:lnRef idx="2">
+            <a:schemeClr val="accent1">
+              <a:shade val="50000"/>
+            </a:schemeClr>
+          </a:lnRef>
+          <a:fillRef idx="1">
+            <a:schemeClr val="accent1"/>
+          </a:fillRef>
+          <a:effectRef idx="0">
+            <a:schemeClr val="accent1"/>
+          </a:effectRef>
+          <a:fontRef idx="minor">
+            <a:schemeClr val="lt1"/>
+          </a:fontRef>
+        </p:style>
+        <p:txBody>
+          <a:bodyPr rtlCol="0" anchor="ctr"/>
+          <a:lstStyle/>
+          <a:p>
+            <a:pPr algn="ctr"/>
+            <a:endParaRPr lang="en-US"/>
+          </a:p>
+        </p:txBody>
+      </p:sp>
+      <p:pic>
+        <p:nvPicPr>
+          <p:cNvPr id="7" name="Рисунок 6" descr="Изображение выглядит как текст, снимок экрана, Шрифт, дизайн&#10;&#10;Автоматически созданное описание">
+            <a:extLst>
+              <a:ext uri="{FF2B5EF4-FFF2-40B4-BE49-F238E27FC236}">
+                <a16:creationId xmlns:a16="http://schemas.microsoft.com/office/drawing/2014/main" id="{A37FBADD-63C5-FA99-21BE-8F2B0D872FBB}"/>
+              </a:ext>
+            </a:extLst>
+          </p:cNvPr>
+          <p:cNvPicPr>
+            <a:picLocks noChangeAspect="1"/>
+          </p:cNvPicPr>
+          <p:nvPr/>
+        </p:nvPicPr>
+        <p:blipFill rotWithShape="1">
+          <a:blip r:embed="rId2">
+            <a:extLst>
+              <a:ext uri="{28A0092B-C50C-407E-A947-70E740481C1C}">
+                <a14:useLocalDpi xmlns:a14="http://schemas.microsoft.com/office/drawing/2010/main" val="0"/>
+              </a:ext>
+            </a:extLst>
+          </a:blip>
+          <a:srcRect l="-1" t="667" r="2" b="998"/>
+          <a:stretch/>
+        </p:blipFill>
+        <p:spPr>
+          <a:xfrm>
+            <a:off x="4343401" y="858524"/>
+            <a:ext cx="3725176" cy="5211906"/>
+          </a:xfrm>
+          <a:prstGeom prst="rect">
+            <a:avLst/>
+          </a:prstGeom>
+        </p:spPr>
+      </p:pic>
+      <p:pic>
+        <p:nvPicPr>
+          <p:cNvPr id="5" name="Объект 4" descr="Изображение выглядит как текст, снимок экрана, дизайн&#10;&#10;Автоматически созданное описание">
+            <a:extLst>
+              <a:ext uri="{FF2B5EF4-FFF2-40B4-BE49-F238E27FC236}">
+                <a16:creationId xmlns:a16="http://schemas.microsoft.com/office/drawing/2014/main" id="{1D2975D7-98F0-A57D-C14E-B9A5765F4D4C}"/>
+              </a:ext>
+            </a:extLst>
+          </p:cNvPr>
+          <p:cNvPicPr>
+            <a:picLocks noGrp="1" noChangeAspect="1"/>
+          </p:cNvPicPr>
+          <p:nvPr>
+            <p:ph idx="1"/>
+          </p:nvPr>
+        </p:nvPicPr>
+        <p:blipFill rotWithShape="1">
+          <a:blip r:embed="rId3">
+            <a:extLst>
+              <a:ext uri="{28A0092B-C50C-407E-A947-70E740481C1C}">
+                <a14:useLocalDpi xmlns:a14="http://schemas.microsoft.com/office/drawing/2010/main" val="0"/>
+              </a:ext>
+            </a:extLst>
+          </a:blip>
+          <a:srcRect b="642"/>
+          <a:stretch/>
+        </p:blipFill>
+        <p:spPr>
+          <a:xfrm>
+            <a:off x="480227" y="858524"/>
+            <a:ext cx="3685032" cy="5211906"/>
+          </a:xfrm>
+          <a:prstGeom prst="rect">
+            <a:avLst/>
+          </a:prstGeom>
+        </p:spPr>
+      </p:pic>
+      <p:sp>
+        <p:nvSpPr>
+          <p:cNvPr id="18" name="Rectangle 17">
+            <a:extLst>
+              <a:ext uri="{FF2B5EF4-FFF2-40B4-BE49-F238E27FC236}">
+                <a16:creationId xmlns:a16="http://schemas.microsoft.com/office/drawing/2014/main" id="{90F533E9-6690-41A8-A372-4C6C622D028D}"/>
+              </a:ext>
+              <a:ext uri="{C183D7F6-B498-43B3-948B-1728B52AA6E4}">
+                <adec:decorative xmlns:adec="http://schemas.microsoft.com/office/drawing/2017/decorative" val="1"/>
+              </a:ext>
+            </a:extLst>
+          </p:cNvPr>
+          <p:cNvSpPr>
+            <a:spLocks noGrp="1" noRot="1" noChangeAspect="1" noMove="1" noResize="1" noEditPoints="1" noAdjustHandles="1" noChangeArrowheads="1" noChangeShapeType="1" noTextEdit="1"/>
+          </p:cNvSpPr>
+          <p:nvPr>
+            <p:extLst>
+              <p:ext uri="{386F3935-93C4-4BCD-93E2-E3B085C9AB24}">
+                <p16:designElem xmlns:p16="http://schemas.microsoft.com/office/powerpoint/2015/main" val="1"/>
+              </p:ext>
+            </p:extLst>
+          </p:nvPr>
+        </p:nvSpPr>
+        <p:spPr>
+          <a:xfrm rot="5400000">
+            <a:off x="7950447" y="3392097"/>
+            <a:ext cx="1719072" cy="152382"/>
+          </a:xfrm>
+          <a:prstGeom prst="rect">
+            <a:avLst/>
+          </a:prstGeom>
+          <a:solidFill>
+            <a:schemeClr val="accent4"/>
+          </a:solidFill>
+          <a:ln>
+            <a:noFill/>
+          </a:ln>
+        </p:spPr>
+        <p:style>
+          <a:lnRef idx="2">
+            <a:schemeClr val="accent1">
+              <a:shade val="50000"/>
+            </a:schemeClr>
+          </a:lnRef>
+          <a:fillRef idx="1">
+            <a:schemeClr val="accent1"/>
+          </a:fillRef>
+          <a:effectRef idx="0">
+            <a:schemeClr val="accent1"/>
+          </a:effectRef>
+          <a:fontRef idx="minor">
+            <a:schemeClr val="lt1"/>
+          </a:fontRef>
+        </p:style>
+        <p:txBody>
+          <a:bodyPr rtlCol="0" anchor="ctr"/>
+          <a:lstStyle/>
+          <a:p>
+            <a:pPr algn="ctr"/>
+            <a:endParaRPr lang="en-US"/>
+          </a:p>
+        </p:txBody>
+      </p:sp>
+    </p:spTree>
+    <p:extLst>
+      <p:ext uri="{BB962C8B-B14F-4D97-AF65-F5344CB8AC3E}">
+        <p14:creationId xmlns:p14="http://schemas.microsoft.com/office/powerpoint/2010/main" val="3972807493"/>
+      </p:ext>
+    </p:extLst>
+  </p:cSld>
+  <p:clrMapOvr>
+    <a:masterClrMapping/>
+  </p:clrMapOvr>
+</p:sld>
+</file>
+
+<file path=ppt/slides/slide12.xml><?xml version="1.0" encoding="utf-8"?>
+<p:sld xmlns:a="http://schemas.openxmlformats.org/drawingml/2006/main" xmlns:r="http://schemas.openxmlformats.org/officeDocument/2006/relationships" xmlns:p="http://schemas.openxmlformats.org/presentationml/2006/main">
+  <p:cSld>
+    <p:bg>
+      <p:bgPr>
+        <a:solidFill>
+          <a:schemeClr val="bg1"/>
+        </a:solidFill>
+        <a:effectLst/>
+      </p:bgPr>
+    </p:bg>
+    <p:spTree>
+      <p:nvGrpSpPr>
+        <p:cNvPr id="1" name=""/>
+        <p:cNvGrpSpPr/>
+        <p:nvPr/>
+      </p:nvGrpSpPr>
+      <p:grpSpPr>
+        <a:xfrm>
+          <a:off x="0" y="0"/>
+          <a:ext cx="0" cy="0"/>
+          <a:chOff x="0" y="0"/>
+          <a:chExt cx="0" cy="0"/>
+        </a:xfrm>
+      </p:grpSpPr>
+      <p:sp useBgFill="1">
+        <p:nvSpPr>
           <p:cNvPr id="12" name="Rectangle 11">
             <a:extLst>
               <a:ext uri="{FF2B5EF4-FFF2-40B4-BE49-F238E27FC236}">
@@ -6882,7 +12149,7 @@
 </p:sld>
 </file>
 
-<file path=ppt/slides/slide11.xml><?xml version="1.0" encoding="utf-8"?>
+<file path=ppt/slides/slide13.xml><?xml version="1.0" encoding="utf-8"?>
 <p:sld xmlns:a="http://schemas.openxmlformats.org/drawingml/2006/main" xmlns:r="http://schemas.openxmlformats.org/officeDocument/2006/relationships" xmlns:p="http://schemas.openxmlformats.org/presentationml/2006/main">
   <p:cSld>
     <p:spTree>
@@ -6931,7 +12198,7 @@
       </p:sp>
       <p:pic>
         <p:nvPicPr>
-          <p:cNvPr id="11" name="Объект 10" descr="Изображение выглядит как домашнее животное, млекопитающее, в помещении, человек&#10;&#10;Автоматически созданное описание">
+          <p:cNvPr id="11" name="Объект 10">
             <a:extLst>
               <a:ext uri="{FF2B5EF4-FFF2-40B4-BE49-F238E27FC236}">
                 <a16:creationId xmlns:a16="http://schemas.microsoft.com/office/drawing/2014/main" id="{4CD02861-6E67-29D5-590D-89220C851290}"/>
@@ -6953,9 +12220,8 @@
               </a:ext>
             </a:extLst>
           </a:blip>
-          <a:stretch>
-            <a:fillRect/>
-          </a:stretch>
+          <a:srcRect t="12500" b="12500"/>
+          <a:stretch/>
         </p:blipFill>
         <p:spPr>
           <a:xfrm>
@@ -6969,7 +12235,7 @@
       </p:pic>
       <p:pic>
         <p:nvPicPr>
-          <p:cNvPr id="14" name="Рисунок 13" descr="Изображение выглядит как млекопитающее, кот, домашняя кошка, Мелкие и средние кошки&#10;&#10;Автоматически созданное описание">
+          <p:cNvPr id="14" name="Рисунок 13">
             <a:extLst>
               <a:ext uri="{FF2B5EF4-FFF2-40B4-BE49-F238E27FC236}">
                 <a16:creationId xmlns:a16="http://schemas.microsoft.com/office/drawing/2014/main" id="{FC7E08F6-B4C4-AA6C-0107-49F983E16A45}"/>
@@ -6989,9 +12255,8 @@
               </a:ext>
             </a:extLst>
           </a:blip>
-          <a:stretch>
-            <a:fillRect/>
-          </a:stretch>
+          <a:srcRect t="12454" b="12454"/>
+          <a:stretch/>
         </p:blipFill>
         <p:spPr>
           <a:xfrm>
@@ -7005,7 +12270,7 @@
       </p:pic>
       <p:pic>
         <p:nvPicPr>
-          <p:cNvPr id="17" name="Рисунок 16" descr="Изображение выглядит как кот, млекопитающее, домашняя кошка, Мелкие и средние кошки&#10;&#10;Автоматически созданное описание">
+          <p:cNvPr id="17" name="Рисунок 16">
             <a:extLst>
               <a:ext uri="{FF2B5EF4-FFF2-40B4-BE49-F238E27FC236}">
                 <a16:creationId xmlns:a16="http://schemas.microsoft.com/office/drawing/2014/main" id="{A7BEB80F-399B-CC3D-D9EC-A5C91875CBC2}"/>
@@ -7025,13 +12290,12 @@
               </a:ext>
             </a:extLst>
           </a:blip>
-          <a:stretch>
-            <a:fillRect/>
-          </a:stretch>
+          <a:srcRect l="12500" r="12500"/>
+          <a:stretch/>
         </p:blipFill>
         <p:spPr>
           <a:xfrm>
-            <a:off x="956657" y="1824497"/>
+            <a:off x="956656" y="1824497"/>
             <a:ext cx="3209006" cy="3209006"/>
           </a:xfrm>
           <a:prstGeom prst="ellipse">
@@ -7163,7 +12427,7 @@
 </p:sld>
 </file>
 
-<file path=ppt/slides/slide12.xml><?xml version="1.0" encoding="utf-8"?>
+<file path=ppt/slides/slide14.xml><?xml version="1.0" encoding="utf-8"?>
 <p:sld xmlns:a="http://schemas.openxmlformats.org/drawingml/2006/main" xmlns:r="http://schemas.openxmlformats.org/officeDocument/2006/relationships" xmlns:p="http://schemas.openxmlformats.org/presentationml/2006/main">
   <p:cSld>
     <p:bg>
@@ -8706,6 +13970,701 @@
       </p:grpSpPr>
       <p:sp useBgFill="1">
         <p:nvSpPr>
+          <p:cNvPr id="10" name="Rectangle 9">
+            <a:extLst>
+              <a:ext uri="{FF2B5EF4-FFF2-40B4-BE49-F238E27FC236}">
+                <a16:creationId xmlns:a16="http://schemas.microsoft.com/office/drawing/2014/main" id="{47942995-B07F-4636-9A06-C6A104B260A8}"/>
+              </a:ext>
+              <a:ext uri="{C183D7F6-B498-43B3-948B-1728B52AA6E4}">
+                <adec:decorative xmlns:adec="http://schemas.microsoft.com/office/drawing/2017/decorative" val="1"/>
+              </a:ext>
+            </a:extLst>
+          </p:cNvPr>
+          <p:cNvSpPr>
+            <a:spLocks noGrp="1" noRot="1" noChangeAspect="1" noMove="1" noResize="1" noEditPoints="1" noAdjustHandles="1" noChangeArrowheads="1" noChangeShapeType="1" noTextEdit="1"/>
+          </p:cNvSpPr>
+          <p:nvPr>
+            <p:extLst>
+              <p:ext uri="{386F3935-93C4-4BCD-93E2-E3B085C9AB24}">
+                <p16:designElem xmlns:p16="http://schemas.microsoft.com/office/powerpoint/2015/main" val="1"/>
+              </p:ext>
+            </p:extLst>
+          </p:nvPr>
+        </p:nvSpPr>
+        <p:spPr>
+          <a:xfrm>
+            <a:off x="0" y="0"/>
+            <a:ext cx="12191999" cy="6857365"/>
+          </a:xfrm>
+          <a:prstGeom prst="rect">
+            <a:avLst/>
+          </a:prstGeom>
+          <a:ln>
+            <a:noFill/>
+          </a:ln>
+        </p:spPr>
+        <p:style>
+          <a:lnRef idx="2">
+            <a:schemeClr val="accent1">
+              <a:shade val="50000"/>
+            </a:schemeClr>
+          </a:lnRef>
+          <a:fillRef idx="1">
+            <a:schemeClr val="accent1"/>
+          </a:fillRef>
+          <a:effectRef idx="0">
+            <a:schemeClr val="accent1"/>
+          </a:effectRef>
+          <a:fontRef idx="minor">
+            <a:schemeClr val="lt1"/>
+          </a:fontRef>
+        </p:style>
+        <p:txBody>
+          <a:bodyPr rtlCol="0" anchor="ctr"/>
+          <a:lstStyle/>
+          <a:p>
+            <a:pPr algn="ctr"/>
+            <a:endParaRPr lang="en-US"/>
+          </a:p>
+        </p:txBody>
+      </p:sp>
+      <p:sp>
+        <p:nvSpPr>
+          <p:cNvPr id="3" name="Объект 2">
+            <a:extLst>
+              <a:ext uri="{FF2B5EF4-FFF2-40B4-BE49-F238E27FC236}">
+                <a16:creationId xmlns:a16="http://schemas.microsoft.com/office/drawing/2014/main" id="{6F1B0493-C13B-5131-76A6-5181E4350EE8}"/>
+              </a:ext>
+            </a:extLst>
+          </p:cNvPr>
+          <p:cNvSpPr>
+            <a:spLocks noGrp="1"/>
+          </p:cNvSpPr>
+          <p:nvPr>
+            <p:ph idx="1"/>
+          </p:nvPr>
+        </p:nvSpPr>
+        <p:spPr>
+          <a:xfrm>
+            <a:off x="999356" y="2011545"/>
+            <a:ext cx="5096643" cy="1709849"/>
+          </a:xfrm>
+        </p:spPr>
+        <p:txBody>
+          <a:bodyPr vert="horz" lIns="91440" tIns="45720" rIns="91440" bIns="45720" rtlCol="0" anchor="b">
+            <a:normAutofit/>
+          </a:bodyPr>
+          <a:lstStyle/>
+          <a:p>
+            <a:pPr marL="0" indent="0">
+              <a:buNone/>
+            </a:pPr>
+            <a:r>
+              <a:rPr lang="en-US" sz="2000" kern="1200" dirty="0" err="1">
+                <a:solidFill>
+                  <a:schemeClr val="tx1"/>
+                </a:solidFill>
+                <a:latin typeface="+mn-lt"/>
+                <a:ea typeface="+mn-ea"/>
+                <a:cs typeface="+mn-cs"/>
+              </a:rPr>
+              <a:t>Студенты</a:t>
+            </a:r>
+            <a:r>
+              <a:rPr lang="en-US" sz="2000" kern="1200" dirty="0">
+                <a:solidFill>
+                  <a:schemeClr val="tx1"/>
+                </a:solidFill>
+                <a:latin typeface="+mn-lt"/>
+                <a:ea typeface="+mn-ea"/>
+                <a:cs typeface="+mn-cs"/>
+              </a:rPr>
+              <a:t> и </a:t>
+            </a:r>
+            <a:r>
+              <a:rPr lang="en-US" sz="2000" kern="1200" dirty="0" err="1">
+                <a:solidFill>
+                  <a:schemeClr val="tx1"/>
+                </a:solidFill>
+                <a:latin typeface="+mn-lt"/>
+                <a:ea typeface="+mn-ea"/>
+                <a:cs typeface="+mn-cs"/>
+              </a:rPr>
+              <a:t>сотрудники</a:t>
+            </a:r>
+            <a:r>
+              <a:rPr lang="en-US" sz="2000" kern="1200" dirty="0">
+                <a:solidFill>
+                  <a:schemeClr val="tx1"/>
+                </a:solidFill>
+                <a:latin typeface="+mn-lt"/>
+                <a:ea typeface="+mn-ea"/>
+                <a:cs typeface="+mn-cs"/>
+              </a:rPr>
+              <a:t>, </a:t>
+            </a:r>
+            <a:r>
+              <a:rPr lang="en-US" sz="2000" kern="1200" dirty="0" err="1">
+                <a:solidFill>
+                  <a:schemeClr val="tx1"/>
+                </a:solidFill>
+                <a:latin typeface="+mn-lt"/>
+                <a:ea typeface="+mn-ea"/>
+                <a:cs typeface="+mn-cs"/>
+              </a:rPr>
+              <a:t>проживающие</a:t>
+            </a:r>
+            <a:r>
+              <a:rPr lang="en-US" sz="2000" kern="1200" dirty="0">
+                <a:solidFill>
+                  <a:schemeClr val="tx1"/>
+                </a:solidFill>
+                <a:latin typeface="+mn-lt"/>
+                <a:ea typeface="+mn-ea"/>
+                <a:cs typeface="+mn-cs"/>
+              </a:rPr>
+              <a:t> в </a:t>
+            </a:r>
+            <a:r>
+              <a:rPr lang="en-US" sz="2000" kern="1200" dirty="0" err="1">
+                <a:solidFill>
+                  <a:schemeClr val="tx1"/>
+                </a:solidFill>
+                <a:latin typeface="+mn-lt"/>
+                <a:ea typeface="+mn-ea"/>
+                <a:cs typeface="+mn-cs"/>
+              </a:rPr>
+              <a:t>гостиничных</a:t>
+            </a:r>
+            <a:r>
+              <a:rPr lang="en-US" sz="2000" kern="1200" dirty="0">
+                <a:solidFill>
+                  <a:schemeClr val="tx1"/>
+                </a:solidFill>
+                <a:latin typeface="+mn-lt"/>
+                <a:ea typeface="+mn-ea"/>
+                <a:cs typeface="+mn-cs"/>
+              </a:rPr>
+              <a:t> </a:t>
+            </a:r>
+            <a:r>
+              <a:rPr lang="en-US" sz="2000" kern="1200" dirty="0" err="1">
+                <a:solidFill>
+                  <a:schemeClr val="tx1"/>
+                </a:solidFill>
+                <a:latin typeface="+mn-lt"/>
+                <a:ea typeface="+mn-ea"/>
+                <a:cs typeface="+mn-cs"/>
+              </a:rPr>
+              <a:t>корпусах</a:t>
+            </a:r>
+            <a:r>
+              <a:rPr lang="en-US" sz="2000" kern="1200" dirty="0">
+                <a:solidFill>
+                  <a:schemeClr val="tx1"/>
+                </a:solidFill>
+                <a:latin typeface="+mn-lt"/>
+                <a:ea typeface="+mn-ea"/>
+                <a:cs typeface="+mn-cs"/>
+              </a:rPr>
+              <a:t> ДВФУ</a:t>
+            </a:r>
+          </a:p>
+        </p:txBody>
+      </p:sp>
+      <p:grpSp>
+        <p:nvGrpSpPr>
+          <p:cNvPr id="12" name="Group 11">
+            <a:extLst>
+              <a:ext uri="{FF2B5EF4-FFF2-40B4-BE49-F238E27FC236}">
+                <a16:creationId xmlns:a16="http://schemas.microsoft.com/office/drawing/2014/main" id="{032D8612-31EB-44CF-A1D0-14FD4C705424}"/>
+              </a:ext>
+              <a:ext uri="{C183D7F6-B498-43B3-948B-1728B52AA6E4}">
+                <adec:decorative xmlns:adec="http://schemas.microsoft.com/office/drawing/2017/decorative" val="1"/>
+              </a:ext>
+            </a:extLst>
+          </p:cNvPr>
+          <p:cNvGrpSpPr>
+            <a:grpSpLocks noGrp="1" noUngrp="1" noRot="1" noChangeAspect="1" noMove="1" noResize="1"/>
+          </p:cNvGrpSpPr>
+          <p:nvPr>
+            <p:extLst>
+              <p:ext uri="{386F3935-93C4-4BCD-93E2-E3B085C9AB24}">
+                <p16:designElem xmlns:p16="http://schemas.microsoft.com/office/powerpoint/2015/main" val="1"/>
+              </p:ext>
+            </p:extLst>
+          </p:nvPr>
+        </p:nvGrpSpPr>
+        <p:grpSpPr>
+          <a:xfrm>
+            <a:off x="0" y="2984992"/>
+            <a:ext cx="731521" cy="673460"/>
+            <a:chOff x="3940602" y="308034"/>
+            <a:chExt cx="2116791" cy="3428999"/>
+          </a:xfrm>
+          <a:solidFill>
+            <a:schemeClr val="accent4"/>
+          </a:solidFill>
+        </p:grpSpPr>
+        <p:sp>
+          <p:nvSpPr>
+            <p:cNvPr id="13" name="Rectangle 12">
+              <a:extLst>
+                <a:ext uri="{FF2B5EF4-FFF2-40B4-BE49-F238E27FC236}">
+                  <a16:creationId xmlns:a16="http://schemas.microsoft.com/office/drawing/2014/main" id="{F19A4A0F-1B59-4DB0-9764-D10936E98770}"/>
+                </a:ext>
+                <a:ext uri="{C183D7F6-B498-43B3-948B-1728B52AA6E4}">
+                  <adec:decorative xmlns:adec="http://schemas.microsoft.com/office/drawing/2017/decorative" val="1"/>
+                </a:ext>
+              </a:extLst>
+            </p:cNvPr>
+            <p:cNvSpPr/>
+            <p:nvPr>
+              <p:extLst>
+                <p:ext uri="{386F3935-93C4-4BCD-93E2-E3B085C9AB24}">
+                  <p16:designElem xmlns:p16="http://schemas.microsoft.com/office/powerpoint/2015/main" val="1"/>
+                </p:ext>
+              </p:extLst>
+            </p:nvPr>
+          </p:nvSpPr>
+          <p:spPr>
+            <a:xfrm>
+              <a:off x="3940602" y="308034"/>
+              <a:ext cx="566743" cy="3428999"/>
+            </a:xfrm>
+            <a:prstGeom prst="rect">
+              <a:avLst/>
+            </a:prstGeom>
+            <a:grpFill/>
+            <a:ln>
+              <a:noFill/>
+            </a:ln>
+          </p:spPr>
+          <p:style>
+            <a:lnRef idx="2">
+              <a:schemeClr val="accent1">
+                <a:shade val="50000"/>
+              </a:schemeClr>
+            </a:lnRef>
+            <a:fillRef idx="1">
+              <a:schemeClr val="accent1"/>
+            </a:fillRef>
+            <a:effectRef idx="0">
+              <a:schemeClr val="accent1"/>
+            </a:effectRef>
+            <a:fontRef idx="minor">
+              <a:schemeClr val="lt1"/>
+            </a:fontRef>
+          </p:style>
+          <p:txBody>
+            <a:bodyPr rtlCol="0" anchor="ctr"/>
+            <a:lstStyle/>
+            <a:p>
+              <a:pPr algn="ctr"/>
+              <a:endParaRPr lang="en-US"/>
+            </a:p>
+          </p:txBody>
+        </p:sp>
+        <p:sp>
+          <p:nvSpPr>
+            <p:cNvPr id="14" name="Rectangle 13">
+              <a:extLst>
+                <a:ext uri="{FF2B5EF4-FFF2-40B4-BE49-F238E27FC236}">
+                  <a16:creationId xmlns:a16="http://schemas.microsoft.com/office/drawing/2014/main" id="{F399A70F-F8CD-4992-9EF5-6CF15472E73F}"/>
+                </a:ext>
+                <a:ext uri="{C183D7F6-B498-43B3-948B-1728B52AA6E4}">
+                  <adec:decorative xmlns:adec="http://schemas.microsoft.com/office/drawing/2017/decorative" val="1"/>
+                </a:ext>
+              </a:extLst>
+            </p:cNvPr>
+            <p:cNvSpPr/>
+            <p:nvPr>
+              <p:extLst>
+                <p:ext uri="{386F3935-93C4-4BCD-93E2-E3B085C9AB24}">
+                  <p16:designElem xmlns:p16="http://schemas.microsoft.com/office/powerpoint/2015/main" val="1"/>
+                </p:ext>
+              </p:extLst>
+            </p:nvPr>
+          </p:nvSpPr>
+          <p:spPr>
+            <a:xfrm>
+              <a:off x="4715626" y="308034"/>
+              <a:ext cx="566743" cy="3428999"/>
+            </a:xfrm>
+            <a:prstGeom prst="rect">
+              <a:avLst/>
+            </a:prstGeom>
+            <a:grpFill/>
+            <a:ln>
+              <a:noFill/>
+            </a:ln>
+          </p:spPr>
+          <p:style>
+            <a:lnRef idx="2">
+              <a:schemeClr val="accent1">
+                <a:shade val="50000"/>
+              </a:schemeClr>
+            </a:lnRef>
+            <a:fillRef idx="1">
+              <a:schemeClr val="accent1"/>
+            </a:fillRef>
+            <a:effectRef idx="0">
+              <a:schemeClr val="accent1"/>
+            </a:effectRef>
+            <a:fontRef idx="minor">
+              <a:schemeClr val="lt1"/>
+            </a:fontRef>
+          </p:style>
+          <p:txBody>
+            <a:bodyPr rtlCol="0" anchor="ctr"/>
+            <a:lstStyle/>
+            <a:p>
+              <a:pPr algn="ctr"/>
+              <a:endParaRPr lang="en-US"/>
+            </a:p>
+          </p:txBody>
+        </p:sp>
+        <p:sp>
+          <p:nvSpPr>
+            <p:cNvPr id="15" name="Rectangle 14">
+              <a:extLst>
+                <a:ext uri="{FF2B5EF4-FFF2-40B4-BE49-F238E27FC236}">
+                  <a16:creationId xmlns:a16="http://schemas.microsoft.com/office/drawing/2014/main" id="{48F4FEDC-6D80-458C-A665-075D9B9500FD}"/>
+                </a:ext>
+                <a:ext uri="{C183D7F6-B498-43B3-948B-1728B52AA6E4}">
+                  <adec:decorative xmlns:adec="http://schemas.microsoft.com/office/drawing/2017/decorative" val="1"/>
+                </a:ext>
+              </a:extLst>
+            </p:cNvPr>
+            <p:cNvSpPr/>
+            <p:nvPr>
+              <p:extLst>
+                <p:ext uri="{386F3935-93C4-4BCD-93E2-E3B085C9AB24}">
+                  <p16:designElem xmlns:p16="http://schemas.microsoft.com/office/powerpoint/2015/main" val="1"/>
+                </p:ext>
+              </p:extLst>
+            </p:nvPr>
+          </p:nvSpPr>
+          <p:spPr>
+            <a:xfrm>
+              <a:off x="5490650" y="308034"/>
+              <a:ext cx="566743" cy="3428999"/>
+            </a:xfrm>
+            <a:prstGeom prst="rect">
+              <a:avLst/>
+            </a:prstGeom>
+            <a:grpFill/>
+            <a:ln>
+              <a:noFill/>
+            </a:ln>
+          </p:spPr>
+          <p:style>
+            <a:lnRef idx="2">
+              <a:schemeClr val="accent1">
+                <a:shade val="50000"/>
+              </a:schemeClr>
+            </a:lnRef>
+            <a:fillRef idx="1">
+              <a:schemeClr val="accent1"/>
+            </a:fillRef>
+            <a:effectRef idx="0">
+              <a:schemeClr val="accent1"/>
+            </a:effectRef>
+            <a:fontRef idx="minor">
+              <a:schemeClr val="lt1"/>
+            </a:fontRef>
+          </p:style>
+          <p:txBody>
+            <a:bodyPr rtlCol="0" anchor="ctr"/>
+            <a:lstStyle/>
+            <a:p>
+              <a:pPr algn="ctr"/>
+              <a:endParaRPr lang="en-US"/>
+            </a:p>
+          </p:txBody>
+        </p:sp>
+      </p:grpSp>
+      <p:sp>
+        <p:nvSpPr>
+          <p:cNvPr id="17" name="Rectangle 16">
+            <a:extLst>
+              <a:ext uri="{FF2B5EF4-FFF2-40B4-BE49-F238E27FC236}">
+                <a16:creationId xmlns:a16="http://schemas.microsoft.com/office/drawing/2014/main" id="{B81933D1-5615-42C7-9C0B-4EB7105CCE2D}"/>
+              </a:ext>
+              <a:ext uri="{C183D7F6-B498-43B3-948B-1728B52AA6E4}">
+                <adec:decorative xmlns:adec="http://schemas.microsoft.com/office/drawing/2017/decorative" val="1"/>
+              </a:ext>
+            </a:extLst>
+          </p:cNvPr>
+          <p:cNvSpPr>
+            <a:spLocks noGrp="1" noRot="1" noChangeAspect="1" noMove="1" noResize="1" noEditPoints="1" noAdjustHandles="1" noChangeArrowheads="1" noChangeShapeType="1" noTextEdit="1"/>
+          </p:cNvSpPr>
+          <p:nvPr>
+            <p:extLst>
+              <p:ext uri="{386F3935-93C4-4BCD-93E2-E3B085C9AB24}">
+                <p16:designElem xmlns:p16="http://schemas.microsoft.com/office/powerpoint/2015/main" val="1"/>
+              </p:ext>
+            </p:extLst>
+          </p:nvPr>
+        </p:nvSpPr>
+        <p:spPr>
+          <a:xfrm flipH="1">
+            <a:off x="10697670" y="0"/>
+            <a:ext cx="1494330" cy="6858000"/>
+          </a:xfrm>
+          <a:prstGeom prst="rect">
+            <a:avLst/>
+          </a:prstGeom>
+          <a:solidFill>
+            <a:schemeClr val="accent4"/>
+          </a:solidFill>
+          <a:ln>
+            <a:noFill/>
+          </a:ln>
+        </p:spPr>
+        <p:style>
+          <a:lnRef idx="2">
+            <a:schemeClr val="accent1">
+              <a:shade val="50000"/>
+            </a:schemeClr>
+          </a:lnRef>
+          <a:fillRef idx="1">
+            <a:schemeClr val="accent1"/>
+          </a:fillRef>
+          <a:effectRef idx="0">
+            <a:schemeClr val="accent1"/>
+          </a:effectRef>
+          <a:fontRef idx="minor">
+            <a:schemeClr val="lt1"/>
+          </a:fontRef>
+        </p:style>
+        <p:txBody>
+          <a:bodyPr rtlCol="0" anchor="ctr"/>
+          <a:lstStyle/>
+          <a:p>
+            <a:pPr algn="ctr"/>
+            <a:endParaRPr lang="en-US"/>
+          </a:p>
+        </p:txBody>
+      </p:sp>
+      <p:sp>
+        <p:nvSpPr>
+          <p:cNvPr id="19" name="Rectangle 18">
+            <a:extLst>
+              <a:ext uri="{FF2B5EF4-FFF2-40B4-BE49-F238E27FC236}">
+                <a16:creationId xmlns:a16="http://schemas.microsoft.com/office/drawing/2014/main" id="{19C9EAEA-39D0-4B0E-A0EB-51E7B26740B1}"/>
+              </a:ext>
+              <a:ext uri="{C183D7F6-B498-43B3-948B-1728B52AA6E4}">
+                <adec:decorative xmlns:adec="http://schemas.microsoft.com/office/drawing/2017/decorative" val="1"/>
+              </a:ext>
+            </a:extLst>
+          </p:cNvPr>
+          <p:cNvSpPr>
+            <a:spLocks noGrp="1" noRot="1" noChangeAspect="1" noMove="1" noResize="1" noEditPoints="1" noAdjustHandles="1" noChangeArrowheads="1" noChangeShapeType="1" noTextEdit="1"/>
+          </p:cNvSpPr>
+          <p:nvPr>
+            <p:extLst>
+              <p:ext uri="{386F3935-93C4-4BCD-93E2-E3B085C9AB24}">
+                <p16:designElem xmlns:p16="http://schemas.microsoft.com/office/powerpoint/2015/main" val="1"/>
+              </p:ext>
+            </p:extLst>
+          </p:nvPr>
+        </p:nvSpPr>
+        <p:spPr>
+          <a:xfrm>
+            <a:off x="5685810" y="391886"/>
+            <a:ext cx="6009366" cy="6017078"/>
+          </a:xfrm>
+          <a:prstGeom prst="rect">
+            <a:avLst/>
+          </a:prstGeom>
+          <a:solidFill>
+            <a:schemeClr val="bg1"/>
+          </a:solidFill>
+          <a:ln>
+            <a:noFill/>
+          </a:ln>
+          <a:effectLst>
+            <a:outerShdw blurRad="139700" dist="127000" dir="5400000" algn="t" rotWithShape="0">
+              <a:prstClr val="black">
+                <a:alpha val="15000"/>
+              </a:prstClr>
+            </a:outerShdw>
+          </a:effectLst>
+        </p:spPr>
+        <p:style>
+          <a:lnRef idx="2">
+            <a:schemeClr val="accent1">
+              <a:shade val="50000"/>
+            </a:schemeClr>
+          </a:lnRef>
+          <a:fillRef idx="1">
+            <a:schemeClr val="accent1"/>
+          </a:fillRef>
+          <a:effectRef idx="0">
+            <a:schemeClr val="accent1"/>
+          </a:effectRef>
+          <a:fontRef idx="minor">
+            <a:schemeClr val="lt1"/>
+          </a:fontRef>
+        </p:style>
+        <p:txBody>
+          <a:bodyPr rtlCol="0" anchor="ctr"/>
+          <a:lstStyle/>
+          <a:p>
+            <a:pPr algn="ctr"/>
+            <a:endParaRPr lang="en-US"/>
+          </a:p>
+        </p:txBody>
+      </p:sp>
+      <p:pic>
+        <p:nvPicPr>
+          <p:cNvPr id="5" name="Рисунок 4" descr="Изображение выглядит как графическая вставка, мультфильм, искусство&#10;&#10;Автоматически созданное описание">
+            <a:extLst>
+              <a:ext uri="{FF2B5EF4-FFF2-40B4-BE49-F238E27FC236}">
+                <a16:creationId xmlns:a16="http://schemas.microsoft.com/office/drawing/2014/main" id="{246F61FA-74BD-FA30-947D-A34005E1878D}"/>
+              </a:ext>
+            </a:extLst>
+          </p:cNvPr>
+          <p:cNvPicPr>
+            <a:picLocks noChangeAspect="1"/>
+          </p:cNvPicPr>
+          <p:nvPr/>
+        </p:nvPicPr>
+        <p:blipFill>
+          <a:blip r:embed="rId2">
+            <a:extLst>
+              <a:ext uri="{28A0092B-C50C-407E-A947-70E740481C1C}">
+                <a14:useLocalDpi xmlns:a14="http://schemas.microsoft.com/office/drawing/2010/main" val="0"/>
+              </a:ext>
+            </a:extLst>
+          </a:blip>
+          <a:stretch>
+            <a:fillRect/>
+          </a:stretch>
+        </p:blipFill>
+        <p:spPr>
+          <a:xfrm>
+            <a:off x="7131344" y="1103901"/>
+            <a:ext cx="3762181" cy="3762181"/>
+          </a:xfrm>
+          <a:prstGeom prst="rect">
+            <a:avLst/>
+          </a:prstGeom>
+        </p:spPr>
+      </p:pic>
+      <p:sp>
+        <p:nvSpPr>
+          <p:cNvPr id="2" name="Заголовок 1">
+            <a:extLst>
+              <a:ext uri="{FF2B5EF4-FFF2-40B4-BE49-F238E27FC236}">
+                <a16:creationId xmlns:a16="http://schemas.microsoft.com/office/drawing/2014/main" id="{616E4160-9CC8-5FE8-CF14-A36F7AE56547}"/>
+              </a:ext>
+            </a:extLst>
+          </p:cNvPr>
+          <p:cNvSpPr>
+            <a:spLocks noGrp="1"/>
+          </p:cNvSpPr>
+          <p:nvPr>
+            <p:ph type="title"/>
+          </p:nvPr>
+        </p:nvSpPr>
+        <p:spPr>
+          <a:xfrm>
+            <a:off x="982124" y="2127922"/>
+            <a:ext cx="5961102" cy="2387600"/>
+          </a:xfrm>
+        </p:spPr>
+        <p:txBody>
+          <a:bodyPr vert="horz" lIns="91440" tIns="45720" rIns="91440" bIns="45720" rtlCol="0" anchor="t">
+            <a:normAutofit/>
+          </a:bodyPr>
+          <a:lstStyle/>
+          <a:p>
+            <a:r>
+              <a:rPr lang="en-US" sz="5400" kern="1200" dirty="0" err="1">
+                <a:solidFill>
+                  <a:schemeClr val="tx1"/>
+                </a:solidFill>
+                <a:latin typeface="+mj-lt"/>
+                <a:ea typeface="+mj-ea"/>
+                <a:cs typeface="+mj-cs"/>
+              </a:rPr>
+              <a:t>Целевая</a:t>
+            </a:r>
+            <a:r>
+              <a:rPr lang="en-US" sz="5400" kern="1200" dirty="0">
+                <a:solidFill>
+                  <a:schemeClr val="tx1"/>
+                </a:solidFill>
+                <a:latin typeface="+mj-lt"/>
+                <a:ea typeface="+mj-ea"/>
+                <a:cs typeface="+mj-cs"/>
+              </a:rPr>
+              <a:t> </a:t>
+            </a:r>
+            <a:r>
+              <a:rPr lang="en-US" sz="5400" kern="1200" dirty="0" err="1">
+                <a:solidFill>
+                  <a:schemeClr val="tx1"/>
+                </a:solidFill>
+                <a:latin typeface="+mj-lt"/>
+                <a:ea typeface="+mj-ea"/>
+                <a:cs typeface="+mj-cs"/>
+              </a:rPr>
+              <a:t>аудитория</a:t>
+            </a:r>
+            <a:endParaRPr lang="en-US" sz="5400" kern="1200" dirty="0">
+              <a:solidFill>
+                <a:schemeClr val="tx1"/>
+              </a:solidFill>
+              <a:latin typeface="+mj-lt"/>
+              <a:ea typeface="+mj-ea"/>
+              <a:cs typeface="+mj-cs"/>
+            </a:endParaRPr>
+          </a:p>
+        </p:txBody>
+      </p:sp>
+    </p:spTree>
+    <p:extLst>
+      <p:ext uri="{BB962C8B-B14F-4D97-AF65-F5344CB8AC3E}">
+        <p14:creationId xmlns:p14="http://schemas.microsoft.com/office/powerpoint/2010/main" val="4211654854"/>
+      </p:ext>
+    </p:extLst>
+  </p:cSld>
+  <p:clrMapOvr>
+    <a:masterClrMapping/>
+  </p:clrMapOvr>
+</p:sld>
+</file>
+
+<file path=ppt/slides/slide5.xml><?xml version="1.0" encoding="utf-8"?>
+<p:sld xmlns:a="http://schemas.openxmlformats.org/drawingml/2006/main" xmlns:r="http://schemas.openxmlformats.org/officeDocument/2006/relationships" xmlns:p="http://schemas.openxmlformats.org/presentationml/2006/main">
+  <p:cSld>
+    <p:bg>
+      <p:bgPr>
+        <a:solidFill>
+          <a:schemeClr val="bg1"/>
+        </a:solidFill>
+        <a:effectLst/>
+      </p:bgPr>
+    </p:bg>
+    <p:spTree>
+      <p:nvGrpSpPr>
+        <p:cNvPr id="1" name=""/>
+        <p:cNvGrpSpPr/>
+        <p:nvPr/>
+      </p:nvGrpSpPr>
+      <p:grpSpPr>
+        <a:xfrm>
+          <a:off x="0" y="0"/>
+          <a:ext cx="0" cy="0"/>
+          <a:chOff x="0" y="0"/>
+          <a:chExt cx="0" cy="0"/>
+        </a:xfrm>
+      </p:grpSpPr>
+      <p:sp useBgFill="1">
+        <p:nvSpPr>
           <p:cNvPr id="19" name="Rectangle 18">
             <a:extLst>
               <a:ext uri="{FF2B5EF4-FFF2-40B4-BE49-F238E27FC236}">
@@ -9164,7 +15123,7 @@
 </p:sld>
 </file>
 
-<file path=ppt/slides/slide5.xml><?xml version="1.0" encoding="utf-8"?>
+<file path=ppt/slides/slide6.xml><?xml version="1.0" encoding="utf-8"?>
 <p:sld xmlns:a="http://schemas.openxmlformats.org/drawingml/2006/main" xmlns:r="http://schemas.openxmlformats.org/officeDocument/2006/relationships" xmlns:p="http://schemas.openxmlformats.org/presentationml/2006/main">
   <p:cSld>
     <p:spTree>
@@ -9197,14 +15156,14 @@
             <p:ph idx="1"/>
             <p:extLst>
               <p:ext uri="{D42A27DB-BD31-4B8C-83A1-F6EECF244321}">
-                <p14:modId xmlns:p14="http://schemas.microsoft.com/office/powerpoint/2010/main" val="622957765"/>
+                <p14:modId xmlns:p14="http://schemas.microsoft.com/office/powerpoint/2010/main" val="1125633791"/>
               </p:ext>
             </p:extLst>
           </p:nvPr>
         </p:nvGraphicFramePr>
         <p:xfrm>
           <a:off x="838200" y="721792"/>
-          <a:ext cx="10515600" cy="5414416"/>
+          <a:ext cx="10515600" cy="4817400"/>
         </p:xfrm>
         <a:graphic>
           <a:graphicData uri="http://schemas.openxmlformats.org/drawingml/2006/table">
@@ -9257,7 +15216,7 @@
                 </a:gridCol>
               </a:tblGrid>
               <a:tr h="773488">
-                <a:tc rowSpan="2">
+                <a:tc>
                   <a:txBody>
                     <a:bodyPr/>
                     <a:lstStyle/>
@@ -9285,7 +15244,7 @@
                     </a:lnR>
                   </a:tcPr>
                 </a:tc>
-                <a:tc gridSpan="2">
+                <a:tc>
                   <a:txBody>
                     <a:bodyPr/>
                     <a:lstStyle/>
@@ -9306,7 +15265,7 @@
                           <a:effectLst/>
                           <a:latin typeface="Century Gothic" panose="020B0502020202020204" pitchFamily="34" charset="0"/>
                         </a:rPr>
-                        <a:t>Связь пользователь -</a:t>
+                        <a:t>Мин сумма заказа</a:t>
                       </a:r>
                       <a:endParaRPr lang="ru-RU" sz="2400" dirty="0">
                         <a:solidFill>
@@ -9347,17 +15306,78 @@
                     </a:lnB>
                   </a:tcPr>
                 </a:tc>
-                <a:tc hMerge="1">
+                <a:tc>
                   <a:txBody>
                     <a:bodyPr/>
                     <a:lstStyle/>
                     <a:p>
-                      <a:endParaRPr lang="ru-RU"/>
+                      <a:pPr marL="0" marR="0" lvl="0" indent="0" algn="l" defTabSz="914400" rtl="0" eaLnBrk="1" fontAlgn="auto" latinLnBrk="0" hangingPunct="1">
+                        <a:lnSpc>
+                          <a:spcPct val="100000"/>
+                        </a:lnSpc>
+                        <a:spcBef>
+                          <a:spcPts val="0"/>
+                        </a:spcBef>
+                        <a:spcAft>
+                          <a:spcPts val="0"/>
+                        </a:spcAft>
+                        <a:buClrTx/>
+                        <a:buSzTx/>
+                        <a:buFontTx/>
+                        <a:buNone/>
+                        <a:tabLst/>
+                        <a:defRPr/>
+                      </a:pPr>
+                      <a:r>
+                        <a:rPr lang="ru-RU" sz="1800" b="0" u="none" strike="noStrike" dirty="0">
+                          <a:solidFill>
+                            <a:schemeClr val="tx1"/>
+                          </a:solidFill>
+                          <a:effectLst/>
+                          <a:latin typeface="Century Gothic" panose="020B0502020202020204" pitchFamily="34" charset="0"/>
+                        </a:rPr>
+                        <a:t>Время работы</a:t>
+                      </a:r>
+                      <a:endParaRPr lang="ru-RU" sz="2400" dirty="0">
+                        <a:solidFill>
+                          <a:schemeClr val="tx1"/>
+                        </a:solidFill>
+                        <a:effectLst/>
+                        <a:latin typeface="Century Gothic" panose="020B0502020202020204" pitchFamily="34" charset="0"/>
+                      </a:endParaRPr>
                     </a:p>
                   </a:txBody>
-                  <a:tcPr/>
+                  <a:tcPr marL="63500" marR="63500" marT="63500" marB="63500" anchor="ctr">
+                    <a:lnL w="12700" cap="flat" cmpd="sng" algn="ctr">
+                      <a:solidFill>
+                        <a:schemeClr val="tx1"/>
+                      </a:solidFill>
+                      <a:prstDash val="solid"/>
+                      <a:round/>
+                      <a:headEnd type="none" w="med" len="med"/>
+                      <a:tailEnd type="none" w="med" len="med"/>
+                    </a:lnL>
+                    <a:lnR w="12700" cap="flat" cmpd="sng" algn="ctr">
+                      <a:solidFill>
+                        <a:schemeClr val="tx1"/>
+                      </a:solidFill>
+                      <a:prstDash val="solid"/>
+                      <a:round/>
+                      <a:headEnd type="none" w="med" len="med"/>
+                      <a:tailEnd type="none" w="med" len="med"/>
+                    </a:lnR>
+                    <a:lnB w="28575" cap="flat" cmpd="sng" algn="ctr">
+                      <a:solidFill>
+                        <a:schemeClr val="tx1"/>
+                      </a:solidFill>
+                      <a:prstDash val="solid"/>
+                      <a:round/>
+                      <a:headEnd type="none" w="med" len="med"/>
+                      <a:tailEnd type="none" w="med" len="med"/>
+                    </a:lnB>
+                  </a:tcPr>
                 </a:tc>
-                <a:tc rowSpan="2">
+                <a:tc>
                   <a:txBody>
                     <a:bodyPr/>
                     <a:lstStyle/>
@@ -9378,7 +15398,7 @@
                           <a:effectLst/>
                           <a:latin typeface="Century Gothic" panose="020B0502020202020204" pitchFamily="34" charset="0"/>
                         </a:rPr>
-                        <a:t>Процент курьеру от доставки</a:t>
+                        <a:t>Комиссия партнерам</a:t>
                       </a:r>
                       <a:endParaRPr lang="ru-RU" sz="2400" dirty="0">
                         <a:solidFill>
@@ -9401,7 +15421,7 @@
                     </a:lnL>
                   </a:tcPr>
                 </a:tc>
-                <a:tc rowSpan="2">
+                <a:tc>
                   <a:txBody>
                     <a:bodyPr/>
                     <a:lstStyle/>
@@ -9435,7 +15455,7 @@
                   </a:txBody>
                   <a:tcPr marL="63500" marR="63500" marT="63500" marB="63500" anchor="ctr"/>
                 </a:tc>
-                <a:tc rowSpan="2">
+                <a:tc>
                   <a:txBody>
                     <a:bodyPr/>
                     <a:lstStyle/>
@@ -9472,183 +15492,6 @@
                 <a:extLst>
                   <a:ext uri="{0D108BD9-81ED-4DB2-BD59-A6C34878D82A}">
                     <a16:rowId xmlns:a16="http://schemas.microsoft.com/office/drawing/2014/main" val="1217446301"/>
-                  </a:ext>
-                </a:extLst>
-              </a:tr>
-              <a:tr h="773488">
-                <a:tc vMerge="1">
-                  <a:txBody>
-                    <a:bodyPr/>
-                    <a:lstStyle/>
-                    <a:p>
-                      <a:endParaRPr lang="ru-RU"/>
-                    </a:p>
-                  </a:txBody>
-                  <a:tcPr/>
-                </a:tc>
-                <a:tc>
-                  <a:txBody>
-                    <a:bodyPr/>
-                    <a:lstStyle/>
-                    <a:p>
-                      <a:pPr algn="ctr" rtl="0" fontAlgn="t">
-                        <a:spcBef>
-                          <a:spcPts val="0"/>
-                        </a:spcBef>
-                        <a:spcAft>
-                          <a:spcPts val="0"/>
-                        </a:spcAft>
-                      </a:pPr>
-                      <a:r>
-                        <a:rPr lang="ru-RU" sz="1800" b="0" u="none" strike="noStrike" dirty="0">
-                          <a:solidFill>
-                            <a:schemeClr val="tx1"/>
-                          </a:solidFill>
-                          <a:effectLst/>
-                          <a:latin typeface="Century Gothic" panose="020B0502020202020204" pitchFamily="34" charset="0"/>
-                        </a:rPr>
-                        <a:t>Сервис</a:t>
-                      </a:r>
-                      <a:endParaRPr lang="ru-RU" sz="2400" dirty="0">
-                        <a:solidFill>
-                          <a:schemeClr val="tx1"/>
-                        </a:solidFill>
-                        <a:effectLst/>
-                        <a:latin typeface="Century Gothic" panose="020B0502020202020204" pitchFamily="34" charset="0"/>
-                      </a:endParaRPr>
-                    </a:p>
-                  </a:txBody>
-                  <a:tcPr marL="63500" marR="63500" marT="63500" marB="63500" anchor="ctr">
-                    <a:lnL w="12700" cap="flat" cmpd="sng" algn="ctr">
-                      <a:solidFill>
-                        <a:schemeClr val="tx1"/>
-                      </a:solidFill>
-                      <a:prstDash val="solid"/>
-                      <a:round/>
-                      <a:headEnd type="none" w="med" len="med"/>
-                      <a:tailEnd type="none" w="med" len="med"/>
-                    </a:lnL>
-                    <a:lnT w="12700" cap="flat" cmpd="sng" algn="ctr">
-                      <a:solidFill>
-                        <a:schemeClr val="tx1"/>
-                      </a:solidFill>
-                      <a:prstDash val="solid"/>
-                      <a:round/>
-                      <a:headEnd type="none" w="med" len="med"/>
-                      <a:tailEnd type="none" w="med" len="med"/>
-                    </a:lnT>
-                    <a:lnB w="28575" cap="flat" cmpd="sng" algn="ctr">
-                      <a:solidFill>
-                        <a:schemeClr val="tx1"/>
-                      </a:solidFill>
-                      <a:prstDash val="solid"/>
-                      <a:round/>
-                      <a:headEnd type="none" w="med" len="med"/>
-                      <a:tailEnd type="none" w="med" len="med"/>
-                    </a:lnB>
-                    <a:solidFill>
-                      <a:schemeClr val="accent4"/>
-                    </a:solidFill>
-                  </a:tcPr>
-                </a:tc>
-                <a:tc>
-                  <a:txBody>
-                    <a:bodyPr/>
-                    <a:lstStyle/>
-                    <a:p>
-                      <a:pPr algn="ctr" rtl="0" fontAlgn="t">
-                        <a:spcBef>
-                          <a:spcPts val="0"/>
-                        </a:spcBef>
-                        <a:spcAft>
-                          <a:spcPts val="0"/>
-                        </a:spcAft>
-                      </a:pPr>
-                      <a:r>
-                        <a:rPr lang="ru-RU" sz="1800" b="0" u="none" strike="noStrike" dirty="0">
-                          <a:solidFill>
-                            <a:schemeClr val="tx1"/>
-                          </a:solidFill>
-                          <a:effectLst/>
-                          <a:latin typeface="Century Gothic" panose="020B0502020202020204" pitchFamily="34" charset="0"/>
-                        </a:rPr>
-                        <a:t>Пользователь</a:t>
-                      </a:r>
-                      <a:endParaRPr lang="ru-RU" sz="2400" dirty="0">
-                        <a:solidFill>
-                          <a:schemeClr val="tx1"/>
-                        </a:solidFill>
-                        <a:effectLst/>
-                        <a:latin typeface="Century Gothic" panose="020B0502020202020204" pitchFamily="34" charset="0"/>
-                      </a:endParaRPr>
-                    </a:p>
-                  </a:txBody>
-                  <a:tcPr marL="63500" marR="63500" marT="63500" marB="63500" anchor="ctr">
-                    <a:lnR w="12700" cap="flat" cmpd="sng" algn="ctr">
-                      <a:solidFill>
-                        <a:schemeClr val="tx1"/>
-                      </a:solidFill>
-                      <a:prstDash val="solid"/>
-                      <a:round/>
-                      <a:headEnd type="none" w="med" len="med"/>
-                      <a:tailEnd type="none" w="med" len="med"/>
-                    </a:lnR>
-                    <a:lnT w="12700" cap="flat" cmpd="sng" algn="ctr">
-                      <a:solidFill>
-                        <a:schemeClr val="tx1"/>
-                      </a:solidFill>
-                      <a:prstDash val="solid"/>
-                      <a:round/>
-                      <a:headEnd type="none" w="med" len="med"/>
-                      <a:tailEnd type="none" w="med" len="med"/>
-                    </a:lnT>
-                    <a:lnB w="28575" cap="flat" cmpd="sng" algn="ctr">
-                      <a:solidFill>
-                        <a:schemeClr val="tx1"/>
-                      </a:solidFill>
-                      <a:prstDash val="solid"/>
-                      <a:round/>
-                      <a:headEnd type="none" w="med" len="med"/>
-                      <a:tailEnd type="none" w="med" len="med"/>
-                    </a:lnB>
-                    <a:solidFill>
-                      <a:schemeClr val="accent4"/>
-                    </a:solidFill>
-                  </a:tcPr>
-                </a:tc>
-                <a:tc vMerge="1">
-                  <a:txBody>
-                    <a:bodyPr/>
-                    <a:lstStyle/>
-                    <a:p>
-                      <a:endParaRPr lang="ru-RU"/>
-                    </a:p>
-                  </a:txBody>
-                  <a:tcPr/>
-                </a:tc>
-                <a:tc vMerge="1">
-                  <a:txBody>
-                    <a:bodyPr/>
-                    <a:lstStyle/>
-                    <a:p>
-                      <a:endParaRPr lang="ru-RU"/>
-                    </a:p>
-                  </a:txBody>
-                  <a:tcPr/>
-                </a:tc>
-                <a:tc vMerge="1">
-                  <a:txBody>
-                    <a:bodyPr/>
-                    <a:lstStyle/>
-                    <a:p>
-                      <a:endParaRPr lang="ru-RU"/>
-                    </a:p>
-                  </a:txBody>
-                  <a:tcPr/>
-                </a:tc>
-                <a:extLst>
-                  <a:ext uri="{0D108BD9-81ED-4DB2-BD59-A6C34878D82A}">
-                    <a16:rowId xmlns:a16="http://schemas.microsoft.com/office/drawing/2014/main" val="232025427"/>
                   </a:ext>
                 </a:extLst>
               </a:tr>
@@ -9704,9 +15547,51 @@
                           </a:solidFill>
                           <a:effectLst/>
                         </a:rPr>
-                        <a:t>+</a:t>
+                        <a:t>500 р.</a:t>
                       </a:r>
                       <a:endParaRPr lang="ru-RU" sz="3200" dirty="0">
+                        <a:effectLst/>
+                      </a:endParaRPr>
+                    </a:p>
+                  </a:txBody>
+                  <a:tcPr marL="63500" marR="63500" marT="63500" marB="63500" anchor="ctr">
+                    <a:lnT w="12700" cap="flat" cmpd="sng" algn="ctr">
+                      <a:solidFill>
+                        <a:schemeClr val="tx1"/>
+                      </a:solidFill>
+                      <a:prstDash val="solid"/>
+                      <a:round/>
+                      <a:headEnd type="none" w="med" len="med"/>
+                      <a:tailEnd type="none" w="med" len="med"/>
+                    </a:lnT>
+                  </a:tcPr>
+                </a:tc>
+                <a:tc>
+                  <a:txBody>
+                    <a:bodyPr/>
+                    <a:lstStyle/>
+                    <a:p>
+                      <a:pPr algn="ctr" rtl="0" fontAlgn="t">
+                        <a:spcBef>
+                          <a:spcPts val="0"/>
+                        </a:spcBef>
+                        <a:spcAft>
+                          <a:spcPts val="0"/>
+                        </a:spcAft>
+                      </a:pPr>
+                      <a:r>
+                        <a:rPr lang="ru-RU" sz="2400" b="0" i="0" kern="1200" dirty="0">
+                          <a:solidFill>
+                            <a:schemeClr val="dk1"/>
+                          </a:solidFill>
+                          <a:effectLst/>
+                          <a:latin typeface="+mn-lt"/>
+                          <a:ea typeface="+mn-ea"/>
+                          <a:cs typeface="+mn-cs"/>
+                        </a:rPr>
+                        <a:t>8.00 – 23.00</a:t>
+                      </a:r>
+                      <a:endParaRPr lang="ru-RU" sz="2400" dirty="0">
                         <a:effectLst/>
                       </a:endParaRPr>
                     </a:p>
@@ -9743,48 +15628,9 @@
                           </a:solidFill>
                           <a:effectLst/>
                         </a:rPr>
-                        <a:t>-</a:t>
+                        <a:t>25-35%</a:t>
                       </a:r>
                       <a:endParaRPr lang="ru-RU" sz="3200" dirty="0">
-                        <a:effectLst/>
-                      </a:endParaRPr>
-                    </a:p>
-                  </a:txBody>
-                  <a:tcPr marL="63500" marR="63500" marT="63500" marB="63500" anchor="ctr">
-                    <a:lnT w="28575" cap="flat" cmpd="sng" algn="ctr">
-                      <a:solidFill>
-                        <a:schemeClr val="tx1"/>
-                      </a:solidFill>
-                      <a:prstDash val="solid"/>
-                      <a:round/>
-                      <a:headEnd type="none" w="med" len="med"/>
-                      <a:tailEnd type="none" w="med" len="med"/>
-                    </a:lnT>
-                  </a:tcPr>
-                </a:tc>
-                <a:tc>
-                  <a:txBody>
-                    <a:bodyPr/>
-                    <a:lstStyle/>
-                    <a:p>
-                      <a:pPr algn="ctr" rtl="0" fontAlgn="t">
-                        <a:spcBef>
-                          <a:spcPts val="0"/>
-                        </a:spcBef>
-                        <a:spcAft>
-                          <a:spcPts val="0"/>
-                        </a:spcAft>
-                      </a:pPr>
-                      <a:r>
-                        <a:rPr lang="ru-RU" sz="2400" b="0" u="none" strike="noStrike">
-                          <a:solidFill>
-                            <a:srgbClr val="222222"/>
-                          </a:solidFill>
-                          <a:effectLst/>
-                        </a:rPr>
-                        <a:t>&lt; 100%</a:t>
-                      </a:r>
-                      <a:endParaRPr lang="ru-RU" sz="3200">
                         <a:effectLst/>
                       </a:endParaRPr>
                     </a:p>
@@ -9834,15 +15680,15 @@
                         </a:spcAft>
                       </a:pPr>
                       <a:r>
-                        <a:rPr lang="ru-RU" sz="2400" b="0" u="none" strike="noStrike">
+                        <a:rPr lang="en-US" sz="2400" b="0" u="none" strike="noStrike" dirty="0">
                           <a:solidFill>
                             <a:srgbClr val="222222"/>
                           </a:solidFill>
                           <a:effectLst/>
                         </a:rPr>
-                        <a:t>-</a:t>
+                        <a:t>+</a:t>
                       </a:r>
-                      <a:endParaRPr lang="ru-RU" sz="3200">
+                      <a:endParaRPr lang="ru-RU" sz="3200" dirty="0">
                         <a:effectLst/>
                       </a:endParaRPr>
                     </a:p>
@@ -9901,15 +15747,56 @@
                         </a:spcAft>
                       </a:pPr>
                       <a:r>
-                        <a:rPr lang="ru-RU" sz="2400" b="0" u="none" strike="noStrike">
+                        <a:rPr lang="en-US" sz="2400" b="0" u="none" strike="noStrike" dirty="0">
                           <a:solidFill>
                             <a:srgbClr val="222222"/>
                           </a:solidFill>
                           <a:effectLst/>
                         </a:rPr>
-                        <a:t>+</a:t>
+                        <a:t>-</a:t>
                       </a:r>
-                      <a:endParaRPr lang="ru-RU" sz="3200">
+                      <a:endParaRPr lang="ru-RU" sz="3200" dirty="0">
+                        <a:effectLst/>
+                      </a:endParaRPr>
+                    </a:p>
+                  </a:txBody>
+                  <a:tcPr marL="63500" marR="63500" marT="63500" marB="63500" anchor="ctr"/>
+                </a:tc>
+                <a:tc>
+                  <a:txBody>
+                    <a:bodyPr/>
+                    <a:lstStyle/>
+                    <a:p>
+                      <a:pPr marL="0" marR="0" lvl="0" indent="0" algn="ctr" defTabSz="914400" rtl="0" eaLnBrk="1" fontAlgn="t" latinLnBrk="0" hangingPunct="1">
+                        <a:lnSpc>
+                          <a:spcPct val="100000"/>
+                        </a:lnSpc>
+                        <a:spcBef>
+                          <a:spcPts val="0"/>
+                        </a:spcBef>
+                        <a:spcAft>
+                          <a:spcPts val="0"/>
+                        </a:spcAft>
+                        <a:buClrTx/>
+                        <a:buSzTx/>
+                        <a:buFontTx/>
+                        <a:buNone/>
+                        <a:tabLst/>
+                        <a:defRPr/>
+                      </a:pPr>
+                      <a:r>
+                        <a:rPr lang="ru-RU" sz="2400" b="0" i="0" kern="1200" dirty="0">
+                          <a:solidFill>
+                            <a:schemeClr val="dk1"/>
+                          </a:solidFill>
+                          <a:effectLst/>
+                          <a:latin typeface="+mn-lt"/>
+                          <a:ea typeface="+mn-ea"/>
+                          <a:cs typeface="+mn-cs"/>
+                        </a:rPr>
+                        <a:t>9.00 – 23.00</a:t>
+                      </a:r>
+                      <a:endParaRPr lang="ru-RU" sz="2400" dirty="0">
                         <a:effectLst/>
                       </a:endParaRPr>
                     </a:p>
@@ -9930,42 +15817,14 @@
                         </a:spcAft>
                       </a:pPr>
                       <a:r>
-                        <a:rPr lang="ru-RU" sz="2400" b="0" u="none" strike="noStrike" dirty="0">
+                        <a:rPr lang="ru-RU" sz="2400" b="0" i="0" dirty="0">
                           <a:solidFill>
-                            <a:srgbClr val="222222"/>
+                            <a:srgbClr val="202124"/>
                           </a:solidFill>
                           <a:effectLst/>
+                          <a:latin typeface="Google Sans"/>
                         </a:rPr>
-                        <a:t>-</a:t>
-                      </a:r>
-                      <a:endParaRPr lang="ru-RU" sz="3200" dirty="0">
-                        <a:effectLst/>
-                      </a:endParaRPr>
-                    </a:p>
-                  </a:txBody>
-                  <a:tcPr marL="63500" marR="63500" marT="63500" marB="63500" anchor="ctr"/>
-                </a:tc>
-                <a:tc>
-                  <a:txBody>
-                    <a:bodyPr/>
-                    <a:lstStyle/>
-                    <a:p>
-                      <a:pPr algn="ctr" rtl="0" fontAlgn="t">
-                        <a:spcBef>
-                          <a:spcPts val="0"/>
-                        </a:spcBef>
-                        <a:spcAft>
-                          <a:spcPts val="0"/>
-                        </a:spcAft>
-                      </a:pPr>
-                      <a:r>
-                        <a:rPr lang="ru-RU" sz="2400" b="0" u="none" strike="noStrike" dirty="0">
-                          <a:solidFill>
-                            <a:srgbClr val="222222"/>
-                          </a:solidFill>
-                          <a:effectLst/>
-                        </a:rPr>
-                        <a:t>&lt; 100%</a:t>
+                        <a:t>20-25%</a:t>
                       </a:r>
                       <a:endParaRPr lang="ru-RU" sz="3200" dirty="0">
                         <a:effectLst/>
@@ -10090,38 +15949,27 @@
                           </a:solidFill>
                           <a:effectLst/>
                         </a:rPr>
-                        <a:t>+</a:t>
+                        <a:t>3</a:t>
                       </a:r>
-                      <a:endParaRPr lang="ru-RU" sz="3200" dirty="0">
-                        <a:effectLst/>
-                      </a:endParaRPr>
-                    </a:p>
-                  </a:txBody>
-                  <a:tcPr marL="63500" marR="63500" marT="63500" marB="63500" anchor="ctr"/>
-                </a:tc>
-                <a:tc>
-                  <a:txBody>
-                    <a:bodyPr/>
-                    <a:lstStyle/>
-                    <a:p>
-                      <a:pPr algn="ctr" rtl="0" fontAlgn="t">
-                        <a:spcBef>
-                          <a:spcPts val="0"/>
-                        </a:spcBef>
-                        <a:spcAft>
-                          <a:spcPts val="0"/>
-                        </a:spcAft>
-                      </a:pPr>
                       <a:r>
-                        <a:rPr lang="ru-RU" sz="2400" b="0" u="none" strike="noStrike">
+                        <a:rPr lang="en-US" sz="2400" b="0" u="none" strike="noStrike" dirty="0">
                           <a:solidFill>
                             <a:srgbClr val="222222"/>
                           </a:solidFill>
                           <a:effectLst/>
                         </a:rPr>
-                        <a:t>-</a:t>
+                        <a:t>00 </a:t>
                       </a:r>
-                      <a:endParaRPr lang="ru-RU" sz="3200">
+                      <a:r>
+                        <a:rPr lang="ru-RU" sz="2400" b="0" u="none" strike="noStrike" dirty="0">
+                          <a:solidFill>
+                            <a:srgbClr val="222222"/>
+                          </a:solidFill>
+                          <a:effectLst/>
+                        </a:rPr>
+                        <a:t>р.</a:t>
+                      </a:r>
+                      <a:endParaRPr lang="ru-RU" sz="3200" dirty="0">
                         <a:effectLst/>
                       </a:endParaRPr>
                     </a:p>
@@ -10148,7 +15996,37 @@
                           </a:solidFill>
                           <a:effectLst/>
                         </a:rPr>
-                        <a:t>&lt; 100%</a:t>
+                        <a:t>9.00 – 22.00</a:t>
+                      </a:r>
+                      <a:endParaRPr lang="ru-RU" sz="3200" dirty="0">
+                        <a:effectLst/>
+                      </a:endParaRPr>
+                    </a:p>
+                  </a:txBody>
+                  <a:tcPr marL="63500" marR="63500" marT="63500" marB="63500" anchor="ctr"/>
+                </a:tc>
+                <a:tc>
+                  <a:txBody>
+                    <a:bodyPr/>
+                    <a:lstStyle/>
+                    <a:p>
+                      <a:pPr algn="ctr" rtl="0" fontAlgn="t">
+                        <a:spcBef>
+                          <a:spcPts val="0"/>
+                        </a:spcBef>
+                        <a:spcAft>
+                          <a:spcPts val="0"/>
+                        </a:spcAft>
+                      </a:pPr>
+                      <a:r>
+                        <a:rPr lang="ru-RU" sz="2400" b="0" i="0" dirty="0">
+                          <a:solidFill>
+                            <a:srgbClr val="040C28"/>
+                          </a:solidFill>
+                          <a:effectLst/>
+                          <a:latin typeface="Google Sans"/>
+                        </a:rPr>
+                        <a:t>от 2%</a:t>
                       </a:r>
                       <a:endParaRPr lang="ru-RU" sz="3200" dirty="0">
                         <a:effectLst/>
@@ -10267,15 +16145,15 @@
                         </a:spcAft>
                       </a:pPr>
                       <a:r>
-                        <a:rPr lang="ru-RU" sz="2400" b="0" u="none" strike="noStrike">
+                        <a:rPr lang="en-US" sz="2400" b="0" u="none" strike="noStrike" dirty="0">
                           <a:solidFill>
                             <a:srgbClr val="222222"/>
                           </a:solidFill>
                           <a:effectLst/>
                         </a:rPr>
-                        <a:t>+</a:t>
+                        <a:t>-</a:t>
                       </a:r>
-                      <a:endParaRPr lang="ru-RU" sz="3200">
+                      <a:endParaRPr lang="ru-RU" sz="3200" dirty="0">
                         <a:effectLst/>
                       </a:endParaRPr>
                     </a:p>
@@ -10296,15 +16174,15 @@
                         </a:spcAft>
                       </a:pPr>
                       <a:r>
-                        <a:rPr lang="ru-RU" sz="2400" b="0" u="none" strike="noStrike">
+                        <a:rPr lang="en-US" sz="2400" b="0" u="none" strike="noStrike" dirty="0">
                           <a:solidFill>
                             <a:srgbClr val="222222"/>
                           </a:solidFill>
                           <a:effectLst/>
                         </a:rPr>
-                        <a:t>-</a:t>
+                        <a:t>9.00 – 0.00</a:t>
                       </a:r>
-                      <a:endParaRPr lang="ru-RU" sz="3200">
+                      <a:endParaRPr lang="ru-RU" sz="3200" dirty="0">
                         <a:effectLst/>
                       </a:endParaRPr>
                     </a:p>
@@ -10325,13 +16203,13 @@
                         </a:spcAft>
                       </a:pPr>
                       <a:r>
-                        <a:rPr lang="ru-RU" sz="2400" b="0" u="none" strike="noStrike" dirty="0">
+                        <a:rPr lang="en-US" sz="2400" b="0" u="none" strike="noStrike" dirty="0">
                           <a:solidFill>
                             <a:srgbClr val="222222"/>
                           </a:solidFill>
                           <a:effectLst/>
                         </a:rPr>
-                        <a:t>&lt; 100%</a:t>
+                        <a:t>30%</a:t>
                       </a:r>
                       <a:endParaRPr lang="ru-RU" sz="3200" dirty="0">
                         <a:effectLst/>
@@ -10473,7 +16351,7 @@
                         <a:rPr lang="ru-RU" sz="3200" dirty="0">
                           <a:effectLst/>
                         </a:rPr>
-                        <a:t>+</a:t>
+                        <a:t>любое</a:t>
                       </a:r>
                     </a:p>
                   </a:txBody>
@@ -10499,7 +16377,7 @@
                           </a:solidFill>
                           <a:effectLst/>
                         </a:rPr>
-                        <a:t>100%</a:t>
+                        <a:t>0%</a:t>
                       </a:r>
                       <a:endParaRPr lang="ru-RU" sz="3200" dirty="0">
                         <a:effectLst/>
@@ -10577,7 +16455,7 @@
 </p:sld>
 </file>
 
-<file path=ppt/slides/slide6.xml><?xml version="1.0" encoding="utf-8"?>
+<file path=ppt/slides/slide7.xml><?xml version="1.0" encoding="utf-8"?>
 <p:sld xmlns:a="http://schemas.openxmlformats.org/drawingml/2006/main" xmlns:r="http://schemas.openxmlformats.org/officeDocument/2006/relationships" xmlns:p="http://schemas.openxmlformats.org/presentationml/2006/main">
   <p:cSld>
     <p:bg>
@@ -11056,7 +16934,7 @@
 </p:sld>
 </file>
 
-<file path=ppt/slides/slide7.xml><?xml version="1.0" encoding="utf-8"?>
+<file path=ppt/slides/slide8.xml><?xml version="1.0" encoding="utf-8"?>
 <p:sld xmlns:a="http://schemas.openxmlformats.org/drawingml/2006/main" xmlns:r="http://schemas.openxmlformats.org/officeDocument/2006/relationships" xmlns:p="http://schemas.openxmlformats.org/presentationml/2006/main">
   <p:cSld>
     <p:bg>
@@ -11414,7 +17292,7 @@
 </p:sld>
 </file>
 
-<file path=ppt/slides/slide8.xml><?xml version="1.0" encoding="utf-8"?>
+<file path=ppt/slides/slide9.xml><?xml version="1.0" encoding="utf-8"?>
 <p:sld xmlns:a="http://schemas.openxmlformats.org/drawingml/2006/main" xmlns:r="http://schemas.openxmlformats.org/officeDocument/2006/relationships" xmlns:p="http://schemas.openxmlformats.org/presentationml/2006/main">
   <p:cSld>
     <p:bg>
@@ -11439,12 +17317,12 @@
           <a:chExt cx="0" cy="0"/>
         </a:xfrm>
       </p:grpSpPr>
-      <p:sp useBgFill="1">
+      <p:sp>
         <p:nvSpPr>
-          <p:cNvPr id="10" name="Rectangle 9">
+          <p:cNvPr id="19" name="!!Rectangle">
             <a:extLst>
               <a:ext uri="{FF2B5EF4-FFF2-40B4-BE49-F238E27FC236}">
-                <a16:creationId xmlns:a16="http://schemas.microsoft.com/office/drawing/2014/main" id="{47942995-B07F-4636-9A06-C6A104B260A8}"/>
+                <a16:creationId xmlns:a16="http://schemas.microsoft.com/office/drawing/2014/main" id="{21ED5FCA-9564-42B4-9F52-2CCED8ED60CA}"/>
               </a:ext>
               <a:ext uri="{C183D7F6-B498-43B3-948B-1728B52AA6E4}">
                 <adec:decorative xmlns:adec="http://schemas.microsoft.com/office/drawing/2017/decorative" val="1"/>
@@ -11464,359 +17342,14 @@
         </p:nvSpPr>
         <p:spPr>
           <a:xfrm>
-            <a:off x="0" y="0"/>
-            <a:ext cx="12191999" cy="6857365"/>
-          </a:xfrm>
-          <a:prstGeom prst="rect">
-            <a:avLst/>
-          </a:prstGeom>
-          <a:ln>
-            <a:noFill/>
-          </a:ln>
-        </p:spPr>
-        <p:style>
-          <a:lnRef idx="2">
-            <a:schemeClr val="accent1">
-              <a:shade val="50000"/>
-            </a:schemeClr>
-          </a:lnRef>
-          <a:fillRef idx="1">
-            <a:schemeClr val="accent1"/>
-          </a:fillRef>
-          <a:effectRef idx="0">
-            <a:schemeClr val="accent1"/>
-          </a:effectRef>
-          <a:fontRef idx="minor">
-            <a:schemeClr val="lt1"/>
-          </a:fontRef>
-        </p:style>
-        <p:txBody>
-          <a:bodyPr rtlCol="0" anchor="ctr"/>
-          <a:lstStyle/>
-          <a:p>
-            <a:pPr algn="ctr"/>
-            <a:endParaRPr lang="en-US"/>
-          </a:p>
-        </p:txBody>
-      </p:sp>
-      <p:sp>
-        <p:nvSpPr>
-          <p:cNvPr id="2" name="Заголовок 1">
-            <a:extLst>
-              <a:ext uri="{FF2B5EF4-FFF2-40B4-BE49-F238E27FC236}">
-                <a16:creationId xmlns:a16="http://schemas.microsoft.com/office/drawing/2014/main" id="{C6AE11DE-5A79-0993-481A-FBE39019C649}"/>
-              </a:ext>
-            </a:extLst>
-          </p:cNvPr>
-          <p:cNvSpPr>
-            <a:spLocks noGrp="1"/>
-          </p:cNvSpPr>
-          <p:nvPr>
-            <p:ph type="title"/>
-          </p:nvPr>
-        </p:nvSpPr>
-        <p:spPr>
-          <a:xfrm>
-            <a:off x="1142253" y="2647237"/>
-            <a:ext cx="4629571" cy="1790935"/>
-          </a:xfrm>
-        </p:spPr>
-        <p:txBody>
-          <a:bodyPr vert="horz" lIns="91440" tIns="45720" rIns="91440" bIns="45720" rtlCol="0" anchor="t">
-            <a:normAutofit/>
-          </a:bodyPr>
-          <a:lstStyle/>
-          <a:p>
-            <a:r>
-              <a:rPr lang="ru-RU" sz="3200" kern="1200" dirty="0">
-                <a:solidFill>
-                  <a:schemeClr val="tx1"/>
-                </a:solidFill>
-                <a:latin typeface="Century Gothic" panose="020B0502020202020204" pitchFamily="34" charset="0"/>
-              </a:rPr>
-              <a:t>Просматривать и р</a:t>
-            </a:r>
-            <a:r>
-              <a:rPr lang="en-US" sz="3200" kern="1200" dirty="0" err="1">
-                <a:solidFill>
-                  <a:schemeClr val="tx1"/>
-                </a:solidFill>
-                <a:latin typeface="Century Gothic" panose="020B0502020202020204" pitchFamily="34" charset="0"/>
-              </a:rPr>
-              <a:t>едактировать</a:t>
-            </a:r>
-            <a:r>
-              <a:rPr lang="en-US" sz="3200" kern="1200" dirty="0">
-                <a:solidFill>
-                  <a:schemeClr val="tx1"/>
-                </a:solidFill>
-                <a:latin typeface="Century Gothic" panose="020B0502020202020204" pitchFamily="34" charset="0"/>
-              </a:rPr>
-              <a:t> </a:t>
-            </a:r>
-            <a:r>
-              <a:rPr lang="en-US" sz="3200" kern="1200" dirty="0" err="1">
-                <a:solidFill>
-                  <a:schemeClr val="tx1"/>
-                </a:solidFill>
-                <a:latin typeface="Century Gothic" panose="020B0502020202020204" pitchFamily="34" charset="0"/>
-              </a:rPr>
-              <a:t>профиль</a:t>
-            </a:r>
-            <a:endParaRPr lang="en-US" sz="3200" kern="1200" dirty="0">
-              <a:solidFill>
-                <a:schemeClr val="tx1"/>
-              </a:solidFill>
-              <a:latin typeface="Century Gothic" panose="020B0502020202020204" pitchFamily="34" charset="0"/>
-            </a:endParaRPr>
-          </a:p>
-        </p:txBody>
-      </p:sp>
-      <p:grpSp>
-        <p:nvGrpSpPr>
-          <p:cNvPr id="12" name="Group 11">
-            <a:extLst>
-              <a:ext uri="{FF2B5EF4-FFF2-40B4-BE49-F238E27FC236}">
-                <a16:creationId xmlns:a16="http://schemas.microsoft.com/office/drawing/2014/main" id="{032D8612-31EB-44CF-A1D0-14FD4C705424}"/>
-              </a:ext>
-              <a:ext uri="{C183D7F6-B498-43B3-948B-1728B52AA6E4}">
-                <adec:decorative xmlns:adec="http://schemas.microsoft.com/office/drawing/2017/decorative" val="1"/>
-              </a:ext>
-            </a:extLst>
-          </p:cNvPr>
-          <p:cNvGrpSpPr>
-            <a:grpSpLocks noGrp="1" noUngrp="1" noRot="1" noChangeAspect="1" noMove="1" noResize="1"/>
-          </p:cNvGrpSpPr>
-          <p:nvPr>
-            <p:extLst>
-              <p:ext uri="{386F3935-93C4-4BCD-93E2-E3B085C9AB24}">
-                <p16:designElem xmlns:p16="http://schemas.microsoft.com/office/powerpoint/2015/main" val="1"/>
-              </p:ext>
-            </p:extLst>
-          </p:nvPr>
-        </p:nvGrpSpPr>
-        <p:grpSpPr>
-          <a:xfrm>
-            <a:off x="0" y="2984992"/>
-            <a:ext cx="731521" cy="673460"/>
-            <a:chOff x="3940602" y="308034"/>
-            <a:chExt cx="2116791" cy="3428999"/>
-          </a:xfrm>
-          <a:solidFill>
-            <a:schemeClr val="accent4"/>
-          </a:solidFill>
-        </p:grpSpPr>
-        <p:sp>
-          <p:nvSpPr>
-            <p:cNvPr id="13" name="Rectangle 12">
-              <a:extLst>
-                <a:ext uri="{FF2B5EF4-FFF2-40B4-BE49-F238E27FC236}">
-                  <a16:creationId xmlns:a16="http://schemas.microsoft.com/office/drawing/2014/main" id="{F19A4A0F-1B59-4DB0-9764-D10936E98770}"/>
-                </a:ext>
-                <a:ext uri="{C183D7F6-B498-43B3-948B-1728B52AA6E4}">
-                  <adec:decorative xmlns:adec="http://schemas.microsoft.com/office/drawing/2017/decorative" val="1"/>
-                </a:ext>
-              </a:extLst>
-            </p:cNvPr>
-            <p:cNvSpPr/>
-            <p:nvPr>
-              <p:extLst>
-                <p:ext uri="{386F3935-93C4-4BCD-93E2-E3B085C9AB24}">
-                  <p16:designElem xmlns:p16="http://schemas.microsoft.com/office/powerpoint/2015/main" val="1"/>
-                </p:ext>
-              </p:extLst>
-            </p:nvPr>
-          </p:nvSpPr>
-          <p:spPr>
-            <a:xfrm>
-              <a:off x="3940602" y="308034"/>
-              <a:ext cx="566743" cy="3428999"/>
-            </a:xfrm>
-            <a:prstGeom prst="rect">
-              <a:avLst/>
-            </a:prstGeom>
-            <a:grpFill/>
-            <a:ln>
-              <a:noFill/>
-            </a:ln>
-          </p:spPr>
-          <p:style>
-            <a:lnRef idx="2">
-              <a:schemeClr val="accent1">
-                <a:shade val="50000"/>
-              </a:schemeClr>
-            </a:lnRef>
-            <a:fillRef idx="1">
-              <a:schemeClr val="accent1"/>
-            </a:fillRef>
-            <a:effectRef idx="0">
-              <a:schemeClr val="accent1"/>
-            </a:effectRef>
-            <a:fontRef idx="minor">
-              <a:schemeClr val="lt1"/>
-            </a:fontRef>
-          </p:style>
-          <p:txBody>
-            <a:bodyPr rtlCol="0" anchor="ctr"/>
-            <a:lstStyle/>
-            <a:p>
-              <a:pPr algn="ctr"/>
-              <a:endParaRPr lang="en-US"/>
-            </a:p>
-          </p:txBody>
-        </p:sp>
-        <p:sp>
-          <p:nvSpPr>
-            <p:cNvPr id="14" name="Rectangle 13">
-              <a:extLst>
-                <a:ext uri="{FF2B5EF4-FFF2-40B4-BE49-F238E27FC236}">
-                  <a16:creationId xmlns:a16="http://schemas.microsoft.com/office/drawing/2014/main" id="{F399A70F-F8CD-4992-9EF5-6CF15472E73F}"/>
-                </a:ext>
-                <a:ext uri="{C183D7F6-B498-43B3-948B-1728B52AA6E4}">
-                  <adec:decorative xmlns:adec="http://schemas.microsoft.com/office/drawing/2017/decorative" val="1"/>
-                </a:ext>
-              </a:extLst>
-            </p:cNvPr>
-            <p:cNvSpPr/>
-            <p:nvPr>
-              <p:extLst>
-                <p:ext uri="{386F3935-93C4-4BCD-93E2-E3B085C9AB24}">
-                  <p16:designElem xmlns:p16="http://schemas.microsoft.com/office/powerpoint/2015/main" val="1"/>
-                </p:ext>
-              </p:extLst>
-            </p:nvPr>
-          </p:nvSpPr>
-          <p:spPr>
-            <a:xfrm>
-              <a:off x="4715626" y="308034"/>
-              <a:ext cx="566743" cy="3428999"/>
-            </a:xfrm>
-            <a:prstGeom prst="rect">
-              <a:avLst/>
-            </a:prstGeom>
-            <a:grpFill/>
-            <a:ln>
-              <a:noFill/>
-            </a:ln>
-          </p:spPr>
-          <p:style>
-            <a:lnRef idx="2">
-              <a:schemeClr val="accent1">
-                <a:shade val="50000"/>
-              </a:schemeClr>
-            </a:lnRef>
-            <a:fillRef idx="1">
-              <a:schemeClr val="accent1"/>
-            </a:fillRef>
-            <a:effectRef idx="0">
-              <a:schemeClr val="accent1"/>
-            </a:effectRef>
-            <a:fontRef idx="minor">
-              <a:schemeClr val="lt1"/>
-            </a:fontRef>
-          </p:style>
-          <p:txBody>
-            <a:bodyPr rtlCol="0" anchor="ctr"/>
-            <a:lstStyle/>
-            <a:p>
-              <a:pPr algn="ctr"/>
-              <a:endParaRPr lang="en-US"/>
-            </a:p>
-          </p:txBody>
-        </p:sp>
-        <p:sp>
-          <p:nvSpPr>
-            <p:cNvPr id="15" name="Rectangle 14">
-              <a:extLst>
-                <a:ext uri="{FF2B5EF4-FFF2-40B4-BE49-F238E27FC236}">
-                  <a16:creationId xmlns:a16="http://schemas.microsoft.com/office/drawing/2014/main" id="{48F4FEDC-6D80-458C-A665-075D9B9500FD}"/>
-                </a:ext>
-                <a:ext uri="{C183D7F6-B498-43B3-948B-1728B52AA6E4}">
-                  <adec:decorative xmlns:adec="http://schemas.microsoft.com/office/drawing/2017/decorative" val="1"/>
-                </a:ext>
-              </a:extLst>
-            </p:cNvPr>
-            <p:cNvSpPr/>
-            <p:nvPr>
-              <p:extLst>
-                <p:ext uri="{386F3935-93C4-4BCD-93E2-E3B085C9AB24}">
-                  <p16:designElem xmlns:p16="http://schemas.microsoft.com/office/powerpoint/2015/main" val="1"/>
-                </p:ext>
-              </p:extLst>
-            </p:nvPr>
-          </p:nvSpPr>
-          <p:spPr>
-            <a:xfrm>
-              <a:off x="5490650" y="308034"/>
-              <a:ext cx="566743" cy="3428999"/>
-            </a:xfrm>
-            <a:prstGeom prst="rect">
-              <a:avLst/>
-            </a:prstGeom>
-            <a:grpFill/>
-            <a:ln>
-              <a:noFill/>
-            </a:ln>
-          </p:spPr>
-          <p:style>
-            <a:lnRef idx="2">
-              <a:schemeClr val="accent1">
-                <a:shade val="50000"/>
-              </a:schemeClr>
-            </a:lnRef>
-            <a:fillRef idx="1">
-              <a:schemeClr val="accent1"/>
-            </a:fillRef>
-            <a:effectRef idx="0">
-              <a:schemeClr val="accent1"/>
-            </a:effectRef>
-            <a:fontRef idx="minor">
-              <a:schemeClr val="lt1"/>
-            </a:fontRef>
-          </p:style>
-          <p:txBody>
-            <a:bodyPr rtlCol="0" anchor="ctr"/>
-            <a:lstStyle/>
-            <a:p>
-              <a:pPr algn="ctr"/>
-              <a:endParaRPr lang="en-US"/>
-            </a:p>
-          </p:txBody>
-        </p:sp>
-      </p:grpSp>
-      <p:sp>
-        <p:nvSpPr>
-          <p:cNvPr id="17" name="Rectangle 16">
-            <a:extLst>
-              <a:ext uri="{FF2B5EF4-FFF2-40B4-BE49-F238E27FC236}">
-                <a16:creationId xmlns:a16="http://schemas.microsoft.com/office/drawing/2014/main" id="{B81933D1-5615-42C7-9C0B-4EB7105CCE2D}"/>
-              </a:ext>
-              <a:ext uri="{C183D7F6-B498-43B3-948B-1728B52AA6E4}">
-                <adec:decorative xmlns:adec="http://schemas.microsoft.com/office/drawing/2017/decorative" val="1"/>
-              </a:ext>
-            </a:extLst>
-          </p:cNvPr>
-          <p:cNvSpPr>
-            <a:spLocks noGrp="1" noRot="1" noChangeAspect="1" noMove="1" noResize="1" noEditPoints="1" noAdjustHandles="1" noChangeArrowheads="1" noChangeShapeType="1" noTextEdit="1"/>
-          </p:cNvSpPr>
-          <p:nvPr>
-            <p:extLst>
-              <p:ext uri="{386F3935-93C4-4BCD-93E2-E3B085C9AB24}">
-                <p16:designElem xmlns:p16="http://schemas.microsoft.com/office/powerpoint/2015/main" val="1"/>
-              </p:ext>
-            </p:extLst>
-          </p:nvPr>
-        </p:nvSpPr>
-        <p:spPr>
-          <a:xfrm flipH="1">
-            <a:off x="10697670" y="0"/>
-            <a:ext cx="1494330" cy="6858000"/>
+            <a:off x="0" y="-8467"/>
+            <a:ext cx="12191999" cy="6866467"/>
           </a:xfrm>
           <a:prstGeom prst="rect">
             <a:avLst/>
           </a:prstGeom>
           <a:solidFill>
-            <a:schemeClr val="accent4"/>
+            <a:srgbClr val="000000"/>
           </a:solidFill>
           <a:ln>
             <a:noFill/>
@@ -11842,17 +17375,86 @@
           <a:bodyPr rtlCol="0" anchor="ctr"/>
           <a:lstStyle/>
           <a:p>
-            <a:pPr algn="ctr"/>
-            <a:endParaRPr lang="en-US"/>
+            <a:pPr marL="0" marR="0" lvl="0" indent="0" algn="ctr" defTabSz="914400" rtl="0" eaLnBrk="1" fontAlgn="auto" latinLnBrk="0" hangingPunct="1">
+              <a:lnSpc>
+                <a:spcPct val="100000"/>
+              </a:lnSpc>
+              <a:spcBef>
+                <a:spcPts val="0"/>
+              </a:spcBef>
+              <a:spcAft>
+                <a:spcPts val="0"/>
+              </a:spcAft>
+              <a:buClrTx/>
+              <a:buSzTx/>
+              <a:buFontTx/>
+              <a:buNone/>
+              <a:tabLst/>
+              <a:defRPr/>
+            </a:pPr>
+            <a:endParaRPr kumimoji="0" lang="en-US" sz="1800" b="0" i="0" u="none" strike="noStrike" kern="1200" cap="none" spc="0" normalizeH="0" baseline="0" noProof="0">
+              <a:ln>
+                <a:noFill/>
+              </a:ln>
+              <a:solidFill>
+                <a:prstClr val="white"/>
+              </a:solidFill>
+              <a:effectLst/>
+              <a:uLnTx/>
+              <a:uFillTx/>
+              <a:latin typeface="Calibri" panose="020F0502020204030204"/>
+              <a:ea typeface="+mn-ea"/>
+              <a:cs typeface="+mn-cs"/>
+            </a:endParaRPr>
           </a:p>
         </p:txBody>
       </p:sp>
       <p:sp>
         <p:nvSpPr>
-          <p:cNvPr id="19" name="Rectangle 18">
+          <p:cNvPr id="2" name="Заголовок 1">
             <a:extLst>
               <a:ext uri="{FF2B5EF4-FFF2-40B4-BE49-F238E27FC236}">
-                <a16:creationId xmlns:a16="http://schemas.microsoft.com/office/drawing/2014/main" id="{19C9EAEA-39D0-4B0E-A0EB-51E7B26740B1}"/>
+                <a16:creationId xmlns:a16="http://schemas.microsoft.com/office/drawing/2014/main" id="{1AA07EFA-4B95-AC72-96BD-492E85907B4E}"/>
+              </a:ext>
+            </a:extLst>
+          </p:cNvPr>
+          <p:cNvSpPr>
+            <a:spLocks noGrp="1"/>
+          </p:cNvSpPr>
+          <p:nvPr>
+            <p:ph type="title"/>
+          </p:nvPr>
+        </p:nvSpPr>
+        <p:spPr>
+          <a:xfrm>
+            <a:off x="838200" y="365125"/>
+            <a:ext cx="10515600" cy="1325563"/>
+          </a:xfrm>
+        </p:spPr>
+        <p:txBody>
+          <a:bodyPr>
+            <a:normAutofit/>
+          </a:bodyPr>
+          <a:lstStyle/>
+          <a:p>
+            <a:r>
+              <a:rPr lang="ru-RU">
+                <a:solidFill>
+                  <a:srgbClr val="FFFFFF"/>
+                </a:solidFill>
+                <a:latin typeface="Century Gothic" panose="020B0502020202020204" pitchFamily="34" charset="0"/>
+              </a:rPr>
+              <a:t>Дерево решений</a:t>
+            </a:r>
+          </a:p>
+        </p:txBody>
+      </p:sp>
+      <p:sp>
+        <p:nvSpPr>
+          <p:cNvPr id="20" name="Arc 10">
+            <a:extLst>
+              <a:ext uri="{FF2B5EF4-FFF2-40B4-BE49-F238E27FC236}">
+                <a16:creationId xmlns:a16="http://schemas.microsoft.com/office/drawing/2014/main" id="{081E4A58-353D-44AE-B2FC-2A74E2E400F7}"/>
               </a:ext>
               <a:ext uri="{C183D7F6-B498-43B3-948B-1728B52AA6E4}">
                 <adec:decorative xmlns:adec="http://schemas.microsoft.com/office/drawing/2017/decorative" val="1"/>
@@ -11871,559 +17473,107 @@
           </p:nvPr>
         </p:nvSpPr>
         <p:spPr>
-          <a:xfrm>
-            <a:off x="5685810" y="391886"/>
-            <a:ext cx="6009366" cy="6017078"/>
+          <a:xfrm rot="5400000" flipV="1">
+            <a:off x="555710" y="2183223"/>
+            <a:ext cx="4083433" cy="4083433"/>
           </a:xfrm>
-          <a:prstGeom prst="rect">
+          <a:prstGeom prst="arc">
             <a:avLst/>
           </a:prstGeom>
-          <a:solidFill>
-            <a:schemeClr val="bg1"/>
-          </a:solidFill>
-          <a:ln>
-            <a:noFill/>
+          <a:ln w="127000" cap="rnd">
+            <a:solidFill>
+              <a:schemeClr val="accent4"/>
+            </a:solidFill>
+            <a:prstDash val="dash"/>
           </a:ln>
-          <a:effectLst>
-            <a:outerShdw blurRad="139700" dist="127000" dir="5400000" algn="t" rotWithShape="0">
-              <a:prstClr val="black">
-                <a:alpha val="15000"/>
-              </a:prstClr>
-            </a:outerShdw>
-          </a:effectLst>
         </p:spPr>
         <p:style>
-          <a:lnRef idx="2">
-            <a:schemeClr val="accent1">
-              <a:shade val="50000"/>
-            </a:schemeClr>
+          <a:lnRef idx="1">
+            <a:schemeClr val="accent1"/>
           </a:lnRef>
-          <a:fillRef idx="1">
+          <a:fillRef idx="0">
             <a:schemeClr val="accent1"/>
           </a:fillRef>
           <a:effectRef idx="0">
             <a:schemeClr val="accent1"/>
           </a:effectRef>
           <a:fontRef idx="minor">
-            <a:schemeClr val="lt1"/>
+            <a:schemeClr val="tx1"/>
           </a:fontRef>
         </p:style>
         <p:txBody>
           <a:bodyPr rtlCol="0" anchor="ctr"/>
           <a:lstStyle/>
           <a:p>
-            <a:pPr algn="ctr"/>
-            <a:endParaRPr lang="en-US"/>
-          </a:p>
-        </p:txBody>
-      </p:sp>
-      <p:pic>
-        <p:nvPicPr>
-          <p:cNvPr id="5" name="Объект 4" descr="Изображение выглядит как текст, снимок экрана, программное обеспечение, Операционная система&#10;&#10;Автоматически созданное описание">
-            <a:extLst>
-              <a:ext uri="{FF2B5EF4-FFF2-40B4-BE49-F238E27FC236}">
-                <a16:creationId xmlns:a16="http://schemas.microsoft.com/office/drawing/2014/main" id="{F81B3C1D-6354-69FD-CEE0-3BAD189B82EA}"/>
-              </a:ext>
-            </a:extLst>
-          </p:cNvPr>
-          <p:cNvPicPr>
-            <a:picLocks noGrp="1" noChangeAspect="1"/>
-          </p:cNvPicPr>
-          <p:nvPr>
-            <p:ph idx="1"/>
-          </p:nvPr>
-        </p:nvPicPr>
-        <p:blipFill rotWithShape="1">
-          <a:blip r:embed="rId2">
-            <a:extLst>
-              <a:ext uri="{28A0092B-C50C-407E-A947-70E740481C1C}">
-                <a14:useLocalDpi xmlns:a14="http://schemas.microsoft.com/office/drawing/2010/main" val="0"/>
-              </a:ext>
-            </a:extLst>
-          </a:blip>
-          <a:srcRect r="802"/>
-          <a:stretch/>
-        </p:blipFill>
-        <p:spPr>
-          <a:xfrm>
-            <a:off x="6149498" y="420461"/>
-            <a:ext cx="4193134" cy="6017078"/>
-          </a:xfrm>
-          <a:prstGeom prst="rect">
-            <a:avLst/>
-          </a:prstGeom>
-        </p:spPr>
-      </p:pic>
-    </p:spTree>
-    <p:extLst>
-      <p:ext uri="{BB962C8B-B14F-4D97-AF65-F5344CB8AC3E}">
-        <p14:creationId xmlns:p14="http://schemas.microsoft.com/office/powerpoint/2010/main" val="3284211202"/>
-      </p:ext>
-    </p:extLst>
-  </p:cSld>
-  <p:clrMapOvr>
-    <a:masterClrMapping/>
-  </p:clrMapOvr>
-</p:sld>
-</file>
-
-<file path=ppt/slides/slide9.xml><?xml version="1.0" encoding="utf-8"?>
-<p:sld xmlns:a="http://schemas.openxmlformats.org/drawingml/2006/main" xmlns:r="http://schemas.openxmlformats.org/officeDocument/2006/relationships" xmlns:p="http://schemas.openxmlformats.org/presentationml/2006/main">
-  <p:cSld>
-    <p:bg>
-      <p:bgPr>
-        <a:solidFill>
-          <a:schemeClr val="bg1"/>
-        </a:solidFill>
-        <a:effectLst/>
-      </p:bgPr>
-    </p:bg>
-    <p:spTree>
-      <p:nvGrpSpPr>
-        <p:cNvPr id="1" name=""/>
-        <p:cNvGrpSpPr/>
-        <p:nvPr/>
-      </p:nvGrpSpPr>
-      <p:grpSpPr>
-        <a:xfrm>
-          <a:off x="0" y="0"/>
-          <a:ext cx="0" cy="0"/>
-          <a:chOff x="0" y="0"/>
-          <a:chExt cx="0" cy="0"/>
-        </a:xfrm>
-      </p:grpSpPr>
-      <p:sp useBgFill="1">
-        <p:nvSpPr>
-          <p:cNvPr id="12" name="Rectangle 11">
-            <a:extLst>
-              <a:ext uri="{FF2B5EF4-FFF2-40B4-BE49-F238E27FC236}">
-                <a16:creationId xmlns:a16="http://schemas.microsoft.com/office/drawing/2014/main" id="{71EC1228-8B00-4D31-8616-AAB846D68CEF}"/>
-              </a:ext>
-              <a:ext uri="{C183D7F6-B498-43B3-948B-1728B52AA6E4}">
-                <adec:decorative xmlns:adec="http://schemas.microsoft.com/office/drawing/2017/decorative" val="1"/>
-              </a:ext>
-            </a:extLst>
-          </p:cNvPr>
-          <p:cNvSpPr>
-            <a:spLocks noGrp="1" noRot="1" noChangeAspect="1" noMove="1" noResize="1" noEditPoints="1" noAdjustHandles="1" noChangeArrowheads="1" noChangeShapeType="1" noTextEdit="1"/>
-          </p:cNvSpPr>
-          <p:nvPr>
-            <p:extLst>
-              <p:ext uri="{386F3935-93C4-4BCD-93E2-E3B085C9AB24}">
-                <p16:designElem xmlns:p16="http://schemas.microsoft.com/office/powerpoint/2015/main" val="1"/>
-              </p:ext>
-            </p:extLst>
-          </p:nvPr>
-        </p:nvSpPr>
-        <p:spPr>
-          <a:xfrm>
-            <a:off x="0" y="0"/>
-            <a:ext cx="12191999" cy="6857365"/>
-          </a:xfrm>
-          <a:prstGeom prst="rect">
-            <a:avLst/>
-          </a:prstGeom>
-          <a:ln>
-            <a:noFill/>
-          </a:ln>
-        </p:spPr>
-        <p:style>
-          <a:lnRef idx="2">
-            <a:schemeClr val="accent1">
-              <a:shade val="50000"/>
-            </a:schemeClr>
-          </a:lnRef>
-          <a:fillRef idx="1">
-            <a:schemeClr val="accent1"/>
-          </a:fillRef>
-          <a:effectRef idx="0">
-            <a:schemeClr val="accent1"/>
-          </a:effectRef>
-          <a:fontRef idx="minor">
-            <a:schemeClr val="lt1"/>
-          </a:fontRef>
-        </p:style>
-        <p:txBody>
-          <a:bodyPr rtlCol="0" anchor="ctr"/>
-          <a:lstStyle/>
-          <a:p>
-            <a:pPr algn="ctr"/>
-            <a:endParaRPr lang="en-US"/>
-          </a:p>
-        </p:txBody>
-      </p:sp>
-      <p:sp>
-        <p:nvSpPr>
-          <p:cNvPr id="2" name="Заголовок 1">
-            <a:extLst>
-              <a:ext uri="{FF2B5EF4-FFF2-40B4-BE49-F238E27FC236}">
-                <a16:creationId xmlns:a16="http://schemas.microsoft.com/office/drawing/2014/main" id="{D99F8791-EE9B-1C94-F7EB-4890D44D22F6}"/>
-              </a:ext>
-            </a:extLst>
-          </p:cNvPr>
-          <p:cNvSpPr>
-            <a:spLocks noGrp="1"/>
-          </p:cNvSpPr>
-          <p:nvPr>
-            <p:ph type="title"/>
-          </p:nvPr>
-        </p:nvSpPr>
-        <p:spPr>
-          <a:xfrm>
-            <a:off x="8384717" y="79211"/>
-            <a:ext cx="3505198" cy="2846070"/>
-          </a:xfrm>
-        </p:spPr>
-        <p:txBody>
-          <a:bodyPr vert="horz" lIns="91440" tIns="45720" rIns="91440" bIns="45720" rtlCol="0" anchor="ctr">
-            <a:normAutofit/>
-          </a:bodyPr>
-          <a:lstStyle/>
-          <a:p>
-            <a:r>
-              <a:rPr lang="en-US" sz="3200" kern="1200" dirty="0" err="1">
-                <a:solidFill>
-                  <a:schemeClr val="tx1"/>
-                </a:solidFill>
-                <a:latin typeface="Century Gothic" panose="020B0502020202020204" pitchFamily="34" charset="0"/>
-              </a:rPr>
-              <a:t>Просматривать</a:t>
-            </a:r>
-            <a:r>
-              <a:rPr lang="en-US" sz="3200" kern="1200" dirty="0">
-                <a:solidFill>
-                  <a:schemeClr val="tx1"/>
-                </a:solidFill>
-                <a:latin typeface="Century Gothic" panose="020B0502020202020204" pitchFamily="34" charset="0"/>
-              </a:rPr>
-              <a:t> </a:t>
-            </a:r>
-            <a:r>
-              <a:rPr lang="en-US" sz="3200" kern="1200" dirty="0" err="1">
-                <a:solidFill>
-                  <a:schemeClr val="tx1"/>
-                </a:solidFill>
-                <a:latin typeface="Century Gothic" panose="020B0502020202020204" pitchFamily="34" charset="0"/>
-              </a:rPr>
-              <a:t>список</a:t>
-            </a:r>
-            <a:r>
-              <a:rPr lang="en-US" sz="3200" kern="1200" dirty="0">
-                <a:solidFill>
-                  <a:schemeClr val="tx1"/>
-                </a:solidFill>
-                <a:latin typeface="Century Gothic" panose="020B0502020202020204" pitchFamily="34" charset="0"/>
-              </a:rPr>
-              <a:t> </a:t>
-            </a:r>
-            <a:r>
-              <a:rPr lang="en-US" sz="3200" kern="1200" dirty="0" err="1">
-                <a:solidFill>
-                  <a:schemeClr val="tx1"/>
-                </a:solidFill>
-                <a:latin typeface="Century Gothic" panose="020B0502020202020204" pitchFamily="34" charset="0"/>
-              </a:rPr>
-              <a:t>актуальных</a:t>
-            </a:r>
-            <a:r>
-              <a:rPr lang="en-US" sz="3200" kern="1200" dirty="0">
-                <a:solidFill>
-                  <a:schemeClr val="tx1"/>
-                </a:solidFill>
-                <a:latin typeface="Century Gothic" panose="020B0502020202020204" pitchFamily="34" charset="0"/>
-              </a:rPr>
-              <a:t> </a:t>
-            </a:r>
-            <a:r>
-              <a:rPr lang="en-US" sz="3200" kern="1200" dirty="0" err="1">
-                <a:solidFill>
-                  <a:schemeClr val="tx1"/>
-                </a:solidFill>
-                <a:latin typeface="Century Gothic" panose="020B0502020202020204" pitchFamily="34" charset="0"/>
-              </a:rPr>
-              <a:t>курьеров</a:t>
-            </a:r>
-            <a:endParaRPr lang="en-US" sz="3200" kern="1200" dirty="0">
+            <a:pPr marL="0" marR="0" lvl="0" indent="0" algn="ctr" defTabSz="914400" rtl="0" eaLnBrk="1" fontAlgn="auto" latinLnBrk="0" hangingPunct="1">
+              <a:lnSpc>
+                <a:spcPct val="100000"/>
+              </a:lnSpc>
+              <a:spcBef>
+                <a:spcPts val="0"/>
+              </a:spcBef>
+              <a:spcAft>
+                <a:spcPts val="0"/>
+              </a:spcAft>
+              <a:buClrTx/>
+              <a:buSzTx/>
+              <a:buFontTx/>
+              <a:buNone/>
+              <a:tabLst/>
+              <a:defRPr/>
+            </a:pPr>
+            <a:endParaRPr kumimoji="0" lang="en-US" sz="1800" b="0" i="0" u="none" strike="noStrike" kern="1200" cap="none" spc="0" normalizeH="0" baseline="0" noProof="0" dirty="0">
+              <a:ln>
+                <a:noFill/>
+              </a:ln>
               <a:solidFill>
-                <a:schemeClr val="tx1"/>
+                <a:prstClr val="black"/>
               </a:solidFill>
-              <a:latin typeface="Century Gothic" panose="020B0502020202020204" pitchFamily="34" charset="0"/>
+              <a:effectLst/>
+              <a:uLnTx/>
+              <a:uFillTx/>
+              <a:latin typeface="Calibri" panose="020F0502020204030204"/>
+              <a:ea typeface="+mn-ea"/>
+              <a:cs typeface="+mn-cs"/>
             </a:endParaRPr>
           </a:p>
         </p:txBody>
       </p:sp>
-      <p:sp>
-        <p:nvSpPr>
-          <p:cNvPr id="14" name="Rectangle 13">
+      <p:graphicFrame>
+        <p:nvGraphicFramePr>
+          <p:cNvPr id="4" name="Объект 3">
             <a:extLst>
               <a:ext uri="{FF2B5EF4-FFF2-40B4-BE49-F238E27FC236}">
-                <a16:creationId xmlns:a16="http://schemas.microsoft.com/office/drawing/2014/main" id="{99413ED5-9ED4-4772-BCE4-2BCAE6B12E35}"/>
-              </a:ext>
-              <a:ext uri="{C183D7F6-B498-43B3-948B-1728B52AA6E4}">
-                <adec:decorative xmlns:adec="http://schemas.microsoft.com/office/drawing/2017/decorative" val="1"/>
+                <a16:creationId xmlns:a16="http://schemas.microsoft.com/office/drawing/2014/main" id="{613F1836-DB3F-7FDE-8313-C92B69B0C121}"/>
               </a:ext>
             </a:extLst>
           </p:cNvPr>
-          <p:cNvSpPr>
-            <a:spLocks noGrp="1" noRot="1" noChangeAspect="1" noMove="1" noResize="1" noEditPoints="1" noAdjustHandles="1" noChangeArrowheads="1" noChangeShapeType="1" noTextEdit="1"/>
-          </p:cNvSpPr>
+          <p:cNvGraphicFramePr>
+            <a:graphicFrameLocks noGrp="1"/>
+          </p:cNvGraphicFramePr>
           <p:nvPr>
+            <p:ph idx="1"/>
             <p:extLst>
-              <p:ext uri="{386F3935-93C4-4BCD-93E2-E3B085C9AB24}">
-                <p16:designElem xmlns:p16="http://schemas.microsoft.com/office/powerpoint/2015/main" val="1"/>
+              <p:ext uri="{D42A27DB-BD31-4B8C-83A1-F6EECF244321}">
+                <p14:modId xmlns:p14="http://schemas.microsoft.com/office/powerpoint/2010/main" val="2891117149"/>
               </p:ext>
             </p:extLst>
           </p:nvPr>
-        </p:nvSpPr>
-        <p:spPr>
-          <a:xfrm rot="16200000">
-            <a:off x="3433973" y="-827233"/>
-            <a:ext cx="1715478" cy="8583421"/>
-          </a:xfrm>
-          <a:prstGeom prst="rect">
-            <a:avLst/>
-          </a:prstGeom>
-          <a:solidFill>
-            <a:schemeClr val="accent4"/>
-          </a:solidFill>
-          <a:ln>
-            <a:noFill/>
-          </a:ln>
-        </p:spPr>
-        <p:style>
-          <a:lnRef idx="2">
-            <a:schemeClr val="accent1">
-              <a:shade val="50000"/>
-            </a:schemeClr>
-          </a:lnRef>
-          <a:fillRef idx="1">
-            <a:schemeClr val="accent1"/>
-          </a:fillRef>
-          <a:effectRef idx="0">
-            <a:schemeClr val="accent1"/>
-          </a:effectRef>
-          <a:fontRef idx="minor">
-            <a:schemeClr val="lt1"/>
-          </a:fontRef>
-        </p:style>
-        <p:txBody>
-          <a:bodyPr rtlCol="0" anchor="ctr"/>
-          <a:lstStyle/>
-          <a:p>
-            <a:pPr algn="ctr"/>
-            <a:endParaRPr lang="en-US" dirty="0"/>
-          </a:p>
-        </p:txBody>
-      </p:sp>
-      <p:sp>
-        <p:nvSpPr>
-          <p:cNvPr id="16" name="Rectangle 15">
-            <a:extLst>
-              <a:ext uri="{FF2B5EF4-FFF2-40B4-BE49-F238E27FC236}">
-                <a16:creationId xmlns:a16="http://schemas.microsoft.com/office/drawing/2014/main" id="{04357C93-F0CB-4A1C-8F77-4E9063789819}"/>
-              </a:ext>
-              <a:ext uri="{C183D7F6-B498-43B3-948B-1728B52AA6E4}">
-                <adec:decorative xmlns:adec="http://schemas.microsoft.com/office/drawing/2017/decorative" val="1"/>
-              </a:ext>
-            </a:extLst>
-          </p:cNvPr>
-          <p:cNvSpPr>
-            <a:spLocks noGrp="1" noRot="1" noChangeAspect="1" noMove="1" noResize="1" noEditPoints="1" noAdjustHandles="1" noChangeArrowheads="1" noChangeShapeType="1" noTextEdit="1"/>
-          </p:cNvSpPr>
-          <p:nvPr>
-            <p:extLst>
-              <p:ext uri="{386F3935-93C4-4BCD-93E2-E3B085C9AB24}">
-                <p16:designElem xmlns:p16="http://schemas.microsoft.com/office/powerpoint/2015/main" val="1"/>
-              </p:ext>
-            </p:extLst>
-          </p:nvPr>
-        </p:nvSpPr>
-        <p:spPr>
-          <a:xfrm>
-            <a:off x="302085" y="664308"/>
-            <a:ext cx="8082632" cy="5600340"/>
-          </a:xfrm>
-          <a:prstGeom prst="rect">
-            <a:avLst/>
-          </a:prstGeom>
-          <a:solidFill>
-            <a:schemeClr val="bg1"/>
-          </a:solidFill>
-          <a:ln>
-            <a:noFill/>
-          </a:ln>
-          <a:effectLst>
-            <a:outerShdw blurRad="139700" dist="127000" dir="5400000" algn="t" rotWithShape="0">
-              <a:prstClr val="black">
-                <a:alpha val="15000"/>
-              </a:prstClr>
-            </a:outerShdw>
-          </a:effectLst>
-        </p:spPr>
-        <p:style>
-          <a:lnRef idx="2">
-            <a:schemeClr val="accent1">
-              <a:shade val="50000"/>
-            </a:schemeClr>
-          </a:lnRef>
-          <a:fillRef idx="1">
-            <a:schemeClr val="accent1"/>
-          </a:fillRef>
-          <a:effectRef idx="0">
-            <a:schemeClr val="accent1"/>
-          </a:effectRef>
-          <a:fontRef idx="minor">
-            <a:schemeClr val="lt1"/>
-          </a:fontRef>
-        </p:style>
-        <p:txBody>
-          <a:bodyPr rtlCol="0" anchor="ctr"/>
-          <a:lstStyle/>
-          <a:p>
-            <a:pPr algn="ctr"/>
-            <a:endParaRPr lang="en-US"/>
-          </a:p>
-        </p:txBody>
-      </p:sp>
-      <p:pic>
-        <p:nvPicPr>
-          <p:cNvPr id="7" name="Рисунок 6" descr="Изображение выглядит как текст, снимок экрана, Шрифт, дизайн&#10;&#10;Автоматически созданное описание">
-            <a:extLst>
-              <a:ext uri="{FF2B5EF4-FFF2-40B4-BE49-F238E27FC236}">
-                <a16:creationId xmlns:a16="http://schemas.microsoft.com/office/drawing/2014/main" id="{A37FBADD-63C5-FA99-21BE-8F2B0D872FBB}"/>
-              </a:ext>
-            </a:extLst>
-          </p:cNvPr>
-          <p:cNvPicPr>
-            <a:picLocks noChangeAspect="1"/>
-          </p:cNvPicPr>
-          <p:nvPr/>
-        </p:nvPicPr>
-        <p:blipFill rotWithShape="1">
-          <a:blip r:embed="rId2">
-            <a:extLst>
-              <a:ext uri="{28A0092B-C50C-407E-A947-70E740481C1C}">
-                <a14:useLocalDpi xmlns:a14="http://schemas.microsoft.com/office/drawing/2010/main" val="0"/>
-              </a:ext>
-            </a:extLst>
-          </a:blip>
-          <a:srcRect l="-1" t="667" r="2" b="998"/>
-          <a:stretch/>
-        </p:blipFill>
-        <p:spPr>
-          <a:xfrm>
-            <a:off x="4343401" y="858524"/>
-            <a:ext cx="3725176" cy="5211906"/>
-          </a:xfrm>
-          <a:prstGeom prst="rect">
-            <a:avLst/>
-          </a:prstGeom>
-        </p:spPr>
-      </p:pic>
-      <p:pic>
-        <p:nvPicPr>
-          <p:cNvPr id="5" name="Объект 4" descr="Изображение выглядит как текст, снимок экрана, дизайн&#10;&#10;Автоматически созданное описание">
-            <a:extLst>
-              <a:ext uri="{FF2B5EF4-FFF2-40B4-BE49-F238E27FC236}">
-                <a16:creationId xmlns:a16="http://schemas.microsoft.com/office/drawing/2014/main" id="{1D2975D7-98F0-A57D-C14E-B9A5765F4D4C}"/>
-              </a:ext>
-            </a:extLst>
-          </p:cNvPr>
-          <p:cNvPicPr>
-            <a:picLocks noGrp="1" noChangeAspect="1"/>
-          </p:cNvPicPr>
-          <p:nvPr>
-            <p:ph idx="1"/>
-          </p:nvPr>
-        </p:nvPicPr>
-        <p:blipFill rotWithShape="1">
-          <a:blip r:embed="rId3">
-            <a:extLst>
-              <a:ext uri="{28A0092B-C50C-407E-A947-70E740481C1C}">
-                <a14:useLocalDpi xmlns:a14="http://schemas.microsoft.com/office/drawing/2010/main" val="0"/>
-              </a:ext>
-            </a:extLst>
-          </a:blip>
-          <a:srcRect b="642"/>
-          <a:stretch/>
-        </p:blipFill>
-        <p:spPr>
-          <a:xfrm>
-            <a:off x="480227" y="858524"/>
-            <a:ext cx="3685032" cy="5211906"/>
-          </a:xfrm>
-          <a:prstGeom prst="rect">
-            <a:avLst/>
-          </a:prstGeom>
-        </p:spPr>
-      </p:pic>
-      <p:sp>
-        <p:nvSpPr>
-          <p:cNvPr id="18" name="Rectangle 17">
-            <a:extLst>
-              <a:ext uri="{FF2B5EF4-FFF2-40B4-BE49-F238E27FC236}">
-                <a16:creationId xmlns:a16="http://schemas.microsoft.com/office/drawing/2014/main" id="{90F533E9-6690-41A8-A372-4C6C622D028D}"/>
-              </a:ext>
-              <a:ext uri="{C183D7F6-B498-43B3-948B-1728B52AA6E4}">
-                <adec:decorative xmlns:adec="http://schemas.microsoft.com/office/drawing/2017/decorative" val="1"/>
-              </a:ext>
-            </a:extLst>
-          </p:cNvPr>
-          <p:cNvSpPr>
-            <a:spLocks noGrp="1" noRot="1" noChangeAspect="1" noMove="1" noResize="1" noEditPoints="1" noAdjustHandles="1" noChangeArrowheads="1" noChangeShapeType="1" noTextEdit="1"/>
-          </p:cNvSpPr>
-          <p:nvPr>
-            <p:extLst>
-              <p:ext uri="{386F3935-93C4-4BCD-93E2-E3B085C9AB24}">
-                <p16:designElem xmlns:p16="http://schemas.microsoft.com/office/powerpoint/2015/main" val="1"/>
-              </p:ext>
-            </p:extLst>
-          </p:nvPr>
-        </p:nvSpPr>
-        <p:spPr>
-          <a:xfrm rot="5400000">
-            <a:off x="7950447" y="3392097"/>
-            <a:ext cx="1719072" cy="152382"/>
-          </a:xfrm>
-          <a:prstGeom prst="rect">
-            <a:avLst/>
-          </a:prstGeom>
-          <a:solidFill>
-            <a:schemeClr val="accent4"/>
-          </a:solidFill>
-          <a:ln>
-            <a:noFill/>
-          </a:ln>
-        </p:spPr>
-        <p:style>
-          <a:lnRef idx="2">
-            <a:schemeClr val="accent1">
-              <a:shade val="50000"/>
-            </a:schemeClr>
-          </a:lnRef>
-          <a:fillRef idx="1">
-            <a:schemeClr val="accent1"/>
-          </a:fillRef>
-          <a:effectRef idx="0">
-            <a:schemeClr val="accent1"/>
-          </a:effectRef>
-          <a:fontRef idx="minor">
-            <a:schemeClr val="lt1"/>
-          </a:fontRef>
-        </p:style>
-        <p:txBody>
-          <a:bodyPr rtlCol="0" anchor="ctr"/>
-          <a:lstStyle/>
-          <a:p>
-            <a:pPr algn="ctr"/>
-            <a:endParaRPr lang="en-US"/>
-          </a:p>
-        </p:txBody>
-      </p:sp>
+        </p:nvGraphicFramePr>
+        <p:xfrm>
+          <a:off x="838200" y="1825625"/>
+          <a:ext cx="10515600" cy="4351338"/>
+        </p:xfrm>
+        <a:graphic>
+          <a:graphicData uri="http://schemas.openxmlformats.org/drawingml/2006/diagram">
+            <dgm:relIds xmlns:dgm="http://schemas.openxmlformats.org/drawingml/2006/diagram" xmlns:r="http://schemas.openxmlformats.org/officeDocument/2006/relationships" r:dm="rId2" r:lo="rId3" r:qs="rId4" r:cs="rId5"/>
+          </a:graphicData>
+        </a:graphic>
+      </p:graphicFrame>
     </p:spTree>
     <p:extLst>
       <p:ext uri="{BB962C8B-B14F-4D97-AF65-F5344CB8AC3E}">
-        <p14:creationId xmlns:p14="http://schemas.microsoft.com/office/powerpoint/2010/main" val="3972807493"/>
+        <p14:creationId xmlns:p14="http://schemas.microsoft.com/office/powerpoint/2010/main" val="2138798103"/>
       </p:ext>
     </p:extLst>
   </p:cSld>

--- a/Презентация.pptx
+++ b/Презентация.pptx
@@ -6,19 +6,22 @@
   </p:sldMasterIdLst>
   <p:sldIdLst>
     <p:sldId id="256" r:id="rId2"/>
-    <p:sldId id="257" r:id="rId3"/>
-    <p:sldId id="260" r:id="rId4"/>
-    <p:sldId id="274" r:id="rId5"/>
-    <p:sldId id="272" r:id="rId6"/>
-    <p:sldId id="268" r:id="rId7"/>
-    <p:sldId id="266" r:id="rId8"/>
-    <p:sldId id="267" r:id="rId9"/>
-    <p:sldId id="275" r:id="rId10"/>
-    <p:sldId id="269" r:id="rId11"/>
-    <p:sldId id="271" r:id="rId12"/>
-    <p:sldId id="270" r:id="rId13"/>
-    <p:sldId id="273" r:id="rId14"/>
-    <p:sldId id="265" r:id="rId15"/>
+    <p:sldId id="277" r:id="rId3"/>
+    <p:sldId id="257" r:id="rId4"/>
+    <p:sldId id="260" r:id="rId5"/>
+    <p:sldId id="274" r:id="rId6"/>
+    <p:sldId id="276" r:id="rId7"/>
+    <p:sldId id="272" r:id="rId8"/>
+    <p:sldId id="268" r:id="rId9"/>
+    <p:sldId id="266" r:id="rId10"/>
+    <p:sldId id="267" r:id="rId11"/>
+    <p:sldId id="275" r:id="rId12"/>
+    <p:sldId id="278" r:id="rId13"/>
+    <p:sldId id="269" r:id="rId14"/>
+    <p:sldId id="271" r:id="rId15"/>
+    <p:sldId id="270" r:id="rId16"/>
+    <p:sldId id="273" r:id="rId17"/>
+    <p:sldId id="265" r:id="rId18"/>
   </p:sldIdLst>
   <p:sldSz cx="12192000" cy="6858000"/>
   <p:notesSz cx="6858000" cy="9144000"/>
@@ -7474,7 +7477,7 @@
           <a:p>
             <a:fld id="{4F71FAD1-1BE9-44F1-8DFC-EF3B6F837893}" type="datetimeFigureOut">
               <a:rPr lang="ru-RU" smtClean="0"/>
-              <a:t>31.05.2023</a:t>
+              <a:t>01.06.2023</a:t>
             </a:fld>
             <a:endParaRPr lang="ru-RU"/>
           </a:p>
@@ -7644,7 +7647,7 @@
           <a:p>
             <a:fld id="{4F71FAD1-1BE9-44F1-8DFC-EF3B6F837893}" type="datetimeFigureOut">
               <a:rPr lang="ru-RU" smtClean="0"/>
-              <a:t>31.05.2023</a:t>
+              <a:t>01.06.2023</a:t>
             </a:fld>
             <a:endParaRPr lang="ru-RU"/>
           </a:p>
@@ -7824,7 +7827,7 @@
           <a:p>
             <a:fld id="{4F71FAD1-1BE9-44F1-8DFC-EF3B6F837893}" type="datetimeFigureOut">
               <a:rPr lang="ru-RU" smtClean="0"/>
-              <a:t>31.05.2023</a:t>
+              <a:t>01.06.2023</a:t>
             </a:fld>
             <a:endParaRPr lang="ru-RU"/>
           </a:p>
@@ -7994,7 +7997,7 @@
           <a:p>
             <a:fld id="{4F71FAD1-1BE9-44F1-8DFC-EF3B6F837893}" type="datetimeFigureOut">
               <a:rPr lang="ru-RU" smtClean="0"/>
-              <a:t>31.05.2023</a:t>
+              <a:t>01.06.2023</a:t>
             </a:fld>
             <a:endParaRPr lang="ru-RU"/>
           </a:p>
@@ -8240,7 +8243,7 @@
           <a:p>
             <a:fld id="{4F71FAD1-1BE9-44F1-8DFC-EF3B6F837893}" type="datetimeFigureOut">
               <a:rPr lang="ru-RU" smtClean="0"/>
-              <a:t>31.05.2023</a:t>
+              <a:t>01.06.2023</a:t>
             </a:fld>
             <a:endParaRPr lang="ru-RU"/>
           </a:p>
@@ -8472,7 +8475,7 @@
           <a:p>
             <a:fld id="{4F71FAD1-1BE9-44F1-8DFC-EF3B6F837893}" type="datetimeFigureOut">
               <a:rPr lang="ru-RU" smtClean="0"/>
-              <a:t>31.05.2023</a:t>
+              <a:t>01.06.2023</a:t>
             </a:fld>
             <a:endParaRPr lang="ru-RU"/>
           </a:p>
@@ -8839,7 +8842,7 @@
           <a:p>
             <a:fld id="{4F71FAD1-1BE9-44F1-8DFC-EF3B6F837893}" type="datetimeFigureOut">
               <a:rPr lang="ru-RU" smtClean="0"/>
-              <a:t>31.05.2023</a:t>
+              <a:t>01.06.2023</a:t>
             </a:fld>
             <a:endParaRPr lang="ru-RU"/>
           </a:p>
@@ -8957,7 +8960,7 @@
           <a:p>
             <a:fld id="{4F71FAD1-1BE9-44F1-8DFC-EF3B6F837893}" type="datetimeFigureOut">
               <a:rPr lang="ru-RU" smtClean="0"/>
-              <a:t>31.05.2023</a:t>
+              <a:t>01.06.2023</a:t>
             </a:fld>
             <a:endParaRPr lang="ru-RU"/>
           </a:p>
@@ -9052,7 +9055,7 @@
           <a:p>
             <a:fld id="{4F71FAD1-1BE9-44F1-8DFC-EF3B6F837893}" type="datetimeFigureOut">
               <a:rPr lang="ru-RU" smtClean="0"/>
-              <a:t>31.05.2023</a:t>
+              <a:t>01.06.2023</a:t>
             </a:fld>
             <a:endParaRPr lang="ru-RU"/>
           </a:p>
@@ -9329,7 +9332,7 @@
           <a:p>
             <a:fld id="{4F71FAD1-1BE9-44F1-8DFC-EF3B6F837893}" type="datetimeFigureOut">
               <a:rPr lang="ru-RU" smtClean="0"/>
-              <a:t>31.05.2023</a:t>
+              <a:t>01.06.2023</a:t>
             </a:fld>
             <a:endParaRPr lang="ru-RU"/>
           </a:p>
@@ -9586,7 +9589,7 @@
           <a:p>
             <a:fld id="{4F71FAD1-1BE9-44F1-8DFC-EF3B6F837893}" type="datetimeFigureOut">
               <a:rPr lang="ru-RU" smtClean="0"/>
-              <a:t>31.05.2023</a:t>
+              <a:t>01.06.2023</a:t>
             </a:fld>
             <a:endParaRPr lang="ru-RU"/>
           </a:p>
@@ -9799,7 +9802,7 @@
           <a:p>
             <a:fld id="{4F71FAD1-1BE9-44F1-8DFC-EF3B6F837893}" type="datetimeFigureOut">
               <a:rPr lang="ru-RU" smtClean="0"/>
-              <a:t>31.05.2023</a:t>
+              <a:t>01.06.2023</a:t>
             </a:fld>
             <a:endParaRPr lang="ru-RU"/>
           </a:p>
@@ -10709,6 +10712,1094 @@
       </p:grpSpPr>
       <p:sp useBgFill="1">
         <p:nvSpPr>
+          <p:cNvPr id="21" name="Rectangle 20">
+            <a:extLst>
+              <a:ext uri="{FF2B5EF4-FFF2-40B4-BE49-F238E27FC236}">
+                <a16:creationId xmlns:a16="http://schemas.microsoft.com/office/drawing/2014/main" id="{4DA718D0-4865-4629-8134-44F68D41D574}"/>
+              </a:ext>
+              <a:ext uri="{C183D7F6-B498-43B3-948B-1728B52AA6E4}">
+                <adec:decorative xmlns:adec="http://schemas.microsoft.com/office/drawing/2017/decorative" val="1"/>
+              </a:ext>
+            </a:extLst>
+          </p:cNvPr>
+          <p:cNvSpPr>
+            <a:spLocks noGrp="1" noRot="1" noChangeAspect="1" noMove="1" noResize="1" noEditPoints="1" noAdjustHandles="1" noChangeArrowheads="1" noChangeShapeType="1" noTextEdit="1"/>
+          </p:cNvSpPr>
+          <p:nvPr>
+            <p:extLst>
+              <p:ext uri="{386F3935-93C4-4BCD-93E2-E3B085C9AB24}">
+                <p16:designElem xmlns:p16="http://schemas.microsoft.com/office/powerpoint/2015/main" val="1"/>
+              </p:ext>
+            </p:extLst>
+          </p:nvPr>
+        </p:nvSpPr>
+        <p:spPr>
+          <a:xfrm>
+            <a:off x="0" y="0"/>
+            <a:ext cx="12191999" cy="6857365"/>
+          </a:xfrm>
+          <a:prstGeom prst="rect">
+            <a:avLst/>
+          </a:prstGeom>
+          <a:ln>
+            <a:noFill/>
+          </a:ln>
+        </p:spPr>
+        <p:style>
+          <a:lnRef idx="2">
+            <a:schemeClr val="accent1">
+              <a:shade val="50000"/>
+            </a:schemeClr>
+          </a:lnRef>
+          <a:fillRef idx="1">
+            <a:schemeClr val="accent1"/>
+          </a:fillRef>
+          <a:effectRef idx="0">
+            <a:schemeClr val="accent1"/>
+          </a:effectRef>
+          <a:fontRef idx="minor">
+            <a:schemeClr val="lt1"/>
+          </a:fontRef>
+        </p:style>
+        <p:txBody>
+          <a:bodyPr rtlCol="0" anchor="ctr"/>
+          <a:lstStyle/>
+          <a:p>
+            <a:pPr algn="ctr"/>
+            <a:endParaRPr lang="en-US"/>
+          </a:p>
+        </p:txBody>
+      </p:sp>
+      <p:grpSp>
+        <p:nvGrpSpPr>
+          <p:cNvPr id="23" name="Group 22">
+            <a:extLst>
+              <a:ext uri="{FF2B5EF4-FFF2-40B4-BE49-F238E27FC236}">
+                <a16:creationId xmlns:a16="http://schemas.microsoft.com/office/drawing/2014/main" id="{65167ED7-6315-43AB-B1B6-C326D5FD8F84}"/>
+              </a:ext>
+              <a:ext uri="{C183D7F6-B498-43B3-948B-1728B52AA6E4}">
+                <adec:decorative xmlns:adec="http://schemas.microsoft.com/office/drawing/2017/decorative" val="1"/>
+              </a:ext>
+            </a:extLst>
+          </p:cNvPr>
+          <p:cNvGrpSpPr>
+            <a:grpSpLocks noGrp="1" noUngrp="1" noRot="1" noChangeAspect="1" noMove="1" noResize="1"/>
+          </p:cNvGrpSpPr>
+          <p:nvPr>
+            <p:extLst>
+              <p:ext uri="{386F3935-93C4-4BCD-93E2-E3B085C9AB24}">
+                <p16:designElem xmlns:p16="http://schemas.microsoft.com/office/powerpoint/2015/main" val="1"/>
+              </p:ext>
+            </p:extLst>
+          </p:nvPr>
+        </p:nvGrpSpPr>
+        <p:grpSpPr>
+          <a:xfrm rot="5400000">
+            <a:off x="-2340441" y="2666183"/>
+            <a:ext cx="5860051" cy="527712"/>
+            <a:chOff x="6081624" y="1998368"/>
+            <a:chExt cx="5613457" cy="782175"/>
+          </a:xfrm>
+          <a:solidFill>
+            <a:schemeClr val="accent4"/>
+          </a:solidFill>
+        </p:grpSpPr>
+        <p:sp>
+          <p:nvSpPr>
+            <p:cNvPr id="24" name="Rectangle 23">
+              <a:extLst>
+                <a:ext uri="{FF2B5EF4-FFF2-40B4-BE49-F238E27FC236}">
+                  <a16:creationId xmlns:a16="http://schemas.microsoft.com/office/drawing/2014/main" id="{EF4D8839-FB03-487D-ACC8-8BFEDD4FEBAE}"/>
+                </a:ext>
+                <a:ext uri="{C183D7F6-B498-43B3-948B-1728B52AA6E4}">
+                  <adec:decorative xmlns:adec="http://schemas.microsoft.com/office/drawing/2017/decorative" val="1"/>
+                </a:ext>
+              </a:extLst>
+            </p:cNvPr>
+            <p:cNvSpPr/>
+            <p:nvPr>
+              <p:extLst>
+                <p:ext uri="{386F3935-93C4-4BCD-93E2-E3B085C9AB24}">
+                  <p16:designElem xmlns:p16="http://schemas.microsoft.com/office/powerpoint/2015/main" val="1"/>
+                </p:ext>
+              </p:extLst>
+            </p:nvPr>
+          </p:nvSpPr>
+          <p:spPr>
+            <a:xfrm rot="5400000">
+              <a:off x="11228040" y="2313027"/>
+              <a:ext cx="781700" cy="152382"/>
+            </a:xfrm>
+            <a:prstGeom prst="rect">
+              <a:avLst/>
+            </a:prstGeom>
+            <a:grpFill/>
+            <a:ln>
+              <a:noFill/>
+            </a:ln>
+          </p:spPr>
+          <p:style>
+            <a:lnRef idx="2">
+              <a:schemeClr val="accent1">
+                <a:shade val="50000"/>
+              </a:schemeClr>
+            </a:lnRef>
+            <a:fillRef idx="1">
+              <a:schemeClr val="accent1"/>
+            </a:fillRef>
+            <a:effectRef idx="0">
+              <a:schemeClr val="accent1"/>
+            </a:effectRef>
+            <a:fontRef idx="minor">
+              <a:schemeClr val="lt1"/>
+            </a:fontRef>
+          </p:style>
+          <p:txBody>
+            <a:bodyPr rtlCol="0" anchor="ctr"/>
+            <a:lstStyle/>
+            <a:p>
+              <a:pPr algn="ctr"/>
+              <a:endParaRPr lang="en-US"/>
+            </a:p>
+          </p:txBody>
+        </p:sp>
+        <p:sp>
+          <p:nvSpPr>
+            <p:cNvPr id="25" name="Rectangle 24">
+              <a:extLst>
+                <a:ext uri="{FF2B5EF4-FFF2-40B4-BE49-F238E27FC236}">
+                  <a16:creationId xmlns:a16="http://schemas.microsoft.com/office/drawing/2014/main" id="{0EF75023-9A3B-42FC-B704-61A8F7BEF415}"/>
+                </a:ext>
+                <a:ext uri="{C183D7F6-B498-43B3-948B-1728B52AA6E4}">
+                  <adec:decorative xmlns:adec="http://schemas.microsoft.com/office/drawing/2017/decorative" val="1"/>
+                </a:ext>
+              </a:extLst>
+            </p:cNvPr>
+            <p:cNvSpPr/>
+            <p:nvPr>
+              <p:extLst>
+                <p:ext uri="{386F3935-93C4-4BCD-93E2-E3B085C9AB24}">
+                  <p16:designElem xmlns:p16="http://schemas.microsoft.com/office/powerpoint/2015/main" val="1"/>
+                </p:ext>
+              </p:extLst>
+            </p:nvPr>
+          </p:nvSpPr>
+          <p:spPr>
+            <a:xfrm flipH="1" flipV="1">
+              <a:off x="6081624" y="1998844"/>
+              <a:ext cx="5372968" cy="781699"/>
+            </a:xfrm>
+            <a:prstGeom prst="rect">
+              <a:avLst/>
+            </a:prstGeom>
+            <a:grpFill/>
+            <a:ln>
+              <a:noFill/>
+            </a:ln>
+          </p:spPr>
+          <p:style>
+            <a:lnRef idx="2">
+              <a:schemeClr val="accent1">
+                <a:shade val="50000"/>
+              </a:schemeClr>
+            </a:lnRef>
+            <a:fillRef idx="1">
+              <a:schemeClr val="accent1"/>
+            </a:fillRef>
+            <a:effectRef idx="0">
+              <a:schemeClr val="accent1"/>
+            </a:effectRef>
+            <a:fontRef idx="minor">
+              <a:schemeClr val="lt1"/>
+            </a:fontRef>
+          </p:style>
+          <p:txBody>
+            <a:bodyPr rtlCol="0" anchor="ctr"/>
+            <a:lstStyle/>
+            <a:p>
+              <a:pPr algn="ctr"/>
+              <a:endParaRPr lang="en-US"/>
+            </a:p>
+          </p:txBody>
+        </p:sp>
+      </p:grpSp>
+      <p:sp>
+        <p:nvSpPr>
+          <p:cNvPr id="27" name="Rectangle 26">
+            <a:extLst>
+              <a:ext uri="{FF2B5EF4-FFF2-40B4-BE49-F238E27FC236}">
+                <a16:creationId xmlns:a16="http://schemas.microsoft.com/office/drawing/2014/main" id="{CBC4F608-B4B8-48C3-9572-C0F061B1CD99}"/>
+              </a:ext>
+              <a:ext uri="{C183D7F6-B498-43B3-948B-1728B52AA6E4}">
+                <adec:decorative xmlns:adec="http://schemas.microsoft.com/office/drawing/2017/decorative" val="1"/>
+              </a:ext>
+            </a:extLst>
+          </p:cNvPr>
+          <p:cNvSpPr>
+            <a:spLocks noGrp="1" noRot="1" noChangeAspect="1" noMove="1" noResize="1" noEditPoints="1" noAdjustHandles="1" noChangeArrowheads="1" noChangeShapeType="1" noTextEdit="1"/>
+          </p:cNvSpPr>
+          <p:nvPr>
+            <p:extLst>
+              <p:ext uri="{386F3935-93C4-4BCD-93E2-E3B085C9AB24}">
+                <p16:designElem xmlns:p16="http://schemas.microsoft.com/office/powerpoint/2015/main" val="1"/>
+              </p:ext>
+            </p:extLst>
+          </p:nvPr>
+        </p:nvSpPr>
+        <p:spPr>
+          <a:xfrm>
+            <a:off x="579528" y="922919"/>
+            <a:ext cx="11111729" cy="5461252"/>
+          </a:xfrm>
+          <a:prstGeom prst="rect">
+            <a:avLst/>
+          </a:prstGeom>
+          <a:solidFill>
+            <a:schemeClr val="bg1"/>
+          </a:solidFill>
+          <a:ln>
+            <a:noFill/>
+          </a:ln>
+          <a:effectLst>
+            <a:outerShdw blurRad="139700" dist="127000" dir="5400000" algn="t" rotWithShape="0">
+              <a:prstClr val="black">
+                <a:alpha val="15000"/>
+              </a:prstClr>
+            </a:outerShdw>
+          </a:effectLst>
+        </p:spPr>
+        <p:style>
+          <a:lnRef idx="2">
+            <a:schemeClr val="accent1">
+              <a:shade val="50000"/>
+            </a:schemeClr>
+          </a:lnRef>
+          <a:fillRef idx="1">
+            <a:schemeClr val="accent1"/>
+          </a:fillRef>
+          <a:effectRef idx="0">
+            <a:schemeClr val="accent1"/>
+          </a:effectRef>
+          <a:fontRef idx="minor">
+            <a:schemeClr val="lt1"/>
+          </a:fontRef>
+        </p:style>
+        <p:txBody>
+          <a:bodyPr rtlCol="0" anchor="ctr"/>
+          <a:lstStyle/>
+          <a:p>
+            <a:pPr algn="ctr"/>
+            <a:endParaRPr lang="en-US"/>
+          </a:p>
+        </p:txBody>
+      </p:sp>
+      <p:sp>
+        <p:nvSpPr>
+          <p:cNvPr id="2" name="Заголовок 1">
+            <a:extLst>
+              <a:ext uri="{FF2B5EF4-FFF2-40B4-BE49-F238E27FC236}">
+                <a16:creationId xmlns:a16="http://schemas.microsoft.com/office/drawing/2014/main" id="{F9138231-2385-0049-5A02-84C28ED2B4F5}"/>
+              </a:ext>
+            </a:extLst>
+          </p:cNvPr>
+          <p:cNvSpPr>
+            <a:spLocks noGrp="1"/>
+          </p:cNvSpPr>
+          <p:nvPr>
+            <p:ph type="title"/>
+          </p:nvPr>
+        </p:nvSpPr>
+        <p:spPr>
+          <a:xfrm>
+            <a:off x="1347313" y="2129676"/>
+            <a:ext cx="9849751" cy="1349671"/>
+          </a:xfrm>
+        </p:spPr>
+        <p:txBody>
+          <a:bodyPr anchor="b">
+            <a:normAutofit/>
+          </a:bodyPr>
+          <a:lstStyle/>
+          <a:p>
+            <a:r>
+              <a:rPr lang="ru-RU" sz="5400" dirty="0">
+                <a:latin typeface="Century Gothic" panose="020B0502020202020204" pitchFamily="34" charset="0"/>
+              </a:rPr>
+              <a:t>Функционал сайта</a:t>
+            </a:r>
+          </a:p>
+        </p:txBody>
+      </p:sp>
+    </p:spTree>
+    <p:extLst>
+      <p:ext uri="{BB962C8B-B14F-4D97-AF65-F5344CB8AC3E}">
+        <p14:creationId xmlns:p14="http://schemas.microsoft.com/office/powerpoint/2010/main" val="4173240393"/>
+      </p:ext>
+    </p:extLst>
+  </p:cSld>
+  <p:clrMapOvr>
+    <a:masterClrMapping/>
+  </p:clrMapOvr>
+</p:sld>
+</file>
+
+<file path=ppt/slides/slide11.xml><?xml version="1.0" encoding="utf-8"?>
+<p:sld xmlns:a="http://schemas.openxmlformats.org/drawingml/2006/main" xmlns:r="http://schemas.openxmlformats.org/officeDocument/2006/relationships" xmlns:p="http://schemas.openxmlformats.org/presentationml/2006/main">
+  <p:cSld>
+    <p:bg>
+      <p:bgPr>
+        <a:solidFill>
+          <a:schemeClr val="bg1"/>
+        </a:solidFill>
+        <a:effectLst/>
+      </p:bgPr>
+    </p:bg>
+    <p:spTree>
+      <p:nvGrpSpPr>
+        <p:cNvPr id="1" name=""/>
+        <p:cNvGrpSpPr/>
+        <p:nvPr/>
+      </p:nvGrpSpPr>
+      <p:grpSpPr>
+        <a:xfrm>
+          <a:off x="0" y="0"/>
+          <a:ext cx="0" cy="0"/>
+          <a:chOff x="0" y="0"/>
+          <a:chExt cx="0" cy="0"/>
+        </a:xfrm>
+      </p:grpSpPr>
+      <p:sp>
+        <p:nvSpPr>
+          <p:cNvPr id="19" name="!!Rectangle">
+            <a:extLst>
+              <a:ext uri="{FF2B5EF4-FFF2-40B4-BE49-F238E27FC236}">
+                <a16:creationId xmlns:a16="http://schemas.microsoft.com/office/drawing/2014/main" id="{21ED5FCA-9564-42B4-9F52-2CCED8ED60CA}"/>
+              </a:ext>
+              <a:ext uri="{C183D7F6-B498-43B3-948B-1728B52AA6E4}">
+                <adec:decorative xmlns:adec="http://schemas.microsoft.com/office/drawing/2017/decorative" val="1"/>
+              </a:ext>
+            </a:extLst>
+          </p:cNvPr>
+          <p:cNvSpPr>
+            <a:spLocks noGrp="1" noRot="1" noChangeAspect="1" noMove="1" noResize="1" noEditPoints="1" noAdjustHandles="1" noChangeArrowheads="1" noChangeShapeType="1" noTextEdit="1"/>
+          </p:cNvSpPr>
+          <p:nvPr>
+            <p:extLst>
+              <p:ext uri="{386F3935-93C4-4BCD-93E2-E3B085C9AB24}">
+                <p16:designElem xmlns:p16="http://schemas.microsoft.com/office/powerpoint/2015/main" val="1"/>
+              </p:ext>
+            </p:extLst>
+          </p:nvPr>
+        </p:nvSpPr>
+        <p:spPr>
+          <a:xfrm>
+            <a:off x="0" y="-8467"/>
+            <a:ext cx="12191999" cy="6866467"/>
+          </a:xfrm>
+          <a:prstGeom prst="rect">
+            <a:avLst/>
+          </a:prstGeom>
+          <a:solidFill>
+            <a:srgbClr val="000000"/>
+          </a:solidFill>
+          <a:ln>
+            <a:noFill/>
+          </a:ln>
+        </p:spPr>
+        <p:style>
+          <a:lnRef idx="2">
+            <a:schemeClr val="accent1">
+              <a:shade val="50000"/>
+            </a:schemeClr>
+          </a:lnRef>
+          <a:fillRef idx="1">
+            <a:schemeClr val="accent1"/>
+          </a:fillRef>
+          <a:effectRef idx="0">
+            <a:schemeClr val="accent1"/>
+          </a:effectRef>
+          <a:fontRef idx="minor">
+            <a:schemeClr val="lt1"/>
+          </a:fontRef>
+        </p:style>
+        <p:txBody>
+          <a:bodyPr rtlCol="0" anchor="ctr"/>
+          <a:lstStyle/>
+          <a:p>
+            <a:pPr marL="0" marR="0" lvl="0" indent="0" algn="ctr" defTabSz="914400" rtl="0" eaLnBrk="1" fontAlgn="auto" latinLnBrk="0" hangingPunct="1">
+              <a:lnSpc>
+                <a:spcPct val="100000"/>
+              </a:lnSpc>
+              <a:spcBef>
+                <a:spcPts val="0"/>
+              </a:spcBef>
+              <a:spcAft>
+                <a:spcPts val="0"/>
+              </a:spcAft>
+              <a:buClrTx/>
+              <a:buSzTx/>
+              <a:buFontTx/>
+              <a:buNone/>
+              <a:tabLst/>
+              <a:defRPr/>
+            </a:pPr>
+            <a:endParaRPr kumimoji="0" lang="en-US" sz="1800" b="0" i="0" u="none" strike="noStrike" kern="1200" cap="none" spc="0" normalizeH="0" baseline="0" noProof="0">
+              <a:ln>
+                <a:noFill/>
+              </a:ln>
+              <a:solidFill>
+                <a:prstClr val="white"/>
+              </a:solidFill>
+              <a:effectLst/>
+              <a:uLnTx/>
+              <a:uFillTx/>
+              <a:latin typeface="Calibri" panose="020F0502020204030204"/>
+              <a:ea typeface="+mn-ea"/>
+              <a:cs typeface="+mn-cs"/>
+            </a:endParaRPr>
+          </a:p>
+        </p:txBody>
+      </p:sp>
+      <p:sp>
+        <p:nvSpPr>
+          <p:cNvPr id="2" name="Заголовок 1">
+            <a:extLst>
+              <a:ext uri="{FF2B5EF4-FFF2-40B4-BE49-F238E27FC236}">
+                <a16:creationId xmlns:a16="http://schemas.microsoft.com/office/drawing/2014/main" id="{1AA07EFA-4B95-AC72-96BD-492E85907B4E}"/>
+              </a:ext>
+            </a:extLst>
+          </p:cNvPr>
+          <p:cNvSpPr>
+            <a:spLocks noGrp="1"/>
+          </p:cNvSpPr>
+          <p:nvPr>
+            <p:ph type="title"/>
+          </p:nvPr>
+        </p:nvSpPr>
+        <p:spPr>
+          <a:xfrm>
+            <a:off x="838200" y="365125"/>
+            <a:ext cx="10515600" cy="1325563"/>
+          </a:xfrm>
+        </p:spPr>
+        <p:txBody>
+          <a:bodyPr>
+            <a:normAutofit/>
+          </a:bodyPr>
+          <a:lstStyle/>
+          <a:p>
+            <a:r>
+              <a:rPr lang="ru-RU">
+                <a:solidFill>
+                  <a:srgbClr val="FFFFFF"/>
+                </a:solidFill>
+                <a:latin typeface="Century Gothic" panose="020B0502020202020204" pitchFamily="34" charset="0"/>
+              </a:rPr>
+              <a:t>Дерево решений</a:t>
+            </a:r>
+          </a:p>
+        </p:txBody>
+      </p:sp>
+      <p:sp>
+        <p:nvSpPr>
+          <p:cNvPr id="20" name="Arc 10">
+            <a:extLst>
+              <a:ext uri="{FF2B5EF4-FFF2-40B4-BE49-F238E27FC236}">
+                <a16:creationId xmlns:a16="http://schemas.microsoft.com/office/drawing/2014/main" id="{081E4A58-353D-44AE-B2FC-2A74E2E400F7}"/>
+              </a:ext>
+              <a:ext uri="{C183D7F6-B498-43B3-948B-1728B52AA6E4}">
+                <adec:decorative xmlns:adec="http://schemas.microsoft.com/office/drawing/2017/decorative" val="1"/>
+              </a:ext>
+            </a:extLst>
+          </p:cNvPr>
+          <p:cNvSpPr>
+            <a:spLocks noGrp="1" noRot="1" noChangeAspect="1" noMove="1" noResize="1" noEditPoints="1" noAdjustHandles="1" noChangeArrowheads="1" noChangeShapeType="1" noTextEdit="1"/>
+          </p:cNvSpPr>
+          <p:nvPr>
+            <p:extLst>
+              <p:ext uri="{386F3935-93C4-4BCD-93E2-E3B085C9AB24}">
+                <p16:designElem xmlns:p16="http://schemas.microsoft.com/office/powerpoint/2015/main" val="1"/>
+              </p:ext>
+            </p:extLst>
+          </p:nvPr>
+        </p:nvSpPr>
+        <p:spPr>
+          <a:xfrm rot="5400000" flipV="1">
+            <a:off x="555710" y="2183223"/>
+            <a:ext cx="4083433" cy="4083433"/>
+          </a:xfrm>
+          <a:prstGeom prst="arc">
+            <a:avLst/>
+          </a:prstGeom>
+          <a:ln w="127000" cap="rnd">
+            <a:solidFill>
+              <a:schemeClr val="accent4"/>
+            </a:solidFill>
+            <a:prstDash val="dash"/>
+          </a:ln>
+        </p:spPr>
+        <p:style>
+          <a:lnRef idx="1">
+            <a:schemeClr val="accent1"/>
+          </a:lnRef>
+          <a:fillRef idx="0">
+            <a:schemeClr val="accent1"/>
+          </a:fillRef>
+          <a:effectRef idx="0">
+            <a:schemeClr val="accent1"/>
+          </a:effectRef>
+          <a:fontRef idx="minor">
+            <a:schemeClr val="tx1"/>
+          </a:fontRef>
+        </p:style>
+        <p:txBody>
+          <a:bodyPr rtlCol="0" anchor="ctr"/>
+          <a:lstStyle/>
+          <a:p>
+            <a:pPr marL="0" marR="0" lvl="0" indent="0" algn="ctr" defTabSz="914400" rtl="0" eaLnBrk="1" fontAlgn="auto" latinLnBrk="0" hangingPunct="1">
+              <a:lnSpc>
+                <a:spcPct val="100000"/>
+              </a:lnSpc>
+              <a:spcBef>
+                <a:spcPts val="0"/>
+              </a:spcBef>
+              <a:spcAft>
+                <a:spcPts val="0"/>
+              </a:spcAft>
+              <a:buClrTx/>
+              <a:buSzTx/>
+              <a:buFontTx/>
+              <a:buNone/>
+              <a:tabLst/>
+              <a:defRPr/>
+            </a:pPr>
+            <a:endParaRPr kumimoji="0" lang="en-US" sz="1800" b="0" i="0" u="none" strike="noStrike" kern="1200" cap="none" spc="0" normalizeH="0" baseline="0" noProof="0" dirty="0">
+              <a:ln>
+                <a:noFill/>
+              </a:ln>
+              <a:solidFill>
+                <a:prstClr val="black"/>
+              </a:solidFill>
+              <a:effectLst/>
+              <a:uLnTx/>
+              <a:uFillTx/>
+              <a:latin typeface="Calibri" panose="020F0502020204030204"/>
+              <a:ea typeface="+mn-ea"/>
+              <a:cs typeface="+mn-cs"/>
+            </a:endParaRPr>
+          </a:p>
+        </p:txBody>
+      </p:sp>
+      <p:graphicFrame>
+        <p:nvGraphicFramePr>
+          <p:cNvPr id="4" name="Объект 3">
+            <a:extLst>
+              <a:ext uri="{FF2B5EF4-FFF2-40B4-BE49-F238E27FC236}">
+                <a16:creationId xmlns:a16="http://schemas.microsoft.com/office/drawing/2014/main" id="{613F1836-DB3F-7FDE-8313-C92B69B0C121}"/>
+              </a:ext>
+            </a:extLst>
+          </p:cNvPr>
+          <p:cNvGraphicFramePr>
+            <a:graphicFrameLocks noGrp="1"/>
+          </p:cNvGraphicFramePr>
+          <p:nvPr>
+            <p:ph idx="1"/>
+            <p:extLst>
+              <p:ext uri="{D42A27DB-BD31-4B8C-83A1-F6EECF244321}">
+                <p14:modId xmlns:p14="http://schemas.microsoft.com/office/powerpoint/2010/main" val="2891117149"/>
+              </p:ext>
+            </p:extLst>
+          </p:nvPr>
+        </p:nvGraphicFramePr>
+        <p:xfrm>
+          <a:off x="838200" y="1825625"/>
+          <a:ext cx="10515600" cy="4351338"/>
+        </p:xfrm>
+        <a:graphic>
+          <a:graphicData uri="http://schemas.openxmlformats.org/drawingml/2006/diagram">
+            <dgm:relIds xmlns:dgm="http://schemas.openxmlformats.org/drawingml/2006/diagram" xmlns:r="http://schemas.openxmlformats.org/officeDocument/2006/relationships" r:dm="rId2" r:lo="rId3" r:qs="rId4" r:cs="rId5"/>
+          </a:graphicData>
+        </a:graphic>
+      </p:graphicFrame>
+    </p:spTree>
+    <p:extLst>
+      <p:ext uri="{BB962C8B-B14F-4D97-AF65-F5344CB8AC3E}">
+        <p14:creationId xmlns:p14="http://schemas.microsoft.com/office/powerpoint/2010/main" val="2138798103"/>
+      </p:ext>
+    </p:extLst>
+  </p:cSld>
+  <p:clrMapOvr>
+    <a:masterClrMapping/>
+  </p:clrMapOvr>
+</p:sld>
+</file>
+
+<file path=ppt/slides/slide12.xml><?xml version="1.0" encoding="utf-8"?>
+<p:sld xmlns:a="http://schemas.openxmlformats.org/drawingml/2006/main" xmlns:r="http://schemas.openxmlformats.org/officeDocument/2006/relationships" xmlns:p="http://schemas.openxmlformats.org/presentationml/2006/main">
+  <p:cSld>
+    <p:bg>
+      <p:bgPr>
+        <a:solidFill>
+          <a:schemeClr val="bg1"/>
+        </a:solidFill>
+        <a:effectLst/>
+      </p:bgPr>
+    </p:bg>
+    <p:spTree>
+      <p:nvGrpSpPr>
+        <p:cNvPr id="1" name=""/>
+        <p:cNvGrpSpPr/>
+        <p:nvPr/>
+      </p:nvGrpSpPr>
+      <p:grpSpPr>
+        <a:xfrm>
+          <a:off x="0" y="0"/>
+          <a:ext cx="0" cy="0"/>
+          <a:chOff x="0" y="0"/>
+          <a:chExt cx="0" cy="0"/>
+        </a:xfrm>
+      </p:grpSpPr>
+      <p:sp useBgFill="1">
+        <p:nvSpPr>
+          <p:cNvPr id="12" name="Rectangle 11">
+            <a:extLst>
+              <a:ext uri="{FF2B5EF4-FFF2-40B4-BE49-F238E27FC236}">
+                <a16:creationId xmlns:a16="http://schemas.microsoft.com/office/drawing/2014/main" id="{521C4EA8-6B83-4338-913D-D75D3C4F34D6}"/>
+              </a:ext>
+              <a:ext uri="{C183D7F6-B498-43B3-948B-1728B52AA6E4}">
+                <adec:decorative xmlns:adec="http://schemas.microsoft.com/office/drawing/2017/decorative" val="1"/>
+              </a:ext>
+            </a:extLst>
+          </p:cNvPr>
+          <p:cNvSpPr>
+            <a:spLocks noGrp="1" noRot="1" noChangeAspect="1" noMove="1" noResize="1" noEditPoints="1" noAdjustHandles="1" noChangeArrowheads="1" noChangeShapeType="1" noTextEdit="1"/>
+          </p:cNvSpPr>
+          <p:nvPr>
+            <p:extLst>
+              <p:ext uri="{386F3935-93C4-4BCD-93E2-E3B085C9AB24}">
+                <p16:designElem xmlns:p16="http://schemas.microsoft.com/office/powerpoint/2015/main" val="1"/>
+              </p:ext>
+            </p:extLst>
+          </p:nvPr>
+        </p:nvSpPr>
+        <p:spPr>
+          <a:xfrm>
+            <a:off x="0" y="0"/>
+            <a:ext cx="12191999" cy="6857365"/>
+          </a:xfrm>
+          <a:prstGeom prst="rect">
+            <a:avLst/>
+          </a:prstGeom>
+          <a:ln>
+            <a:noFill/>
+          </a:ln>
+        </p:spPr>
+        <p:style>
+          <a:lnRef idx="2">
+            <a:schemeClr val="accent1">
+              <a:shade val="50000"/>
+            </a:schemeClr>
+          </a:lnRef>
+          <a:fillRef idx="1">
+            <a:schemeClr val="accent1"/>
+          </a:fillRef>
+          <a:effectRef idx="0">
+            <a:schemeClr val="accent1"/>
+          </a:effectRef>
+          <a:fontRef idx="minor">
+            <a:schemeClr val="lt1"/>
+          </a:fontRef>
+        </p:style>
+        <p:txBody>
+          <a:bodyPr rtlCol="0" anchor="ctr"/>
+          <a:lstStyle/>
+          <a:p>
+            <a:pPr algn="ctr"/>
+            <a:endParaRPr lang="en-US"/>
+          </a:p>
+        </p:txBody>
+      </p:sp>
+      <p:grpSp>
+        <p:nvGrpSpPr>
+          <p:cNvPr id="19" name="Group 13">
+            <a:extLst>
+              <a:ext uri="{FF2B5EF4-FFF2-40B4-BE49-F238E27FC236}">
+                <a16:creationId xmlns:a16="http://schemas.microsoft.com/office/drawing/2014/main" id="{3AF6A671-C637-4547-85F4-51B6D1881399}"/>
+              </a:ext>
+              <a:ext uri="{C183D7F6-B498-43B3-948B-1728B52AA6E4}">
+                <adec:decorative xmlns:adec="http://schemas.microsoft.com/office/drawing/2017/decorative" val="1"/>
+              </a:ext>
+            </a:extLst>
+          </p:cNvPr>
+          <p:cNvGrpSpPr>
+            <a:grpSpLocks noGrp="1" noUngrp="1" noRot="1" noChangeAspect="1" noMove="1" noResize="1"/>
+          </p:cNvGrpSpPr>
+          <p:nvPr>
+            <p:extLst>
+              <p:ext uri="{386F3935-93C4-4BCD-93E2-E3B085C9AB24}">
+                <p16:designElem xmlns:p16="http://schemas.microsoft.com/office/powerpoint/2015/main" val="1"/>
+              </p:ext>
+            </p:extLst>
+          </p:nvPr>
+        </p:nvGrpSpPr>
+        <p:grpSpPr>
+          <a:xfrm>
+            <a:off x="9416432" y="1"/>
+            <a:ext cx="2446384" cy="5777808"/>
+            <a:chOff x="329184" y="1"/>
+            <a:chExt cx="524256" cy="5777808"/>
+          </a:xfrm>
+        </p:grpSpPr>
+        <p:cxnSp>
+          <p:nvCxnSpPr>
+            <p:cNvPr id="15" name="Straight Connector 14">
+              <a:extLst>
+                <a:ext uri="{FF2B5EF4-FFF2-40B4-BE49-F238E27FC236}">
+                  <a16:creationId xmlns:a16="http://schemas.microsoft.com/office/drawing/2014/main" id="{C575CF26-3D3C-4C5A-A2B7-00432016EF62}"/>
+                </a:ext>
+                <a:ext uri="{C183D7F6-B498-43B3-948B-1728B52AA6E4}">
+                  <adec:decorative xmlns:adec="http://schemas.microsoft.com/office/drawing/2017/decorative" val="1"/>
+                </a:ext>
+              </a:extLst>
+            </p:cNvPr>
+            <p:cNvCxnSpPr>
+              <a:cxnSpLocks/>
+            </p:cNvCxnSpPr>
+            <p:nvPr>
+              <p:extLst>
+                <p:ext uri="{386F3935-93C4-4BCD-93E2-E3B085C9AB24}">
+                  <p16:designElem xmlns:p16="http://schemas.microsoft.com/office/powerpoint/2015/main" val="1"/>
+                </p:ext>
+              </p:extLst>
+            </p:nvPr>
+          </p:nvCxnSpPr>
+          <p:spPr>
+            <a:xfrm flipH="1">
+              <a:off x="329184" y="5777809"/>
+              <a:ext cx="521208" cy="0"/>
+            </a:xfrm>
+            <a:prstGeom prst="line">
+              <a:avLst/>
+            </a:prstGeom>
+            <a:ln w="152400">
+              <a:solidFill>
+                <a:schemeClr val="accent4"/>
+              </a:solidFill>
+            </a:ln>
+          </p:spPr>
+          <p:style>
+            <a:lnRef idx="1">
+              <a:schemeClr val="accent1"/>
+            </a:lnRef>
+            <a:fillRef idx="0">
+              <a:schemeClr val="accent1"/>
+            </a:fillRef>
+            <a:effectRef idx="0">
+              <a:schemeClr val="accent1"/>
+            </a:effectRef>
+            <a:fontRef idx="minor">
+              <a:schemeClr val="tx1"/>
+            </a:fontRef>
+          </p:style>
+        </p:cxnSp>
+        <p:sp>
+          <p:nvSpPr>
+            <p:cNvPr id="20" name="Rectangle 15">
+              <a:extLst>
+                <a:ext uri="{FF2B5EF4-FFF2-40B4-BE49-F238E27FC236}">
+                  <a16:creationId xmlns:a16="http://schemas.microsoft.com/office/drawing/2014/main" id="{99413ED5-9ED4-4772-BCE4-2BCAE6B12E35}"/>
+                </a:ext>
+                <a:ext uri="{C183D7F6-B498-43B3-948B-1728B52AA6E4}">
+                  <adec:decorative xmlns:adec="http://schemas.microsoft.com/office/drawing/2017/decorative" val="1"/>
+                </a:ext>
+              </a:extLst>
+            </p:cNvPr>
+            <p:cNvSpPr/>
+            <p:nvPr>
+              <p:extLst>
+                <p:ext uri="{386F3935-93C4-4BCD-93E2-E3B085C9AB24}">
+                  <p16:designElem xmlns:p16="http://schemas.microsoft.com/office/powerpoint/2015/main" val="1"/>
+                </p:ext>
+              </p:extLst>
+            </p:nvPr>
+          </p:nvSpPr>
+          <p:spPr>
+            <a:xfrm>
+              <a:off x="329184" y="1"/>
+              <a:ext cx="524256" cy="5532119"/>
+            </a:xfrm>
+            <a:prstGeom prst="rect">
+              <a:avLst/>
+            </a:prstGeom>
+            <a:solidFill>
+              <a:schemeClr val="accent4"/>
+            </a:solidFill>
+            <a:ln>
+              <a:noFill/>
+            </a:ln>
+          </p:spPr>
+          <p:style>
+            <a:lnRef idx="2">
+              <a:schemeClr val="accent1">
+                <a:shade val="50000"/>
+              </a:schemeClr>
+            </a:lnRef>
+            <a:fillRef idx="1">
+              <a:schemeClr val="accent1"/>
+            </a:fillRef>
+            <a:effectRef idx="0">
+              <a:schemeClr val="accent1"/>
+            </a:effectRef>
+            <a:fontRef idx="minor">
+              <a:schemeClr val="lt1"/>
+            </a:fontRef>
+          </p:style>
+          <p:txBody>
+            <a:bodyPr rtlCol="0" anchor="ctr"/>
+            <a:lstStyle/>
+            <a:p>
+              <a:pPr algn="ctr"/>
+              <a:endParaRPr lang="en-US"/>
+            </a:p>
+          </p:txBody>
+        </p:sp>
+      </p:grpSp>
+      <p:sp>
+        <p:nvSpPr>
+          <p:cNvPr id="18" name="Rectangle 17">
+            <a:extLst>
+              <a:ext uri="{FF2B5EF4-FFF2-40B4-BE49-F238E27FC236}">
+                <a16:creationId xmlns:a16="http://schemas.microsoft.com/office/drawing/2014/main" id="{04357C93-F0CB-4A1C-8F77-4E9063789819}"/>
+              </a:ext>
+              <a:ext uri="{C183D7F6-B498-43B3-948B-1728B52AA6E4}">
+                <adec:decorative xmlns:adec="http://schemas.microsoft.com/office/drawing/2017/decorative" val="1"/>
+              </a:ext>
+            </a:extLst>
+          </p:cNvPr>
+          <p:cNvSpPr>
+            <a:spLocks noGrp="1" noRot="1" noChangeAspect="1" noMove="1" noResize="1" noEditPoints="1" noAdjustHandles="1" noChangeArrowheads="1" noChangeShapeType="1" noTextEdit="1"/>
+          </p:cNvSpPr>
+          <p:nvPr>
+            <p:extLst>
+              <p:ext uri="{386F3935-93C4-4BCD-93E2-E3B085C9AB24}">
+                <p16:designElem xmlns:p16="http://schemas.microsoft.com/office/powerpoint/2015/main" val="1"/>
+              </p:ext>
+            </p:extLst>
+          </p:nvPr>
+        </p:nvSpPr>
+        <p:spPr>
+          <a:xfrm>
+            <a:off x="3821084" y="679731"/>
+            <a:ext cx="7682293" cy="5662878"/>
+          </a:xfrm>
+          <a:prstGeom prst="rect">
+            <a:avLst/>
+          </a:prstGeom>
+          <a:solidFill>
+            <a:schemeClr val="bg1"/>
+          </a:solidFill>
+          <a:ln>
+            <a:noFill/>
+          </a:ln>
+          <a:effectLst>
+            <a:outerShdw blurRad="139700" dist="127000" dir="5400000" algn="t" rotWithShape="0">
+              <a:prstClr val="black">
+                <a:alpha val="15000"/>
+              </a:prstClr>
+            </a:outerShdw>
+          </a:effectLst>
+        </p:spPr>
+        <p:style>
+          <a:lnRef idx="2">
+            <a:schemeClr val="accent1">
+              <a:shade val="50000"/>
+            </a:schemeClr>
+          </a:lnRef>
+          <a:fillRef idx="1">
+            <a:schemeClr val="accent1"/>
+          </a:fillRef>
+          <a:effectRef idx="0">
+            <a:schemeClr val="accent1"/>
+          </a:effectRef>
+          <a:fontRef idx="minor">
+            <a:schemeClr val="lt1"/>
+          </a:fontRef>
+        </p:style>
+        <p:txBody>
+          <a:bodyPr rtlCol="0" anchor="ctr"/>
+          <a:lstStyle/>
+          <a:p>
+            <a:pPr algn="ctr"/>
+            <a:endParaRPr lang="en-US"/>
+          </a:p>
+        </p:txBody>
+      </p:sp>
+      <p:pic>
+        <p:nvPicPr>
+          <p:cNvPr id="7" name="Рисунок 6" descr="Изображение выглядит как текст, снимок экрана, Шрифт, дизайн&#10;&#10;Автоматически созданное описание">
+            <a:extLst>
+              <a:ext uri="{FF2B5EF4-FFF2-40B4-BE49-F238E27FC236}">
+                <a16:creationId xmlns:a16="http://schemas.microsoft.com/office/drawing/2014/main" id="{D06CDA76-3239-4C3A-5348-87D9591BE8A0}"/>
+              </a:ext>
+            </a:extLst>
+          </p:cNvPr>
+          <p:cNvPicPr>
+            <a:picLocks noChangeAspect="1"/>
+          </p:cNvPicPr>
+          <p:nvPr/>
+        </p:nvPicPr>
+        <p:blipFill>
+          <a:blip r:embed="rId2">
+            <a:extLst>
+              <a:ext uri="{28A0092B-C50C-407E-A947-70E740481C1C}">
+                <a14:useLocalDpi xmlns:a14="http://schemas.microsoft.com/office/drawing/2010/main" val="0"/>
+              </a:ext>
+            </a:extLst>
+          </a:blip>
+          <a:stretch>
+            <a:fillRect/>
+          </a:stretch>
+        </p:blipFill>
+        <p:spPr>
+          <a:xfrm>
+            <a:off x="4701293" y="913063"/>
+            <a:ext cx="2789412" cy="5442756"/>
+          </a:xfrm>
+          <a:prstGeom prst="rect">
+            <a:avLst/>
+          </a:prstGeom>
+        </p:spPr>
+      </p:pic>
+      <p:pic>
+        <p:nvPicPr>
+          <p:cNvPr id="5" name="Объект 4" descr="Изображение выглядит как текст, снимок экрана, Шрифт, дизайн&#10;&#10;Автоматически созданное описание">
+            <a:extLst>
+              <a:ext uri="{FF2B5EF4-FFF2-40B4-BE49-F238E27FC236}">
+                <a16:creationId xmlns:a16="http://schemas.microsoft.com/office/drawing/2014/main" id="{D857BA33-FC4F-DFD2-D4C4-117AE5BF07BA}"/>
+              </a:ext>
+            </a:extLst>
+          </p:cNvPr>
+          <p:cNvPicPr>
+            <a:picLocks noGrp="1" noChangeAspect="1"/>
+          </p:cNvPicPr>
+          <p:nvPr>
+            <p:ph idx="1"/>
+          </p:nvPr>
+        </p:nvPicPr>
+        <p:blipFill>
+          <a:blip r:embed="rId3">
+            <a:extLst>
+              <a:ext uri="{28A0092B-C50C-407E-A947-70E740481C1C}">
+                <a14:useLocalDpi xmlns:a14="http://schemas.microsoft.com/office/drawing/2010/main" val="0"/>
+              </a:ext>
+            </a:extLst>
+          </a:blip>
+          <a:stretch>
+            <a:fillRect/>
+          </a:stretch>
+        </p:blipFill>
+        <p:spPr>
+          <a:xfrm>
+            <a:off x="8021726" y="926274"/>
+            <a:ext cx="2789412" cy="5416335"/>
+          </a:xfrm>
+          <a:prstGeom prst="rect">
+            <a:avLst/>
+          </a:prstGeom>
+        </p:spPr>
+      </p:pic>
+      <p:sp>
+        <p:nvSpPr>
+          <p:cNvPr id="2" name="Заголовок 1">
+            <a:extLst>
+              <a:ext uri="{FF2B5EF4-FFF2-40B4-BE49-F238E27FC236}">
+                <a16:creationId xmlns:a16="http://schemas.microsoft.com/office/drawing/2014/main" id="{DCF9EA60-F34F-6427-9B61-45AC0E1A77B7}"/>
+              </a:ext>
+            </a:extLst>
+          </p:cNvPr>
+          <p:cNvSpPr>
+            <a:spLocks noGrp="1"/>
+          </p:cNvSpPr>
+          <p:nvPr>
+            <p:ph type="title"/>
+          </p:nvPr>
+        </p:nvSpPr>
+        <p:spPr>
+          <a:xfrm>
+            <a:off x="337496" y="679731"/>
+            <a:ext cx="3832775" cy="3736540"/>
+          </a:xfrm>
+        </p:spPr>
+        <p:txBody>
+          <a:bodyPr vert="horz" lIns="91440" tIns="45720" rIns="91440" bIns="45720" rtlCol="0" anchor="b">
+            <a:normAutofit/>
+          </a:bodyPr>
+          <a:lstStyle/>
+          <a:p>
+            <a:r>
+              <a:rPr lang="en-US" sz="3900" dirty="0" err="1">
+                <a:latin typeface="Century Gothic" panose="020B0502020202020204" pitchFamily="34" charset="0"/>
+              </a:rPr>
+              <a:t>Авторизация</a:t>
+            </a:r>
+            <a:r>
+              <a:rPr lang="en-US" sz="3900" dirty="0">
+                <a:latin typeface="Century Gothic" panose="020B0502020202020204" pitchFamily="34" charset="0"/>
+              </a:rPr>
+              <a:t> и </a:t>
+            </a:r>
+            <a:r>
+              <a:rPr lang="en-US" sz="3900" dirty="0" err="1">
+                <a:latin typeface="Century Gothic" panose="020B0502020202020204" pitchFamily="34" charset="0"/>
+              </a:rPr>
+              <a:t>регистрация</a:t>
+            </a:r>
+            <a:endParaRPr lang="en-US" sz="3900" dirty="0">
+              <a:latin typeface="Century Gothic" panose="020B0502020202020204" pitchFamily="34" charset="0"/>
+            </a:endParaRPr>
+          </a:p>
+        </p:txBody>
+      </p:sp>
+    </p:spTree>
+    <p:extLst>
+      <p:ext uri="{BB962C8B-B14F-4D97-AF65-F5344CB8AC3E}">
+        <p14:creationId xmlns:p14="http://schemas.microsoft.com/office/powerpoint/2010/main" val="4065342292"/>
+      </p:ext>
+    </p:extLst>
+  </p:cSld>
+  <p:clrMapOvr>
+    <a:masterClrMapping/>
+  </p:clrMapOvr>
+</p:sld>
+</file>
+
+<file path=ppt/slides/slide13.xml><?xml version="1.0" encoding="utf-8"?>
+<p:sld xmlns:a="http://schemas.openxmlformats.org/drawingml/2006/main" xmlns:r="http://schemas.openxmlformats.org/officeDocument/2006/relationships" xmlns:p="http://schemas.openxmlformats.org/presentationml/2006/main">
+  <p:cSld>
+    <p:bg>
+      <p:bgPr>
+        <a:solidFill>
+          <a:schemeClr val="bg1"/>
+        </a:solidFill>
+        <a:effectLst/>
+      </p:bgPr>
+    </p:bg>
+    <p:spTree>
+      <p:nvGrpSpPr>
+        <p:cNvPr id="1" name=""/>
+        <p:cNvGrpSpPr/>
+        <p:nvPr/>
+      </p:nvGrpSpPr>
+      <p:grpSpPr>
+        <a:xfrm>
+          <a:off x="0" y="0"/>
+          <a:ext cx="0" cy="0"/>
+          <a:chOff x="0" y="0"/>
+          <a:chExt cx="0" cy="0"/>
+        </a:xfrm>
+      </p:grpSpPr>
+      <p:sp useBgFill="1">
+        <p:nvSpPr>
           <p:cNvPr id="10" name="Rectangle 9">
             <a:extLst>
               <a:ext uri="{FF2B5EF4-FFF2-40B4-BE49-F238E27FC236}">
@@ -11187,10 +12278,10 @@
       </p:sp>
       <p:pic>
         <p:nvPicPr>
-          <p:cNvPr id="5" name="Объект 4" descr="Изображение выглядит как текст, снимок экрана, программное обеспечение, Операционная система&#10;&#10;Автоматически созданное описание">
+          <p:cNvPr id="7" name="Объект 6" descr="Изображение выглядит как текст, снимок экрана&#10;&#10;Автоматически созданное описание">
             <a:extLst>
               <a:ext uri="{FF2B5EF4-FFF2-40B4-BE49-F238E27FC236}">
-                <a16:creationId xmlns:a16="http://schemas.microsoft.com/office/drawing/2014/main" id="{F81B3C1D-6354-69FD-CEE0-3BAD189B82EA}"/>
+                <a16:creationId xmlns:a16="http://schemas.microsoft.com/office/drawing/2014/main" id="{0DD89B98-D910-9D6B-09DC-58D31C3AB860}"/>
               </a:ext>
             </a:extLst>
           </p:cNvPr>
@@ -11201,7 +12292,7 @@
             <p:ph idx="1"/>
           </p:nvPr>
         </p:nvPicPr>
-        <p:blipFill rotWithShape="1">
+        <p:blipFill>
           <a:blip r:embed="rId2">
             <a:extLst>
               <a:ext uri="{28A0092B-C50C-407E-A947-70E740481C1C}">
@@ -11209,17 +12300,15 @@
               </a:ext>
             </a:extLst>
           </a:blip>
-          <a:srcRect r="802"/>
-          <a:stretch/>
+          <a:stretch>
+            <a:fillRect/>
+          </a:stretch>
         </p:blipFill>
         <p:spPr>
           <a:xfrm>
-            <a:off x="6149498" y="420461"/>
-            <a:ext cx="4193134" cy="6017078"/>
+            <a:off x="6046910" y="711007"/>
+            <a:ext cx="2783485" cy="5435985"/>
           </a:xfrm>
-          <a:prstGeom prst="rect">
-            <a:avLst/>
-          </a:prstGeom>
         </p:spPr>
       </p:pic>
     </p:spTree>
@@ -11235,7 +12324,7 @@
 </p:sld>
 </file>
 
-<file path=ppt/slides/slide11.xml><?xml version="1.0" encoding="utf-8"?>
+<file path=ppt/slides/slide14.xml><?xml version="1.0" encoding="utf-8"?>
 <p:sld xmlns:a="http://schemas.openxmlformats.org/drawingml/2006/main" xmlns:r="http://schemas.openxmlformats.org/officeDocument/2006/relationships" xmlns:p="http://schemas.openxmlformats.org/presentationml/2006/main">
   <p:cSld>
     <p:bg>
@@ -11553,78 +12642,6 @@
           </a:p>
         </p:txBody>
       </p:sp>
-      <p:pic>
-        <p:nvPicPr>
-          <p:cNvPr id="7" name="Рисунок 6" descr="Изображение выглядит как текст, снимок экрана, Шрифт, дизайн&#10;&#10;Автоматически созданное описание">
-            <a:extLst>
-              <a:ext uri="{FF2B5EF4-FFF2-40B4-BE49-F238E27FC236}">
-                <a16:creationId xmlns:a16="http://schemas.microsoft.com/office/drawing/2014/main" id="{A37FBADD-63C5-FA99-21BE-8F2B0D872FBB}"/>
-              </a:ext>
-            </a:extLst>
-          </p:cNvPr>
-          <p:cNvPicPr>
-            <a:picLocks noChangeAspect="1"/>
-          </p:cNvPicPr>
-          <p:nvPr/>
-        </p:nvPicPr>
-        <p:blipFill rotWithShape="1">
-          <a:blip r:embed="rId2">
-            <a:extLst>
-              <a:ext uri="{28A0092B-C50C-407E-A947-70E740481C1C}">
-                <a14:useLocalDpi xmlns:a14="http://schemas.microsoft.com/office/drawing/2010/main" val="0"/>
-              </a:ext>
-            </a:extLst>
-          </a:blip>
-          <a:srcRect l="-1" t="667" r="2" b="998"/>
-          <a:stretch/>
-        </p:blipFill>
-        <p:spPr>
-          <a:xfrm>
-            <a:off x="4343401" y="858524"/>
-            <a:ext cx="3725176" cy="5211906"/>
-          </a:xfrm>
-          <a:prstGeom prst="rect">
-            <a:avLst/>
-          </a:prstGeom>
-        </p:spPr>
-      </p:pic>
-      <p:pic>
-        <p:nvPicPr>
-          <p:cNvPr id="5" name="Объект 4" descr="Изображение выглядит как текст, снимок экрана, дизайн&#10;&#10;Автоматически созданное описание">
-            <a:extLst>
-              <a:ext uri="{FF2B5EF4-FFF2-40B4-BE49-F238E27FC236}">
-                <a16:creationId xmlns:a16="http://schemas.microsoft.com/office/drawing/2014/main" id="{1D2975D7-98F0-A57D-C14E-B9A5765F4D4C}"/>
-              </a:ext>
-            </a:extLst>
-          </p:cNvPr>
-          <p:cNvPicPr>
-            <a:picLocks noGrp="1" noChangeAspect="1"/>
-          </p:cNvPicPr>
-          <p:nvPr>
-            <p:ph idx="1"/>
-          </p:nvPr>
-        </p:nvPicPr>
-        <p:blipFill rotWithShape="1">
-          <a:blip r:embed="rId3">
-            <a:extLst>
-              <a:ext uri="{28A0092B-C50C-407E-A947-70E740481C1C}">
-                <a14:useLocalDpi xmlns:a14="http://schemas.microsoft.com/office/drawing/2010/main" val="0"/>
-              </a:ext>
-            </a:extLst>
-          </a:blip>
-          <a:srcRect b="642"/>
-          <a:stretch/>
-        </p:blipFill>
-        <p:spPr>
-          <a:xfrm>
-            <a:off x="480227" y="858524"/>
-            <a:ext cx="3685032" cy="5211906"/>
-          </a:xfrm>
-          <a:prstGeom prst="rect">
-            <a:avLst/>
-          </a:prstGeom>
-        </p:spPr>
-      </p:pic>
       <p:sp>
         <p:nvSpPr>
           <p:cNvPr id="18" name="Rectangle 17">
@@ -11688,6 +12705,41 @@
           </a:p>
         </p:txBody>
       </p:sp>
+      <p:pic>
+        <p:nvPicPr>
+          <p:cNvPr id="8" name="Объект 7" descr="Изображение выглядит как текст, электроника, снимок экрана, Шрифт&#10;&#10;Автоматически созданное описание">
+            <a:extLst>
+              <a:ext uri="{FF2B5EF4-FFF2-40B4-BE49-F238E27FC236}">
+                <a16:creationId xmlns:a16="http://schemas.microsoft.com/office/drawing/2014/main" id="{888A59D1-3706-B861-4C8D-52E051C3CCDB}"/>
+              </a:ext>
+            </a:extLst>
+          </p:cNvPr>
+          <p:cNvPicPr>
+            <a:picLocks noGrp="1" noChangeAspect="1"/>
+          </p:cNvPicPr>
+          <p:nvPr>
+            <p:ph idx="1"/>
+          </p:nvPr>
+        </p:nvPicPr>
+        <p:blipFill>
+          <a:blip r:embed="rId2">
+            <a:extLst>
+              <a:ext uri="{28A0092B-C50C-407E-A947-70E740481C1C}">
+                <a14:useLocalDpi xmlns:a14="http://schemas.microsoft.com/office/drawing/2010/main" val="0"/>
+              </a:ext>
+            </a:extLst>
+          </a:blip>
+          <a:stretch>
+            <a:fillRect/>
+          </a:stretch>
+        </p:blipFill>
+        <p:spPr>
+          <a:xfrm>
+            <a:off x="937273" y="521122"/>
+            <a:ext cx="2991633" cy="5815120"/>
+          </a:xfrm>
+        </p:spPr>
+      </p:pic>
     </p:spTree>
     <p:extLst>
       <p:ext uri="{BB962C8B-B14F-4D97-AF65-F5344CB8AC3E}">
@@ -11701,7 +12753,7 @@
 </p:sld>
 </file>
 
-<file path=ppt/slides/slide12.xml><?xml version="1.0" encoding="utf-8"?>
+<file path=ppt/slides/slide15.xml><?xml version="1.0" encoding="utf-8"?>
 <p:sld xmlns:a="http://schemas.openxmlformats.org/drawingml/2006/main" xmlns:r="http://schemas.openxmlformats.org/officeDocument/2006/relationships" xmlns:p="http://schemas.openxmlformats.org/presentationml/2006/main">
   <p:cSld>
     <p:bg>
@@ -12001,78 +13053,6 @@
           </a:p>
         </p:txBody>
       </p:sp>
-      <p:pic>
-        <p:nvPicPr>
-          <p:cNvPr id="7" name="Рисунок 6" descr="Изображение выглядит как текст, снимок экрана, программное обеспечение&#10;&#10;Автоматически созданное описание">
-            <a:extLst>
-              <a:ext uri="{FF2B5EF4-FFF2-40B4-BE49-F238E27FC236}">
-                <a16:creationId xmlns:a16="http://schemas.microsoft.com/office/drawing/2014/main" id="{243560F5-806A-0A80-2115-591A8A0EA9AE}"/>
-              </a:ext>
-            </a:extLst>
-          </p:cNvPr>
-          <p:cNvPicPr>
-            <a:picLocks noChangeAspect="1"/>
-          </p:cNvPicPr>
-          <p:nvPr/>
-        </p:nvPicPr>
-        <p:blipFill rotWithShape="1">
-          <a:blip r:embed="rId2">
-            <a:extLst>
-              <a:ext uri="{28A0092B-C50C-407E-A947-70E740481C1C}">
-                <a14:useLocalDpi xmlns:a14="http://schemas.microsoft.com/office/drawing/2010/main" val="0"/>
-              </a:ext>
-            </a:extLst>
-          </a:blip>
-          <a:srcRect r="945" b="642"/>
-          <a:stretch/>
-        </p:blipFill>
-        <p:spPr>
-          <a:xfrm>
-            <a:off x="545237" y="858525"/>
-            <a:ext cx="3650225" cy="5211906"/>
-          </a:xfrm>
-          <a:prstGeom prst="rect">
-            <a:avLst/>
-          </a:prstGeom>
-        </p:spPr>
-      </p:pic>
-      <p:pic>
-        <p:nvPicPr>
-          <p:cNvPr id="5" name="Объект 4" descr="Изображение выглядит как текст, снимок экрана, Шрифт&#10;&#10;Автоматически созданное описание">
-            <a:extLst>
-              <a:ext uri="{FF2B5EF4-FFF2-40B4-BE49-F238E27FC236}">
-                <a16:creationId xmlns:a16="http://schemas.microsoft.com/office/drawing/2014/main" id="{70B403C8-2B94-D1CE-3EFC-AA18DE0CD17A}"/>
-              </a:ext>
-            </a:extLst>
-          </p:cNvPr>
-          <p:cNvPicPr>
-            <a:picLocks noGrp="1" noChangeAspect="1"/>
-          </p:cNvPicPr>
-          <p:nvPr>
-            <p:ph idx="1"/>
-          </p:nvPr>
-        </p:nvPicPr>
-        <p:blipFill rotWithShape="1">
-          <a:blip r:embed="rId3">
-            <a:extLst>
-              <a:ext uri="{28A0092B-C50C-407E-A947-70E740481C1C}">
-                <a14:useLocalDpi xmlns:a14="http://schemas.microsoft.com/office/drawing/2010/main" val="0"/>
-              </a:ext>
-            </a:extLst>
-          </a:blip>
-          <a:srcRect r="1" b="997"/>
-          <a:stretch/>
-        </p:blipFill>
-        <p:spPr>
-          <a:xfrm>
-            <a:off x="4457706" y="858524"/>
-            <a:ext cx="3685032" cy="5211906"/>
-          </a:xfrm>
-          <a:prstGeom prst="rect">
-            <a:avLst/>
-          </a:prstGeom>
-        </p:spPr>
-      </p:pic>
       <p:sp>
         <p:nvSpPr>
           <p:cNvPr id="18" name="Rectangle 17">
@@ -12136,6 +13116,41 @@
           </a:p>
         </p:txBody>
       </p:sp>
+      <p:pic>
+        <p:nvPicPr>
+          <p:cNvPr id="8" name="Объект 7" descr="Изображение выглядит как текст, снимок экрана, Шрифт, программное обеспечение&#10;&#10;Автоматически созданное описание">
+            <a:extLst>
+              <a:ext uri="{FF2B5EF4-FFF2-40B4-BE49-F238E27FC236}">
+                <a16:creationId xmlns:a16="http://schemas.microsoft.com/office/drawing/2014/main" id="{BCD8A2BF-DAB1-DB89-10C9-B30DB1FF423C}"/>
+              </a:ext>
+            </a:extLst>
+          </p:cNvPr>
+          <p:cNvPicPr>
+            <a:picLocks noGrp="1" noChangeAspect="1"/>
+          </p:cNvPicPr>
+          <p:nvPr>
+            <p:ph idx="1"/>
+          </p:nvPr>
+        </p:nvPicPr>
+        <p:blipFill>
+          <a:blip r:embed="rId2">
+            <a:extLst>
+              <a:ext uri="{28A0092B-C50C-407E-A947-70E740481C1C}">
+                <a14:useLocalDpi xmlns:a14="http://schemas.microsoft.com/office/drawing/2010/main" val="0"/>
+              </a:ext>
+            </a:extLst>
+          </a:blip>
+          <a:stretch>
+            <a:fillRect/>
+          </a:stretch>
+        </p:blipFill>
+        <p:spPr>
+          <a:xfrm>
+            <a:off x="880040" y="485948"/>
+            <a:ext cx="3028769" cy="5957058"/>
+          </a:xfrm>
+        </p:spPr>
+      </p:pic>
     </p:spTree>
     <p:extLst>
       <p:ext uri="{BB962C8B-B14F-4D97-AF65-F5344CB8AC3E}">
@@ -12149,7 +13164,7 @@
 </p:sld>
 </file>
 
-<file path=ppt/slides/slide13.xml><?xml version="1.0" encoding="utf-8"?>
+<file path=ppt/slides/slide16.xml><?xml version="1.0" encoding="utf-8"?>
 <p:sld xmlns:a="http://schemas.openxmlformats.org/drawingml/2006/main" xmlns:r="http://schemas.openxmlformats.org/officeDocument/2006/relationships" xmlns:p="http://schemas.openxmlformats.org/presentationml/2006/main">
   <p:cSld>
     <p:spTree>
@@ -12427,7 +13442,7 @@
 </p:sld>
 </file>
 
-<file path=ppt/slides/slide14.xml><?xml version="1.0" encoding="utf-8"?>
+<file path=ppt/slides/slide17.xml><?xml version="1.0" encoding="utf-8"?>
 <p:sld xmlns:a="http://schemas.openxmlformats.org/drawingml/2006/main" xmlns:r="http://schemas.openxmlformats.org/officeDocument/2006/relationships" xmlns:p="http://schemas.openxmlformats.org/presentationml/2006/main">
   <p:cSld>
     <p:bg>
@@ -12454,10 +13469,10 @@
       </p:grpSpPr>
       <p:sp useBgFill="1">
         <p:nvSpPr>
-          <p:cNvPr id="8" name="Rectangle 7">
+          <p:cNvPr id="22" name="Rectangle 21">
             <a:extLst>
               <a:ext uri="{FF2B5EF4-FFF2-40B4-BE49-F238E27FC236}">
-                <a16:creationId xmlns:a16="http://schemas.microsoft.com/office/drawing/2014/main" id="{B6CDA21F-E7AF-4C75-8395-33F58D5B0E45}"/>
+                <a16:creationId xmlns:a16="http://schemas.microsoft.com/office/drawing/2014/main" id="{1BB867FF-FC45-48F7-8104-F89BE54909F1}"/>
               </a:ext>
               <a:ext uri="{C183D7F6-B498-43B3-948B-1728B52AA6E4}">
                 <adec:decorative xmlns:adec="http://schemas.microsoft.com/office/drawing/2017/decorative" val="1"/>
@@ -12477,8 +13492,8 @@
         </p:nvSpPr>
         <p:spPr>
           <a:xfrm>
-            <a:off x="0" y="0"/>
-            <a:ext cx="12191999" cy="6857365"/>
+            <a:off x="3048" y="0"/>
+            <a:ext cx="12188952" cy="6858000"/>
           </a:xfrm>
           <a:prstGeom prst="rect">
             <a:avLst/>
@@ -12512,224 +13527,12 @@
           </a:p>
         </p:txBody>
       </p:sp>
-      <p:grpSp>
-        <p:nvGrpSpPr>
-          <p:cNvPr id="10" name="Group 9">
+      <p:sp>
+        <p:nvSpPr>
+          <p:cNvPr id="24" name="Freeform: Shape 23">
             <a:extLst>
               <a:ext uri="{FF2B5EF4-FFF2-40B4-BE49-F238E27FC236}">
-                <a16:creationId xmlns:a16="http://schemas.microsoft.com/office/drawing/2014/main" id="{AE1C45F0-260A-458C-96ED-C1F6D2151219}"/>
-              </a:ext>
-              <a:ext uri="{C183D7F6-B498-43B3-948B-1728B52AA6E4}">
-                <adec:decorative xmlns:adec="http://schemas.microsoft.com/office/drawing/2017/decorative" val="1"/>
-              </a:ext>
-            </a:extLst>
-          </p:cNvPr>
-          <p:cNvGrpSpPr>
-            <a:grpSpLocks noGrp="1" noUngrp="1" noRot="1" noChangeAspect="1" noMove="1" noResize="1"/>
-          </p:cNvGrpSpPr>
-          <p:nvPr>
-            <p:extLst>
-              <p:ext uri="{386F3935-93C4-4BCD-93E2-E3B085C9AB24}">
-                <p16:designElem xmlns:p16="http://schemas.microsoft.com/office/powerpoint/2015/main" val="1"/>
-              </p:ext>
-            </p:extLst>
-          </p:nvPr>
-        </p:nvGrpSpPr>
-        <p:grpSpPr>
-          <a:xfrm>
-            <a:off x="4" y="1216597"/>
-            <a:ext cx="731521" cy="673460"/>
-            <a:chOff x="3940602" y="308034"/>
-            <a:chExt cx="2116791" cy="3428999"/>
-          </a:xfrm>
-          <a:solidFill>
-            <a:schemeClr val="accent4"/>
-          </a:solidFill>
-        </p:grpSpPr>
-        <p:sp>
-          <p:nvSpPr>
-            <p:cNvPr id="11" name="Rectangle 10">
-              <a:extLst>
-                <a:ext uri="{FF2B5EF4-FFF2-40B4-BE49-F238E27FC236}">
-                  <a16:creationId xmlns:a16="http://schemas.microsoft.com/office/drawing/2014/main" id="{A6604B49-AD5C-4590-B051-06C8222ECD99}"/>
-                </a:ext>
-                <a:ext uri="{C183D7F6-B498-43B3-948B-1728B52AA6E4}">
-                  <adec:decorative xmlns:adec="http://schemas.microsoft.com/office/drawing/2017/decorative" val="1"/>
-                </a:ext>
-              </a:extLst>
-            </p:cNvPr>
-            <p:cNvSpPr/>
-            <p:nvPr>
-              <p:extLst>
-                <p:ext uri="{386F3935-93C4-4BCD-93E2-E3B085C9AB24}">
-                  <p16:designElem xmlns:p16="http://schemas.microsoft.com/office/powerpoint/2015/main" val="1"/>
-                </p:ext>
-              </p:extLst>
-            </p:nvPr>
-          </p:nvSpPr>
-          <p:spPr>
-            <a:xfrm>
-              <a:off x="3940602" y="308034"/>
-              <a:ext cx="566743" cy="3428999"/>
-            </a:xfrm>
-            <a:prstGeom prst="rect">
-              <a:avLst/>
-            </a:prstGeom>
-            <a:grpFill/>
-            <a:ln>
-              <a:noFill/>
-            </a:ln>
-          </p:spPr>
-          <p:style>
-            <a:lnRef idx="2">
-              <a:schemeClr val="accent1">
-                <a:shade val="50000"/>
-              </a:schemeClr>
-            </a:lnRef>
-            <a:fillRef idx="1">
-              <a:schemeClr val="accent1"/>
-            </a:fillRef>
-            <a:effectRef idx="0">
-              <a:schemeClr val="accent1"/>
-            </a:effectRef>
-            <a:fontRef idx="minor">
-              <a:schemeClr val="lt1"/>
-            </a:fontRef>
-          </p:style>
-          <p:txBody>
-            <a:bodyPr rtlCol="0" anchor="ctr"/>
-            <a:lstStyle/>
-            <a:p>
-              <a:pPr algn="ctr"/>
-              <a:endParaRPr lang="en-US"/>
-            </a:p>
-          </p:txBody>
-        </p:sp>
-        <p:sp>
-          <p:nvSpPr>
-            <p:cNvPr id="12" name="Rectangle 11">
-              <a:extLst>
-                <a:ext uri="{FF2B5EF4-FFF2-40B4-BE49-F238E27FC236}">
-                  <a16:creationId xmlns:a16="http://schemas.microsoft.com/office/drawing/2014/main" id="{743ECCAF-29C5-4537-947C-7EA1292463DB}"/>
-                </a:ext>
-                <a:ext uri="{C183D7F6-B498-43B3-948B-1728B52AA6E4}">
-                  <adec:decorative xmlns:adec="http://schemas.microsoft.com/office/drawing/2017/decorative" val="1"/>
-                </a:ext>
-              </a:extLst>
-            </p:cNvPr>
-            <p:cNvSpPr/>
-            <p:nvPr>
-              <p:extLst>
-                <p:ext uri="{386F3935-93C4-4BCD-93E2-E3B085C9AB24}">
-                  <p16:designElem xmlns:p16="http://schemas.microsoft.com/office/powerpoint/2015/main" val="1"/>
-                </p:ext>
-              </p:extLst>
-            </p:nvPr>
-          </p:nvSpPr>
-          <p:spPr>
-            <a:xfrm>
-              <a:off x="4715626" y="308034"/>
-              <a:ext cx="566743" cy="3428999"/>
-            </a:xfrm>
-            <a:prstGeom prst="rect">
-              <a:avLst/>
-            </a:prstGeom>
-            <a:grpFill/>
-            <a:ln>
-              <a:noFill/>
-            </a:ln>
-          </p:spPr>
-          <p:style>
-            <a:lnRef idx="2">
-              <a:schemeClr val="accent1">
-                <a:shade val="50000"/>
-              </a:schemeClr>
-            </a:lnRef>
-            <a:fillRef idx="1">
-              <a:schemeClr val="accent1"/>
-            </a:fillRef>
-            <a:effectRef idx="0">
-              <a:schemeClr val="accent1"/>
-            </a:effectRef>
-            <a:fontRef idx="minor">
-              <a:schemeClr val="lt1"/>
-            </a:fontRef>
-          </p:style>
-          <p:txBody>
-            <a:bodyPr rtlCol="0" anchor="ctr"/>
-            <a:lstStyle/>
-            <a:p>
-              <a:pPr algn="ctr"/>
-              <a:endParaRPr lang="en-US"/>
-            </a:p>
-          </p:txBody>
-        </p:sp>
-        <p:sp>
-          <p:nvSpPr>
-            <p:cNvPr id="13" name="Rectangle 12">
-              <a:extLst>
-                <a:ext uri="{FF2B5EF4-FFF2-40B4-BE49-F238E27FC236}">
-                  <a16:creationId xmlns:a16="http://schemas.microsoft.com/office/drawing/2014/main" id="{ED49787B-8DE6-4467-AD0A-8DECC6E0C2D6}"/>
-                </a:ext>
-                <a:ext uri="{C183D7F6-B498-43B3-948B-1728B52AA6E4}">
-                  <adec:decorative xmlns:adec="http://schemas.microsoft.com/office/drawing/2017/decorative" val="1"/>
-                </a:ext>
-              </a:extLst>
-            </p:cNvPr>
-            <p:cNvSpPr/>
-            <p:nvPr>
-              <p:extLst>
-                <p:ext uri="{386F3935-93C4-4BCD-93E2-E3B085C9AB24}">
-                  <p16:designElem xmlns:p16="http://schemas.microsoft.com/office/powerpoint/2015/main" val="1"/>
-                </p:ext>
-              </p:extLst>
-            </p:nvPr>
-          </p:nvSpPr>
-          <p:spPr>
-            <a:xfrm>
-              <a:off x="5490650" y="308034"/>
-              <a:ext cx="566743" cy="3428999"/>
-            </a:xfrm>
-            <a:prstGeom prst="rect">
-              <a:avLst/>
-            </a:prstGeom>
-            <a:grpFill/>
-            <a:ln>
-              <a:noFill/>
-            </a:ln>
-          </p:spPr>
-          <p:style>
-            <a:lnRef idx="2">
-              <a:schemeClr val="accent1">
-                <a:shade val="50000"/>
-              </a:schemeClr>
-            </a:lnRef>
-            <a:fillRef idx="1">
-              <a:schemeClr val="accent1"/>
-            </a:fillRef>
-            <a:effectRef idx="0">
-              <a:schemeClr val="accent1"/>
-            </a:effectRef>
-            <a:fontRef idx="minor">
-              <a:schemeClr val="lt1"/>
-            </a:fontRef>
-          </p:style>
-          <p:txBody>
-            <a:bodyPr rtlCol="0" anchor="ctr"/>
-            <a:lstStyle/>
-            <a:p>
-              <a:pPr algn="ctr"/>
-              <a:endParaRPr lang="en-US"/>
-            </a:p>
-          </p:txBody>
-        </p:sp>
-      </p:grpSp>
-      <p:sp>
-        <p:nvSpPr>
-          <p:cNvPr id="15" name="Rectangle 14">
-            <a:extLst>
-              <a:ext uri="{FF2B5EF4-FFF2-40B4-BE49-F238E27FC236}">
-                <a16:creationId xmlns:a16="http://schemas.microsoft.com/office/drawing/2014/main" id="{D5B0017B-2ECA-49AF-B397-DC140825DF8D}"/>
+                <a16:creationId xmlns:a16="http://schemas.microsoft.com/office/drawing/2014/main" id="{8BB56887-D0D5-4F0C-9E19-7247EB83C8B7}"/>
               </a:ext>
               <a:ext uri="{C183D7F6-B498-43B3-948B-1728B52AA6E4}">
                 <adec:decorative xmlns:adec="http://schemas.microsoft.com/office/drawing/2017/decorative" val="1"/>
@@ -12749,25 +13552,318 @@
         </p:nvSpPr>
         <p:spPr>
           <a:xfrm>
-            <a:off x="640079" y="613954"/>
-            <a:ext cx="10907487" cy="1894116"/>
+            <a:off x="10208695" y="1"/>
+            <a:ext cx="1135066" cy="477997"/>
+          </a:xfrm>
+          <a:custGeom>
+            <a:avLst/>
+            <a:gdLst>
+              <a:gd name="connsiteX0" fmla="*/ 0 w 1135066"/>
+              <a:gd name="connsiteY0" fmla="*/ 0 h 477997"/>
+              <a:gd name="connsiteX1" fmla="*/ 1135066 w 1135066"/>
+              <a:gd name="connsiteY1" fmla="*/ 0 h 477997"/>
+              <a:gd name="connsiteX2" fmla="*/ 1133370 w 1135066"/>
+              <a:gd name="connsiteY2" fmla="*/ 16827 h 477997"/>
+              <a:gd name="connsiteX3" fmla="*/ 567533 w 1135066"/>
+              <a:gd name="connsiteY3" fmla="*/ 477997 h 477997"/>
+              <a:gd name="connsiteX4" fmla="*/ 1696 w 1135066"/>
+              <a:gd name="connsiteY4" fmla="*/ 16827 h 477997"/>
+            </a:gdLst>
+            <a:ahLst/>
+            <a:cxnLst>
+              <a:cxn ang="0">
+                <a:pos x="connsiteX0" y="connsiteY0"/>
+              </a:cxn>
+              <a:cxn ang="0">
+                <a:pos x="connsiteX1" y="connsiteY1"/>
+              </a:cxn>
+              <a:cxn ang="0">
+                <a:pos x="connsiteX2" y="connsiteY2"/>
+              </a:cxn>
+              <a:cxn ang="0">
+                <a:pos x="connsiteX3" y="connsiteY3"/>
+              </a:cxn>
+              <a:cxn ang="0">
+                <a:pos x="connsiteX4" y="connsiteY4"/>
+              </a:cxn>
+            </a:cxnLst>
+            <a:rect l="l" t="t" r="r" b="b"/>
+            <a:pathLst>
+              <a:path w="1135066" h="477997">
+                <a:moveTo>
+                  <a:pt x="0" y="0"/>
+                </a:moveTo>
+                <a:lnTo>
+                  <a:pt x="1135066" y="0"/>
+                </a:lnTo>
+                <a:lnTo>
+                  <a:pt x="1133370" y="16827"/>
+                </a:lnTo>
+                <a:cubicBezTo>
+                  <a:pt x="1079514" y="280016"/>
+                  <a:pt x="846644" y="477997"/>
+                  <a:pt x="567533" y="477997"/>
+                </a:cubicBezTo>
+                <a:cubicBezTo>
+                  <a:pt x="288422" y="477997"/>
+                  <a:pt x="55552" y="280016"/>
+                  <a:pt x="1696" y="16827"/>
+                </a:cubicBezTo>
+                <a:close/>
+              </a:path>
+            </a:pathLst>
+          </a:custGeom>
+          <a:solidFill>
+            <a:schemeClr val="accent4"/>
+          </a:solidFill>
+          <a:ln>
+            <a:noFill/>
+          </a:ln>
+        </p:spPr>
+        <p:style>
+          <a:lnRef idx="2">
+            <a:schemeClr val="accent1">
+              <a:shade val="50000"/>
+            </a:schemeClr>
+          </a:lnRef>
+          <a:fillRef idx="1">
+            <a:schemeClr val="accent1"/>
+          </a:fillRef>
+          <a:effectRef idx="0">
+            <a:schemeClr val="accent1"/>
+          </a:effectRef>
+          <a:fontRef idx="minor">
+            <a:schemeClr val="lt1"/>
+          </a:fontRef>
+        </p:style>
+        <p:txBody>
+          <a:bodyPr wrap="square" rtlCol="0" anchor="ctr">
+            <a:noAutofit/>
+          </a:bodyPr>
+          <a:lstStyle/>
+          <a:p>
+            <a:pPr algn="ctr"/>
+            <a:endParaRPr lang="en-US"/>
+          </a:p>
+        </p:txBody>
+      </p:sp>
+      <p:sp>
+        <p:nvSpPr>
+          <p:cNvPr id="2" name="Заголовок 1">
+            <a:extLst>
+              <a:ext uri="{FF2B5EF4-FFF2-40B4-BE49-F238E27FC236}">
+                <a16:creationId xmlns:a16="http://schemas.microsoft.com/office/drawing/2014/main" id="{88EE753E-9E55-6BD7-0378-A9D0BB0C24B7}"/>
+              </a:ext>
+            </a:extLst>
+          </p:cNvPr>
+          <p:cNvSpPr>
+            <a:spLocks noGrp="1"/>
+          </p:cNvSpPr>
+          <p:nvPr>
+            <p:ph type="title"/>
+          </p:nvPr>
+        </p:nvSpPr>
+        <p:spPr>
+          <a:xfrm>
+            <a:off x="838200" y="365125"/>
+            <a:ext cx="10515600" cy="1325563"/>
+          </a:xfrm>
+        </p:spPr>
+        <p:txBody>
+          <a:bodyPr>
+            <a:normAutofit/>
+          </a:bodyPr>
+          <a:lstStyle/>
+          <a:p>
+            <a:r>
+              <a:rPr lang="ru-RU">
+                <a:latin typeface="Century Gothic" panose="020B0502020202020204" pitchFamily="34" charset="0"/>
+              </a:rPr>
+              <a:t>Итоги</a:t>
+            </a:r>
+          </a:p>
+        </p:txBody>
+      </p:sp>
+      <p:sp>
+        <p:nvSpPr>
+          <p:cNvPr id="26" name="Arc 25">
+            <a:extLst>
+              <a:ext uri="{FF2B5EF4-FFF2-40B4-BE49-F238E27FC236}">
+                <a16:creationId xmlns:a16="http://schemas.microsoft.com/office/drawing/2014/main" id="{081E4A58-353D-44AE-B2FC-2A74E2E400F7}"/>
+              </a:ext>
+              <a:ext uri="{C183D7F6-B498-43B3-948B-1728B52AA6E4}">
+                <adec:decorative xmlns:adec="http://schemas.microsoft.com/office/drawing/2017/decorative" val="1"/>
+              </a:ext>
+            </a:extLst>
+          </p:cNvPr>
+          <p:cNvSpPr>
+            <a:spLocks noGrp="1" noRot="1" noChangeAspect="1" noMove="1" noResize="1" noEditPoints="1" noAdjustHandles="1" noChangeArrowheads="1" noChangeShapeType="1" noTextEdit="1"/>
+          </p:cNvSpPr>
+          <p:nvPr>
+            <p:extLst>
+              <p:ext uri="{386F3935-93C4-4BCD-93E2-E3B085C9AB24}">
+                <p16:designElem xmlns:p16="http://schemas.microsoft.com/office/powerpoint/2015/main" val="1"/>
+              </p:ext>
+            </p:extLst>
+          </p:nvPr>
+        </p:nvSpPr>
+        <p:spPr>
+          <a:xfrm rot="5400000" flipV="1">
+            <a:off x="555710" y="2183223"/>
+            <a:ext cx="4083433" cy="4083433"/>
+          </a:xfrm>
+          <a:prstGeom prst="arc">
+            <a:avLst/>
+          </a:prstGeom>
+          <a:ln w="127000" cap="rnd">
+            <a:solidFill>
+              <a:schemeClr val="accent4"/>
+            </a:solidFill>
+            <a:prstDash val="dash"/>
+          </a:ln>
+        </p:spPr>
+        <p:style>
+          <a:lnRef idx="1">
+            <a:schemeClr val="accent1"/>
+          </a:lnRef>
+          <a:fillRef idx="0">
+            <a:schemeClr val="accent1"/>
+          </a:fillRef>
+          <a:effectRef idx="0">
+            <a:schemeClr val="accent1"/>
+          </a:effectRef>
+          <a:fontRef idx="minor">
+            <a:schemeClr val="tx1"/>
+          </a:fontRef>
+        </p:style>
+        <p:txBody>
+          <a:bodyPr rtlCol="0" anchor="ctr"/>
+          <a:lstStyle/>
+          <a:p>
+            <a:pPr algn="ctr"/>
+            <a:endParaRPr lang="en-US" dirty="0"/>
+          </a:p>
+        </p:txBody>
+      </p:sp>
+      <p:sp>
+        <p:nvSpPr>
+          <p:cNvPr id="3" name="Объект 2">
+            <a:extLst>
+              <a:ext uri="{FF2B5EF4-FFF2-40B4-BE49-F238E27FC236}">
+                <a16:creationId xmlns:a16="http://schemas.microsoft.com/office/drawing/2014/main" id="{DAEF4567-6334-292B-AB7C-310722A40442}"/>
+              </a:ext>
+            </a:extLst>
+          </p:cNvPr>
+          <p:cNvSpPr>
+            <a:spLocks noGrp="1"/>
+          </p:cNvSpPr>
+          <p:nvPr>
+            <p:ph idx="1"/>
+          </p:nvPr>
+        </p:nvSpPr>
+        <p:spPr>
+          <a:xfrm>
+            <a:off x="838200" y="1825625"/>
+            <a:ext cx="10515600" cy="4351338"/>
+          </a:xfrm>
+        </p:spPr>
+        <p:txBody>
+          <a:bodyPr>
+            <a:normAutofit/>
+          </a:bodyPr>
+          <a:lstStyle/>
+          <a:p>
+            <a:r>
+              <a:rPr lang="ru-RU"/>
+              <a:t>Реализована авторизация и регистрация, страницы профиля, заказов, курьеров.</a:t>
+            </a:r>
+          </a:p>
+          <a:p>
+            <a:r>
+              <a:rPr lang="ru-RU"/>
+              <a:t>Можно создать свою карточку курьера или сделать заказ</a:t>
+            </a:r>
+          </a:p>
+          <a:p>
+            <a:r>
+              <a:rPr lang="ru-RU"/>
+              <a:t>В перспективах добавление чата для общения курьера и заказчика, а так же создание открытого рейтинга курьеров</a:t>
+            </a:r>
+          </a:p>
+        </p:txBody>
+      </p:sp>
+    </p:spTree>
+    <p:extLst>
+      <p:ext uri="{BB962C8B-B14F-4D97-AF65-F5344CB8AC3E}">
+        <p14:creationId xmlns:p14="http://schemas.microsoft.com/office/powerpoint/2010/main" val="2671503472"/>
+      </p:ext>
+    </p:extLst>
+  </p:cSld>
+  <p:clrMapOvr>
+    <a:masterClrMapping/>
+  </p:clrMapOvr>
+</p:sld>
+</file>
+
+<file path=ppt/slides/slide2.xml><?xml version="1.0" encoding="utf-8"?>
+<p:sld xmlns:a="http://schemas.openxmlformats.org/drawingml/2006/main" xmlns:r="http://schemas.openxmlformats.org/officeDocument/2006/relationships" xmlns:p="http://schemas.openxmlformats.org/presentationml/2006/main">
+  <p:cSld>
+    <p:bg>
+      <p:bgPr>
+        <a:solidFill>
+          <a:schemeClr val="bg1"/>
+        </a:solidFill>
+        <a:effectLst/>
+      </p:bgPr>
+    </p:bg>
+    <p:spTree>
+      <p:nvGrpSpPr>
+        <p:cNvPr id="1" name=""/>
+        <p:cNvGrpSpPr/>
+        <p:nvPr/>
+      </p:nvGrpSpPr>
+      <p:grpSpPr>
+        <a:xfrm>
+          <a:off x="0" y="0"/>
+          <a:ext cx="0" cy="0"/>
+          <a:chOff x="0" y="0"/>
+          <a:chExt cx="0" cy="0"/>
+        </a:xfrm>
+      </p:grpSpPr>
+      <p:sp useBgFill="1">
+        <p:nvSpPr>
+          <p:cNvPr id="8" name="Rectangle 7">
+            <a:extLst>
+              <a:ext uri="{FF2B5EF4-FFF2-40B4-BE49-F238E27FC236}">
+                <a16:creationId xmlns:a16="http://schemas.microsoft.com/office/drawing/2014/main" id="{1BB867FF-FC45-48F7-8104-F89BE54909F1}"/>
+              </a:ext>
+              <a:ext uri="{C183D7F6-B498-43B3-948B-1728B52AA6E4}">
+                <adec:decorative xmlns:adec="http://schemas.microsoft.com/office/drawing/2017/decorative" val="1"/>
+              </a:ext>
+            </a:extLst>
+          </p:cNvPr>
+          <p:cNvSpPr>
+            <a:spLocks noGrp="1" noRot="1" noChangeAspect="1" noMove="1" noResize="1" noEditPoints="1" noAdjustHandles="1" noChangeArrowheads="1" noChangeShapeType="1" noTextEdit="1"/>
+          </p:cNvSpPr>
+          <p:nvPr>
+            <p:extLst>
+              <p:ext uri="{386F3935-93C4-4BCD-93E2-E3B085C9AB24}">
+                <p16:designElem xmlns:p16="http://schemas.microsoft.com/office/powerpoint/2015/main" val="1"/>
+              </p:ext>
+            </p:extLst>
+          </p:nvPr>
+        </p:nvSpPr>
+        <p:spPr>
+          <a:xfrm>
+            <a:off x="3048" y="0"/>
+            <a:ext cx="12188952" cy="6858000"/>
           </a:xfrm>
           <a:prstGeom prst="rect">
             <a:avLst/>
           </a:prstGeom>
-          <a:solidFill>
-            <a:schemeClr val="bg1"/>
-          </a:solidFill>
           <a:ln>
             <a:noFill/>
           </a:ln>
-          <a:effectLst>
-            <a:outerShdw blurRad="139700" dist="127000" dir="5400000" algn="t" rotWithShape="0">
-              <a:prstClr val="black">
-                <a:alpha val="15000"/>
-              </a:prstClr>
-            </a:outerShdw>
-          </a:effectLst>
         </p:spPr>
         <p:style>
           <a:lnRef idx="2">
@@ -12796,10 +13892,130 @@
       </p:sp>
       <p:sp>
         <p:nvSpPr>
+          <p:cNvPr id="10" name="Freeform: Shape 9">
+            <a:extLst>
+              <a:ext uri="{FF2B5EF4-FFF2-40B4-BE49-F238E27FC236}">
+                <a16:creationId xmlns:a16="http://schemas.microsoft.com/office/drawing/2014/main" id="{8BB56887-D0D5-4F0C-9E19-7247EB83C8B7}"/>
+              </a:ext>
+              <a:ext uri="{C183D7F6-B498-43B3-948B-1728B52AA6E4}">
+                <adec:decorative xmlns:adec="http://schemas.microsoft.com/office/drawing/2017/decorative" val="1"/>
+              </a:ext>
+            </a:extLst>
+          </p:cNvPr>
+          <p:cNvSpPr>
+            <a:spLocks noGrp="1" noRot="1" noChangeAspect="1" noMove="1" noResize="1" noEditPoints="1" noAdjustHandles="1" noChangeArrowheads="1" noChangeShapeType="1" noTextEdit="1"/>
+          </p:cNvSpPr>
+          <p:nvPr>
+            <p:extLst>
+              <p:ext uri="{386F3935-93C4-4BCD-93E2-E3B085C9AB24}">
+                <p16:designElem xmlns:p16="http://schemas.microsoft.com/office/powerpoint/2015/main" val="1"/>
+              </p:ext>
+            </p:extLst>
+          </p:nvPr>
+        </p:nvSpPr>
+        <p:spPr>
+          <a:xfrm>
+            <a:off x="10208695" y="1"/>
+            <a:ext cx="1135066" cy="477997"/>
+          </a:xfrm>
+          <a:custGeom>
+            <a:avLst/>
+            <a:gdLst>
+              <a:gd name="connsiteX0" fmla="*/ 0 w 1135066"/>
+              <a:gd name="connsiteY0" fmla="*/ 0 h 477997"/>
+              <a:gd name="connsiteX1" fmla="*/ 1135066 w 1135066"/>
+              <a:gd name="connsiteY1" fmla="*/ 0 h 477997"/>
+              <a:gd name="connsiteX2" fmla="*/ 1133370 w 1135066"/>
+              <a:gd name="connsiteY2" fmla="*/ 16827 h 477997"/>
+              <a:gd name="connsiteX3" fmla="*/ 567533 w 1135066"/>
+              <a:gd name="connsiteY3" fmla="*/ 477997 h 477997"/>
+              <a:gd name="connsiteX4" fmla="*/ 1696 w 1135066"/>
+              <a:gd name="connsiteY4" fmla="*/ 16827 h 477997"/>
+            </a:gdLst>
+            <a:ahLst/>
+            <a:cxnLst>
+              <a:cxn ang="0">
+                <a:pos x="connsiteX0" y="connsiteY0"/>
+              </a:cxn>
+              <a:cxn ang="0">
+                <a:pos x="connsiteX1" y="connsiteY1"/>
+              </a:cxn>
+              <a:cxn ang="0">
+                <a:pos x="connsiteX2" y="connsiteY2"/>
+              </a:cxn>
+              <a:cxn ang="0">
+                <a:pos x="connsiteX3" y="connsiteY3"/>
+              </a:cxn>
+              <a:cxn ang="0">
+                <a:pos x="connsiteX4" y="connsiteY4"/>
+              </a:cxn>
+            </a:cxnLst>
+            <a:rect l="l" t="t" r="r" b="b"/>
+            <a:pathLst>
+              <a:path w="1135066" h="477997">
+                <a:moveTo>
+                  <a:pt x="0" y="0"/>
+                </a:moveTo>
+                <a:lnTo>
+                  <a:pt x="1135066" y="0"/>
+                </a:lnTo>
+                <a:lnTo>
+                  <a:pt x="1133370" y="16827"/>
+                </a:lnTo>
+                <a:cubicBezTo>
+                  <a:pt x="1079514" y="280016"/>
+                  <a:pt x="846644" y="477997"/>
+                  <a:pt x="567533" y="477997"/>
+                </a:cubicBezTo>
+                <a:cubicBezTo>
+                  <a:pt x="288422" y="477997"/>
+                  <a:pt x="55552" y="280016"/>
+                  <a:pt x="1696" y="16827"/>
+                </a:cubicBezTo>
+                <a:close/>
+              </a:path>
+            </a:pathLst>
+          </a:custGeom>
+          <a:solidFill>
+            <a:schemeClr val="accent4"/>
+          </a:solidFill>
+          <a:ln>
+            <a:noFill/>
+          </a:ln>
+        </p:spPr>
+        <p:style>
+          <a:lnRef idx="2">
+            <a:schemeClr val="accent1">
+              <a:shade val="50000"/>
+            </a:schemeClr>
+          </a:lnRef>
+          <a:fillRef idx="1">
+            <a:schemeClr val="accent1"/>
+          </a:fillRef>
+          <a:effectRef idx="0">
+            <a:schemeClr val="accent1"/>
+          </a:effectRef>
+          <a:fontRef idx="minor">
+            <a:schemeClr val="lt1"/>
+          </a:fontRef>
+        </p:style>
+        <p:txBody>
+          <a:bodyPr wrap="square" rtlCol="0" anchor="ctr">
+            <a:noAutofit/>
+          </a:bodyPr>
+          <a:lstStyle/>
+          <a:p>
+            <a:pPr algn="ctr"/>
+            <a:endParaRPr lang="en-US"/>
+          </a:p>
+        </p:txBody>
+      </p:sp>
+      <p:sp>
+        <p:nvSpPr>
           <p:cNvPr id="2" name="Заголовок 1">
             <a:extLst>
               <a:ext uri="{FF2B5EF4-FFF2-40B4-BE49-F238E27FC236}">
-                <a16:creationId xmlns:a16="http://schemas.microsoft.com/office/drawing/2014/main" id="{88EE753E-9E55-6BD7-0378-A9D0BB0C24B7}"/>
+                <a16:creationId xmlns:a16="http://schemas.microsoft.com/office/drawing/2014/main" id="{6423406D-5646-2C91-5CCC-136BDCB72DC6}"/>
               </a:ext>
             </a:extLst>
           </p:cNvPr>
@@ -12812,72 +14028,40 @@
         </p:nvSpPr>
         <p:spPr>
           <a:xfrm>
-            <a:off x="1043631" y="809898"/>
-            <a:ext cx="9942716" cy="1554480"/>
+            <a:off x="838200" y="365125"/>
+            <a:ext cx="10515600" cy="1325563"/>
           </a:xfrm>
         </p:spPr>
         <p:txBody>
-          <a:bodyPr anchor="ctr">
+          <a:bodyPr>
             <a:normAutofit/>
           </a:bodyPr>
           <a:lstStyle/>
           <a:p>
             <a:r>
-              <a:rPr lang="ru-RU" sz="4800" dirty="0">
+              <a:rPr lang="ru-RU" dirty="0">
                 <a:latin typeface="Century Gothic" panose="020B0502020202020204" pitchFamily="34" charset="0"/>
               </a:rPr>
-              <a:t>Итоги</a:t>
+              <a:t>Проблемы</a:t>
             </a:r>
           </a:p>
         </p:txBody>
       </p:sp>
       <p:sp>
         <p:nvSpPr>
-          <p:cNvPr id="3" name="Объект 2">
+          <p:cNvPr id="12" name="Arc 11">
             <a:extLst>
               <a:ext uri="{FF2B5EF4-FFF2-40B4-BE49-F238E27FC236}">
-                <a16:creationId xmlns:a16="http://schemas.microsoft.com/office/drawing/2014/main" id="{DAEF4567-6334-292B-AB7C-310722A40442}"/>
-              </a:ext>
-            </a:extLst>
-          </p:cNvPr>
-          <p:cNvSpPr>
-            <a:spLocks noGrp="1"/>
-          </p:cNvSpPr>
-          <p:nvPr>
-            <p:ph idx="1"/>
-          </p:nvPr>
-        </p:nvSpPr>
-        <p:spPr>
-          <a:xfrm>
-            <a:off x="1045028" y="3017522"/>
-            <a:ext cx="9941319" cy="3124658"/>
-          </a:xfrm>
-        </p:spPr>
-        <p:txBody>
-          <a:bodyPr anchor="ctr">
-            <a:normAutofit/>
-          </a:bodyPr>
-          <a:lstStyle/>
-          <a:p>
-            <a:endParaRPr lang="ru-RU" sz="2400" dirty="0"/>
-          </a:p>
-        </p:txBody>
-      </p:sp>
-      <p:cxnSp>
-        <p:nvCxnSpPr>
-          <p:cNvPr id="17" name="Straight Connector 16">
-            <a:extLst>
-              <a:ext uri="{FF2B5EF4-FFF2-40B4-BE49-F238E27FC236}">
-                <a16:creationId xmlns:a16="http://schemas.microsoft.com/office/drawing/2014/main" id="{6CF1BAF6-AD41-4082-B212-8A1F9A2E8779}"/>
+                <a16:creationId xmlns:a16="http://schemas.microsoft.com/office/drawing/2014/main" id="{081E4A58-353D-44AE-B2FC-2A74E2E400F7}"/>
               </a:ext>
               <a:ext uri="{C183D7F6-B498-43B3-948B-1728B52AA6E4}">
                 <adec:decorative xmlns:adec="http://schemas.microsoft.com/office/drawing/2017/decorative" val="1"/>
               </a:ext>
             </a:extLst>
           </p:cNvPr>
-          <p:cNvCxnSpPr>
-            <a:cxnSpLocks noGrp="1" noRot="1" noChangeAspect="1" noMove="1" noResize="1" noEditPoints="1" noAdjustHandles="1" noChangeArrowheads="1" noChangeShapeType="1"/>
-          </p:cNvCxnSpPr>
+          <p:cNvSpPr>
+            <a:spLocks noGrp="1" noRot="1" noChangeAspect="1" noMove="1" noResize="1" noEditPoints="1" noAdjustHandles="1" noChangeArrowheads="1" noChangeShapeType="1" noTextEdit="1"/>
+          </p:cNvSpPr>
           <p:nvPr>
             <p:extLst>
               <p:ext uri="{386F3935-93C4-4BCD-93E2-E3B085C9AB24}">
@@ -12885,19 +14069,20 @@
               </p:ext>
             </p:extLst>
           </p:nvPr>
-        </p:nvCxnSpPr>
+        </p:nvSpPr>
         <p:spPr>
-          <a:xfrm flipH="1">
-            <a:off x="838200" y="6485313"/>
-            <a:ext cx="10515600" cy="0"/>
+          <a:xfrm rot="5400000" flipV="1">
+            <a:off x="555710" y="2183223"/>
+            <a:ext cx="4083433" cy="4083433"/>
           </a:xfrm>
-          <a:prstGeom prst="line">
+          <a:prstGeom prst="arc">
             <a:avLst/>
           </a:prstGeom>
-          <a:ln w="57150">
+          <a:ln w="127000" cap="rnd">
             <a:solidFill>
               <a:schemeClr val="accent4"/>
             </a:solidFill>
+            <a:prstDash val="dash"/>
           </a:ln>
         </p:spPr>
         <p:style>
@@ -12914,11 +14099,83 @@
             <a:schemeClr val="tx1"/>
           </a:fontRef>
         </p:style>
-      </p:cxnSp>
+        <p:txBody>
+          <a:bodyPr rtlCol="0" anchor="ctr"/>
+          <a:lstStyle/>
+          <a:p>
+            <a:pPr algn="ctr"/>
+            <a:endParaRPr lang="en-US" dirty="0"/>
+          </a:p>
+        </p:txBody>
+      </p:sp>
+      <p:sp>
+        <p:nvSpPr>
+          <p:cNvPr id="3" name="Объект 2">
+            <a:extLst>
+              <a:ext uri="{FF2B5EF4-FFF2-40B4-BE49-F238E27FC236}">
+                <a16:creationId xmlns:a16="http://schemas.microsoft.com/office/drawing/2014/main" id="{527BB4D4-CC3D-5C23-F188-A521E87A276C}"/>
+              </a:ext>
+            </a:extLst>
+          </p:cNvPr>
+          <p:cNvSpPr>
+            <a:spLocks noGrp="1"/>
+          </p:cNvSpPr>
+          <p:nvPr>
+            <p:ph idx="1"/>
+          </p:nvPr>
+        </p:nvSpPr>
+        <p:spPr>
+          <a:xfrm>
+            <a:off x="838200" y="1825625"/>
+            <a:ext cx="10515600" cy="4351338"/>
+          </a:xfrm>
+        </p:spPr>
+        <p:txBody>
+          <a:bodyPr>
+            <a:normAutofit/>
+          </a:bodyPr>
+          <a:lstStyle/>
+          <a:p>
+            <a:r>
+              <a:rPr lang="ru-RU" dirty="0"/>
+              <a:t>На кампусе мало магазинов и в них маленький ассортимент</a:t>
+            </a:r>
+          </a:p>
+          <a:p>
+            <a:r>
+              <a:rPr lang="ru-RU" dirty="0"/>
+              <a:t>Службы доставки не доставляют на кампус(кроме </a:t>
+            </a:r>
+            <a:r>
+              <a:rPr lang="ru-RU" dirty="0" err="1"/>
+              <a:t>Яндекс.Еды</a:t>
+            </a:r>
+            <a:r>
+              <a:rPr lang="ru-RU" dirty="0"/>
+              <a:t>)</a:t>
+            </a:r>
+          </a:p>
+          <a:p>
+            <a:r>
+              <a:rPr lang="ru-RU" dirty="0"/>
+              <a:t>Бизнес на кампусе официально запрещен</a:t>
+            </a:r>
+          </a:p>
+          <a:p>
+            <a:r>
+              <a:rPr lang="ru-RU" dirty="0"/>
+              <a:t>В чате много ботов и фейковых страниц  курьеров, поэтому много случаев мошенничества</a:t>
+            </a:r>
+          </a:p>
+          <a:p>
+            <a:endParaRPr lang="ru-RU" dirty="0"/>
+          </a:p>
+        </p:txBody>
+      </p:sp>
     </p:spTree>
     <p:extLst>
       <p:ext uri="{BB962C8B-B14F-4D97-AF65-F5344CB8AC3E}">
-        <p14:creationId xmlns:p14="http://schemas.microsoft.com/office/powerpoint/2010/main" val="2671503472"/>
+        <p14:creationId xmlns:p14="http://schemas.microsoft.com/office/powerpoint/2010/main" val="1545275557"/>
       </p:ext>
     </p:extLst>
   </p:cSld>
@@ -12928,7 +14185,7 @@
 </p:sld>
 </file>
 
-<file path=ppt/slides/slide2.xml><?xml version="1.0" encoding="utf-8"?>
+<file path=ppt/slides/slide3.xml><?xml version="1.0" encoding="utf-8"?>
 <p:sld xmlns:a="http://schemas.openxmlformats.org/drawingml/2006/main" xmlns:r="http://schemas.openxmlformats.org/officeDocument/2006/relationships" xmlns:p="http://schemas.openxmlformats.org/presentationml/2006/main">
   <p:cSld>
     <p:bg>
@@ -13499,7 +14756,7 @@
 </p:sld>
 </file>
 
-<file path=ppt/slides/slide3.xml><?xml version="1.0" encoding="utf-8"?>
+<file path=ppt/slides/slide4.xml><?xml version="1.0" encoding="utf-8"?>
 <p:sld xmlns:a="http://schemas.openxmlformats.org/drawingml/2006/main" xmlns:r="http://schemas.openxmlformats.org/officeDocument/2006/relationships" xmlns:p="http://schemas.openxmlformats.org/presentationml/2006/main">
   <p:cSld>
     <p:bg>
@@ -13943,7 +15200,7 @@
 </p:sld>
 </file>
 
-<file path=ppt/slides/slide4.xml><?xml version="1.0" encoding="utf-8"?>
+<file path=ppt/slides/slide5.xml><?xml version="1.0" encoding="utf-8"?>
 <p:sld xmlns:a="http://schemas.openxmlformats.org/drawingml/2006/main" xmlns:r="http://schemas.openxmlformats.org/officeDocument/2006/relationships" xmlns:p="http://schemas.openxmlformats.org/presentationml/2006/main">
   <p:cSld>
     <p:bg>
@@ -14046,8 +15303,8 @@
         </p:nvSpPr>
         <p:spPr>
           <a:xfrm>
-            <a:off x="999356" y="2011545"/>
-            <a:ext cx="5096643" cy="1709849"/>
+            <a:off x="999356" y="3081794"/>
+            <a:ext cx="5096643" cy="673460"/>
           </a:xfrm>
         </p:spPr>
         <p:txBody>
@@ -14071,26 +15328,8 @@
               <a:t>Студенты</a:t>
             </a:r>
             <a:r>
-              <a:rPr lang="en-US" sz="2000" kern="1200" dirty="0">
-                <a:solidFill>
-                  <a:schemeClr val="tx1"/>
-                </a:solidFill>
-                <a:latin typeface="+mn-lt"/>
-                <a:ea typeface="+mn-ea"/>
-                <a:cs typeface="+mn-cs"/>
-              </a:rPr>
-              <a:t> и </a:t>
-            </a:r>
-            <a:r>
-              <a:rPr lang="en-US" sz="2000" kern="1200" dirty="0" err="1">
-                <a:solidFill>
-                  <a:schemeClr val="tx1"/>
-                </a:solidFill>
-                <a:latin typeface="+mn-lt"/>
-                <a:ea typeface="+mn-ea"/>
-                <a:cs typeface="+mn-cs"/>
-              </a:rPr>
-              <a:t>сотрудники</a:t>
+              <a:rPr lang="ru-RU" sz="2000" dirty="0"/>
+              <a:t> ДВФУ,</a:t>
             </a:r>
             <a:r>
               <a:rPr lang="en-US" sz="2000" kern="1200" dirty="0">
@@ -14101,7 +15340,7 @@
                 <a:ea typeface="+mn-ea"/>
                 <a:cs typeface="+mn-cs"/>
               </a:rPr>
-              <a:t>, </a:t>
+              <a:t> </a:t>
             </a:r>
             <a:r>
               <a:rPr lang="en-US" sz="2000" kern="1200" dirty="0" err="1">
@@ -14158,17 +15397,14 @@
               </a:rPr>
               <a:t>корпусах</a:t>
             </a:r>
-            <a:r>
-              <a:rPr lang="en-US" sz="2000" kern="1200" dirty="0">
-                <a:solidFill>
-                  <a:schemeClr val="tx1"/>
-                </a:solidFill>
-                <a:latin typeface="+mn-lt"/>
-                <a:ea typeface="+mn-ea"/>
-                <a:cs typeface="+mn-cs"/>
-              </a:rPr>
-              <a:t> ДВФУ</a:t>
-            </a:r>
+            <a:endParaRPr lang="en-US" sz="2000" kern="1200" dirty="0">
+              <a:solidFill>
+                <a:schemeClr val="tx1"/>
+              </a:solidFill>
+              <a:latin typeface="+mn-lt"/>
+              <a:ea typeface="+mn-ea"/>
+              <a:cs typeface="+mn-cs"/>
+            </a:endParaRPr>
           </a:p>
         </p:txBody>
       </p:sp>
@@ -14572,7 +15808,7 @@
         <p:spPr>
           <a:xfrm>
             <a:off x="982124" y="2127922"/>
-            <a:ext cx="5961102" cy="2387600"/>
+            <a:ext cx="5961102" cy="857070"/>
           </a:xfrm>
         </p:spPr>
         <p:txBody>
@@ -14638,7 +15874,171 @@
 </p:sld>
 </file>
 
-<file path=ppt/slides/slide5.xml><?xml version="1.0" encoding="utf-8"?>
+<file path=ppt/slides/slide6.xml><?xml version="1.0" encoding="utf-8"?>
+<p:sld xmlns:a="http://schemas.openxmlformats.org/drawingml/2006/main" xmlns:r="http://schemas.openxmlformats.org/officeDocument/2006/relationships" xmlns:p="http://schemas.openxmlformats.org/presentationml/2006/main">
+  <p:cSld>
+    <p:spTree>
+      <p:nvGrpSpPr>
+        <p:cNvPr id="1" name=""/>
+        <p:cNvGrpSpPr/>
+        <p:nvPr/>
+      </p:nvGrpSpPr>
+      <p:grpSpPr>
+        <a:xfrm>
+          <a:off x="0" y="0"/>
+          <a:ext cx="0" cy="0"/>
+          <a:chOff x="0" y="0"/>
+          <a:chExt cx="0" cy="0"/>
+        </a:xfrm>
+      </p:grpSpPr>
+      <p:sp>
+        <p:nvSpPr>
+          <p:cNvPr id="2" name="Заголовок 1">
+            <a:extLst>
+              <a:ext uri="{FF2B5EF4-FFF2-40B4-BE49-F238E27FC236}">
+                <a16:creationId xmlns:a16="http://schemas.microsoft.com/office/drawing/2014/main" id="{6A80BAF8-6CA5-4CEC-2D8D-D52B1D4DEB24}"/>
+              </a:ext>
+            </a:extLst>
+          </p:cNvPr>
+          <p:cNvSpPr>
+            <a:spLocks noGrp="1"/>
+          </p:cNvSpPr>
+          <p:nvPr>
+            <p:ph type="title"/>
+          </p:nvPr>
+        </p:nvSpPr>
+        <p:spPr/>
+        <p:txBody>
+          <a:bodyPr/>
+          <a:lstStyle/>
+          <a:p>
+            <a:r>
+              <a:rPr lang="ru-RU" dirty="0">
+                <a:latin typeface="Century Gothic" panose="020B0502020202020204" pitchFamily="34" charset="0"/>
+              </a:rPr>
+              <a:t>Нынешнее решение</a:t>
+            </a:r>
+          </a:p>
+        </p:txBody>
+      </p:sp>
+      <p:pic>
+        <p:nvPicPr>
+          <p:cNvPr id="5" name="Объект 4" descr="Изображение выглядит как текст, снимок экрана, Шрифт&#10;&#10;Автоматически созданное описание">
+            <a:extLst>
+              <a:ext uri="{FF2B5EF4-FFF2-40B4-BE49-F238E27FC236}">
+                <a16:creationId xmlns:a16="http://schemas.microsoft.com/office/drawing/2014/main" id="{DEF7A105-C200-A8A2-220A-FBC3A9B2E148}"/>
+              </a:ext>
+            </a:extLst>
+          </p:cNvPr>
+          <p:cNvPicPr>
+            <a:picLocks noGrp="1" noChangeAspect="1"/>
+          </p:cNvPicPr>
+          <p:nvPr>
+            <p:ph idx="1"/>
+          </p:nvPr>
+        </p:nvPicPr>
+        <p:blipFill rotWithShape="1">
+          <a:blip r:embed="rId2">
+            <a:extLst>
+              <a:ext uri="{28A0092B-C50C-407E-A947-70E740481C1C}">
+                <a14:useLocalDpi xmlns:a14="http://schemas.microsoft.com/office/drawing/2010/main" val="0"/>
+              </a:ext>
+            </a:extLst>
+          </a:blip>
+          <a:srcRect l="11236" t="2942" r="25410" b="2235"/>
+          <a:stretch/>
+        </p:blipFill>
+        <p:spPr>
+          <a:xfrm>
+            <a:off x="1205802" y="1690688"/>
+            <a:ext cx="4371033" cy="2287705"/>
+          </a:xfrm>
+        </p:spPr>
+      </p:pic>
+      <p:pic>
+        <p:nvPicPr>
+          <p:cNvPr id="8" name="Рисунок 7" descr="Изображение выглядит как текст, Шрифт, снимок экрана&#10;&#10;Автоматически созданное описание">
+            <a:extLst>
+              <a:ext uri="{FF2B5EF4-FFF2-40B4-BE49-F238E27FC236}">
+                <a16:creationId xmlns:a16="http://schemas.microsoft.com/office/drawing/2014/main" id="{1E9F1B75-5129-2BE8-942F-F06B9B7ED402}"/>
+              </a:ext>
+            </a:extLst>
+          </p:cNvPr>
+          <p:cNvPicPr>
+            <a:picLocks noChangeAspect="1"/>
+          </p:cNvPicPr>
+          <p:nvPr/>
+        </p:nvPicPr>
+        <p:blipFill rotWithShape="1">
+          <a:blip r:embed="rId3">
+            <a:extLst>
+              <a:ext uri="{28A0092B-C50C-407E-A947-70E740481C1C}">
+                <a14:useLocalDpi xmlns:a14="http://schemas.microsoft.com/office/drawing/2010/main" val="0"/>
+              </a:ext>
+            </a:extLst>
+          </a:blip>
+          <a:srcRect l="11297" t="7032" r="21615" b="4888"/>
+          <a:stretch/>
+        </p:blipFill>
+        <p:spPr>
+          <a:xfrm>
+            <a:off x="7164475" y="496632"/>
+            <a:ext cx="4441372" cy="1489550"/>
+          </a:xfrm>
+          <a:prstGeom prst="rect">
+            <a:avLst/>
+          </a:prstGeom>
+        </p:spPr>
+      </p:pic>
+      <p:pic>
+        <p:nvPicPr>
+          <p:cNvPr id="19" name="Рисунок 18" descr="Изображение выглядит как текст, снимок экрана&#10;&#10;Автоматически созданное описание">
+            <a:extLst>
+              <a:ext uri="{FF2B5EF4-FFF2-40B4-BE49-F238E27FC236}">
+                <a16:creationId xmlns:a16="http://schemas.microsoft.com/office/drawing/2014/main" id="{90C64416-0863-111E-7228-DDFC1D1749F8}"/>
+              </a:ext>
+            </a:extLst>
+          </p:cNvPr>
+          <p:cNvPicPr>
+            <a:picLocks noChangeAspect="1"/>
+          </p:cNvPicPr>
+          <p:nvPr/>
+        </p:nvPicPr>
+        <p:blipFill rotWithShape="1">
+          <a:blip r:embed="rId4">
+            <a:extLst>
+              <a:ext uri="{28A0092B-C50C-407E-A947-70E740481C1C}">
+                <a14:useLocalDpi xmlns:a14="http://schemas.microsoft.com/office/drawing/2010/main" val="0"/>
+              </a:ext>
+            </a:extLst>
+          </a:blip>
+          <a:srcRect l="11126" t="1905" r="15272" b="3883"/>
+          <a:stretch/>
+        </p:blipFill>
+        <p:spPr>
+          <a:xfrm>
+            <a:off x="6408143" y="2393147"/>
+            <a:ext cx="4112479" cy="4099728"/>
+          </a:xfrm>
+          <a:prstGeom prst="rect">
+            <a:avLst/>
+          </a:prstGeom>
+        </p:spPr>
+      </p:pic>
+    </p:spTree>
+    <p:extLst>
+      <p:ext uri="{BB962C8B-B14F-4D97-AF65-F5344CB8AC3E}">
+        <p14:creationId xmlns:p14="http://schemas.microsoft.com/office/powerpoint/2010/main" val="67439890"/>
+      </p:ext>
+    </p:extLst>
+  </p:cSld>
+  <p:clrMapOvr>
+    <a:masterClrMapping/>
+  </p:clrMapOvr>
+</p:sld>
+</file>
+
+<file path=ppt/slides/slide7.xml><?xml version="1.0" encoding="utf-8"?>
 <p:sld xmlns:a="http://schemas.openxmlformats.org/drawingml/2006/main" xmlns:r="http://schemas.openxmlformats.org/officeDocument/2006/relationships" xmlns:p="http://schemas.openxmlformats.org/presentationml/2006/main">
   <p:cSld>
     <p:bg>
@@ -15123,7 +16523,7 @@
 </p:sld>
 </file>
 
-<file path=ppt/slides/slide6.xml><?xml version="1.0" encoding="utf-8"?>
+<file path=ppt/slides/slide8.xml><?xml version="1.0" encoding="utf-8"?>
 <p:sld xmlns:a="http://schemas.openxmlformats.org/drawingml/2006/main" xmlns:r="http://schemas.openxmlformats.org/officeDocument/2006/relationships" xmlns:p="http://schemas.openxmlformats.org/presentationml/2006/main">
   <p:cSld>
     <p:spTree>
@@ -16455,7 +17855,7 @@
 </p:sld>
 </file>
 
-<file path=ppt/slides/slide7.xml><?xml version="1.0" encoding="utf-8"?>
+<file path=ppt/slides/slide9.xml><?xml version="1.0" encoding="utf-8"?>
 <p:sld xmlns:a="http://schemas.openxmlformats.org/drawingml/2006/main" xmlns:r="http://schemas.openxmlformats.org/officeDocument/2006/relationships" xmlns:p="http://schemas.openxmlformats.org/presentationml/2006/main">
   <p:cSld>
     <p:bg>
@@ -16934,655 +18334,6 @@
 </p:sld>
 </file>
 
-<file path=ppt/slides/slide8.xml><?xml version="1.0" encoding="utf-8"?>
-<p:sld xmlns:a="http://schemas.openxmlformats.org/drawingml/2006/main" xmlns:r="http://schemas.openxmlformats.org/officeDocument/2006/relationships" xmlns:p="http://schemas.openxmlformats.org/presentationml/2006/main">
-  <p:cSld>
-    <p:bg>
-      <p:bgPr>
-        <a:solidFill>
-          <a:schemeClr val="bg1"/>
-        </a:solidFill>
-        <a:effectLst/>
-      </p:bgPr>
-    </p:bg>
-    <p:spTree>
-      <p:nvGrpSpPr>
-        <p:cNvPr id="1" name=""/>
-        <p:cNvGrpSpPr/>
-        <p:nvPr/>
-      </p:nvGrpSpPr>
-      <p:grpSpPr>
-        <a:xfrm>
-          <a:off x="0" y="0"/>
-          <a:ext cx="0" cy="0"/>
-          <a:chOff x="0" y="0"/>
-          <a:chExt cx="0" cy="0"/>
-        </a:xfrm>
-      </p:grpSpPr>
-      <p:sp useBgFill="1">
-        <p:nvSpPr>
-          <p:cNvPr id="21" name="Rectangle 20">
-            <a:extLst>
-              <a:ext uri="{FF2B5EF4-FFF2-40B4-BE49-F238E27FC236}">
-                <a16:creationId xmlns:a16="http://schemas.microsoft.com/office/drawing/2014/main" id="{4DA718D0-4865-4629-8134-44F68D41D574}"/>
-              </a:ext>
-              <a:ext uri="{C183D7F6-B498-43B3-948B-1728B52AA6E4}">
-                <adec:decorative xmlns:adec="http://schemas.microsoft.com/office/drawing/2017/decorative" val="1"/>
-              </a:ext>
-            </a:extLst>
-          </p:cNvPr>
-          <p:cNvSpPr>
-            <a:spLocks noGrp="1" noRot="1" noChangeAspect="1" noMove="1" noResize="1" noEditPoints="1" noAdjustHandles="1" noChangeArrowheads="1" noChangeShapeType="1" noTextEdit="1"/>
-          </p:cNvSpPr>
-          <p:nvPr>
-            <p:extLst>
-              <p:ext uri="{386F3935-93C4-4BCD-93E2-E3B085C9AB24}">
-                <p16:designElem xmlns:p16="http://schemas.microsoft.com/office/powerpoint/2015/main" val="1"/>
-              </p:ext>
-            </p:extLst>
-          </p:nvPr>
-        </p:nvSpPr>
-        <p:spPr>
-          <a:xfrm>
-            <a:off x="0" y="0"/>
-            <a:ext cx="12191999" cy="6857365"/>
-          </a:xfrm>
-          <a:prstGeom prst="rect">
-            <a:avLst/>
-          </a:prstGeom>
-          <a:ln>
-            <a:noFill/>
-          </a:ln>
-        </p:spPr>
-        <p:style>
-          <a:lnRef idx="2">
-            <a:schemeClr val="accent1">
-              <a:shade val="50000"/>
-            </a:schemeClr>
-          </a:lnRef>
-          <a:fillRef idx="1">
-            <a:schemeClr val="accent1"/>
-          </a:fillRef>
-          <a:effectRef idx="0">
-            <a:schemeClr val="accent1"/>
-          </a:effectRef>
-          <a:fontRef idx="minor">
-            <a:schemeClr val="lt1"/>
-          </a:fontRef>
-        </p:style>
-        <p:txBody>
-          <a:bodyPr rtlCol="0" anchor="ctr"/>
-          <a:lstStyle/>
-          <a:p>
-            <a:pPr algn="ctr"/>
-            <a:endParaRPr lang="en-US"/>
-          </a:p>
-        </p:txBody>
-      </p:sp>
-      <p:grpSp>
-        <p:nvGrpSpPr>
-          <p:cNvPr id="23" name="Group 22">
-            <a:extLst>
-              <a:ext uri="{FF2B5EF4-FFF2-40B4-BE49-F238E27FC236}">
-                <a16:creationId xmlns:a16="http://schemas.microsoft.com/office/drawing/2014/main" id="{65167ED7-6315-43AB-B1B6-C326D5FD8F84}"/>
-              </a:ext>
-              <a:ext uri="{C183D7F6-B498-43B3-948B-1728B52AA6E4}">
-                <adec:decorative xmlns:adec="http://schemas.microsoft.com/office/drawing/2017/decorative" val="1"/>
-              </a:ext>
-            </a:extLst>
-          </p:cNvPr>
-          <p:cNvGrpSpPr>
-            <a:grpSpLocks noGrp="1" noUngrp="1" noRot="1" noChangeAspect="1" noMove="1" noResize="1"/>
-          </p:cNvGrpSpPr>
-          <p:nvPr>
-            <p:extLst>
-              <p:ext uri="{386F3935-93C4-4BCD-93E2-E3B085C9AB24}">
-                <p16:designElem xmlns:p16="http://schemas.microsoft.com/office/powerpoint/2015/main" val="1"/>
-              </p:ext>
-            </p:extLst>
-          </p:nvPr>
-        </p:nvGrpSpPr>
-        <p:grpSpPr>
-          <a:xfrm rot="5400000">
-            <a:off x="-2340441" y="2666183"/>
-            <a:ext cx="5860051" cy="527712"/>
-            <a:chOff x="6081624" y="1998368"/>
-            <a:chExt cx="5613457" cy="782175"/>
-          </a:xfrm>
-          <a:solidFill>
-            <a:schemeClr val="accent4"/>
-          </a:solidFill>
-        </p:grpSpPr>
-        <p:sp>
-          <p:nvSpPr>
-            <p:cNvPr id="24" name="Rectangle 23">
-              <a:extLst>
-                <a:ext uri="{FF2B5EF4-FFF2-40B4-BE49-F238E27FC236}">
-                  <a16:creationId xmlns:a16="http://schemas.microsoft.com/office/drawing/2014/main" id="{EF4D8839-FB03-487D-ACC8-8BFEDD4FEBAE}"/>
-                </a:ext>
-                <a:ext uri="{C183D7F6-B498-43B3-948B-1728B52AA6E4}">
-                  <adec:decorative xmlns:adec="http://schemas.microsoft.com/office/drawing/2017/decorative" val="1"/>
-                </a:ext>
-              </a:extLst>
-            </p:cNvPr>
-            <p:cNvSpPr/>
-            <p:nvPr>
-              <p:extLst>
-                <p:ext uri="{386F3935-93C4-4BCD-93E2-E3B085C9AB24}">
-                  <p16:designElem xmlns:p16="http://schemas.microsoft.com/office/powerpoint/2015/main" val="1"/>
-                </p:ext>
-              </p:extLst>
-            </p:nvPr>
-          </p:nvSpPr>
-          <p:spPr>
-            <a:xfrm rot="5400000">
-              <a:off x="11228040" y="2313027"/>
-              <a:ext cx="781700" cy="152382"/>
-            </a:xfrm>
-            <a:prstGeom prst="rect">
-              <a:avLst/>
-            </a:prstGeom>
-            <a:grpFill/>
-            <a:ln>
-              <a:noFill/>
-            </a:ln>
-          </p:spPr>
-          <p:style>
-            <a:lnRef idx="2">
-              <a:schemeClr val="accent1">
-                <a:shade val="50000"/>
-              </a:schemeClr>
-            </a:lnRef>
-            <a:fillRef idx="1">
-              <a:schemeClr val="accent1"/>
-            </a:fillRef>
-            <a:effectRef idx="0">
-              <a:schemeClr val="accent1"/>
-            </a:effectRef>
-            <a:fontRef idx="minor">
-              <a:schemeClr val="lt1"/>
-            </a:fontRef>
-          </p:style>
-          <p:txBody>
-            <a:bodyPr rtlCol="0" anchor="ctr"/>
-            <a:lstStyle/>
-            <a:p>
-              <a:pPr algn="ctr"/>
-              <a:endParaRPr lang="en-US"/>
-            </a:p>
-          </p:txBody>
-        </p:sp>
-        <p:sp>
-          <p:nvSpPr>
-            <p:cNvPr id="25" name="Rectangle 24">
-              <a:extLst>
-                <a:ext uri="{FF2B5EF4-FFF2-40B4-BE49-F238E27FC236}">
-                  <a16:creationId xmlns:a16="http://schemas.microsoft.com/office/drawing/2014/main" id="{0EF75023-9A3B-42FC-B704-61A8F7BEF415}"/>
-                </a:ext>
-                <a:ext uri="{C183D7F6-B498-43B3-948B-1728B52AA6E4}">
-                  <adec:decorative xmlns:adec="http://schemas.microsoft.com/office/drawing/2017/decorative" val="1"/>
-                </a:ext>
-              </a:extLst>
-            </p:cNvPr>
-            <p:cNvSpPr/>
-            <p:nvPr>
-              <p:extLst>
-                <p:ext uri="{386F3935-93C4-4BCD-93E2-E3B085C9AB24}">
-                  <p16:designElem xmlns:p16="http://schemas.microsoft.com/office/powerpoint/2015/main" val="1"/>
-                </p:ext>
-              </p:extLst>
-            </p:nvPr>
-          </p:nvSpPr>
-          <p:spPr>
-            <a:xfrm flipH="1" flipV="1">
-              <a:off x="6081624" y="1998844"/>
-              <a:ext cx="5372968" cy="781699"/>
-            </a:xfrm>
-            <a:prstGeom prst="rect">
-              <a:avLst/>
-            </a:prstGeom>
-            <a:grpFill/>
-            <a:ln>
-              <a:noFill/>
-            </a:ln>
-          </p:spPr>
-          <p:style>
-            <a:lnRef idx="2">
-              <a:schemeClr val="accent1">
-                <a:shade val="50000"/>
-              </a:schemeClr>
-            </a:lnRef>
-            <a:fillRef idx="1">
-              <a:schemeClr val="accent1"/>
-            </a:fillRef>
-            <a:effectRef idx="0">
-              <a:schemeClr val="accent1"/>
-            </a:effectRef>
-            <a:fontRef idx="minor">
-              <a:schemeClr val="lt1"/>
-            </a:fontRef>
-          </p:style>
-          <p:txBody>
-            <a:bodyPr rtlCol="0" anchor="ctr"/>
-            <a:lstStyle/>
-            <a:p>
-              <a:pPr algn="ctr"/>
-              <a:endParaRPr lang="en-US"/>
-            </a:p>
-          </p:txBody>
-        </p:sp>
-      </p:grpSp>
-      <p:sp>
-        <p:nvSpPr>
-          <p:cNvPr id="27" name="Rectangle 26">
-            <a:extLst>
-              <a:ext uri="{FF2B5EF4-FFF2-40B4-BE49-F238E27FC236}">
-                <a16:creationId xmlns:a16="http://schemas.microsoft.com/office/drawing/2014/main" id="{CBC4F608-B4B8-48C3-9572-C0F061B1CD99}"/>
-              </a:ext>
-              <a:ext uri="{C183D7F6-B498-43B3-948B-1728B52AA6E4}">
-                <adec:decorative xmlns:adec="http://schemas.microsoft.com/office/drawing/2017/decorative" val="1"/>
-              </a:ext>
-            </a:extLst>
-          </p:cNvPr>
-          <p:cNvSpPr>
-            <a:spLocks noGrp="1" noRot="1" noChangeAspect="1" noMove="1" noResize="1" noEditPoints="1" noAdjustHandles="1" noChangeArrowheads="1" noChangeShapeType="1" noTextEdit="1"/>
-          </p:cNvSpPr>
-          <p:nvPr>
-            <p:extLst>
-              <p:ext uri="{386F3935-93C4-4BCD-93E2-E3B085C9AB24}">
-                <p16:designElem xmlns:p16="http://schemas.microsoft.com/office/powerpoint/2015/main" val="1"/>
-              </p:ext>
-            </p:extLst>
-          </p:nvPr>
-        </p:nvSpPr>
-        <p:spPr>
-          <a:xfrm>
-            <a:off x="579528" y="922919"/>
-            <a:ext cx="11111729" cy="5461252"/>
-          </a:xfrm>
-          <a:prstGeom prst="rect">
-            <a:avLst/>
-          </a:prstGeom>
-          <a:solidFill>
-            <a:schemeClr val="bg1"/>
-          </a:solidFill>
-          <a:ln>
-            <a:noFill/>
-          </a:ln>
-          <a:effectLst>
-            <a:outerShdw blurRad="139700" dist="127000" dir="5400000" algn="t" rotWithShape="0">
-              <a:prstClr val="black">
-                <a:alpha val="15000"/>
-              </a:prstClr>
-            </a:outerShdw>
-          </a:effectLst>
-        </p:spPr>
-        <p:style>
-          <a:lnRef idx="2">
-            <a:schemeClr val="accent1">
-              <a:shade val="50000"/>
-            </a:schemeClr>
-          </a:lnRef>
-          <a:fillRef idx="1">
-            <a:schemeClr val="accent1"/>
-          </a:fillRef>
-          <a:effectRef idx="0">
-            <a:schemeClr val="accent1"/>
-          </a:effectRef>
-          <a:fontRef idx="minor">
-            <a:schemeClr val="lt1"/>
-          </a:fontRef>
-        </p:style>
-        <p:txBody>
-          <a:bodyPr rtlCol="0" anchor="ctr"/>
-          <a:lstStyle/>
-          <a:p>
-            <a:pPr algn="ctr"/>
-            <a:endParaRPr lang="en-US"/>
-          </a:p>
-        </p:txBody>
-      </p:sp>
-      <p:sp>
-        <p:nvSpPr>
-          <p:cNvPr id="2" name="Заголовок 1">
-            <a:extLst>
-              <a:ext uri="{FF2B5EF4-FFF2-40B4-BE49-F238E27FC236}">
-                <a16:creationId xmlns:a16="http://schemas.microsoft.com/office/drawing/2014/main" id="{F9138231-2385-0049-5A02-84C28ED2B4F5}"/>
-              </a:ext>
-            </a:extLst>
-          </p:cNvPr>
-          <p:cNvSpPr>
-            <a:spLocks noGrp="1"/>
-          </p:cNvSpPr>
-          <p:nvPr>
-            <p:ph type="title"/>
-          </p:nvPr>
-        </p:nvSpPr>
-        <p:spPr>
-          <a:xfrm>
-            <a:off x="1347313" y="2129676"/>
-            <a:ext cx="9849751" cy="1349671"/>
-          </a:xfrm>
-        </p:spPr>
-        <p:txBody>
-          <a:bodyPr anchor="b">
-            <a:normAutofit/>
-          </a:bodyPr>
-          <a:lstStyle/>
-          <a:p>
-            <a:r>
-              <a:rPr lang="ru-RU" sz="5400" dirty="0">
-                <a:latin typeface="Century Gothic" panose="020B0502020202020204" pitchFamily="34" charset="0"/>
-              </a:rPr>
-              <a:t>Функционал сайта</a:t>
-            </a:r>
-          </a:p>
-        </p:txBody>
-      </p:sp>
-    </p:spTree>
-    <p:extLst>
-      <p:ext uri="{BB962C8B-B14F-4D97-AF65-F5344CB8AC3E}">
-        <p14:creationId xmlns:p14="http://schemas.microsoft.com/office/powerpoint/2010/main" val="4173240393"/>
-      </p:ext>
-    </p:extLst>
-  </p:cSld>
-  <p:clrMapOvr>
-    <a:masterClrMapping/>
-  </p:clrMapOvr>
-</p:sld>
-</file>
-
-<file path=ppt/slides/slide9.xml><?xml version="1.0" encoding="utf-8"?>
-<p:sld xmlns:a="http://schemas.openxmlformats.org/drawingml/2006/main" xmlns:r="http://schemas.openxmlformats.org/officeDocument/2006/relationships" xmlns:p="http://schemas.openxmlformats.org/presentationml/2006/main">
-  <p:cSld>
-    <p:bg>
-      <p:bgPr>
-        <a:solidFill>
-          <a:schemeClr val="bg1"/>
-        </a:solidFill>
-        <a:effectLst/>
-      </p:bgPr>
-    </p:bg>
-    <p:spTree>
-      <p:nvGrpSpPr>
-        <p:cNvPr id="1" name=""/>
-        <p:cNvGrpSpPr/>
-        <p:nvPr/>
-      </p:nvGrpSpPr>
-      <p:grpSpPr>
-        <a:xfrm>
-          <a:off x="0" y="0"/>
-          <a:ext cx="0" cy="0"/>
-          <a:chOff x="0" y="0"/>
-          <a:chExt cx="0" cy="0"/>
-        </a:xfrm>
-      </p:grpSpPr>
-      <p:sp>
-        <p:nvSpPr>
-          <p:cNvPr id="19" name="!!Rectangle">
-            <a:extLst>
-              <a:ext uri="{FF2B5EF4-FFF2-40B4-BE49-F238E27FC236}">
-                <a16:creationId xmlns:a16="http://schemas.microsoft.com/office/drawing/2014/main" id="{21ED5FCA-9564-42B4-9F52-2CCED8ED60CA}"/>
-              </a:ext>
-              <a:ext uri="{C183D7F6-B498-43B3-948B-1728B52AA6E4}">
-                <adec:decorative xmlns:adec="http://schemas.microsoft.com/office/drawing/2017/decorative" val="1"/>
-              </a:ext>
-            </a:extLst>
-          </p:cNvPr>
-          <p:cNvSpPr>
-            <a:spLocks noGrp="1" noRot="1" noChangeAspect="1" noMove="1" noResize="1" noEditPoints="1" noAdjustHandles="1" noChangeArrowheads="1" noChangeShapeType="1" noTextEdit="1"/>
-          </p:cNvSpPr>
-          <p:nvPr>
-            <p:extLst>
-              <p:ext uri="{386F3935-93C4-4BCD-93E2-E3B085C9AB24}">
-                <p16:designElem xmlns:p16="http://schemas.microsoft.com/office/powerpoint/2015/main" val="1"/>
-              </p:ext>
-            </p:extLst>
-          </p:nvPr>
-        </p:nvSpPr>
-        <p:spPr>
-          <a:xfrm>
-            <a:off x="0" y="-8467"/>
-            <a:ext cx="12191999" cy="6866467"/>
-          </a:xfrm>
-          <a:prstGeom prst="rect">
-            <a:avLst/>
-          </a:prstGeom>
-          <a:solidFill>
-            <a:srgbClr val="000000"/>
-          </a:solidFill>
-          <a:ln>
-            <a:noFill/>
-          </a:ln>
-        </p:spPr>
-        <p:style>
-          <a:lnRef idx="2">
-            <a:schemeClr val="accent1">
-              <a:shade val="50000"/>
-            </a:schemeClr>
-          </a:lnRef>
-          <a:fillRef idx="1">
-            <a:schemeClr val="accent1"/>
-          </a:fillRef>
-          <a:effectRef idx="0">
-            <a:schemeClr val="accent1"/>
-          </a:effectRef>
-          <a:fontRef idx="minor">
-            <a:schemeClr val="lt1"/>
-          </a:fontRef>
-        </p:style>
-        <p:txBody>
-          <a:bodyPr rtlCol="0" anchor="ctr"/>
-          <a:lstStyle/>
-          <a:p>
-            <a:pPr marL="0" marR="0" lvl="0" indent="0" algn="ctr" defTabSz="914400" rtl="0" eaLnBrk="1" fontAlgn="auto" latinLnBrk="0" hangingPunct="1">
-              <a:lnSpc>
-                <a:spcPct val="100000"/>
-              </a:lnSpc>
-              <a:spcBef>
-                <a:spcPts val="0"/>
-              </a:spcBef>
-              <a:spcAft>
-                <a:spcPts val="0"/>
-              </a:spcAft>
-              <a:buClrTx/>
-              <a:buSzTx/>
-              <a:buFontTx/>
-              <a:buNone/>
-              <a:tabLst/>
-              <a:defRPr/>
-            </a:pPr>
-            <a:endParaRPr kumimoji="0" lang="en-US" sz="1800" b="0" i="0" u="none" strike="noStrike" kern="1200" cap="none" spc="0" normalizeH="0" baseline="0" noProof="0">
-              <a:ln>
-                <a:noFill/>
-              </a:ln>
-              <a:solidFill>
-                <a:prstClr val="white"/>
-              </a:solidFill>
-              <a:effectLst/>
-              <a:uLnTx/>
-              <a:uFillTx/>
-              <a:latin typeface="Calibri" panose="020F0502020204030204"/>
-              <a:ea typeface="+mn-ea"/>
-              <a:cs typeface="+mn-cs"/>
-            </a:endParaRPr>
-          </a:p>
-        </p:txBody>
-      </p:sp>
-      <p:sp>
-        <p:nvSpPr>
-          <p:cNvPr id="2" name="Заголовок 1">
-            <a:extLst>
-              <a:ext uri="{FF2B5EF4-FFF2-40B4-BE49-F238E27FC236}">
-                <a16:creationId xmlns:a16="http://schemas.microsoft.com/office/drawing/2014/main" id="{1AA07EFA-4B95-AC72-96BD-492E85907B4E}"/>
-              </a:ext>
-            </a:extLst>
-          </p:cNvPr>
-          <p:cNvSpPr>
-            <a:spLocks noGrp="1"/>
-          </p:cNvSpPr>
-          <p:nvPr>
-            <p:ph type="title"/>
-          </p:nvPr>
-        </p:nvSpPr>
-        <p:spPr>
-          <a:xfrm>
-            <a:off x="838200" y="365125"/>
-            <a:ext cx="10515600" cy="1325563"/>
-          </a:xfrm>
-        </p:spPr>
-        <p:txBody>
-          <a:bodyPr>
-            <a:normAutofit/>
-          </a:bodyPr>
-          <a:lstStyle/>
-          <a:p>
-            <a:r>
-              <a:rPr lang="ru-RU">
-                <a:solidFill>
-                  <a:srgbClr val="FFFFFF"/>
-                </a:solidFill>
-                <a:latin typeface="Century Gothic" panose="020B0502020202020204" pitchFamily="34" charset="0"/>
-              </a:rPr>
-              <a:t>Дерево решений</a:t>
-            </a:r>
-          </a:p>
-        </p:txBody>
-      </p:sp>
-      <p:sp>
-        <p:nvSpPr>
-          <p:cNvPr id="20" name="Arc 10">
-            <a:extLst>
-              <a:ext uri="{FF2B5EF4-FFF2-40B4-BE49-F238E27FC236}">
-                <a16:creationId xmlns:a16="http://schemas.microsoft.com/office/drawing/2014/main" id="{081E4A58-353D-44AE-B2FC-2A74E2E400F7}"/>
-              </a:ext>
-              <a:ext uri="{C183D7F6-B498-43B3-948B-1728B52AA6E4}">
-                <adec:decorative xmlns:adec="http://schemas.microsoft.com/office/drawing/2017/decorative" val="1"/>
-              </a:ext>
-            </a:extLst>
-          </p:cNvPr>
-          <p:cNvSpPr>
-            <a:spLocks noGrp="1" noRot="1" noChangeAspect="1" noMove="1" noResize="1" noEditPoints="1" noAdjustHandles="1" noChangeArrowheads="1" noChangeShapeType="1" noTextEdit="1"/>
-          </p:cNvSpPr>
-          <p:nvPr>
-            <p:extLst>
-              <p:ext uri="{386F3935-93C4-4BCD-93E2-E3B085C9AB24}">
-                <p16:designElem xmlns:p16="http://schemas.microsoft.com/office/powerpoint/2015/main" val="1"/>
-              </p:ext>
-            </p:extLst>
-          </p:nvPr>
-        </p:nvSpPr>
-        <p:spPr>
-          <a:xfrm rot="5400000" flipV="1">
-            <a:off x="555710" y="2183223"/>
-            <a:ext cx="4083433" cy="4083433"/>
-          </a:xfrm>
-          <a:prstGeom prst="arc">
-            <a:avLst/>
-          </a:prstGeom>
-          <a:ln w="127000" cap="rnd">
-            <a:solidFill>
-              <a:schemeClr val="accent4"/>
-            </a:solidFill>
-            <a:prstDash val="dash"/>
-          </a:ln>
-        </p:spPr>
-        <p:style>
-          <a:lnRef idx="1">
-            <a:schemeClr val="accent1"/>
-          </a:lnRef>
-          <a:fillRef idx="0">
-            <a:schemeClr val="accent1"/>
-          </a:fillRef>
-          <a:effectRef idx="0">
-            <a:schemeClr val="accent1"/>
-          </a:effectRef>
-          <a:fontRef idx="minor">
-            <a:schemeClr val="tx1"/>
-          </a:fontRef>
-        </p:style>
-        <p:txBody>
-          <a:bodyPr rtlCol="0" anchor="ctr"/>
-          <a:lstStyle/>
-          <a:p>
-            <a:pPr marL="0" marR="0" lvl="0" indent="0" algn="ctr" defTabSz="914400" rtl="0" eaLnBrk="1" fontAlgn="auto" latinLnBrk="0" hangingPunct="1">
-              <a:lnSpc>
-                <a:spcPct val="100000"/>
-              </a:lnSpc>
-              <a:spcBef>
-                <a:spcPts val="0"/>
-              </a:spcBef>
-              <a:spcAft>
-                <a:spcPts val="0"/>
-              </a:spcAft>
-              <a:buClrTx/>
-              <a:buSzTx/>
-              <a:buFontTx/>
-              <a:buNone/>
-              <a:tabLst/>
-              <a:defRPr/>
-            </a:pPr>
-            <a:endParaRPr kumimoji="0" lang="en-US" sz="1800" b="0" i="0" u="none" strike="noStrike" kern="1200" cap="none" spc="0" normalizeH="0" baseline="0" noProof="0" dirty="0">
-              <a:ln>
-                <a:noFill/>
-              </a:ln>
-              <a:solidFill>
-                <a:prstClr val="black"/>
-              </a:solidFill>
-              <a:effectLst/>
-              <a:uLnTx/>
-              <a:uFillTx/>
-              <a:latin typeface="Calibri" panose="020F0502020204030204"/>
-              <a:ea typeface="+mn-ea"/>
-              <a:cs typeface="+mn-cs"/>
-            </a:endParaRPr>
-          </a:p>
-        </p:txBody>
-      </p:sp>
-      <p:graphicFrame>
-        <p:nvGraphicFramePr>
-          <p:cNvPr id="4" name="Объект 3">
-            <a:extLst>
-              <a:ext uri="{FF2B5EF4-FFF2-40B4-BE49-F238E27FC236}">
-                <a16:creationId xmlns:a16="http://schemas.microsoft.com/office/drawing/2014/main" id="{613F1836-DB3F-7FDE-8313-C92B69B0C121}"/>
-              </a:ext>
-            </a:extLst>
-          </p:cNvPr>
-          <p:cNvGraphicFramePr>
-            <a:graphicFrameLocks noGrp="1"/>
-          </p:cNvGraphicFramePr>
-          <p:nvPr>
-            <p:ph idx="1"/>
-            <p:extLst>
-              <p:ext uri="{D42A27DB-BD31-4B8C-83A1-F6EECF244321}">
-                <p14:modId xmlns:p14="http://schemas.microsoft.com/office/powerpoint/2010/main" val="2891117149"/>
-              </p:ext>
-            </p:extLst>
-          </p:nvPr>
-        </p:nvGraphicFramePr>
-        <p:xfrm>
-          <a:off x="838200" y="1825625"/>
-          <a:ext cx="10515600" cy="4351338"/>
-        </p:xfrm>
-        <a:graphic>
-          <a:graphicData uri="http://schemas.openxmlformats.org/drawingml/2006/diagram">
-            <dgm:relIds xmlns:dgm="http://schemas.openxmlformats.org/drawingml/2006/diagram" xmlns:r="http://schemas.openxmlformats.org/officeDocument/2006/relationships" r:dm="rId2" r:lo="rId3" r:qs="rId4" r:cs="rId5"/>
-          </a:graphicData>
-        </a:graphic>
-      </p:graphicFrame>
-    </p:spTree>
-    <p:extLst>
-      <p:ext uri="{BB962C8B-B14F-4D97-AF65-F5344CB8AC3E}">
-        <p14:creationId xmlns:p14="http://schemas.microsoft.com/office/powerpoint/2010/main" val="2138798103"/>
-      </p:ext>
-    </p:extLst>
-  </p:cSld>
-  <p:clrMapOvr>
-    <a:masterClrMapping/>
-  </p:clrMapOvr>
-</p:sld>
-</file>
-
 <file path=ppt/theme/theme1.xml><?xml version="1.0" encoding="utf-8"?>
 <a:theme xmlns:a="http://schemas.openxmlformats.org/drawingml/2006/main" name="Тема Office">
   <a:themeElements>

--- a/Презентация.pptx
+++ b/Презентация.pptx
@@ -1,9 +1,12 @@
 
 <file path=ppt/presentation.xml><?xml version="1.0" encoding="utf-8"?>
-<p:presentation xmlns:a="http://schemas.openxmlformats.org/drawingml/2006/main" xmlns:r="http://schemas.openxmlformats.org/officeDocument/2006/relationships" xmlns:p="http://schemas.openxmlformats.org/presentationml/2006/main" saveSubsetFonts="1">
+<p:presentation xmlns:a="http://schemas.openxmlformats.org/drawingml/2006/main" xmlns:r="http://schemas.openxmlformats.org/officeDocument/2006/relationships" xmlns:p="http://schemas.openxmlformats.org/presentationml/2006/main" showSpecialPlsOnTitleSld="0" saveSubsetFonts="1">
   <p:sldMasterIdLst>
     <p:sldMasterId id="2147483744" r:id="rId1"/>
   </p:sldMasterIdLst>
+  <p:notesMasterIdLst>
+    <p:notesMasterId r:id="rId19"/>
+  </p:notesMasterIdLst>
   <p:sldIdLst>
     <p:sldId id="256" r:id="rId2"/>
     <p:sldId id="277" r:id="rId3"/>
@@ -2152,7 +2155,7 @@
       <dgm:spPr/>
     </dgm:pt>
     <dgm:pt modelId="{2385EE16-06BE-480B-AA48-AD1A53B0F472}" type="pres">
-      <dgm:prSet presAssocID="{DC8D5ED6-0CB2-4334-80F6-A410BF60DC7C}" presName="rootText1" presStyleLbl="node0" presStyleIdx="0" presStyleCnt="1">
+      <dgm:prSet presAssocID="{DC8D5ED6-0CB2-4334-80F6-A410BF60DC7C}" presName="rootText1" presStyleLbl="node0" presStyleIdx="0" presStyleCnt="1" custScaleX="117214" custScaleY="111099">
         <dgm:presLayoutVars>
           <dgm:chPref val="3"/>
         </dgm:presLayoutVars>
@@ -2184,7 +2187,7 @@
       <dgm:spPr/>
     </dgm:pt>
     <dgm:pt modelId="{262B9312-AC7A-49E6-AB8C-0F6C0B5D9FCD}" type="pres">
-      <dgm:prSet presAssocID="{478341A8-6BEA-4E78-BF8C-5C3853D3E759}" presName="rootText" presStyleLbl="node2" presStyleIdx="0" presStyleCnt="2">
+      <dgm:prSet presAssocID="{478341A8-6BEA-4E78-BF8C-5C3853D3E759}" presName="rootText" presStyleLbl="node2" presStyleIdx="0" presStyleCnt="2" custScaleX="111811" custScaleY="119259" custLinFactX="-26800" custLinFactNeighborX="-100000" custLinFactNeighborY="5123">
         <dgm:presLayoutVars>
           <dgm:chPref val="3"/>
         </dgm:presLayoutVars>
@@ -2216,7 +2219,7 @@
       <dgm:spPr/>
     </dgm:pt>
     <dgm:pt modelId="{A621022C-A469-4557-AC97-6470E5E757EE}" type="pres">
-      <dgm:prSet presAssocID="{8CC92DD1-7A0D-49B7-B7F5-8F6F9587E4F1}" presName="rootText" presStyleLbl="node3" presStyleIdx="0" presStyleCnt="2">
+      <dgm:prSet presAssocID="{8CC92DD1-7A0D-49B7-B7F5-8F6F9587E4F1}" presName="rootText" presStyleLbl="node3" presStyleIdx="0" presStyleCnt="2" custScaleX="118629" custScaleY="120102" custLinFactNeighborX="-40151" custLinFactNeighborY="-3077">
         <dgm:presLayoutVars>
           <dgm:chPref val="3"/>
         </dgm:presLayoutVars>
@@ -2256,7 +2259,7 @@
       <dgm:spPr/>
     </dgm:pt>
     <dgm:pt modelId="{D83078CD-CBF2-48B5-BA48-71A6A55E3661}" type="pres">
-      <dgm:prSet presAssocID="{59BAFE63-984C-48B3-B113-AF6495F96291}" presName="rootText" presStyleLbl="node2" presStyleIdx="1" presStyleCnt="2">
+      <dgm:prSet presAssocID="{59BAFE63-984C-48B3-B113-AF6495F96291}" presName="rootText" presStyleLbl="node2" presStyleIdx="1" presStyleCnt="2" custScaleX="123668" custScaleY="121606" custLinFactNeighborX="41598" custLinFactNeighborY="3722">
         <dgm:presLayoutVars>
           <dgm:chPref val="3"/>
         </dgm:presLayoutVars>
@@ -2288,7 +2291,7 @@
       <dgm:spPr/>
     </dgm:pt>
     <dgm:pt modelId="{882AAFCF-E4BC-4998-9781-527AC641839B}" type="pres">
-      <dgm:prSet presAssocID="{6DDBE781-D9F6-437A-B119-A56754C45101}" presName="rootText" presStyleLbl="node3" presStyleIdx="1" presStyleCnt="2">
+      <dgm:prSet presAssocID="{6DDBE781-D9F6-437A-B119-A56754C45101}" presName="rootText" presStyleLbl="node3" presStyleIdx="1" presStyleCnt="2" custScaleX="121673" custScaleY="120515" custLinFactX="73323" custLinFactNeighborX="100000" custLinFactNeighborY="-1129">
         <dgm:presLayoutVars>
           <dgm:chPref val="3"/>
         </dgm:presLayoutVars>
@@ -2332,7 +2335,7 @@
       <dgm:spPr/>
     </dgm:pt>
     <dgm:pt modelId="{E6BC83B1-A738-4205-AB1E-F9DDC917E51A}" type="pres">
-      <dgm:prSet presAssocID="{4817F48F-E076-49EB-9081-061820D33AB3}" presName="rootText3" presStyleLbl="asst1" presStyleIdx="0" presStyleCnt="1">
+      <dgm:prSet presAssocID="{4817F48F-E076-49EB-9081-061820D33AB3}" presName="rootText3" presStyleLbl="asst1" presStyleIdx="0" presStyleCnt="1" custScaleX="114334" custScaleY="110932" custLinFactNeighborX="-36151" custLinFactNeighborY="-5096">
         <dgm:presLayoutVars>
           <dgm:chPref val="3"/>
         </dgm:presLayoutVars>
@@ -2900,8 +2903,8 @@
       </dsp:nvSpPr>
       <dsp:spPr>
         <a:xfrm>
-          <a:off x="4877681" y="828726"/>
-          <a:ext cx="173532" cy="760237"/>
+          <a:off x="4356651" y="819220"/>
+          <a:ext cx="687908" cy="681036"/>
         </a:xfrm>
         <a:custGeom>
           <a:avLst/>
@@ -2912,13 +2915,13 @@
           <a:pathLst>
             <a:path>
               <a:moveTo>
-                <a:pt x="173532" y="0"/>
+                <a:pt x="687908" y="0"/>
               </a:moveTo>
               <a:lnTo>
-                <a:pt x="173532" y="760237"/>
+                <a:pt x="687908" y="681036"/>
               </a:lnTo>
               <a:lnTo>
-                <a:pt x="0" y="760237"/>
+                <a:pt x="0" y="681036"/>
               </a:lnTo>
             </a:path>
           </a:pathLst>
@@ -2959,8 +2962,8 @@
       </dsp:nvSpPr>
       <dsp:spPr>
         <a:xfrm>
-          <a:off x="5390015" y="3175546"/>
-          <a:ext cx="247903" cy="760237"/>
+          <a:off x="5936140" y="3180472"/>
+          <a:ext cx="2215934" cy="718170"/>
         </a:xfrm>
         <a:custGeom>
           <a:avLst/>
@@ -2974,10 +2977,10 @@
                 <a:pt x="0" y="0"/>
               </a:moveTo>
               <a:lnTo>
-                <a:pt x="0" y="760237"/>
+                <a:pt x="0" y="718170"/>
               </a:lnTo>
               <a:lnTo>
-                <a:pt x="247903" y="760237"/>
+                <a:pt x="2215934" y="718170"/>
               </a:lnTo>
             </a:path>
           </a:pathLst>
@@ -3018,8 +3021,8 @@
       </dsp:nvSpPr>
       <dsp:spPr>
         <a:xfrm>
-          <a:off x="5051213" y="828726"/>
-          <a:ext cx="999877" cy="1520474"/>
+          <a:off x="5044560" y="819220"/>
+          <a:ext cx="1621016" cy="1464660"/>
         </a:xfrm>
         <a:custGeom>
           <a:avLst/>
@@ -3033,13 +3036,13 @@
                 <a:pt x="0" y="0"/>
               </a:moveTo>
               <a:lnTo>
-                <a:pt x="0" y="1346942"/>
+                <a:pt x="0" y="1309829"/>
               </a:lnTo>
               <a:lnTo>
-                <a:pt x="999877" y="1346942"/>
+                <a:pt x="1621016" y="1309829"/>
               </a:lnTo>
               <a:lnTo>
-                <a:pt x="999877" y="1520474"/>
+                <a:pt x="1621016" y="1464660"/>
               </a:lnTo>
             </a:path>
           </a:pathLst>
@@ -3080,8 +3083,8 @@
       </dsp:nvSpPr>
       <dsp:spPr>
         <a:xfrm>
-          <a:off x="3390260" y="3175546"/>
-          <a:ext cx="247903" cy="760237"/>
+          <a:off x="1420248" y="3173498"/>
+          <a:ext cx="1525024" cy="691956"/>
         </a:xfrm>
         <a:custGeom>
           <a:avLst/>
@@ -3095,10 +3098,10 @@
                 <a:pt x="0" y="0"/>
               </a:moveTo>
               <a:lnTo>
-                <a:pt x="0" y="760237"/>
+                <a:pt x="0" y="691956"/>
               </a:lnTo>
               <a:lnTo>
-                <a:pt x="247903" y="760237"/>
+                <a:pt x="1525024" y="691956"/>
               </a:lnTo>
             </a:path>
           </a:pathLst>
@@ -3139,8 +3142,8 @@
       </dsp:nvSpPr>
       <dsp:spPr>
         <a:xfrm>
-          <a:off x="4051336" y="828726"/>
-          <a:ext cx="999877" cy="1520474"/>
+          <a:off x="2079748" y="819220"/>
+          <a:ext cx="2964812" cy="1474989"/>
         </a:xfrm>
         <a:custGeom>
           <a:avLst/>
@@ -3151,16 +3154,16 @@
           <a:pathLst>
             <a:path>
               <a:moveTo>
-                <a:pt x="999877" y="0"/>
+                <a:pt x="2964812" y="0"/>
               </a:moveTo>
               <a:lnTo>
-                <a:pt x="999877" y="1346942"/>
+                <a:pt x="2964812" y="1320158"/>
               </a:lnTo>
               <a:lnTo>
-                <a:pt x="0" y="1346942"/>
+                <a:pt x="0" y="1320158"/>
               </a:lnTo>
               <a:lnTo>
-                <a:pt x="0" y="1520474"/>
+                <a:pt x="0" y="1474989"/>
               </a:lnTo>
             </a:path>
           </a:pathLst>
@@ -3201,8 +3204,8 @@
       </dsp:nvSpPr>
       <dsp:spPr>
         <a:xfrm>
-          <a:off x="4224868" y="2381"/>
-          <a:ext cx="1652689" cy="826344"/>
+          <a:off x="4180350" y="96"/>
+          <a:ext cx="1728419" cy="819124"/>
         </a:xfrm>
         <a:prstGeom prst="rect">
           <a:avLst/>
@@ -3268,8 +3271,8 @@
         </a:p>
       </dsp:txBody>
       <dsp:txXfrm>
-        <a:off x="4224868" y="2381"/>
-        <a:ext cx="1652689" cy="826344"/>
+        <a:off x="4180350" y="96"/>
+        <a:ext cx="1728419" cy="819124"/>
       </dsp:txXfrm>
     </dsp:sp>
     <dsp:sp modelId="{262B9312-AC7A-49E6-AB8C-0F6C0B5D9FCD}">
@@ -3279,8 +3282,8 @@
       </dsp:nvSpPr>
       <dsp:spPr>
         <a:xfrm>
-          <a:off x="3224991" y="2349201"/>
-          <a:ext cx="1652689" cy="826344"/>
+          <a:off x="1255374" y="2294210"/>
+          <a:ext cx="1648747" cy="879287"/>
         </a:xfrm>
         <a:prstGeom prst="rect">
           <a:avLst/>
@@ -3346,8 +3349,8 @@
         </a:p>
       </dsp:txBody>
       <dsp:txXfrm>
-        <a:off x="3224991" y="2349201"/>
-        <a:ext cx="1652689" cy="826344"/>
+        <a:off x="1255374" y="2294210"/>
+        <a:ext cx="1648747" cy="879287"/>
       </dsp:txXfrm>
     </dsp:sp>
     <dsp:sp modelId="{A621022C-A469-4557-AC97-6470E5E757EE}">
@@ -3357,8 +3360,8 @@
       </dsp:nvSpPr>
       <dsp:spPr>
         <a:xfrm>
-          <a:off x="3638163" y="3522611"/>
-          <a:ext cx="1652689" cy="826344"/>
+          <a:off x="2945273" y="3422702"/>
+          <a:ext cx="1749284" cy="885502"/>
         </a:xfrm>
         <a:prstGeom prst="rect">
           <a:avLst/>
@@ -3424,8 +3427,8 @@
         </a:p>
       </dsp:txBody>
       <dsp:txXfrm>
-        <a:off x="3638163" y="3522611"/>
-        <a:ext cx="1652689" cy="826344"/>
+        <a:off x="2945273" y="3422702"/>
+        <a:ext cx="1749284" cy="885502"/>
       </dsp:txXfrm>
     </dsp:sp>
     <dsp:sp modelId="{D83078CD-CBF2-48B5-BA48-71A6A55E3661}">
@@ -3435,8 +3438,8 @@
       </dsp:nvSpPr>
       <dsp:spPr>
         <a:xfrm>
-          <a:off x="5224746" y="2349201"/>
-          <a:ext cx="1652689" cy="826344"/>
+          <a:off x="5753781" y="2283881"/>
+          <a:ext cx="1823589" cy="896591"/>
         </a:xfrm>
         <a:prstGeom prst="rect">
           <a:avLst/>
@@ -3502,8 +3505,8 @@
         </a:p>
       </dsp:txBody>
       <dsp:txXfrm>
-        <a:off x="5224746" y="2349201"/>
-        <a:ext cx="1652689" cy="826344"/>
+        <a:off x="5753781" y="2283881"/>
+        <a:ext cx="1823589" cy="896591"/>
       </dsp:txXfrm>
     </dsp:sp>
     <dsp:sp modelId="{882AAFCF-E4BC-4998-9781-527AC641839B}">
@@ -3513,8 +3516,8 @@
       </dsp:nvSpPr>
       <dsp:spPr>
         <a:xfrm>
-          <a:off x="5637918" y="3522611"/>
-          <a:ext cx="1652689" cy="826344"/>
+          <a:off x="8152075" y="3454369"/>
+          <a:ext cx="1794171" cy="888547"/>
         </a:xfrm>
         <a:prstGeom prst="rect">
           <a:avLst/>
@@ -3580,8 +3583,8 @@
         </a:p>
       </dsp:txBody>
       <dsp:txXfrm>
-        <a:off x="5637918" y="3522611"/>
-        <a:ext cx="1652689" cy="826344"/>
+        <a:off x="8152075" y="3454369"/>
+        <a:ext cx="1794171" cy="888547"/>
       </dsp:txXfrm>
     </dsp:sp>
     <dsp:sp modelId="{E6BC83B1-A738-4205-AB1E-F9DDC917E51A}">
@@ -3591,8 +3594,8 @@
       </dsp:nvSpPr>
       <dsp:spPr>
         <a:xfrm>
-          <a:off x="3224991" y="1175791"/>
-          <a:ext cx="1652689" cy="826344"/>
+          <a:off x="2670700" y="1091311"/>
+          <a:ext cx="1685951" cy="817892"/>
         </a:xfrm>
         <a:prstGeom prst="rect">
           <a:avLst/>
@@ -3658,8 +3661,8 @@
         </a:p>
       </dsp:txBody>
       <dsp:txXfrm>
-        <a:off x="3224991" y="1175791"/>
-        <a:ext cx="1652689" cy="826344"/>
+        <a:off x="2670700" y="1091311"/>
+        <a:ext cx="1685951" cy="817892"/>
       </dsp:txXfrm>
     </dsp:sp>
   </dsp:spTree>
@@ -7346,6 +7349,355 @@
 </dgm:styleDef>
 </file>
 
+<file path=ppt/notesMasters/notesMaster1.xml><?xml version="1.0" encoding="utf-8"?>
+<p:notesMaster xmlns:a="http://schemas.openxmlformats.org/drawingml/2006/main" xmlns:r="http://schemas.openxmlformats.org/officeDocument/2006/relationships" xmlns:p="http://schemas.openxmlformats.org/presentationml/2006/main">
+  <p:cSld>
+    <p:bg>
+      <p:bgRef idx="1001">
+        <a:schemeClr val="bg1"/>
+      </p:bgRef>
+    </p:bg>
+    <p:spTree>
+      <p:nvGrpSpPr>
+        <p:cNvPr id="1" name=""/>
+        <p:cNvGrpSpPr/>
+        <p:nvPr/>
+      </p:nvGrpSpPr>
+      <p:grpSpPr>
+        <a:xfrm>
+          <a:off x="0" y="0"/>
+          <a:ext cx="0" cy="0"/>
+          <a:chOff x="0" y="0"/>
+          <a:chExt cx="0" cy="0"/>
+        </a:xfrm>
+      </p:grpSpPr>
+      <p:sp>
+        <p:nvSpPr>
+          <p:cNvPr id="2" name="Верхний колонтитул 1"/>
+          <p:cNvSpPr>
+            <a:spLocks noGrp="1"/>
+          </p:cNvSpPr>
+          <p:nvPr>
+            <p:ph type="hdr" sz="quarter"/>
+          </p:nvPr>
+        </p:nvSpPr>
+        <p:spPr>
+          <a:xfrm>
+            <a:off x="0" y="0"/>
+            <a:ext cx="2971800" cy="458788"/>
+          </a:xfrm>
+          <a:prstGeom prst="rect">
+            <a:avLst/>
+          </a:prstGeom>
+        </p:spPr>
+        <p:txBody>
+          <a:bodyPr vert="horz" lIns="91440" tIns="45720" rIns="91440" bIns="45720" rtlCol="0"/>
+          <a:lstStyle>
+            <a:lvl1pPr algn="l">
+              <a:defRPr sz="1200"/>
+            </a:lvl1pPr>
+          </a:lstStyle>
+          <a:p>
+            <a:endParaRPr lang="ru-RU"/>
+          </a:p>
+        </p:txBody>
+      </p:sp>
+      <p:sp>
+        <p:nvSpPr>
+          <p:cNvPr id="3" name="Дата 2"/>
+          <p:cNvSpPr>
+            <a:spLocks noGrp="1"/>
+          </p:cNvSpPr>
+          <p:nvPr>
+            <p:ph type="dt" idx="1"/>
+          </p:nvPr>
+        </p:nvSpPr>
+        <p:spPr>
+          <a:xfrm>
+            <a:off x="3884613" y="0"/>
+            <a:ext cx="2971800" cy="458788"/>
+          </a:xfrm>
+          <a:prstGeom prst="rect">
+            <a:avLst/>
+          </a:prstGeom>
+        </p:spPr>
+        <p:txBody>
+          <a:bodyPr vert="horz" lIns="91440" tIns="45720" rIns="91440" bIns="45720" rtlCol="0"/>
+          <a:lstStyle>
+            <a:lvl1pPr algn="r">
+              <a:defRPr sz="1200"/>
+            </a:lvl1pPr>
+          </a:lstStyle>
+          <a:p>
+            <a:fld id="{4873F805-2ED8-4B05-893F-1250E0DB644D}" type="datetimeFigureOut">
+              <a:rPr lang="ru-RU" smtClean="0"/>
+              <a:t>01.06.2023</a:t>
+            </a:fld>
+            <a:endParaRPr lang="ru-RU"/>
+          </a:p>
+        </p:txBody>
+      </p:sp>
+      <p:sp>
+        <p:nvSpPr>
+          <p:cNvPr id="4" name="Образ слайда 3"/>
+          <p:cNvSpPr>
+            <a:spLocks noGrp="1" noRot="1" noChangeAspect="1"/>
+          </p:cNvSpPr>
+          <p:nvPr>
+            <p:ph type="sldImg" idx="2"/>
+          </p:nvPr>
+        </p:nvSpPr>
+        <p:spPr>
+          <a:xfrm>
+            <a:off x="685800" y="1143000"/>
+            <a:ext cx="5486400" cy="3086100"/>
+          </a:xfrm>
+          <a:prstGeom prst="rect">
+            <a:avLst/>
+          </a:prstGeom>
+          <a:noFill/>
+          <a:ln w="12700">
+            <a:solidFill>
+              <a:prstClr val="black"/>
+            </a:solidFill>
+          </a:ln>
+        </p:spPr>
+        <p:txBody>
+          <a:bodyPr vert="horz" lIns="91440" tIns="45720" rIns="91440" bIns="45720" rtlCol="0" anchor="ctr"/>
+          <a:lstStyle/>
+          <a:p>
+            <a:endParaRPr lang="ru-RU"/>
+          </a:p>
+        </p:txBody>
+      </p:sp>
+      <p:sp>
+        <p:nvSpPr>
+          <p:cNvPr id="5" name="Заметки 4"/>
+          <p:cNvSpPr>
+            <a:spLocks noGrp="1"/>
+          </p:cNvSpPr>
+          <p:nvPr>
+            <p:ph type="body" sz="quarter" idx="3"/>
+          </p:nvPr>
+        </p:nvSpPr>
+        <p:spPr>
+          <a:xfrm>
+            <a:off x="685800" y="4400550"/>
+            <a:ext cx="5486400" cy="3600450"/>
+          </a:xfrm>
+          <a:prstGeom prst="rect">
+            <a:avLst/>
+          </a:prstGeom>
+        </p:spPr>
+        <p:txBody>
+          <a:bodyPr vert="horz" lIns="91440" tIns="45720" rIns="91440" bIns="45720" rtlCol="0"/>
+          <a:lstStyle/>
+          <a:p>
+            <a:pPr lvl="0"/>
+            <a:r>
+              <a:rPr lang="ru-RU"/>
+              <a:t>Образец текста</a:t>
+            </a:r>
+          </a:p>
+          <a:p>
+            <a:pPr lvl="1"/>
+            <a:r>
+              <a:rPr lang="ru-RU"/>
+              <a:t>Второй уровень</a:t>
+            </a:r>
+          </a:p>
+          <a:p>
+            <a:pPr lvl="2"/>
+            <a:r>
+              <a:rPr lang="ru-RU"/>
+              <a:t>Третий уровень</a:t>
+            </a:r>
+          </a:p>
+          <a:p>
+            <a:pPr lvl="3"/>
+            <a:r>
+              <a:rPr lang="ru-RU"/>
+              <a:t>Четвертый уровень</a:t>
+            </a:r>
+          </a:p>
+          <a:p>
+            <a:pPr lvl="4"/>
+            <a:r>
+              <a:rPr lang="ru-RU"/>
+              <a:t>Пятый уровень</a:t>
+            </a:r>
+          </a:p>
+        </p:txBody>
+      </p:sp>
+      <p:sp>
+        <p:nvSpPr>
+          <p:cNvPr id="6" name="Нижний колонтитул 5"/>
+          <p:cNvSpPr>
+            <a:spLocks noGrp="1"/>
+          </p:cNvSpPr>
+          <p:nvPr>
+            <p:ph type="ftr" sz="quarter" idx="4"/>
+          </p:nvPr>
+        </p:nvSpPr>
+        <p:spPr>
+          <a:xfrm>
+            <a:off x="0" y="8685213"/>
+            <a:ext cx="2971800" cy="458787"/>
+          </a:xfrm>
+          <a:prstGeom prst="rect">
+            <a:avLst/>
+          </a:prstGeom>
+        </p:spPr>
+        <p:txBody>
+          <a:bodyPr vert="horz" lIns="91440" tIns="45720" rIns="91440" bIns="45720" rtlCol="0" anchor="b"/>
+          <a:lstStyle>
+            <a:lvl1pPr algn="l">
+              <a:defRPr sz="1200"/>
+            </a:lvl1pPr>
+          </a:lstStyle>
+          <a:p>
+            <a:endParaRPr lang="ru-RU"/>
+          </a:p>
+        </p:txBody>
+      </p:sp>
+      <p:sp>
+        <p:nvSpPr>
+          <p:cNvPr id="7" name="Номер слайда 6"/>
+          <p:cNvSpPr>
+            <a:spLocks noGrp="1"/>
+          </p:cNvSpPr>
+          <p:nvPr>
+            <p:ph type="sldNum" sz="quarter" idx="5"/>
+          </p:nvPr>
+        </p:nvSpPr>
+        <p:spPr>
+          <a:xfrm>
+            <a:off x="3884613" y="8685213"/>
+            <a:ext cx="2971800" cy="458787"/>
+          </a:xfrm>
+          <a:prstGeom prst="rect">
+            <a:avLst/>
+          </a:prstGeom>
+        </p:spPr>
+        <p:txBody>
+          <a:bodyPr vert="horz" lIns="91440" tIns="45720" rIns="91440" bIns="45720" rtlCol="0" anchor="b"/>
+          <a:lstStyle>
+            <a:lvl1pPr algn="r">
+              <a:defRPr sz="1200"/>
+            </a:lvl1pPr>
+          </a:lstStyle>
+          <a:p>
+            <a:fld id="{57207099-1F95-4DEF-8185-C8AB92779B17}" type="slidenum">
+              <a:rPr lang="ru-RU" smtClean="0"/>
+              <a:t>‹#›</a:t>
+            </a:fld>
+            <a:endParaRPr lang="ru-RU"/>
+          </a:p>
+        </p:txBody>
+      </p:sp>
+    </p:spTree>
+    <p:extLst>
+      <p:ext uri="{BB962C8B-B14F-4D97-AF65-F5344CB8AC3E}">
+        <p14:creationId xmlns:p14="http://schemas.microsoft.com/office/powerpoint/2010/main" val="3905511590"/>
+      </p:ext>
+    </p:extLst>
+  </p:cSld>
+  <p:clrMap bg1="lt1" tx1="dk1" bg2="lt2" tx2="dk2" accent1="accent1" accent2="accent2" accent3="accent3" accent4="accent4" accent5="accent5" accent6="accent6" hlink="hlink" folHlink="folHlink"/>
+  <p:notesStyle>
+    <a:lvl1pPr marL="0" algn="l" defTabSz="914400" rtl="0" eaLnBrk="1" latinLnBrk="0" hangingPunct="1">
+      <a:defRPr sz="1200" kern="1200">
+        <a:solidFill>
+          <a:schemeClr val="tx1"/>
+        </a:solidFill>
+        <a:latin typeface="+mn-lt"/>
+        <a:ea typeface="+mn-ea"/>
+        <a:cs typeface="+mn-cs"/>
+      </a:defRPr>
+    </a:lvl1pPr>
+    <a:lvl2pPr marL="457200" algn="l" defTabSz="914400" rtl="0" eaLnBrk="1" latinLnBrk="0" hangingPunct="1">
+      <a:defRPr sz="1200" kern="1200">
+        <a:solidFill>
+          <a:schemeClr val="tx1"/>
+        </a:solidFill>
+        <a:latin typeface="+mn-lt"/>
+        <a:ea typeface="+mn-ea"/>
+        <a:cs typeface="+mn-cs"/>
+      </a:defRPr>
+    </a:lvl2pPr>
+    <a:lvl3pPr marL="914400" algn="l" defTabSz="914400" rtl="0" eaLnBrk="1" latinLnBrk="0" hangingPunct="1">
+      <a:defRPr sz="1200" kern="1200">
+        <a:solidFill>
+          <a:schemeClr val="tx1"/>
+        </a:solidFill>
+        <a:latin typeface="+mn-lt"/>
+        <a:ea typeface="+mn-ea"/>
+        <a:cs typeface="+mn-cs"/>
+      </a:defRPr>
+    </a:lvl3pPr>
+    <a:lvl4pPr marL="1371600" algn="l" defTabSz="914400" rtl="0" eaLnBrk="1" latinLnBrk="0" hangingPunct="1">
+      <a:defRPr sz="1200" kern="1200">
+        <a:solidFill>
+          <a:schemeClr val="tx1"/>
+        </a:solidFill>
+        <a:latin typeface="+mn-lt"/>
+        <a:ea typeface="+mn-ea"/>
+        <a:cs typeface="+mn-cs"/>
+      </a:defRPr>
+    </a:lvl4pPr>
+    <a:lvl5pPr marL="1828800" algn="l" defTabSz="914400" rtl="0" eaLnBrk="1" latinLnBrk="0" hangingPunct="1">
+      <a:defRPr sz="1200" kern="1200">
+        <a:solidFill>
+          <a:schemeClr val="tx1"/>
+        </a:solidFill>
+        <a:latin typeface="+mn-lt"/>
+        <a:ea typeface="+mn-ea"/>
+        <a:cs typeface="+mn-cs"/>
+      </a:defRPr>
+    </a:lvl5pPr>
+    <a:lvl6pPr marL="2286000" algn="l" defTabSz="914400" rtl="0" eaLnBrk="1" latinLnBrk="0" hangingPunct="1">
+      <a:defRPr sz="1200" kern="1200">
+        <a:solidFill>
+          <a:schemeClr val="tx1"/>
+        </a:solidFill>
+        <a:latin typeface="+mn-lt"/>
+        <a:ea typeface="+mn-ea"/>
+        <a:cs typeface="+mn-cs"/>
+      </a:defRPr>
+    </a:lvl6pPr>
+    <a:lvl7pPr marL="2743200" algn="l" defTabSz="914400" rtl="0" eaLnBrk="1" latinLnBrk="0" hangingPunct="1">
+      <a:defRPr sz="1200" kern="1200">
+        <a:solidFill>
+          <a:schemeClr val="tx1"/>
+        </a:solidFill>
+        <a:latin typeface="+mn-lt"/>
+        <a:ea typeface="+mn-ea"/>
+        <a:cs typeface="+mn-cs"/>
+      </a:defRPr>
+    </a:lvl7pPr>
+    <a:lvl8pPr marL="3200400" algn="l" defTabSz="914400" rtl="0" eaLnBrk="1" latinLnBrk="0" hangingPunct="1">
+      <a:defRPr sz="1200" kern="1200">
+        <a:solidFill>
+          <a:schemeClr val="tx1"/>
+        </a:solidFill>
+        <a:latin typeface="+mn-lt"/>
+        <a:ea typeface="+mn-ea"/>
+        <a:cs typeface="+mn-cs"/>
+      </a:defRPr>
+    </a:lvl8pPr>
+    <a:lvl9pPr marL="3657600" algn="l" defTabSz="914400" rtl="0" eaLnBrk="1" latinLnBrk="0" hangingPunct="1">
+      <a:defRPr sz="1200" kern="1200">
+        <a:solidFill>
+          <a:schemeClr val="tx1"/>
+        </a:solidFill>
+        <a:latin typeface="+mn-lt"/>
+        <a:ea typeface="+mn-ea"/>
+        <a:cs typeface="+mn-cs"/>
+      </a:defRPr>
+    </a:lvl9pPr>
+  </p:notesStyle>
+</p:notesMaster>
+</file>
+
 <file path=ppt/slideLayouts/slideLayout1.xml><?xml version="1.0" encoding="utf-8"?>
 <p:sldLayout xmlns:a="http://schemas.openxmlformats.org/drawingml/2006/main" xmlns:r="http://schemas.openxmlformats.org/officeDocument/2006/relationships" xmlns:p="http://schemas.openxmlformats.org/presentationml/2006/main" type="title" preserve="1">
   <p:cSld name="Титульный слайд">
@@ -7475,7 +7827,7 @@
           <a:bodyPr/>
           <a:lstStyle/>
           <a:p>
-            <a:fld id="{4F71FAD1-1BE9-44F1-8DFC-EF3B6F837893}" type="datetimeFigureOut">
+            <a:fld id="{A28FB325-A08A-46A6-87D8-CACC6433E14C}" type="datetime1">
               <a:rPr lang="ru-RU" smtClean="0"/>
               <a:t>01.06.2023</a:t>
             </a:fld>
@@ -7645,7 +7997,7 @@
           <a:bodyPr/>
           <a:lstStyle/>
           <a:p>
-            <a:fld id="{4F71FAD1-1BE9-44F1-8DFC-EF3B6F837893}" type="datetimeFigureOut">
+            <a:fld id="{A71830EF-CFB4-4992-8CF6-9E0963868456}" type="datetime1">
               <a:rPr lang="ru-RU" smtClean="0"/>
               <a:t>01.06.2023</a:t>
             </a:fld>
@@ -7825,7 +8177,7 @@
           <a:bodyPr/>
           <a:lstStyle/>
           <a:p>
-            <a:fld id="{4F71FAD1-1BE9-44F1-8DFC-EF3B6F837893}" type="datetimeFigureOut">
+            <a:fld id="{D24D9A27-A93F-4540-962E-8654ACD7E91B}" type="datetime1">
               <a:rPr lang="ru-RU" smtClean="0"/>
               <a:t>01.06.2023</a:t>
             </a:fld>
@@ -7995,7 +8347,7 @@
           <a:bodyPr/>
           <a:lstStyle/>
           <a:p>
-            <a:fld id="{4F71FAD1-1BE9-44F1-8DFC-EF3B6F837893}" type="datetimeFigureOut">
+            <a:fld id="{B06E3E15-A377-4A33-BC59-7E113C0073EF}" type="datetime1">
               <a:rPr lang="ru-RU" smtClean="0"/>
               <a:t>01.06.2023</a:t>
             </a:fld>
@@ -8241,7 +8593,7 @@
           <a:bodyPr/>
           <a:lstStyle/>
           <a:p>
-            <a:fld id="{4F71FAD1-1BE9-44F1-8DFC-EF3B6F837893}" type="datetimeFigureOut">
+            <a:fld id="{6D2C5297-50E7-4737-8772-799A857ABE13}" type="datetime1">
               <a:rPr lang="ru-RU" smtClean="0"/>
               <a:t>01.06.2023</a:t>
             </a:fld>
@@ -8473,7 +8825,7 @@
           <a:bodyPr/>
           <a:lstStyle/>
           <a:p>
-            <a:fld id="{4F71FAD1-1BE9-44F1-8DFC-EF3B6F837893}" type="datetimeFigureOut">
+            <a:fld id="{ED08D6EB-ACCB-4BAD-8DBE-515EC725D1CE}" type="datetime1">
               <a:rPr lang="ru-RU" smtClean="0"/>
               <a:t>01.06.2023</a:t>
             </a:fld>
@@ -8840,7 +9192,7 @@
           <a:bodyPr/>
           <a:lstStyle/>
           <a:p>
-            <a:fld id="{4F71FAD1-1BE9-44F1-8DFC-EF3B6F837893}" type="datetimeFigureOut">
+            <a:fld id="{BBAE2646-C8B9-40CC-93FF-B4FF1DF91FFD}" type="datetime1">
               <a:rPr lang="ru-RU" smtClean="0"/>
               <a:t>01.06.2023</a:t>
             </a:fld>
@@ -8958,7 +9310,7 @@
           <a:bodyPr/>
           <a:lstStyle/>
           <a:p>
-            <a:fld id="{4F71FAD1-1BE9-44F1-8DFC-EF3B6F837893}" type="datetimeFigureOut">
+            <a:fld id="{95F0C8B2-E25D-47D4-8768-A9FE8849DF1F}" type="datetime1">
               <a:rPr lang="ru-RU" smtClean="0"/>
               <a:t>01.06.2023</a:t>
             </a:fld>
@@ -9053,7 +9405,7 @@
           <a:bodyPr/>
           <a:lstStyle/>
           <a:p>
-            <a:fld id="{4F71FAD1-1BE9-44F1-8DFC-EF3B6F837893}" type="datetimeFigureOut">
+            <a:fld id="{037B5E14-F873-44F9-B255-7870BFF7142A}" type="datetime1">
               <a:rPr lang="ru-RU" smtClean="0"/>
               <a:t>01.06.2023</a:t>
             </a:fld>
@@ -9330,7 +9682,7 @@
           <a:bodyPr/>
           <a:lstStyle/>
           <a:p>
-            <a:fld id="{4F71FAD1-1BE9-44F1-8DFC-EF3B6F837893}" type="datetimeFigureOut">
+            <a:fld id="{46E1DD08-7397-400D-B00C-E8321709403A}" type="datetime1">
               <a:rPr lang="ru-RU" smtClean="0"/>
               <a:t>01.06.2023</a:t>
             </a:fld>
@@ -9587,7 +9939,7 @@
           <a:bodyPr/>
           <a:lstStyle/>
           <a:p>
-            <a:fld id="{4F71FAD1-1BE9-44F1-8DFC-EF3B6F837893}" type="datetimeFigureOut">
+            <a:fld id="{D6F07156-CA4E-427A-BA22-9AE7EEA9B53E}" type="datetime1">
               <a:rPr lang="ru-RU" smtClean="0"/>
               <a:t>01.06.2023</a:t>
             </a:fld>
@@ -9800,7 +10152,7 @@
             </a:lvl1pPr>
           </a:lstStyle>
           <a:p>
-            <a:fld id="{4F71FAD1-1BE9-44F1-8DFC-EF3B6F837893}" type="datetimeFigureOut">
+            <a:fld id="{CC945F3A-14C3-4755-9152-3BC1A7C6B021}" type="datetime1">
               <a:rPr lang="ru-RU" smtClean="0"/>
               <a:t>01.06.2023</a:t>
             </a:fld>
@@ -9907,6 +10259,7 @@
     <p:sldLayoutId id="2147483754" r:id="rId10"/>
     <p:sldLayoutId id="2147483755" r:id="rId11"/>
   </p:sldLayoutIdLst>
+  <p:hf hdr="0" ftr="0" dt="0"/>
   <p:txStyles>
     <p:titleStyle>
       <a:lvl1pPr algn="l" defTabSz="914400" rtl="0" eaLnBrk="1" latinLnBrk="0" hangingPunct="1">
@@ -10437,11 +10790,14 @@
           <a:lstStyle/>
           <a:p>
             <a:r>
-              <a:rPr lang="ru-RU" sz="7200">
+              <a:rPr lang="ru-RU" sz="7200" dirty="0" err="1">
                 <a:latin typeface="Century Gothic" panose="020B0502020202020204" pitchFamily="34" charset="0"/>
               </a:rPr>
               <a:t>Доставочка</a:t>
             </a:r>
+            <a:endParaRPr lang="ru-RU" sz="7200" dirty="0">
+              <a:latin typeface="Century Gothic" panose="020B0502020202020204" pitchFamily="34" charset="0"/>
+            </a:endParaRPr>
           </a:p>
         </p:txBody>
       </p:sp>
@@ -11030,6 +11386,35 @@
           </a:p>
         </p:txBody>
       </p:sp>
+      <p:sp>
+        <p:nvSpPr>
+          <p:cNvPr id="4" name="Номер слайда 3">
+            <a:extLst>
+              <a:ext uri="{FF2B5EF4-FFF2-40B4-BE49-F238E27FC236}">
+                <a16:creationId xmlns:a16="http://schemas.microsoft.com/office/drawing/2014/main" id="{A3816F35-8456-BDDD-013E-9B5EE9D6093E}"/>
+              </a:ext>
+            </a:extLst>
+          </p:cNvPr>
+          <p:cNvSpPr>
+            <a:spLocks noGrp="1"/>
+          </p:cNvSpPr>
+          <p:nvPr>
+            <p:ph type="sldNum" sz="quarter" idx="12"/>
+          </p:nvPr>
+        </p:nvSpPr>
+        <p:spPr/>
+        <p:txBody>
+          <a:bodyPr/>
+          <a:lstStyle/>
+          <a:p>
+            <a:fld id="{FCC830AB-BB55-4931-9754-9C7F27E623DA}" type="slidenum">
+              <a:rPr lang="ru-RU" smtClean="0"/>
+              <a:t>10</a:t>
+            </a:fld>
+            <a:endParaRPr lang="ru-RU"/>
+          </a:p>
+        </p:txBody>
+      </p:sp>
     </p:spTree>
     <p:extLst>
       <p:ext uri="{BB962C8B-B14F-4D97-AF65-F5344CB8AC3E}">
@@ -11306,7 +11691,7 @@
             <p:ph idx="1"/>
             <p:extLst>
               <p:ext uri="{D42A27DB-BD31-4B8C-83A1-F6EECF244321}">
-                <p14:modId xmlns:p14="http://schemas.microsoft.com/office/powerpoint/2010/main" val="2891117149"/>
+                <p14:modId xmlns:p14="http://schemas.microsoft.com/office/powerpoint/2010/main" val="2301914934"/>
               </p:ext>
             </p:extLst>
           </p:nvPr>
@@ -11321,6 +11706,35 @@
           </a:graphicData>
         </a:graphic>
       </p:graphicFrame>
+      <p:sp>
+        <p:nvSpPr>
+          <p:cNvPr id="5" name="Номер слайда 4">
+            <a:extLst>
+              <a:ext uri="{FF2B5EF4-FFF2-40B4-BE49-F238E27FC236}">
+                <a16:creationId xmlns:a16="http://schemas.microsoft.com/office/drawing/2014/main" id="{CC58FA37-1A7F-3534-304D-2E13756A3D45}"/>
+              </a:ext>
+            </a:extLst>
+          </p:cNvPr>
+          <p:cNvSpPr>
+            <a:spLocks noGrp="1"/>
+          </p:cNvSpPr>
+          <p:nvPr>
+            <p:ph type="sldNum" sz="quarter" idx="12"/>
+          </p:nvPr>
+        </p:nvSpPr>
+        <p:spPr/>
+        <p:txBody>
+          <a:bodyPr/>
+          <a:lstStyle/>
+          <a:p>
+            <a:fld id="{FCC830AB-BB55-4931-9754-9C7F27E623DA}" type="slidenum">
+              <a:rPr lang="ru-RU" smtClean="0"/>
+              <a:t>11</a:t>
+            </a:fld>
+            <a:endParaRPr lang="ru-RU"/>
+          </a:p>
+        </p:txBody>
+      </p:sp>
     </p:spTree>
     <p:extLst>
       <p:ext uri="{BB962C8B-B14F-4D97-AF65-F5344CB8AC3E}">
@@ -11757,6 +12171,35 @@
             <a:endParaRPr lang="en-US" sz="3900" dirty="0">
               <a:latin typeface="Century Gothic" panose="020B0502020202020204" pitchFamily="34" charset="0"/>
             </a:endParaRPr>
+          </a:p>
+        </p:txBody>
+      </p:sp>
+      <p:sp>
+        <p:nvSpPr>
+          <p:cNvPr id="4" name="Номер слайда 3">
+            <a:extLst>
+              <a:ext uri="{FF2B5EF4-FFF2-40B4-BE49-F238E27FC236}">
+                <a16:creationId xmlns:a16="http://schemas.microsoft.com/office/drawing/2014/main" id="{4064AD14-3B9A-7F44-13DA-E5EBB1AC28AA}"/>
+              </a:ext>
+            </a:extLst>
+          </p:cNvPr>
+          <p:cNvSpPr>
+            <a:spLocks noGrp="1"/>
+          </p:cNvSpPr>
+          <p:nvPr>
+            <p:ph type="sldNum" sz="quarter" idx="12"/>
+          </p:nvPr>
+        </p:nvSpPr>
+        <p:spPr/>
+        <p:txBody>
+          <a:bodyPr/>
+          <a:lstStyle/>
+          <a:p>
+            <a:fld id="{FCC830AB-BB55-4931-9754-9C7F27E623DA}" type="slidenum">
+              <a:rPr lang="ru-RU" smtClean="0"/>
+              <a:t>12</a:t>
+            </a:fld>
+            <a:endParaRPr lang="ru-RU"/>
           </a:p>
         </p:txBody>
       </p:sp>
@@ -12311,6 +12754,35 @@
           </a:xfrm>
         </p:spPr>
       </p:pic>
+      <p:sp>
+        <p:nvSpPr>
+          <p:cNvPr id="4" name="Номер слайда 3">
+            <a:extLst>
+              <a:ext uri="{FF2B5EF4-FFF2-40B4-BE49-F238E27FC236}">
+                <a16:creationId xmlns:a16="http://schemas.microsoft.com/office/drawing/2014/main" id="{B0C0E5AB-C441-316F-6A71-EA56D2689800}"/>
+              </a:ext>
+            </a:extLst>
+          </p:cNvPr>
+          <p:cNvSpPr>
+            <a:spLocks noGrp="1"/>
+          </p:cNvSpPr>
+          <p:nvPr>
+            <p:ph type="sldNum" sz="quarter" idx="12"/>
+          </p:nvPr>
+        </p:nvSpPr>
+        <p:spPr/>
+        <p:txBody>
+          <a:bodyPr/>
+          <a:lstStyle/>
+          <a:p>
+            <a:fld id="{FCC830AB-BB55-4931-9754-9C7F27E623DA}" type="slidenum">
+              <a:rPr lang="ru-RU" smtClean="0"/>
+              <a:t>13</a:t>
+            </a:fld>
+            <a:endParaRPr lang="ru-RU"/>
+          </a:p>
+        </p:txBody>
+      </p:sp>
     </p:spTree>
     <p:extLst>
       <p:ext uri="{BB962C8B-B14F-4D97-AF65-F5344CB8AC3E}">
@@ -12740,6 +13212,35 @@
           </a:xfrm>
         </p:spPr>
       </p:pic>
+      <p:sp>
+        <p:nvSpPr>
+          <p:cNvPr id="4" name="Номер слайда 3">
+            <a:extLst>
+              <a:ext uri="{FF2B5EF4-FFF2-40B4-BE49-F238E27FC236}">
+                <a16:creationId xmlns:a16="http://schemas.microsoft.com/office/drawing/2014/main" id="{E0F326E4-B161-0835-BF0A-FCFFB3793EA9}"/>
+              </a:ext>
+            </a:extLst>
+          </p:cNvPr>
+          <p:cNvSpPr>
+            <a:spLocks noGrp="1"/>
+          </p:cNvSpPr>
+          <p:nvPr>
+            <p:ph type="sldNum" sz="quarter" idx="12"/>
+          </p:nvPr>
+        </p:nvSpPr>
+        <p:spPr/>
+        <p:txBody>
+          <a:bodyPr/>
+          <a:lstStyle/>
+          <a:p>
+            <a:fld id="{FCC830AB-BB55-4931-9754-9C7F27E623DA}" type="slidenum">
+              <a:rPr lang="ru-RU" smtClean="0"/>
+              <a:t>14</a:t>
+            </a:fld>
+            <a:endParaRPr lang="ru-RU"/>
+          </a:p>
+        </p:txBody>
+      </p:sp>
     </p:spTree>
     <p:extLst>
       <p:ext uri="{BB962C8B-B14F-4D97-AF65-F5344CB8AC3E}">
@@ -13151,6 +13652,35 @@
           </a:xfrm>
         </p:spPr>
       </p:pic>
+      <p:sp>
+        <p:nvSpPr>
+          <p:cNvPr id="4" name="Номер слайда 3">
+            <a:extLst>
+              <a:ext uri="{FF2B5EF4-FFF2-40B4-BE49-F238E27FC236}">
+                <a16:creationId xmlns:a16="http://schemas.microsoft.com/office/drawing/2014/main" id="{B9A02393-80CA-8ED7-451A-24364FFD42C0}"/>
+              </a:ext>
+            </a:extLst>
+          </p:cNvPr>
+          <p:cNvSpPr>
+            <a:spLocks noGrp="1"/>
+          </p:cNvSpPr>
+          <p:nvPr>
+            <p:ph type="sldNum" sz="quarter" idx="12"/>
+          </p:nvPr>
+        </p:nvSpPr>
+        <p:spPr/>
+        <p:txBody>
+          <a:bodyPr/>
+          <a:lstStyle/>
+          <a:p>
+            <a:fld id="{FCC830AB-BB55-4931-9754-9C7F27E623DA}" type="slidenum">
+              <a:rPr lang="ru-RU" smtClean="0"/>
+              <a:t>15</a:t>
+            </a:fld>
+            <a:endParaRPr lang="ru-RU"/>
+          </a:p>
+        </p:txBody>
+      </p:sp>
     </p:spTree>
     <p:extLst>
       <p:ext uri="{BB962C8B-B14F-4D97-AF65-F5344CB8AC3E}">
@@ -13429,6 +13959,35 @@
           </a:p>
         </p:txBody>
       </p:sp>
+      <p:sp>
+        <p:nvSpPr>
+          <p:cNvPr id="4" name="Номер слайда 3">
+            <a:extLst>
+              <a:ext uri="{FF2B5EF4-FFF2-40B4-BE49-F238E27FC236}">
+                <a16:creationId xmlns:a16="http://schemas.microsoft.com/office/drawing/2014/main" id="{83E518D6-D487-EF20-E96C-7F06ABB19A13}"/>
+              </a:ext>
+            </a:extLst>
+          </p:cNvPr>
+          <p:cNvSpPr>
+            <a:spLocks noGrp="1"/>
+          </p:cNvSpPr>
+          <p:nvPr>
+            <p:ph type="sldNum" sz="quarter" idx="12"/>
+          </p:nvPr>
+        </p:nvSpPr>
+        <p:spPr/>
+        <p:txBody>
+          <a:bodyPr/>
+          <a:lstStyle/>
+          <a:p>
+            <a:fld id="{FCC830AB-BB55-4931-9754-9C7F27E623DA}" type="slidenum">
+              <a:rPr lang="ru-RU" smtClean="0"/>
+              <a:t>16</a:t>
+            </a:fld>
+            <a:endParaRPr lang="ru-RU"/>
+          </a:p>
+        </p:txBody>
+      </p:sp>
     </p:spTree>
     <p:extLst>
       <p:ext uri="{BB962C8B-B14F-4D97-AF65-F5344CB8AC3E}">
@@ -13792,6 +14351,35 @@
           </a:p>
         </p:txBody>
       </p:sp>
+      <p:sp>
+        <p:nvSpPr>
+          <p:cNvPr id="5" name="Номер слайда 4">
+            <a:extLst>
+              <a:ext uri="{FF2B5EF4-FFF2-40B4-BE49-F238E27FC236}">
+                <a16:creationId xmlns:a16="http://schemas.microsoft.com/office/drawing/2014/main" id="{41EF02BC-DB2D-3BB0-4C3A-B35295E9C5F0}"/>
+              </a:ext>
+            </a:extLst>
+          </p:cNvPr>
+          <p:cNvSpPr>
+            <a:spLocks noGrp="1"/>
+          </p:cNvSpPr>
+          <p:nvPr>
+            <p:ph type="sldNum" sz="quarter" idx="12"/>
+          </p:nvPr>
+        </p:nvSpPr>
+        <p:spPr/>
+        <p:txBody>
+          <a:bodyPr/>
+          <a:lstStyle/>
+          <a:p>
+            <a:fld id="{FCC830AB-BB55-4931-9754-9C7F27E623DA}" type="slidenum">
+              <a:rPr lang="ru-RU" smtClean="0"/>
+              <a:t>17</a:t>
+            </a:fld>
+            <a:endParaRPr lang="ru-RU"/>
+          </a:p>
+        </p:txBody>
+      </p:sp>
     </p:spTree>
     <p:extLst>
       <p:ext uri="{BB962C8B-B14F-4D97-AF65-F5344CB8AC3E}">
@@ -14169,6 +14757,35 @@
           </a:p>
           <a:p>
             <a:endParaRPr lang="ru-RU" dirty="0"/>
+          </a:p>
+        </p:txBody>
+      </p:sp>
+      <p:sp>
+        <p:nvSpPr>
+          <p:cNvPr id="5" name="Номер слайда 4">
+            <a:extLst>
+              <a:ext uri="{FF2B5EF4-FFF2-40B4-BE49-F238E27FC236}">
+                <a16:creationId xmlns:a16="http://schemas.microsoft.com/office/drawing/2014/main" id="{4502F6D5-ED17-67FB-91CA-57290D911AFA}"/>
+              </a:ext>
+            </a:extLst>
+          </p:cNvPr>
+          <p:cNvSpPr>
+            <a:spLocks noGrp="1"/>
+          </p:cNvSpPr>
+          <p:nvPr>
+            <p:ph type="sldNum" sz="quarter" idx="12"/>
+          </p:nvPr>
+        </p:nvSpPr>
+        <p:spPr/>
+        <p:txBody>
+          <a:bodyPr/>
+          <a:lstStyle/>
+          <a:p>
+            <a:fld id="{FCC830AB-BB55-4931-9754-9C7F27E623DA}" type="slidenum">
+              <a:rPr lang="ru-RU" smtClean="0"/>
+              <a:t>2</a:t>
+            </a:fld>
+            <a:endParaRPr lang="ru-RU"/>
           </a:p>
         </p:txBody>
       </p:sp>
@@ -14743,6 +15360,35 @@
           </a:prstGeom>
         </p:spPr>
       </p:pic>
+      <p:sp>
+        <p:nvSpPr>
+          <p:cNvPr id="5" name="Номер слайда 4">
+            <a:extLst>
+              <a:ext uri="{FF2B5EF4-FFF2-40B4-BE49-F238E27FC236}">
+                <a16:creationId xmlns:a16="http://schemas.microsoft.com/office/drawing/2014/main" id="{C6914E7F-5382-7E3F-775E-FF3E52B9B934}"/>
+              </a:ext>
+            </a:extLst>
+          </p:cNvPr>
+          <p:cNvSpPr>
+            <a:spLocks noGrp="1"/>
+          </p:cNvSpPr>
+          <p:nvPr>
+            <p:ph type="sldNum" sz="quarter" idx="12"/>
+          </p:nvPr>
+        </p:nvSpPr>
+        <p:spPr/>
+        <p:txBody>
+          <a:bodyPr/>
+          <a:lstStyle/>
+          <a:p>
+            <a:fld id="{FCC830AB-BB55-4931-9754-9C7F27E623DA}" type="slidenum">
+              <a:rPr lang="ru-RU" smtClean="0"/>
+              <a:t>3</a:t>
+            </a:fld>
+            <a:endParaRPr lang="ru-RU"/>
+          </a:p>
+        </p:txBody>
+      </p:sp>
     </p:spTree>
     <p:extLst>
       <p:ext uri="{BB962C8B-B14F-4D97-AF65-F5344CB8AC3E}">
@@ -15187,6 +15833,35 @@
           </a:graphicData>
         </a:graphic>
       </p:graphicFrame>
+      <p:sp>
+        <p:nvSpPr>
+          <p:cNvPr id="4" name="Номер слайда 3">
+            <a:extLst>
+              <a:ext uri="{FF2B5EF4-FFF2-40B4-BE49-F238E27FC236}">
+                <a16:creationId xmlns:a16="http://schemas.microsoft.com/office/drawing/2014/main" id="{5EB60364-1E5B-24DB-82D8-CD1282D65D9D}"/>
+              </a:ext>
+            </a:extLst>
+          </p:cNvPr>
+          <p:cNvSpPr>
+            <a:spLocks noGrp="1"/>
+          </p:cNvSpPr>
+          <p:nvPr>
+            <p:ph type="sldNum" sz="quarter" idx="12"/>
+          </p:nvPr>
+        </p:nvSpPr>
+        <p:spPr/>
+        <p:txBody>
+          <a:bodyPr/>
+          <a:lstStyle/>
+          <a:p>
+            <a:fld id="{FCC830AB-BB55-4931-9754-9C7F27E623DA}" type="slidenum">
+              <a:rPr lang="ru-RU" smtClean="0"/>
+              <a:t>4</a:t>
+            </a:fld>
+            <a:endParaRPr lang="ru-RU"/>
+          </a:p>
+        </p:txBody>
+      </p:sp>
     </p:spTree>
     <p:extLst>
       <p:ext uri="{BB962C8B-B14F-4D97-AF65-F5344CB8AC3E}">
@@ -15861,6 +16536,35 @@
           </a:p>
         </p:txBody>
       </p:sp>
+      <p:sp>
+        <p:nvSpPr>
+          <p:cNvPr id="6" name="Номер слайда 5">
+            <a:extLst>
+              <a:ext uri="{FF2B5EF4-FFF2-40B4-BE49-F238E27FC236}">
+                <a16:creationId xmlns:a16="http://schemas.microsoft.com/office/drawing/2014/main" id="{ABF20DE4-5912-1454-2AB9-3185C7E1C930}"/>
+              </a:ext>
+            </a:extLst>
+          </p:cNvPr>
+          <p:cNvSpPr>
+            <a:spLocks noGrp="1"/>
+          </p:cNvSpPr>
+          <p:nvPr>
+            <p:ph type="sldNum" sz="quarter" idx="12"/>
+          </p:nvPr>
+        </p:nvSpPr>
+        <p:spPr/>
+        <p:txBody>
+          <a:bodyPr/>
+          <a:lstStyle/>
+          <a:p>
+            <a:fld id="{FCC830AB-BB55-4931-9754-9C7F27E623DA}" type="slidenum">
+              <a:rPr lang="ru-RU" smtClean="0"/>
+              <a:t>5</a:t>
+            </a:fld>
+            <a:endParaRPr lang="ru-RU"/>
+          </a:p>
+        </p:txBody>
+      </p:sp>
     </p:spTree>
     <p:extLst>
       <p:ext uri="{BB962C8B-B14F-4D97-AF65-F5344CB8AC3E}">
@@ -16025,6 +16729,35 @@
           </a:prstGeom>
         </p:spPr>
       </p:pic>
+      <p:sp>
+        <p:nvSpPr>
+          <p:cNvPr id="4" name="Номер слайда 3">
+            <a:extLst>
+              <a:ext uri="{FF2B5EF4-FFF2-40B4-BE49-F238E27FC236}">
+                <a16:creationId xmlns:a16="http://schemas.microsoft.com/office/drawing/2014/main" id="{7C8434F3-D104-C5C1-FDFE-62CF89C14176}"/>
+              </a:ext>
+            </a:extLst>
+          </p:cNvPr>
+          <p:cNvSpPr>
+            <a:spLocks noGrp="1"/>
+          </p:cNvSpPr>
+          <p:nvPr>
+            <p:ph type="sldNum" sz="quarter" idx="12"/>
+          </p:nvPr>
+        </p:nvSpPr>
+        <p:spPr/>
+        <p:txBody>
+          <a:bodyPr/>
+          <a:lstStyle/>
+          <a:p>
+            <a:fld id="{FCC830AB-BB55-4931-9754-9C7F27E623DA}" type="slidenum">
+              <a:rPr lang="ru-RU" smtClean="0"/>
+              <a:t>6</a:t>
+            </a:fld>
+            <a:endParaRPr lang="ru-RU"/>
+          </a:p>
+        </p:txBody>
+      </p:sp>
     </p:spTree>
     <p:extLst>
       <p:ext uri="{BB962C8B-B14F-4D97-AF65-F5344CB8AC3E}">
@@ -16507,6 +17240,35 @@
           <a:p>
             <a:pPr algn="ctr"/>
             <a:endParaRPr lang="en-US"/>
+          </a:p>
+        </p:txBody>
+      </p:sp>
+      <p:sp>
+        <p:nvSpPr>
+          <p:cNvPr id="4" name="Номер слайда 3">
+            <a:extLst>
+              <a:ext uri="{FF2B5EF4-FFF2-40B4-BE49-F238E27FC236}">
+                <a16:creationId xmlns:a16="http://schemas.microsoft.com/office/drawing/2014/main" id="{F0D1B7E8-58B2-844D-4117-ADF6494D13F8}"/>
+              </a:ext>
+            </a:extLst>
+          </p:cNvPr>
+          <p:cNvSpPr>
+            <a:spLocks noGrp="1"/>
+          </p:cNvSpPr>
+          <p:nvPr>
+            <p:ph type="sldNum" sz="quarter" idx="12"/>
+          </p:nvPr>
+        </p:nvSpPr>
+        <p:spPr/>
+        <p:txBody>
+          <a:bodyPr/>
+          <a:lstStyle/>
+          <a:p>
+            <a:fld id="{FCC830AB-BB55-4931-9754-9C7F27E623DA}" type="slidenum">
+              <a:rPr lang="ru-RU" smtClean="0"/>
+              <a:t>7</a:t>
+            </a:fld>
+            <a:endParaRPr lang="ru-RU"/>
           </a:p>
         </p:txBody>
       </p:sp>
@@ -17842,6 +18604,35 @@
           </a:graphicData>
         </a:graphic>
       </p:graphicFrame>
+      <p:sp>
+        <p:nvSpPr>
+          <p:cNvPr id="3" name="Номер слайда 2">
+            <a:extLst>
+              <a:ext uri="{FF2B5EF4-FFF2-40B4-BE49-F238E27FC236}">
+                <a16:creationId xmlns:a16="http://schemas.microsoft.com/office/drawing/2014/main" id="{90EA1939-FD31-CA2D-4526-D6939048BA59}"/>
+              </a:ext>
+            </a:extLst>
+          </p:cNvPr>
+          <p:cNvSpPr>
+            <a:spLocks noGrp="1"/>
+          </p:cNvSpPr>
+          <p:nvPr>
+            <p:ph type="sldNum" sz="quarter" idx="12"/>
+          </p:nvPr>
+        </p:nvSpPr>
+        <p:spPr/>
+        <p:txBody>
+          <a:bodyPr/>
+          <a:lstStyle/>
+          <a:p>
+            <a:fld id="{FCC830AB-BB55-4931-9754-9C7F27E623DA}" type="slidenum">
+              <a:rPr lang="ru-RU" smtClean="0"/>
+              <a:t>8</a:t>
+            </a:fld>
+            <a:endParaRPr lang="ru-RU"/>
+          </a:p>
+        </p:txBody>
+      </p:sp>
     </p:spTree>
     <p:extLst>
       <p:ext uri="{BB962C8B-B14F-4D97-AF65-F5344CB8AC3E}">
@@ -18209,42 +19000,6 @@
       </p:sp>
       <p:pic>
         <p:nvPicPr>
-          <p:cNvPr id="23" name="Рисунок 22" descr="Изображение выглядит как Шрифт, Графика, логотип, символ&#10;&#10;Автоматически созданное описание">
-            <a:extLst>
-              <a:ext uri="{FF2B5EF4-FFF2-40B4-BE49-F238E27FC236}">
-                <a16:creationId xmlns:a16="http://schemas.microsoft.com/office/drawing/2014/main" id="{85C7DBB2-75A0-5613-0003-7B817D6891D2}"/>
-              </a:ext>
-            </a:extLst>
-          </p:cNvPr>
-          <p:cNvPicPr>
-            <a:picLocks noChangeAspect="1"/>
-          </p:cNvPicPr>
-          <p:nvPr/>
-        </p:nvPicPr>
-        <p:blipFill>
-          <a:blip r:embed="rId2">
-            <a:extLst>
-              <a:ext uri="{28A0092B-C50C-407E-A947-70E740481C1C}">
-                <a14:useLocalDpi xmlns:a14="http://schemas.microsoft.com/office/drawing/2010/main" val="0"/>
-              </a:ext>
-            </a:extLst>
-          </a:blip>
-          <a:stretch>
-            <a:fillRect/>
-          </a:stretch>
-        </p:blipFill>
-        <p:spPr>
-          <a:xfrm>
-            <a:off x="1363355" y="4119842"/>
-            <a:ext cx="2446384" cy="1113104"/>
-          </a:xfrm>
-          <a:prstGeom prst="rect">
-            <a:avLst/>
-          </a:prstGeom>
-        </p:spPr>
-      </p:pic>
-      <p:pic>
-        <p:nvPicPr>
           <p:cNvPr id="30" name="Рисунок 29" descr="Изображение выглядит как Графика, снимок экрана, символ, логотип&#10;&#10;Автоматически созданное описание">
             <a:extLst>
               <a:ext uri="{FF2B5EF4-FFF2-40B4-BE49-F238E27FC236}">
@@ -18258,7 +19013,7 @@
           <p:nvPr/>
         </p:nvPicPr>
         <p:blipFill>
-          <a:blip r:embed="rId3">
+          <a:blip r:embed="rId2">
             <a:extLst>
               <a:ext uri="{28A0092B-C50C-407E-A947-70E740481C1C}">
                 <a14:useLocalDpi xmlns:a14="http://schemas.microsoft.com/office/drawing/2010/main" val="0"/>
@@ -18300,7 +19055,7 @@
           <p:nvPr/>
         </p:nvPicPr>
         <p:blipFill>
-          <a:blip r:embed="rId4">
+          <a:blip r:embed="rId3">
             <a:extLst>
               <a:ext uri="{28A0092B-C50C-407E-A947-70E740481C1C}">
                 <a14:useLocalDpi xmlns:a14="http://schemas.microsoft.com/office/drawing/2010/main" val="0"/>
@@ -18321,6 +19076,35 @@
           </a:prstGeom>
         </p:spPr>
       </p:pic>
+      <p:sp>
+        <p:nvSpPr>
+          <p:cNvPr id="4" name="Номер слайда 3">
+            <a:extLst>
+              <a:ext uri="{FF2B5EF4-FFF2-40B4-BE49-F238E27FC236}">
+                <a16:creationId xmlns:a16="http://schemas.microsoft.com/office/drawing/2014/main" id="{81A64283-4089-9473-F7C4-70BE34ED1F93}"/>
+              </a:ext>
+            </a:extLst>
+          </p:cNvPr>
+          <p:cNvSpPr>
+            <a:spLocks noGrp="1"/>
+          </p:cNvSpPr>
+          <p:nvPr>
+            <p:ph type="sldNum" sz="quarter" idx="12"/>
+          </p:nvPr>
+        </p:nvSpPr>
+        <p:spPr/>
+        <p:txBody>
+          <a:bodyPr/>
+          <a:lstStyle/>
+          <a:p>
+            <a:fld id="{FCC830AB-BB55-4931-9754-9C7F27E623DA}" type="slidenum">
+              <a:rPr lang="ru-RU" smtClean="0"/>
+              <a:t>9</a:t>
+            </a:fld>
+            <a:endParaRPr lang="ru-RU"/>
+          </a:p>
+        </p:txBody>
+      </p:sp>
     </p:spTree>
     <p:extLst>
       <p:ext uri="{BB962C8B-B14F-4D97-AF65-F5344CB8AC3E}">
@@ -18593,4 +19377,299 @@
     </a:ext>
   </a:extLst>
 </a:theme>
+</file>
+
+<file path=ppt/theme/theme2.xml><?xml version="1.0" encoding="utf-8"?>
+<a:theme xmlns:a="http://schemas.openxmlformats.org/drawingml/2006/main" name="Тема Office">
+  <a:themeElements>
+    <a:clrScheme name="Стандартная">
+      <a:dk1>
+        <a:sysClr val="windowText" lastClr="000000"/>
+      </a:dk1>
+      <a:lt1>
+        <a:sysClr val="window" lastClr="FFFFFF"/>
+      </a:lt1>
+      <a:dk2>
+        <a:srgbClr val="44546A"/>
+      </a:dk2>
+      <a:lt2>
+        <a:srgbClr val="E7E6E6"/>
+      </a:lt2>
+      <a:accent1>
+        <a:srgbClr val="4472C4"/>
+      </a:accent1>
+      <a:accent2>
+        <a:srgbClr val="ED7D31"/>
+      </a:accent2>
+      <a:accent3>
+        <a:srgbClr val="A5A5A5"/>
+      </a:accent3>
+      <a:accent4>
+        <a:srgbClr val="FFC000"/>
+      </a:accent4>
+      <a:accent5>
+        <a:srgbClr val="5B9BD5"/>
+      </a:accent5>
+      <a:accent6>
+        <a:srgbClr val="70AD47"/>
+      </a:accent6>
+      <a:hlink>
+        <a:srgbClr val="0563C1"/>
+      </a:hlink>
+      <a:folHlink>
+        <a:srgbClr val="954F72"/>
+      </a:folHlink>
+    </a:clrScheme>
+    <a:fontScheme name="Стандартная">
+      <a:majorFont>
+        <a:latin typeface="Calibri Light" panose="020F0302020204030204"/>
+        <a:ea typeface=""/>
+        <a:cs typeface=""/>
+        <a:font script="Jpan" typeface="游ゴシック Light"/>
+        <a:font script="Hang" typeface="맑은 고딕"/>
+        <a:font script="Hans" typeface="等线 Light"/>
+        <a:font script="Hant" typeface="新細明體"/>
+        <a:font script="Arab" typeface="Times New Roman"/>
+        <a:font script="Hebr" typeface="Times New Roman"/>
+        <a:font script="Thai" typeface="Angsana New"/>
+        <a:font script="Ethi" typeface="Nyala"/>
+        <a:font script="Beng" typeface="Vrinda"/>
+        <a:font script="Gujr" typeface="Shruti"/>
+        <a:font script="Khmr" typeface="MoolBoran"/>
+        <a:font script="Knda" typeface="Tunga"/>
+        <a:font script="Guru" typeface="Raavi"/>
+        <a:font script="Cans" typeface="Euphemia"/>
+        <a:font script="Cher" typeface="Plantagenet Cherokee"/>
+        <a:font script="Yiii" typeface="Microsoft Yi Baiti"/>
+        <a:font script="Tibt" typeface="Microsoft Himalaya"/>
+        <a:font script="Thaa" typeface="MV Boli"/>
+        <a:font script="Deva" typeface="Mangal"/>
+        <a:font script="Telu" typeface="Gautami"/>
+        <a:font script="Taml" typeface="Latha"/>
+        <a:font script="Syrc" typeface="Estrangelo Edessa"/>
+        <a:font script="Orya" typeface="Kalinga"/>
+        <a:font script="Mlym" typeface="Kartika"/>
+        <a:font script="Laoo" typeface="DokChampa"/>
+        <a:font script="Sinh" typeface="Iskoola Pota"/>
+        <a:font script="Mong" typeface="Mongolian Baiti"/>
+        <a:font script="Viet" typeface="Times New Roman"/>
+        <a:font script="Uigh" typeface="Microsoft Uighur"/>
+        <a:font script="Geor" typeface="Sylfaen"/>
+        <a:font script="Armn" typeface="Arial"/>
+        <a:font script="Bugi" typeface="Leelawadee UI"/>
+        <a:font script="Bopo" typeface="Microsoft JhengHei"/>
+        <a:font script="Java" typeface="Javanese Text"/>
+        <a:font script="Lisu" typeface="Segoe UI"/>
+        <a:font script="Mymr" typeface="Myanmar Text"/>
+        <a:font script="Nkoo" typeface="Ebrima"/>
+        <a:font script="Olck" typeface="Nirmala UI"/>
+        <a:font script="Osma" typeface="Ebrima"/>
+        <a:font script="Phag" typeface="Phagspa"/>
+        <a:font script="Syrn" typeface="Estrangelo Edessa"/>
+        <a:font script="Syrj" typeface="Estrangelo Edessa"/>
+        <a:font script="Syre" typeface="Estrangelo Edessa"/>
+        <a:font script="Sora" typeface="Nirmala UI"/>
+        <a:font script="Tale" typeface="Microsoft Tai Le"/>
+        <a:font script="Talu" typeface="Microsoft New Tai Lue"/>
+        <a:font script="Tfng" typeface="Ebrima"/>
+      </a:majorFont>
+      <a:minorFont>
+        <a:latin typeface="Calibri" panose="020F0502020204030204"/>
+        <a:ea typeface=""/>
+        <a:cs typeface=""/>
+        <a:font script="Jpan" typeface="游ゴシック"/>
+        <a:font script="Hang" typeface="맑은 고딕"/>
+        <a:font script="Hans" typeface="等线"/>
+        <a:font script="Hant" typeface="新細明體"/>
+        <a:font script="Arab" typeface="Arial"/>
+        <a:font script="Hebr" typeface="Arial"/>
+        <a:font script="Thai" typeface="Cordia New"/>
+        <a:font script="Ethi" typeface="Nyala"/>
+        <a:font script="Beng" typeface="Vrinda"/>
+        <a:font script="Gujr" typeface="Shruti"/>
+        <a:font script="Khmr" typeface="DaunPenh"/>
+        <a:font script="Knda" typeface="Tunga"/>
+        <a:font script="Guru" typeface="Raavi"/>
+        <a:font script="Cans" typeface="Euphemia"/>
+        <a:font script="Cher" typeface="Plantagenet Cherokee"/>
+        <a:font script="Yiii" typeface="Microsoft Yi Baiti"/>
+        <a:font script="Tibt" typeface="Microsoft Himalaya"/>
+        <a:font script="Thaa" typeface="MV Boli"/>
+        <a:font script="Deva" typeface="Mangal"/>
+        <a:font script="Telu" typeface="Gautami"/>
+        <a:font script="Taml" typeface="Latha"/>
+        <a:font script="Syrc" typeface="Estrangelo Edessa"/>
+        <a:font script="Orya" typeface="Kalinga"/>
+        <a:font script="Mlym" typeface="Kartika"/>
+        <a:font script="Laoo" typeface="DokChampa"/>
+        <a:font script="Sinh" typeface="Iskoola Pota"/>
+        <a:font script="Mong" typeface="Mongolian Baiti"/>
+        <a:font script="Viet" typeface="Arial"/>
+        <a:font script="Uigh" typeface="Microsoft Uighur"/>
+        <a:font script="Geor" typeface="Sylfaen"/>
+        <a:font script="Armn" typeface="Arial"/>
+        <a:font script="Bugi" typeface="Leelawadee UI"/>
+        <a:font script="Bopo" typeface="Microsoft JhengHei"/>
+        <a:font script="Java" typeface="Javanese Text"/>
+        <a:font script="Lisu" typeface="Segoe UI"/>
+        <a:font script="Mymr" typeface="Myanmar Text"/>
+        <a:font script="Nkoo" typeface="Ebrima"/>
+        <a:font script="Olck" typeface="Nirmala UI"/>
+        <a:font script="Osma" typeface="Ebrima"/>
+        <a:font script="Phag" typeface="Phagspa"/>
+        <a:font script="Syrn" typeface="Estrangelo Edessa"/>
+        <a:font script="Syrj" typeface="Estrangelo Edessa"/>
+        <a:font script="Syre" typeface="Estrangelo Edessa"/>
+        <a:font script="Sora" typeface="Nirmala UI"/>
+        <a:font script="Tale" typeface="Microsoft Tai Le"/>
+        <a:font script="Talu" typeface="Microsoft New Tai Lue"/>
+        <a:font script="Tfng" typeface="Ebrima"/>
+      </a:minorFont>
+    </a:fontScheme>
+    <a:fmtScheme name="Стандартная">
+      <a:fillStyleLst>
+        <a:solidFill>
+          <a:schemeClr val="phClr"/>
+        </a:solidFill>
+        <a:gradFill rotWithShape="1">
+          <a:gsLst>
+            <a:gs pos="0">
+              <a:schemeClr val="phClr">
+                <a:lumMod val="110000"/>
+                <a:satMod val="105000"/>
+                <a:tint val="67000"/>
+              </a:schemeClr>
+            </a:gs>
+            <a:gs pos="50000">
+              <a:schemeClr val="phClr">
+                <a:lumMod val="105000"/>
+                <a:satMod val="103000"/>
+                <a:tint val="73000"/>
+              </a:schemeClr>
+            </a:gs>
+            <a:gs pos="100000">
+              <a:schemeClr val="phClr">
+                <a:lumMod val="105000"/>
+                <a:satMod val="109000"/>
+                <a:tint val="81000"/>
+              </a:schemeClr>
+            </a:gs>
+          </a:gsLst>
+          <a:lin ang="5400000" scaled="0"/>
+        </a:gradFill>
+        <a:gradFill rotWithShape="1">
+          <a:gsLst>
+            <a:gs pos="0">
+              <a:schemeClr val="phClr">
+                <a:satMod val="103000"/>
+                <a:lumMod val="102000"/>
+                <a:tint val="94000"/>
+              </a:schemeClr>
+            </a:gs>
+            <a:gs pos="50000">
+              <a:schemeClr val="phClr">
+                <a:satMod val="110000"/>
+                <a:lumMod val="100000"/>
+                <a:shade val="100000"/>
+              </a:schemeClr>
+            </a:gs>
+            <a:gs pos="100000">
+              <a:schemeClr val="phClr">
+                <a:lumMod val="99000"/>
+                <a:satMod val="120000"/>
+                <a:shade val="78000"/>
+              </a:schemeClr>
+            </a:gs>
+          </a:gsLst>
+          <a:lin ang="5400000" scaled="0"/>
+        </a:gradFill>
+      </a:fillStyleLst>
+      <a:lnStyleLst>
+        <a:ln w="6350" cap="flat" cmpd="sng" algn="ctr">
+          <a:solidFill>
+            <a:schemeClr val="phClr"/>
+          </a:solidFill>
+          <a:prstDash val="solid"/>
+          <a:miter lim="800000"/>
+        </a:ln>
+        <a:ln w="12700" cap="flat" cmpd="sng" algn="ctr">
+          <a:solidFill>
+            <a:schemeClr val="phClr"/>
+          </a:solidFill>
+          <a:prstDash val="solid"/>
+          <a:miter lim="800000"/>
+        </a:ln>
+        <a:ln w="19050" cap="flat" cmpd="sng" algn="ctr">
+          <a:solidFill>
+            <a:schemeClr val="phClr"/>
+          </a:solidFill>
+          <a:prstDash val="solid"/>
+          <a:miter lim="800000"/>
+        </a:ln>
+      </a:lnStyleLst>
+      <a:effectStyleLst>
+        <a:effectStyle>
+          <a:effectLst/>
+        </a:effectStyle>
+        <a:effectStyle>
+          <a:effectLst/>
+        </a:effectStyle>
+        <a:effectStyle>
+          <a:effectLst>
+            <a:outerShdw blurRad="57150" dist="19050" dir="5400000" algn="ctr" rotWithShape="0">
+              <a:srgbClr val="000000">
+                <a:alpha val="63000"/>
+              </a:srgbClr>
+            </a:outerShdw>
+          </a:effectLst>
+        </a:effectStyle>
+      </a:effectStyleLst>
+      <a:bgFillStyleLst>
+        <a:solidFill>
+          <a:schemeClr val="phClr"/>
+        </a:solidFill>
+        <a:solidFill>
+          <a:schemeClr val="phClr">
+            <a:tint val="95000"/>
+            <a:satMod val="170000"/>
+          </a:schemeClr>
+        </a:solidFill>
+        <a:gradFill rotWithShape="1">
+          <a:gsLst>
+            <a:gs pos="0">
+              <a:schemeClr val="phClr">
+                <a:tint val="93000"/>
+                <a:satMod val="150000"/>
+                <a:shade val="98000"/>
+                <a:lumMod val="102000"/>
+              </a:schemeClr>
+            </a:gs>
+            <a:gs pos="50000">
+              <a:schemeClr val="phClr">
+                <a:tint val="98000"/>
+                <a:satMod val="130000"/>
+                <a:shade val="90000"/>
+                <a:lumMod val="103000"/>
+              </a:schemeClr>
+            </a:gs>
+            <a:gs pos="100000">
+              <a:schemeClr val="phClr">
+                <a:shade val="63000"/>
+                <a:satMod val="120000"/>
+              </a:schemeClr>
+            </a:gs>
+          </a:gsLst>
+          <a:lin ang="5400000" scaled="0"/>
+        </a:gradFill>
+      </a:bgFillStyleLst>
+    </a:fmtScheme>
+  </a:themeElements>
+  <a:objectDefaults/>
+  <a:extraClrSchemeLst/>
+  <a:extLst>
+    <a:ext uri="{05A4C25C-085E-4340-85A3-A5531E510DB2}">
+      <thm15:themeFamily xmlns:thm15="http://schemas.microsoft.com/office/thememl/2012/main" name="Office Theme" id="{62F939B6-93AF-4DB8-9C6B-D6C7DFDC589F}" vid="{4A3C46E8-61CC-4603-A589-7422A47A8E4A}"/>
+    </a:ext>
+  </a:extLst>
+</a:theme>
 </file>
--- a/Презентация.pptx
+++ b/Презентация.pptx
@@ -7431,7 +7431,7 @@
           <a:p>
             <a:fld id="{4873F805-2ED8-4B05-893F-1250E0DB644D}" type="datetimeFigureOut">
               <a:rPr lang="ru-RU" smtClean="0"/>
-              <a:t>01.06.2023</a:t>
+              <a:t>15.06.2023</a:t>
             </a:fld>
             <a:endParaRPr lang="ru-RU"/>
           </a:p>
@@ -7829,7 +7829,7 @@
           <a:p>
             <a:fld id="{A28FB325-A08A-46A6-87D8-CACC6433E14C}" type="datetime1">
               <a:rPr lang="ru-RU" smtClean="0"/>
-              <a:t>01.06.2023</a:t>
+              <a:t>15.06.2023</a:t>
             </a:fld>
             <a:endParaRPr lang="ru-RU"/>
           </a:p>
@@ -7999,7 +7999,7 @@
           <a:p>
             <a:fld id="{A71830EF-CFB4-4992-8CF6-9E0963868456}" type="datetime1">
               <a:rPr lang="ru-RU" smtClean="0"/>
-              <a:t>01.06.2023</a:t>
+              <a:t>15.06.2023</a:t>
             </a:fld>
             <a:endParaRPr lang="ru-RU"/>
           </a:p>
@@ -8179,7 +8179,7 @@
           <a:p>
             <a:fld id="{D24D9A27-A93F-4540-962E-8654ACD7E91B}" type="datetime1">
               <a:rPr lang="ru-RU" smtClean="0"/>
-              <a:t>01.06.2023</a:t>
+              <a:t>15.06.2023</a:t>
             </a:fld>
             <a:endParaRPr lang="ru-RU"/>
           </a:p>
@@ -8349,7 +8349,7 @@
           <a:p>
             <a:fld id="{B06E3E15-A377-4A33-BC59-7E113C0073EF}" type="datetime1">
               <a:rPr lang="ru-RU" smtClean="0"/>
-              <a:t>01.06.2023</a:t>
+              <a:t>15.06.2023</a:t>
             </a:fld>
             <a:endParaRPr lang="ru-RU"/>
           </a:p>
@@ -8595,7 +8595,7 @@
           <a:p>
             <a:fld id="{6D2C5297-50E7-4737-8772-799A857ABE13}" type="datetime1">
               <a:rPr lang="ru-RU" smtClean="0"/>
-              <a:t>01.06.2023</a:t>
+              <a:t>15.06.2023</a:t>
             </a:fld>
             <a:endParaRPr lang="ru-RU"/>
           </a:p>
@@ -8827,7 +8827,7 @@
           <a:p>
             <a:fld id="{ED08D6EB-ACCB-4BAD-8DBE-515EC725D1CE}" type="datetime1">
               <a:rPr lang="ru-RU" smtClean="0"/>
-              <a:t>01.06.2023</a:t>
+              <a:t>15.06.2023</a:t>
             </a:fld>
             <a:endParaRPr lang="ru-RU"/>
           </a:p>
@@ -9194,7 +9194,7 @@
           <a:p>
             <a:fld id="{BBAE2646-C8B9-40CC-93FF-B4FF1DF91FFD}" type="datetime1">
               <a:rPr lang="ru-RU" smtClean="0"/>
-              <a:t>01.06.2023</a:t>
+              <a:t>15.06.2023</a:t>
             </a:fld>
             <a:endParaRPr lang="ru-RU"/>
           </a:p>
@@ -9312,7 +9312,7 @@
           <a:p>
             <a:fld id="{95F0C8B2-E25D-47D4-8768-A9FE8849DF1F}" type="datetime1">
               <a:rPr lang="ru-RU" smtClean="0"/>
-              <a:t>01.06.2023</a:t>
+              <a:t>15.06.2023</a:t>
             </a:fld>
             <a:endParaRPr lang="ru-RU"/>
           </a:p>
@@ -9407,7 +9407,7 @@
           <a:p>
             <a:fld id="{037B5E14-F873-44F9-B255-7870BFF7142A}" type="datetime1">
               <a:rPr lang="ru-RU" smtClean="0"/>
-              <a:t>01.06.2023</a:t>
+              <a:t>15.06.2023</a:t>
             </a:fld>
             <a:endParaRPr lang="ru-RU"/>
           </a:p>
@@ -9684,7 +9684,7 @@
           <a:p>
             <a:fld id="{46E1DD08-7397-400D-B00C-E8321709403A}" type="datetime1">
               <a:rPr lang="ru-RU" smtClean="0"/>
-              <a:t>01.06.2023</a:t>
+              <a:t>15.06.2023</a:t>
             </a:fld>
             <a:endParaRPr lang="ru-RU"/>
           </a:p>
@@ -9941,7 +9941,7 @@
           <a:p>
             <a:fld id="{D6F07156-CA4E-427A-BA22-9AE7EEA9B53E}" type="datetime1">
               <a:rPr lang="ru-RU" smtClean="0"/>
-              <a:t>01.06.2023</a:t>
+              <a:t>15.06.2023</a:t>
             </a:fld>
             <a:endParaRPr lang="ru-RU"/>
           </a:p>
@@ -10154,7 +10154,7 @@
           <a:p>
             <a:fld id="{CC945F3A-14C3-4755-9152-3BC1A7C6B021}" type="datetime1">
               <a:rPr lang="ru-RU" smtClean="0"/>
-              <a:t>01.06.2023</a:t>
+              <a:t>15.06.2023</a:t>
             </a:fld>
             <a:endParaRPr lang="ru-RU"/>
           </a:p>
@@ -16686,8 +16686,8 @@
         </p:blipFill>
         <p:spPr>
           <a:xfrm>
-            <a:off x="7164475" y="496632"/>
-            <a:ext cx="4441372" cy="1489550"/>
+            <a:off x="1205802" y="4294191"/>
+            <a:ext cx="4371033" cy="1489550"/>
           </a:xfrm>
           <a:prstGeom prst="rect">
             <a:avLst/>
@@ -16721,7 +16721,7 @@
         </p:blipFill>
         <p:spPr>
           <a:xfrm>
-            <a:off x="6408143" y="2393147"/>
+            <a:off x="6096000" y="1690688"/>
             <a:ext cx="4112479" cy="4099728"/>
           </a:xfrm>
           <a:prstGeom prst="rect">
